--- a/data/Diagrams.pptx
+++ b/data/Diagrams.pptx
@@ -8,6 +8,7 @@
     <p:sldId id="257" r:id="rId2"/>
     <p:sldId id="259" r:id="rId3"/>
     <p:sldId id="260" r:id="rId4"/>
+    <p:sldId id="261" r:id="rId5"/>
   </p:sldIdLst>
   <p:sldSz cx="9144000" cy="6858000" type="screen4x3"/>
   <p:notesSz cx="6858000" cy="9144000"/>
@@ -290,7 +291,7 @@
           <a:p>
             <a:fld id="{FD09FB90-A83B-E248-A89C-4D42C06EC9BD}" type="datetimeFigureOut">
               <a:rPr lang="en-US" smtClean="0"/>
-              <a:t>5/27/14</a:t>
+              <a:t>2/24/15</a:t>
             </a:fld>
             <a:endParaRPr lang="en-US"/>
           </a:p>
@@ -455,7 +456,7 @@
           <a:p>
             <a:fld id="{FD09FB90-A83B-E248-A89C-4D42C06EC9BD}" type="datetimeFigureOut">
               <a:rPr lang="en-US" smtClean="0"/>
-              <a:t>5/27/14</a:t>
+              <a:t>2/24/15</a:t>
             </a:fld>
             <a:endParaRPr lang="en-US"/>
           </a:p>
@@ -630,7 +631,7 @@
           <a:p>
             <a:fld id="{FD09FB90-A83B-E248-A89C-4D42C06EC9BD}" type="datetimeFigureOut">
               <a:rPr lang="en-US" smtClean="0"/>
-              <a:t>5/27/14</a:t>
+              <a:t>2/24/15</a:t>
             </a:fld>
             <a:endParaRPr lang="en-US"/>
           </a:p>
@@ -795,7 +796,7 @@
           <a:p>
             <a:fld id="{FD09FB90-A83B-E248-A89C-4D42C06EC9BD}" type="datetimeFigureOut">
               <a:rPr lang="en-US" smtClean="0"/>
-              <a:t>5/27/14</a:t>
+              <a:t>2/24/15</a:t>
             </a:fld>
             <a:endParaRPr lang="en-US"/>
           </a:p>
@@ -1036,7 +1037,7 @@
           <a:p>
             <a:fld id="{FD09FB90-A83B-E248-A89C-4D42C06EC9BD}" type="datetimeFigureOut">
               <a:rPr lang="en-US" smtClean="0"/>
-              <a:t>5/27/14</a:t>
+              <a:t>2/24/15</a:t>
             </a:fld>
             <a:endParaRPr lang="en-US"/>
           </a:p>
@@ -1319,7 +1320,7 @@
           <a:p>
             <a:fld id="{FD09FB90-A83B-E248-A89C-4D42C06EC9BD}" type="datetimeFigureOut">
               <a:rPr lang="en-US" smtClean="0"/>
-              <a:t>5/27/14</a:t>
+              <a:t>2/24/15</a:t>
             </a:fld>
             <a:endParaRPr lang="en-US"/>
           </a:p>
@@ -1736,7 +1737,7 @@
           <a:p>
             <a:fld id="{FD09FB90-A83B-E248-A89C-4D42C06EC9BD}" type="datetimeFigureOut">
               <a:rPr lang="en-US" smtClean="0"/>
-              <a:t>5/27/14</a:t>
+              <a:t>2/24/15</a:t>
             </a:fld>
             <a:endParaRPr lang="en-US"/>
           </a:p>
@@ -1849,7 +1850,7 @@
           <a:p>
             <a:fld id="{FD09FB90-A83B-E248-A89C-4D42C06EC9BD}" type="datetimeFigureOut">
               <a:rPr lang="en-US" smtClean="0"/>
-              <a:t>5/27/14</a:t>
+              <a:t>2/24/15</a:t>
             </a:fld>
             <a:endParaRPr lang="en-US"/>
           </a:p>
@@ -1939,7 +1940,7 @@
           <a:p>
             <a:fld id="{FD09FB90-A83B-E248-A89C-4D42C06EC9BD}" type="datetimeFigureOut">
               <a:rPr lang="en-US" smtClean="0"/>
-              <a:t>5/27/14</a:t>
+              <a:t>2/24/15</a:t>
             </a:fld>
             <a:endParaRPr lang="en-US"/>
           </a:p>
@@ -2211,7 +2212,7 @@
           <a:p>
             <a:fld id="{FD09FB90-A83B-E248-A89C-4D42C06EC9BD}" type="datetimeFigureOut">
               <a:rPr lang="en-US" smtClean="0"/>
-              <a:t>5/27/14</a:t>
+              <a:t>2/24/15</a:t>
             </a:fld>
             <a:endParaRPr lang="en-US"/>
           </a:p>
@@ -2459,7 +2460,7 @@
           <a:p>
             <a:fld id="{FD09FB90-A83B-E248-A89C-4D42C06EC9BD}" type="datetimeFigureOut">
               <a:rPr lang="en-US" smtClean="0"/>
-              <a:t>5/27/14</a:t>
+              <a:t>2/24/15</a:t>
             </a:fld>
             <a:endParaRPr lang="en-US"/>
           </a:p>
@@ -2667,7 +2668,7 @@
           <a:p>
             <a:fld id="{FD09FB90-A83B-E248-A89C-4D42C06EC9BD}" type="datetimeFigureOut">
               <a:rPr lang="en-US" smtClean="0"/>
-              <a:t>5/27/14</a:t>
+              <a:t>2/24/15</a:t>
             </a:fld>
             <a:endParaRPr lang="en-US"/>
           </a:p>
@@ -3045,7 +3046,7 @@
         </p:nvSpPr>
         <p:spPr>
           <a:xfrm>
-            <a:off x="6162101" y="2708920"/>
+            <a:off x="6162101" y="3789040"/>
             <a:ext cx="1512167" cy="622671"/>
           </a:xfrm>
           <a:prstGeom prst="rect">
@@ -3122,7 +3123,7 @@
         <p:spPr>
           <a:xfrm flipH="1">
             <a:off x="3268959" y="1463824"/>
-            <a:ext cx="3312369" cy="1245096"/>
+            <a:ext cx="3312370" cy="2290083"/>
           </a:xfrm>
           <a:prstGeom prst="straightConnector1">
             <a:avLst/>
@@ -3134,7 +3135,7 @@
             <a:prstDash val="solid"/>
             <a:round/>
             <a:headEnd type="none" w="med" len="med"/>
-            <a:tailEnd type="arrow" w="med" len="med"/>
+            <a:tailEnd type="arrow" w="sm" len="sm"/>
           </a:ln>
           <a:effectLst/>
         </p:spPr>
@@ -3163,7 +3164,7 @@
         </p:nvCxnSpPr>
         <p:spPr>
           <a:xfrm flipH="1">
-            <a:off x="3268959" y="3020256"/>
+            <a:off x="3268959" y="4100376"/>
             <a:ext cx="2893142" cy="0"/>
           </a:xfrm>
           <a:prstGeom prst="straightConnector1">
@@ -3176,7 +3177,7 @@
             <a:prstDash val="solid"/>
             <a:round/>
             <a:headEnd type="none" w="med" len="med"/>
-            <a:tailEnd type="arrow" w="med" len="med"/>
+            <a:tailEnd type="arrow" w="sm" len="sm"/>
           </a:ln>
           <a:effectLst/>
         </p:spPr>
@@ -3207,7 +3208,7 @@
         <p:spPr>
           <a:xfrm>
             <a:off x="2512876" y="1628800"/>
-            <a:ext cx="0" cy="1080120"/>
+            <a:ext cx="0" cy="2160240"/>
           </a:xfrm>
           <a:prstGeom prst="straightConnector1">
             <a:avLst/>
@@ -3219,7 +3220,7 @@
             <a:prstDash val="solid"/>
             <a:round/>
             <a:headEnd type="none" w="med" len="med"/>
-            <a:tailEnd type="arrow" w="med" len="med"/>
+            <a:tailEnd type="arrow" w="sm" len="sm"/>
           </a:ln>
           <a:effectLst/>
         </p:spPr>
@@ -3250,7 +3251,7 @@
         <p:spPr>
           <a:xfrm flipH="1" flipV="1">
             <a:off x="6905364" y="1633089"/>
-            <a:ext cx="12821" cy="1075831"/>
+            <a:ext cx="12821" cy="2155951"/>
           </a:xfrm>
           <a:prstGeom prst="straightConnector1">
             <a:avLst/>
@@ -3262,7 +3263,7 @@
             <a:prstDash val="solid"/>
             <a:round/>
             <a:headEnd type="none" w="med" len="med"/>
-            <a:tailEnd type="arrow" w="med" len="med"/>
+            <a:tailEnd type="arrow" w="sm" len="sm"/>
           </a:ln>
           <a:effectLst/>
         </p:spPr>
@@ -3305,7 +3306,7 @@
             <a:prstDash val="solid"/>
             <a:round/>
             <a:headEnd type="none" w="med" len="med"/>
-            <a:tailEnd type="arrow" w="med" len="med"/>
+            <a:tailEnd type="arrow" w="sm" len="sm"/>
           </a:ln>
           <a:effectLst/>
         </p:spPr>
@@ -3332,7 +3333,7 @@
         </p:nvSpPr>
         <p:spPr>
           <a:xfrm>
-            <a:off x="3314835" y="998589"/>
+            <a:off x="3314835" y="945595"/>
             <a:ext cx="2762437" cy="323165"/>
           </a:xfrm>
           <a:prstGeom prst="rect">
@@ -3350,14 +3351,14 @@
             <a:pPr algn="ctr"/>
             <a:r>
               <a:rPr lang="en-US" sz="1500" dirty="0" err="1" smtClean="0">
-                <a:latin typeface="Arial"/>
-                <a:cs typeface="Arial"/>
+                <a:latin typeface="Courier New"/>
+                <a:cs typeface="Courier New"/>
               </a:rPr>
               <a:t>composedBySwStack</a:t>
             </a:r>
             <a:endParaRPr lang="en-US" sz="1500" dirty="0">
-              <a:latin typeface="Arial"/>
-              <a:cs typeface="Arial"/>
+              <a:latin typeface="Courier New"/>
+              <a:cs typeface="Courier New"/>
             </a:endParaRPr>
           </a:p>
         </p:txBody>
@@ -3370,7 +3371,7 @@
         </p:nvSpPr>
         <p:spPr>
           <a:xfrm>
-            <a:off x="3484984" y="2996952"/>
+            <a:off x="3484984" y="3753907"/>
             <a:ext cx="2592288" cy="323165"/>
           </a:xfrm>
           <a:prstGeom prst="rect">
@@ -3388,14 +3389,14 @@
             <a:pPr algn="ctr"/>
             <a:r>
               <a:rPr lang="en-US" sz="1500" dirty="0" err="1" smtClean="0">
-                <a:latin typeface="Arial"/>
-                <a:cs typeface="Arial"/>
+                <a:latin typeface="Courier New"/>
+                <a:cs typeface="Courier New"/>
               </a:rPr>
               <a:t>requiresHardware</a:t>
             </a:r>
             <a:endParaRPr lang="en-US" sz="1500" dirty="0">
-              <a:latin typeface="Arial"/>
-              <a:cs typeface="Arial"/>
+              <a:latin typeface="Courier New"/>
+              <a:cs typeface="Courier New"/>
             </a:endParaRPr>
           </a:p>
         </p:txBody>
@@ -3407,8 +3408,8 @@
           <p:nvPr/>
         </p:nvSpPr>
         <p:spPr>
-          <a:xfrm>
-            <a:off x="281136" y="2006406"/>
+          <a:xfrm rot="16200000">
+            <a:off x="1223446" y="2565593"/>
             <a:ext cx="2123728" cy="323165"/>
           </a:xfrm>
           <a:prstGeom prst="rect">
@@ -3423,17 +3424,17 @@
           </a:bodyPr>
           <a:lstStyle/>
           <a:p>
-            <a:pPr algn="r"/>
+            <a:pPr algn="ctr"/>
             <a:r>
               <a:rPr lang="en-US" sz="1500" dirty="0" err="1" smtClean="0">
-                <a:latin typeface="Arial"/>
-                <a:cs typeface="Arial"/>
+                <a:latin typeface="Courier New"/>
+                <a:cs typeface="Courier New"/>
               </a:rPr>
               <a:t>composedByHwSpec</a:t>
             </a:r>
             <a:endParaRPr lang="en-US" sz="1500" dirty="0">
-              <a:latin typeface="Arial"/>
-              <a:cs typeface="Arial"/>
+              <a:latin typeface="Courier New"/>
+              <a:cs typeface="Courier New"/>
             </a:endParaRPr>
           </a:p>
         </p:txBody>
@@ -3445,9 +3446,9 @@
           <p:nvPr/>
         </p:nvSpPr>
         <p:spPr>
-          <a:xfrm>
-            <a:off x="7013376" y="2006406"/>
-            <a:ext cx="1879104" cy="323165"/>
+          <a:xfrm rot="16200000">
+            <a:off x="6017482" y="2566013"/>
+            <a:ext cx="2124571" cy="323165"/>
           </a:xfrm>
           <a:prstGeom prst="rect">
             <a:avLst/>
@@ -3461,17 +3462,17 @@
           </a:bodyPr>
           <a:lstStyle/>
           <a:p>
-            <a:pPr algn="just"/>
+            <a:pPr algn="ctr"/>
             <a:r>
               <a:rPr lang="en-US" sz="1500" dirty="0" err="1" smtClean="0">
-                <a:latin typeface="Arial"/>
-                <a:cs typeface="Arial"/>
+                <a:latin typeface="Courier New"/>
+                <a:cs typeface="Courier New"/>
               </a:rPr>
               <a:t>hasSoftwareStack</a:t>
             </a:r>
             <a:endParaRPr lang="en-US" sz="1500" dirty="0">
-              <a:latin typeface="Arial"/>
-              <a:cs typeface="Arial"/>
+              <a:latin typeface="Courier New"/>
+              <a:cs typeface="Courier New"/>
             </a:endParaRPr>
           </a:p>
         </p:txBody>
@@ -3483,8 +3484,8 @@
           <p:nvPr/>
         </p:nvSpPr>
         <p:spPr>
-          <a:xfrm rot="20390359">
-            <a:off x="3077394" y="1859456"/>
+          <a:xfrm rot="19528911">
+            <a:off x="3093524" y="2396700"/>
             <a:ext cx="3111517" cy="323165"/>
           </a:xfrm>
           <a:prstGeom prst="rect">
@@ -3502,14 +3503,14 @@
             <a:pPr algn="ctr"/>
             <a:r>
               <a:rPr lang="en-US" sz="1500" dirty="0" err="1" smtClean="0">
-                <a:latin typeface="Arial"/>
-                <a:cs typeface="Arial"/>
+                <a:latin typeface="Courier New"/>
+                <a:cs typeface="Courier New"/>
               </a:rPr>
               <a:t>requiresHardware</a:t>
             </a:r>
             <a:endParaRPr lang="en-US" sz="1500" dirty="0">
-              <a:latin typeface="Arial"/>
-              <a:cs typeface="Arial"/>
+              <a:latin typeface="Courier New"/>
+              <a:cs typeface="Courier New"/>
             </a:endParaRPr>
           </a:p>
         </p:txBody>
@@ -3648,7 +3649,7 @@
         </p:nvSpPr>
         <p:spPr>
           <a:xfrm>
-            <a:off x="1756792" y="2708920"/>
+            <a:off x="1756792" y="3789040"/>
             <a:ext cx="1512167" cy="622671"/>
           </a:xfrm>
           <a:prstGeom prst="rect">
@@ -8364,6 +8365,2076 @@
     <p:extLst>
       <p:ext uri="{BB962C8B-B14F-4D97-AF65-F5344CB8AC3E}">
         <p14:creationId xmlns:p14="http://schemas.microsoft.com/office/powerpoint/2010/main" val="3611209472"/>
+      </p:ext>
+    </p:extLst>
+  </p:cSld>
+  <p:clrMapOvr>
+    <a:masterClrMapping/>
+  </p:clrMapOvr>
+  <p:timing>
+    <p:tnLst>
+      <p:par>
+        <p:cTn xmlns:p14="http://schemas.microsoft.com/office/powerpoint/2010/main" id="1" dur="indefinite" restart="never" nodeType="tmRoot"/>
+      </p:par>
+    </p:tnLst>
+  </p:timing>
+</p:sld>
+</file>
+
+<file path=ppt/slides/slide4.xml><?xml version="1.0" encoding="utf-8"?>
+<p:sld xmlns:a="http://schemas.openxmlformats.org/drawingml/2006/main" xmlns:r="http://schemas.openxmlformats.org/officeDocument/2006/relationships" xmlns:p="http://schemas.openxmlformats.org/presentationml/2006/main">
+  <p:cSld>
+    <p:spTree>
+      <p:nvGrpSpPr>
+        <p:cNvPr id="1" name=""/>
+        <p:cNvGrpSpPr/>
+        <p:nvPr/>
+      </p:nvGrpSpPr>
+      <p:grpSpPr>
+        <a:xfrm>
+          <a:off x="0" y="0"/>
+          <a:ext cx="0" cy="0"/>
+          <a:chOff x="0" y="0"/>
+          <a:chExt cx="0" cy="0"/>
+        </a:xfrm>
+      </p:grpSpPr>
+      <p:sp>
+        <p:nvSpPr>
+          <p:cNvPr id="4" name="Esquina doblada 3"/>
+          <p:cNvSpPr/>
+          <p:nvPr/>
+        </p:nvSpPr>
+        <p:spPr>
+          <a:xfrm>
+            <a:off x="349328" y="2140830"/>
+            <a:ext cx="645743" cy="807138"/>
+          </a:xfrm>
+          <a:prstGeom prst="foldedCorner">
+            <a:avLst>
+              <a:gd name="adj" fmla="val 24349"/>
+            </a:avLst>
+          </a:prstGeom>
+          <a:solidFill>
+            <a:schemeClr val="bg1">
+              <a:lumMod val="85000"/>
+            </a:schemeClr>
+          </a:solidFill>
+          <a:ln w="12700" cmpd="sng"/>
+        </p:spPr>
+        <p:style>
+          <a:lnRef idx="2">
+            <a:schemeClr val="dk1"/>
+          </a:lnRef>
+          <a:fillRef idx="1">
+            <a:schemeClr val="lt1"/>
+          </a:fillRef>
+          <a:effectRef idx="0">
+            <a:schemeClr val="dk1"/>
+          </a:effectRef>
+          <a:fontRef idx="minor">
+            <a:schemeClr val="dk1"/>
+          </a:fontRef>
+        </p:style>
+        <p:txBody>
+          <a:bodyPr rtlCol="0" anchor="ctr"/>
+          <a:lstStyle/>
+          <a:p>
+            <a:pPr algn="ctr"/>
+            <a:r>
+              <a:rPr lang="en-GB" sz="1000" dirty="0" smtClean="0"/>
+              <a:t>Pegasus</a:t>
+            </a:r>
+          </a:p>
+          <a:p>
+            <a:pPr algn="ctr"/>
+            <a:r>
+              <a:rPr lang="en-GB" sz="1000" dirty="0" smtClean="0"/>
+              <a:t>Transf.</a:t>
+            </a:r>
+          </a:p>
+          <a:p>
+            <a:pPr algn="ctr"/>
+            <a:r>
+              <a:rPr lang="en-GB" sz="1000" dirty="0" err="1" smtClean="0"/>
+              <a:t>Catalog</a:t>
+            </a:r>
+            <a:endParaRPr lang="en-GB" sz="1000" dirty="0"/>
+          </a:p>
+        </p:txBody>
+      </p:sp>
+      <p:sp>
+        <p:nvSpPr>
+          <p:cNvPr id="5" name="Esquina doblada 4"/>
+          <p:cNvSpPr/>
+          <p:nvPr/>
+        </p:nvSpPr>
+        <p:spPr>
+          <a:xfrm>
+            <a:off x="349782" y="332656"/>
+            <a:ext cx="645743" cy="807138"/>
+          </a:xfrm>
+          <a:prstGeom prst="foldedCorner">
+            <a:avLst>
+              <a:gd name="adj" fmla="val 25886"/>
+            </a:avLst>
+          </a:prstGeom>
+          <a:solidFill>
+            <a:schemeClr val="bg1">
+              <a:lumMod val="85000"/>
+            </a:schemeClr>
+          </a:solidFill>
+          <a:ln w="12700" cmpd="sng"/>
+        </p:spPr>
+        <p:style>
+          <a:lnRef idx="2">
+            <a:schemeClr val="dk1"/>
+          </a:lnRef>
+          <a:fillRef idx="1">
+            <a:schemeClr val="lt1"/>
+          </a:fillRef>
+          <a:effectRef idx="0">
+            <a:schemeClr val="dk1"/>
+          </a:effectRef>
+          <a:fontRef idx="minor">
+            <a:schemeClr val="dk1"/>
+          </a:fontRef>
+        </p:style>
+        <p:txBody>
+          <a:bodyPr rtlCol="0" anchor="ctr"/>
+          <a:lstStyle/>
+          <a:p>
+            <a:pPr algn="ctr"/>
+            <a:r>
+              <a:rPr lang="en-GB" sz="1000" dirty="0" smtClean="0"/>
+              <a:t>DAX</a:t>
+            </a:r>
+          </a:p>
+          <a:p>
+            <a:pPr algn="ctr"/>
+            <a:r>
+              <a:rPr lang="en-GB" sz="1000" dirty="0" smtClean="0"/>
+              <a:t>xml</a:t>
+            </a:r>
+            <a:endParaRPr lang="en-GB" sz="1000" dirty="0"/>
+          </a:p>
+        </p:txBody>
+      </p:sp>
+      <p:sp>
+        <p:nvSpPr>
+          <p:cNvPr id="6" name="Rectángulo 5"/>
+          <p:cNvSpPr/>
+          <p:nvPr/>
+        </p:nvSpPr>
+        <p:spPr>
+          <a:xfrm>
+            <a:off x="1618118" y="524831"/>
+            <a:ext cx="1214610" cy="422787"/>
+          </a:xfrm>
+          <a:prstGeom prst="rect">
+            <a:avLst/>
+          </a:prstGeom>
+          <a:ln w="12700" cmpd="sng"/>
+        </p:spPr>
+        <p:style>
+          <a:lnRef idx="2">
+            <a:schemeClr val="dk1"/>
+          </a:lnRef>
+          <a:fillRef idx="1">
+            <a:schemeClr val="lt1"/>
+          </a:fillRef>
+          <a:effectRef idx="0">
+            <a:schemeClr val="dk1"/>
+          </a:effectRef>
+          <a:fontRef idx="minor">
+            <a:schemeClr val="dk1"/>
+          </a:fontRef>
+        </p:style>
+        <p:txBody>
+          <a:bodyPr rtlCol="0" anchor="ctr"/>
+          <a:lstStyle/>
+          <a:p>
+            <a:pPr algn="ctr"/>
+            <a:r>
+              <a:rPr lang="en-GB" sz="1000" dirty="0" smtClean="0"/>
+              <a:t>DAX </a:t>
+            </a:r>
+            <a:r>
+              <a:rPr lang="en-GB" sz="1000" dirty="0" smtClean="0"/>
+              <a:t>Annotator</a:t>
+            </a:r>
+            <a:endParaRPr lang="en-GB" sz="1000" dirty="0"/>
+          </a:p>
+        </p:txBody>
+      </p:sp>
+      <p:sp>
+        <p:nvSpPr>
+          <p:cNvPr id="7" name="Rectángulo 6"/>
+          <p:cNvSpPr/>
+          <p:nvPr/>
+        </p:nvSpPr>
+        <p:spPr>
+          <a:xfrm>
+            <a:off x="1618118" y="2333005"/>
+            <a:ext cx="1214610" cy="422787"/>
+          </a:xfrm>
+          <a:prstGeom prst="rect">
+            <a:avLst/>
+          </a:prstGeom>
+          <a:ln w="12700" cmpd="sng"/>
+        </p:spPr>
+        <p:style>
+          <a:lnRef idx="2">
+            <a:schemeClr val="dk1"/>
+          </a:lnRef>
+          <a:fillRef idx="1">
+            <a:schemeClr val="lt1"/>
+          </a:fillRef>
+          <a:effectRef idx="0">
+            <a:schemeClr val="dk1"/>
+          </a:effectRef>
+          <a:fontRef idx="minor">
+            <a:schemeClr val="dk1"/>
+          </a:fontRef>
+        </p:style>
+        <p:txBody>
+          <a:bodyPr rtlCol="0" anchor="ctr"/>
+          <a:lstStyle/>
+          <a:p>
+            <a:pPr algn="ctr"/>
+            <a:r>
+              <a:rPr lang="en-GB" sz="1000" dirty="0" smtClean="0"/>
+              <a:t>TC </a:t>
+            </a:r>
+            <a:r>
+              <a:rPr lang="en-GB" sz="1000" dirty="0" smtClean="0"/>
+              <a:t>Annotator</a:t>
+            </a:r>
+            <a:endParaRPr lang="en-GB" sz="1000" dirty="0"/>
+          </a:p>
+        </p:txBody>
+      </p:sp>
+      <p:pic>
+        <p:nvPicPr>
+          <p:cNvPr id="8" name="Imagen 7" descr="Captura de pantalla 2014-03-31 a las 15.31.04.png"/>
+          <p:cNvPicPr>
+            <a:picLocks noChangeAspect="1"/>
+          </p:cNvPicPr>
+          <p:nvPr/>
+        </p:nvPicPr>
+        <p:blipFill>
+          <a:blip r:embed="rId2">
+            <a:extLst>
+              <a:ext uri="{28A0092B-C50C-407E-A947-70E740481C1C}">
+                <a14:useLocalDpi xmlns:a14="http://schemas.microsoft.com/office/drawing/2010/main" val="0"/>
+              </a:ext>
+            </a:extLst>
+          </a:blip>
+          <a:stretch>
+            <a:fillRect/>
+          </a:stretch>
+        </p:blipFill>
+        <p:spPr>
+          <a:xfrm>
+            <a:off x="675467" y="1340768"/>
+            <a:ext cx="1143648" cy="505333"/>
+          </a:xfrm>
+          <a:prstGeom prst="rect">
+            <a:avLst/>
+          </a:prstGeom>
+        </p:spPr>
+      </p:pic>
+      <p:sp>
+        <p:nvSpPr>
+          <p:cNvPr id="9" name="Esquina doblada 8"/>
+          <p:cNvSpPr/>
+          <p:nvPr/>
+        </p:nvSpPr>
+        <p:spPr>
+          <a:xfrm>
+            <a:off x="3404292" y="332657"/>
+            <a:ext cx="645743" cy="807138"/>
+          </a:xfrm>
+          <a:prstGeom prst="foldedCorner">
+            <a:avLst>
+              <a:gd name="adj" fmla="val 24349"/>
+            </a:avLst>
+          </a:prstGeom>
+          <a:solidFill>
+            <a:srgbClr val="D9D9D9"/>
+          </a:solidFill>
+          <a:ln w="12700" cmpd="sng"/>
+        </p:spPr>
+        <p:style>
+          <a:lnRef idx="2">
+            <a:schemeClr val="dk1"/>
+          </a:lnRef>
+          <a:fillRef idx="1">
+            <a:schemeClr val="lt1"/>
+          </a:fillRef>
+          <a:effectRef idx="0">
+            <a:schemeClr val="dk1"/>
+          </a:effectRef>
+          <a:fontRef idx="minor">
+            <a:schemeClr val="dk1"/>
+          </a:fontRef>
+        </p:style>
+        <p:txBody>
+          <a:bodyPr rtlCol="0" anchor="ctr"/>
+          <a:lstStyle/>
+          <a:p>
+            <a:pPr algn="ctr"/>
+            <a:r>
+              <a:rPr lang="en-GB" sz="1000" dirty="0" smtClean="0"/>
+              <a:t>WF</a:t>
+            </a:r>
+          </a:p>
+          <a:p>
+            <a:pPr algn="ctr"/>
+            <a:r>
+              <a:rPr lang="en-GB" sz="1000" dirty="0" err="1" smtClean="0"/>
+              <a:t>Annot</a:t>
+            </a:r>
+            <a:r>
+              <a:rPr lang="en-GB" sz="1000" dirty="0" smtClean="0"/>
+              <a:t>.</a:t>
+            </a:r>
+            <a:endParaRPr lang="en-GB" sz="1000" dirty="0"/>
+          </a:p>
+        </p:txBody>
+      </p:sp>
+      <p:cxnSp>
+        <p:nvCxnSpPr>
+          <p:cNvPr id="11" name="Conector recto de flecha 10"/>
+          <p:cNvCxnSpPr>
+            <a:stCxn id="5" idx="3"/>
+            <a:endCxn id="6" idx="1"/>
+          </p:cNvCxnSpPr>
+          <p:nvPr/>
+        </p:nvCxnSpPr>
+        <p:spPr>
+          <a:xfrm>
+            <a:off x="995525" y="736225"/>
+            <a:ext cx="622593" cy="0"/>
+          </a:xfrm>
+          <a:prstGeom prst="straightConnector1">
+            <a:avLst/>
+          </a:prstGeom>
+          <a:ln>
+            <a:tailEnd type="arrow" w="sm" len="sm"/>
+          </a:ln>
+        </p:spPr>
+        <p:style>
+          <a:lnRef idx="1">
+            <a:schemeClr val="dk1"/>
+          </a:lnRef>
+          <a:fillRef idx="0">
+            <a:schemeClr val="dk1"/>
+          </a:fillRef>
+          <a:effectRef idx="0">
+            <a:schemeClr val="dk1"/>
+          </a:effectRef>
+          <a:fontRef idx="minor">
+            <a:schemeClr val="tx1"/>
+          </a:fontRef>
+        </p:style>
+      </p:cxnSp>
+      <p:sp>
+        <p:nvSpPr>
+          <p:cNvPr id="16" name="Esquina doblada 15"/>
+          <p:cNvSpPr/>
+          <p:nvPr/>
+        </p:nvSpPr>
+        <p:spPr>
+          <a:xfrm>
+            <a:off x="349782" y="3351746"/>
+            <a:ext cx="645743" cy="807138"/>
+          </a:xfrm>
+          <a:prstGeom prst="foldedCorner">
+            <a:avLst>
+              <a:gd name="adj" fmla="val 22813"/>
+            </a:avLst>
+          </a:prstGeom>
+          <a:solidFill>
+            <a:srgbClr val="D9D9D9"/>
+          </a:solidFill>
+          <a:ln w="12700" cmpd="sng"/>
+        </p:spPr>
+        <p:style>
+          <a:lnRef idx="2">
+            <a:schemeClr val="dk1"/>
+          </a:lnRef>
+          <a:fillRef idx="1">
+            <a:schemeClr val="lt1"/>
+          </a:fillRef>
+          <a:effectRef idx="0">
+            <a:schemeClr val="dk1"/>
+          </a:effectRef>
+          <a:fontRef idx="minor">
+            <a:schemeClr val="dk1"/>
+          </a:fontRef>
+        </p:style>
+        <p:txBody>
+          <a:bodyPr rtlCol="0" anchor="ctr"/>
+          <a:lstStyle/>
+          <a:p>
+            <a:pPr algn="ctr"/>
+            <a:r>
+              <a:rPr lang="en-GB" sz="1000" dirty="0" smtClean="0"/>
+              <a:t>SW </a:t>
+            </a:r>
+            <a:r>
+              <a:rPr lang="en-GB" sz="1000" dirty="0" smtClean="0"/>
+              <a:t>Comp.</a:t>
+            </a:r>
+            <a:endParaRPr lang="en-GB" sz="1000" dirty="0" smtClean="0"/>
+          </a:p>
+          <a:p>
+            <a:pPr algn="ctr"/>
+            <a:r>
+              <a:rPr lang="en-GB" sz="1000" dirty="0" err="1" smtClean="0"/>
+              <a:t>Catalog</a:t>
+            </a:r>
+            <a:endParaRPr lang="en-GB" sz="1000" dirty="0"/>
+          </a:p>
+        </p:txBody>
+      </p:sp>
+      <p:sp>
+        <p:nvSpPr>
+          <p:cNvPr id="17" name="Esquina doblada 16"/>
+          <p:cNvSpPr/>
+          <p:nvPr/>
+        </p:nvSpPr>
+        <p:spPr>
+          <a:xfrm>
+            <a:off x="1767000" y="3356777"/>
+            <a:ext cx="645743" cy="807138"/>
+          </a:xfrm>
+          <a:prstGeom prst="foldedCorner">
+            <a:avLst>
+              <a:gd name="adj" fmla="val 21276"/>
+            </a:avLst>
+          </a:prstGeom>
+          <a:solidFill>
+            <a:srgbClr val="D9D9D9"/>
+          </a:solidFill>
+          <a:ln w="12700" cmpd="sng"/>
+        </p:spPr>
+        <p:style>
+          <a:lnRef idx="2">
+            <a:schemeClr val="dk1"/>
+          </a:lnRef>
+          <a:fillRef idx="1">
+            <a:schemeClr val="lt1"/>
+          </a:fillRef>
+          <a:effectRef idx="0">
+            <a:schemeClr val="dk1"/>
+          </a:effectRef>
+          <a:fontRef idx="minor">
+            <a:schemeClr val="dk1"/>
+          </a:fontRef>
+        </p:style>
+        <p:txBody>
+          <a:bodyPr rtlCol="0" anchor="ctr"/>
+          <a:lstStyle/>
+          <a:p>
+            <a:pPr algn="ctr"/>
+            <a:r>
+              <a:rPr lang="en-GB" sz="1000" dirty="0" smtClean="0"/>
+              <a:t>WF &amp; </a:t>
+            </a:r>
+            <a:r>
+              <a:rPr lang="en-GB" sz="1000" dirty="0" err="1" smtClean="0"/>
+              <a:t>Config</a:t>
+            </a:r>
+            <a:endParaRPr lang="en-GB" sz="1000" dirty="0" smtClean="0"/>
+          </a:p>
+          <a:p>
+            <a:pPr algn="ctr"/>
+            <a:r>
+              <a:rPr lang="en-GB" sz="1000" dirty="0" err="1" smtClean="0"/>
+              <a:t>Annot</a:t>
+            </a:r>
+            <a:endParaRPr lang="en-GB" sz="1000" dirty="0"/>
+          </a:p>
+        </p:txBody>
+      </p:sp>
+      <p:cxnSp>
+        <p:nvCxnSpPr>
+          <p:cNvPr id="29" name="Conector angular 28"/>
+          <p:cNvCxnSpPr>
+            <a:stCxn id="8" idx="0"/>
+            <a:endCxn id="6" idx="1"/>
+          </p:cNvCxnSpPr>
+          <p:nvPr/>
+        </p:nvCxnSpPr>
+        <p:spPr>
+          <a:xfrm rot="5400000" flipH="1" flipV="1">
+            <a:off x="1130433" y="853084"/>
+            <a:ext cx="604543" cy="370827"/>
+          </a:xfrm>
+          <a:prstGeom prst="bentConnector2">
+            <a:avLst/>
+          </a:prstGeom>
+          <a:ln>
+            <a:tailEnd type="arrow" w="sm" len="sm"/>
+          </a:ln>
+        </p:spPr>
+        <p:style>
+          <a:lnRef idx="1">
+            <a:schemeClr val="dk1"/>
+          </a:lnRef>
+          <a:fillRef idx="0">
+            <a:schemeClr val="dk1"/>
+          </a:fillRef>
+          <a:effectRef idx="0">
+            <a:schemeClr val="dk1"/>
+          </a:effectRef>
+          <a:fontRef idx="minor">
+            <a:schemeClr val="tx1"/>
+          </a:fontRef>
+        </p:style>
+      </p:cxnSp>
+      <p:sp>
+        <p:nvSpPr>
+          <p:cNvPr id="40" name="Rectángulo 39"/>
+          <p:cNvSpPr/>
+          <p:nvPr/>
+        </p:nvSpPr>
+        <p:spPr>
+          <a:xfrm>
+            <a:off x="342240" y="4830261"/>
+            <a:ext cx="1545719" cy="422787"/>
+          </a:xfrm>
+          <a:prstGeom prst="rect">
+            <a:avLst/>
+          </a:prstGeom>
+          <a:ln w="12700" cmpd="sng"/>
+        </p:spPr>
+        <p:style>
+          <a:lnRef idx="2">
+            <a:schemeClr val="dk1"/>
+          </a:lnRef>
+          <a:fillRef idx="1">
+            <a:schemeClr val="lt1"/>
+          </a:fillRef>
+          <a:effectRef idx="0">
+            <a:schemeClr val="dk1"/>
+          </a:effectRef>
+          <a:fontRef idx="minor">
+            <a:schemeClr val="dk1"/>
+          </a:fontRef>
+        </p:style>
+        <p:txBody>
+          <a:bodyPr rtlCol="0" anchor="ctr"/>
+          <a:lstStyle/>
+          <a:p>
+            <a:pPr algn="ctr"/>
+            <a:r>
+              <a:rPr lang="en-GB" sz="1000" dirty="0" smtClean="0"/>
+              <a:t>Inf. Spec. Algorithm</a:t>
+            </a:r>
+            <a:endParaRPr lang="en-GB" sz="1000" dirty="0"/>
+          </a:p>
+        </p:txBody>
+      </p:sp>
+      <p:sp>
+        <p:nvSpPr>
+          <p:cNvPr id="52" name="Esquina doblada 51"/>
+          <p:cNvSpPr/>
+          <p:nvPr/>
+        </p:nvSpPr>
+        <p:spPr>
+          <a:xfrm>
+            <a:off x="3404292" y="3356777"/>
+            <a:ext cx="645743" cy="807138"/>
+          </a:xfrm>
+          <a:prstGeom prst="foldedCorner">
+            <a:avLst>
+              <a:gd name="adj" fmla="val 22813"/>
+            </a:avLst>
+          </a:prstGeom>
+          <a:solidFill>
+            <a:srgbClr val="D9D9D9"/>
+          </a:solidFill>
+          <a:ln w="12700" cmpd="sng"/>
+        </p:spPr>
+        <p:style>
+          <a:lnRef idx="2">
+            <a:schemeClr val="dk1"/>
+          </a:lnRef>
+          <a:fillRef idx="1">
+            <a:schemeClr val="lt1"/>
+          </a:fillRef>
+          <a:effectRef idx="0">
+            <a:schemeClr val="dk1"/>
+          </a:effectRef>
+          <a:fontRef idx="minor">
+            <a:schemeClr val="dk1"/>
+          </a:fontRef>
+        </p:style>
+        <p:txBody>
+          <a:bodyPr rtlCol="0" anchor="ctr"/>
+          <a:lstStyle/>
+          <a:p>
+            <a:pPr algn="ctr"/>
+            <a:r>
+              <a:rPr lang="en-GB" sz="1000" dirty="0" smtClean="0"/>
+              <a:t>SVA</a:t>
+            </a:r>
+          </a:p>
+          <a:p>
+            <a:pPr algn="ctr"/>
+            <a:r>
+              <a:rPr lang="en-GB" sz="1000" dirty="0" err="1" smtClean="0"/>
+              <a:t>Catalog</a:t>
+            </a:r>
+            <a:endParaRPr lang="en-GB" sz="1000" dirty="0"/>
+          </a:p>
+        </p:txBody>
+      </p:sp>
+      <p:sp>
+        <p:nvSpPr>
+          <p:cNvPr id="59" name="Esquina doblada 58"/>
+          <p:cNvSpPr/>
+          <p:nvPr/>
+        </p:nvSpPr>
+        <p:spPr>
+          <a:xfrm>
+            <a:off x="2558105" y="4638086"/>
+            <a:ext cx="645743" cy="807138"/>
+          </a:xfrm>
+          <a:prstGeom prst="foldedCorner">
+            <a:avLst/>
+          </a:prstGeom>
+          <a:solidFill>
+            <a:srgbClr val="D9D9D9"/>
+          </a:solidFill>
+          <a:ln w="12700" cmpd="sng"/>
+        </p:spPr>
+        <p:style>
+          <a:lnRef idx="2">
+            <a:schemeClr val="dk1"/>
+          </a:lnRef>
+          <a:fillRef idx="1">
+            <a:schemeClr val="lt1"/>
+          </a:fillRef>
+          <a:effectRef idx="0">
+            <a:schemeClr val="dk1"/>
+          </a:effectRef>
+          <a:fontRef idx="minor">
+            <a:schemeClr val="dk1"/>
+          </a:fontRef>
+        </p:style>
+        <p:txBody>
+          <a:bodyPr rtlCol="0" anchor="ctr"/>
+          <a:lstStyle/>
+          <a:p>
+            <a:pPr algn="ctr"/>
+            <a:r>
+              <a:rPr lang="en-GB" sz="1000" dirty="0" smtClean="0"/>
+              <a:t>PRECIP</a:t>
+            </a:r>
+            <a:endParaRPr lang="en-GB" sz="1000" dirty="0" smtClean="0"/>
+          </a:p>
+          <a:p>
+            <a:pPr algn="ctr"/>
+            <a:r>
+              <a:rPr lang="en-GB" sz="1000" dirty="0" smtClean="0"/>
+              <a:t>Script</a:t>
+            </a:r>
+            <a:endParaRPr lang="en-GB" sz="1000" dirty="0"/>
+          </a:p>
+        </p:txBody>
+      </p:sp>
+      <p:sp>
+        <p:nvSpPr>
+          <p:cNvPr id="34" name="Esquina doblada 33"/>
+          <p:cNvSpPr/>
+          <p:nvPr/>
+        </p:nvSpPr>
+        <p:spPr>
+          <a:xfrm>
+            <a:off x="3404292" y="1635191"/>
+            <a:ext cx="645743" cy="807138"/>
+          </a:xfrm>
+          <a:prstGeom prst="foldedCorner">
+            <a:avLst>
+              <a:gd name="adj" fmla="val 24349"/>
+            </a:avLst>
+          </a:prstGeom>
+          <a:solidFill>
+            <a:srgbClr val="D9D9D9"/>
+          </a:solidFill>
+          <a:ln w="12700" cmpd="sng"/>
+        </p:spPr>
+        <p:style>
+          <a:lnRef idx="2">
+            <a:schemeClr val="dk1"/>
+          </a:lnRef>
+          <a:fillRef idx="1">
+            <a:schemeClr val="lt1"/>
+          </a:fillRef>
+          <a:effectRef idx="0">
+            <a:schemeClr val="dk1"/>
+          </a:effectRef>
+          <a:fontRef idx="minor">
+            <a:schemeClr val="dk1"/>
+          </a:fontRef>
+        </p:style>
+        <p:txBody>
+          <a:bodyPr rtlCol="0" anchor="ctr"/>
+          <a:lstStyle/>
+          <a:p>
+            <a:pPr algn="ctr"/>
+            <a:r>
+              <a:rPr lang="en-GB" sz="1000" dirty="0" smtClean="0"/>
+              <a:t>WMS</a:t>
+            </a:r>
+          </a:p>
+          <a:p>
+            <a:pPr algn="ctr"/>
+            <a:r>
+              <a:rPr lang="en-GB" sz="1000" dirty="0" err="1" smtClean="0"/>
+              <a:t>Annot</a:t>
+            </a:r>
+            <a:r>
+              <a:rPr lang="en-GB" sz="1000" dirty="0" smtClean="0"/>
+              <a:t>.</a:t>
+            </a:r>
+            <a:endParaRPr lang="en-GB" sz="1000" dirty="0"/>
+          </a:p>
+        </p:txBody>
+      </p:sp>
+      <p:grpSp>
+        <p:nvGrpSpPr>
+          <p:cNvPr id="15" name="Group 14"/>
+          <p:cNvGrpSpPr/>
+          <p:nvPr/>
+        </p:nvGrpSpPr>
+        <p:grpSpPr>
+          <a:xfrm>
+            <a:off x="1475656" y="832356"/>
+            <a:ext cx="284923" cy="292388"/>
+            <a:chOff x="1689542" y="4469817"/>
+            <a:chExt cx="284923" cy="292388"/>
+          </a:xfrm>
+        </p:grpSpPr>
+        <p:sp>
+          <p:nvSpPr>
+            <p:cNvPr id="73" name="Dodecágono 72"/>
+            <p:cNvSpPr/>
+            <p:nvPr/>
+          </p:nvSpPr>
+          <p:spPr>
+            <a:xfrm>
+              <a:off x="1689542" y="4471683"/>
+              <a:ext cx="284923" cy="280576"/>
+            </a:xfrm>
+            <a:prstGeom prst="dodecagon">
+              <a:avLst/>
+            </a:prstGeom>
+            <a:solidFill>
+              <a:srgbClr val="FF0000"/>
+            </a:solidFill>
+            <a:ln>
+              <a:solidFill>
+                <a:srgbClr val="FF0000"/>
+              </a:solidFill>
+            </a:ln>
+            <a:effectLst/>
+          </p:spPr>
+          <p:style>
+            <a:lnRef idx="1">
+              <a:schemeClr val="accent1"/>
+            </a:lnRef>
+            <a:fillRef idx="3">
+              <a:schemeClr val="accent1"/>
+            </a:fillRef>
+            <a:effectRef idx="2">
+              <a:schemeClr val="accent1"/>
+            </a:effectRef>
+            <a:fontRef idx="minor">
+              <a:schemeClr val="lt1"/>
+            </a:fontRef>
+          </p:style>
+          <p:txBody>
+            <a:bodyPr rtlCol="0" anchor="ctr"/>
+            <a:lstStyle/>
+            <a:p>
+              <a:endParaRPr lang="en-GB" sz="1300" dirty="0">
+                <a:latin typeface="Arial"/>
+                <a:cs typeface="Arial"/>
+              </a:endParaRPr>
+            </a:p>
+          </p:txBody>
+        </p:sp>
+        <p:sp>
+          <p:nvSpPr>
+            <p:cNvPr id="14" name="TextBox 13"/>
+            <p:cNvSpPr txBox="1"/>
+            <p:nvPr/>
+          </p:nvSpPr>
+          <p:spPr>
+            <a:xfrm>
+              <a:off x="1689542" y="4469817"/>
+              <a:ext cx="277383" cy="292388"/>
+            </a:xfrm>
+            <a:prstGeom prst="rect">
+              <a:avLst/>
+            </a:prstGeom>
+            <a:noFill/>
+          </p:spPr>
+          <p:txBody>
+            <a:bodyPr wrap="none" rtlCol="0">
+              <a:spAutoFit/>
+            </a:bodyPr>
+            <a:lstStyle/>
+            <a:p>
+              <a:pPr algn="ctr"/>
+              <a:r>
+                <a:rPr lang="en-US" sz="1300" b="1" dirty="0" smtClean="0">
+                  <a:solidFill>
+                    <a:schemeClr val="bg1"/>
+                  </a:solidFill>
+                  <a:latin typeface="Arial"/>
+                  <a:cs typeface="Arial"/>
+                </a:rPr>
+                <a:t>1</a:t>
+              </a:r>
+              <a:endParaRPr lang="en-US" sz="1300" b="1" dirty="0">
+                <a:solidFill>
+                  <a:schemeClr val="bg1"/>
+                </a:solidFill>
+                <a:latin typeface="Arial"/>
+                <a:cs typeface="Arial"/>
+              </a:endParaRPr>
+            </a:p>
+          </p:txBody>
+        </p:sp>
+      </p:grpSp>
+      <p:cxnSp>
+        <p:nvCxnSpPr>
+          <p:cNvPr id="49" name="Conector recto de flecha 10"/>
+          <p:cNvCxnSpPr>
+            <a:stCxn id="6" idx="3"/>
+            <a:endCxn id="9" idx="1"/>
+          </p:cNvCxnSpPr>
+          <p:nvPr/>
+        </p:nvCxnSpPr>
+        <p:spPr>
+          <a:xfrm>
+            <a:off x="2832728" y="736225"/>
+            <a:ext cx="571564" cy="1"/>
+          </a:xfrm>
+          <a:prstGeom prst="straightConnector1">
+            <a:avLst/>
+          </a:prstGeom>
+          <a:ln>
+            <a:tailEnd type="arrow" w="sm" len="sm"/>
+          </a:ln>
+        </p:spPr>
+        <p:style>
+          <a:lnRef idx="1">
+            <a:schemeClr val="dk1"/>
+          </a:lnRef>
+          <a:fillRef idx="0">
+            <a:schemeClr val="dk1"/>
+          </a:fillRef>
+          <a:effectRef idx="0">
+            <a:schemeClr val="dk1"/>
+          </a:effectRef>
+          <a:fontRef idx="minor">
+            <a:schemeClr val="tx1"/>
+          </a:fontRef>
+        </p:style>
+      </p:cxnSp>
+      <p:grpSp>
+        <p:nvGrpSpPr>
+          <p:cNvPr id="54" name="Group 53"/>
+          <p:cNvGrpSpPr/>
+          <p:nvPr/>
+        </p:nvGrpSpPr>
+        <p:grpSpPr>
+          <a:xfrm>
+            <a:off x="3261830" y="947618"/>
+            <a:ext cx="284923" cy="292388"/>
+            <a:chOff x="1689542" y="4469817"/>
+            <a:chExt cx="284923" cy="292388"/>
+          </a:xfrm>
+        </p:grpSpPr>
+        <p:sp>
+          <p:nvSpPr>
+            <p:cNvPr id="55" name="Dodecágono 72"/>
+            <p:cNvSpPr/>
+            <p:nvPr/>
+          </p:nvSpPr>
+          <p:spPr>
+            <a:xfrm>
+              <a:off x="1689542" y="4471683"/>
+              <a:ext cx="284923" cy="280576"/>
+            </a:xfrm>
+            <a:prstGeom prst="dodecagon">
+              <a:avLst/>
+            </a:prstGeom>
+            <a:solidFill>
+              <a:srgbClr val="FF0000"/>
+            </a:solidFill>
+            <a:ln>
+              <a:solidFill>
+                <a:srgbClr val="FF0000"/>
+              </a:solidFill>
+            </a:ln>
+            <a:effectLst/>
+          </p:spPr>
+          <p:style>
+            <a:lnRef idx="1">
+              <a:schemeClr val="accent1"/>
+            </a:lnRef>
+            <a:fillRef idx="3">
+              <a:schemeClr val="accent1"/>
+            </a:fillRef>
+            <a:effectRef idx="2">
+              <a:schemeClr val="accent1"/>
+            </a:effectRef>
+            <a:fontRef idx="minor">
+              <a:schemeClr val="lt1"/>
+            </a:fontRef>
+          </p:style>
+          <p:txBody>
+            <a:bodyPr rtlCol="0" anchor="ctr"/>
+            <a:lstStyle/>
+            <a:p>
+              <a:endParaRPr lang="en-GB" sz="1300" dirty="0">
+                <a:latin typeface="Arial"/>
+                <a:cs typeface="Arial"/>
+              </a:endParaRPr>
+            </a:p>
+          </p:txBody>
+        </p:sp>
+        <p:sp>
+          <p:nvSpPr>
+            <p:cNvPr id="56" name="TextBox 55"/>
+            <p:cNvSpPr txBox="1"/>
+            <p:nvPr/>
+          </p:nvSpPr>
+          <p:spPr>
+            <a:xfrm>
+              <a:off x="1689542" y="4469817"/>
+              <a:ext cx="277383" cy="292388"/>
+            </a:xfrm>
+            <a:prstGeom prst="rect">
+              <a:avLst/>
+            </a:prstGeom>
+            <a:noFill/>
+          </p:spPr>
+          <p:txBody>
+            <a:bodyPr wrap="none" rtlCol="0">
+              <a:spAutoFit/>
+            </a:bodyPr>
+            <a:lstStyle/>
+            <a:p>
+              <a:pPr algn="ctr"/>
+              <a:r>
+                <a:rPr lang="en-US" sz="1300" b="1" dirty="0">
+                  <a:solidFill>
+                    <a:schemeClr val="bg1"/>
+                  </a:solidFill>
+                  <a:latin typeface="Arial"/>
+                  <a:cs typeface="Arial"/>
+                </a:rPr>
+                <a:t>2</a:t>
+              </a:r>
+            </a:p>
+          </p:txBody>
+        </p:sp>
+      </p:grpSp>
+      <p:cxnSp>
+        <p:nvCxnSpPr>
+          <p:cNvPr id="63" name="Conector angular 28"/>
+          <p:cNvCxnSpPr>
+            <a:stCxn id="8" idx="2"/>
+            <a:endCxn id="7" idx="1"/>
+          </p:cNvCxnSpPr>
+          <p:nvPr/>
+        </p:nvCxnSpPr>
+        <p:spPr>
+          <a:xfrm rot="16200000" flipH="1">
+            <a:off x="1083555" y="2009836"/>
+            <a:ext cx="698298" cy="370827"/>
+          </a:xfrm>
+          <a:prstGeom prst="bentConnector2">
+            <a:avLst/>
+          </a:prstGeom>
+          <a:ln>
+            <a:tailEnd type="arrow" w="sm" len="sm"/>
+          </a:ln>
+        </p:spPr>
+        <p:style>
+          <a:lnRef idx="1">
+            <a:schemeClr val="dk1"/>
+          </a:lnRef>
+          <a:fillRef idx="0">
+            <a:schemeClr val="dk1"/>
+          </a:fillRef>
+          <a:effectRef idx="0">
+            <a:schemeClr val="dk1"/>
+          </a:effectRef>
+          <a:fontRef idx="minor">
+            <a:schemeClr val="tx1"/>
+          </a:fontRef>
+        </p:style>
+      </p:cxnSp>
+      <p:cxnSp>
+        <p:nvCxnSpPr>
+          <p:cNvPr id="67" name="Conector recto de flecha 10"/>
+          <p:cNvCxnSpPr>
+            <a:stCxn id="4" idx="3"/>
+            <a:endCxn id="7" idx="1"/>
+          </p:cNvCxnSpPr>
+          <p:nvPr/>
+        </p:nvCxnSpPr>
+        <p:spPr>
+          <a:xfrm>
+            <a:off x="995071" y="2544399"/>
+            <a:ext cx="623047" cy="0"/>
+          </a:xfrm>
+          <a:prstGeom prst="straightConnector1">
+            <a:avLst/>
+          </a:prstGeom>
+          <a:ln>
+            <a:tailEnd type="arrow" w="sm" len="sm"/>
+          </a:ln>
+        </p:spPr>
+        <p:style>
+          <a:lnRef idx="1">
+            <a:schemeClr val="dk1"/>
+          </a:lnRef>
+          <a:fillRef idx="0">
+            <a:schemeClr val="dk1"/>
+          </a:fillRef>
+          <a:effectRef idx="0">
+            <a:schemeClr val="dk1"/>
+          </a:effectRef>
+          <a:fontRef idx="minor">
+            <a:schemeClr val="tx1"/>
+          </a:fontRef>
+        </p:style>
+      </p:cxnSp>
+      <p:grpSp>
+        <p:nvGrpSpPr>
+          <p:cNvPr id="70" name="Group 69"/>
+          <p:cNvGrpSpPr/>
+          <p:nvPr/>
+        </p:nvGrpSpPr>
+        <p:grpSpPr>
+          <a:xfrm>
+            <a:off x="1475656" y="2609598"/>
+            <a:ext cx="284923" cy="292388"/>
+            <a:chOff x="1689542" y="4469817"/>
+            <a:chExt cx="284923" cy="292388"/>
+          </a:xfrm>
+        </p:grpSpPr>
+        <p:sp>
+          <p:nvSpPr>
+            <p:cNvPr id="71" name="Dodecágono 72"/>
+            <p:cNvSpPr/>
+            <p:nvPr/>
+          </p:nvSpPr>
+          <p:spPr>
+            <a:xfrm>
+              <a:off x="1689542" y="4471683"/>
+              <a:ext cx="284923" cy="280576"/>
+            </a:xfrm>
+            <a:prstGeom prst="dodecagon">
+              <a:avLst/>
+            </a:prstGeom>
+            <a:solidFill>
+              <a:srgbClr val="FF0000"/>
+            </a:solidFill>
+            <a:ln>
+              <a:solidFill>
+                <a:srgbClr val="FF0000"/>
+              </a:solidFill>
+            </a:ln>
+            <a:effectLst/>
+          </p:spPr>
+          <p:style>
+            <a:lnRef idx="1">
+              <a:schemeClr val="accent1"/>
+            </a:lnRef>
+            <a:fillRef idx="3">
+              <a:schemeClr val="accent1"/>
+            </a:fillRef>
+            <a:effectRef idx="2">
+              <a:schemeClr val="accent1"/>
+            </a:effectRef>
+            <a:fontRef idx="minor">
+              <a:schemeClr val="lt1"/>
+            </a:fontRef>
+          </p:style>
+          <p:txBody>
+            <a:bodyPr rtlCol="0" anchor="ctr"/>
+            <a:lstStyle/>
+            <a:p>
+              <a:endParaRPr lang="en-GB" sz="1300" dirty="0">
+                <a:latin typeface="Arial"/>
+                <a:cs typeface="Arial"/>
+              </a:endParaRPr>
+            </a:p>
+          </p:txBody>
+        </p:sp>
+        <p:sp>
+          <p:nvSpPr>
+            <p:cNvPr id="72" name="TextBox 71"/>
+            <p:cNvSpPr txBox="1"/>
+            <p:nvPr/>
+          </p:nvSpPr>
+          <p:spPr>
+            <a:xfrm>
+              <a:off x="1689542" y="4469817"/>
+              <a:ext cx="277383" cy="292388"/>
+            </a:xfrm>
+            <a:prstGeom prst="rect">
+              <a:avLst/>
+            </a:prstGeom>
+            <a:noFill/>
+          </p:spPr>
+          <p:txBody>
+            <a:bodyPr wrap="none" rtlCol="0">
+              <a:spAutoFit/>
+            </a:bodyPr>
+            <a:lstStyle/>
+            <a:p>
+              <a:pPr algn="ctr"/>
+              <a:r>
+                <a:rPr lang="en-US" sz="1300" b="1" dirty="0" smtClean="0">
+                  <a:solidFill>
+                    <a:schemeClr val="bg1"/>
+                  </a:solidFill>
+                  <a:latin typeface="Arial"/>
+                  <a:cs typeface="Arial"/>
+                </a:rPr>
+                <a:t>4</a:t>
+              </a:r>
+              <a:endParaRPr lang="en-US" sz="1300" b="1" dirty="0">
+                <a:solidFill>
+                  <a:schemeClr val="bg1"/>
+                </a:solidFill>
+                <a:latin typeface="Arial"/>
+                <a:cs typeface="Arial"/>
+              </a:endParaRPr>
+            </a:p>
+          </p:txBody>
+        </p:sp>
+      </p:grpSp>
+      <p:grpSp>
+        <p:nvGrpSpPr>
+          <p:cNvPr id="81" name="Group 80"/>
+          <p:cNvGrpSpPr/>
+          <p:nvPr/>
+        </p:nvGrpSpPr>
+        <p:grpSpPr>
+          <a:xfrm>
+            <a:off x="3261830" y="2252011"/>
+            <a:ext cx="284923" cy="292388"/>
+            <a:chOff x="1689542" y="4469817"/>
+            <a:chExt cx="284923" cy="292388"/>
+          </a:xfrm>
+        </p:grpSpPr>
+        <p:sp>
+          <p:nvSpPr>
+            <p:cNvPr id="82" name="Dodecágono 72"/>
+            <p:cNvSpPr/>
+            <p:nvPr/>
+          </p:nvSpPr>
+          <p:spPr>
+            <a:xfrm>
+              <a:off x="1689542" y="4471683"/>
+              <a:ext cx="284923" cy="280576"/>
+            </a:xfrm>
+            <a:prstGeom prst="dodecagon">
+              <a:avLst/>
+            </a:prstGeom>
+            <a:solidFill>
+              <a:srgbClr val="FF0000"/>
+            </a:solidFill>
+            <a:ln>
+              <a:solidFill>
+                <a:srgbClr val="FF0000"/>
+              </a:solidFill>
+            </a:ln>
+            <a:effectLst/>
+          </p:spPr>
+          <p:style>
+            <a:lnRef idx="1">
+              <a:schemeClr val="accent1"/>
+            </a:lnRef>
+            <a:fillRef idx="3">
+              <a:schemeClr val="accent1"/>
+            </a:fillRef>
+            <a:effectRef idx="2">
+              <a:schemeClr val="accent1"/>
+            </a:effectRef>
+            <a:fontRef idx="minor">
+              <a:schemeClr val="lt1"/>
+            </a:fontRef>
+          </p:style>
+          <p:txBody>
+            <a:bodyPr rtlCol="0" anchor="ctr"/>
+            <a:lstStyle/>
+            <a:p>
+              <a:endParaRPr lang="en-GB" sz="1300" dirty="0">
+                <a:latin typeface="Arial"/>
+                <a:cs typeface="Arial"/>
+              </a:endParaRPr>
+            </a:p>
+          </p:txBody>
+        </p:sp>
+        <p:sp>
+          <p:nvSpPr>
+            <p:cNvPr id="83" name="TextBox 82"/>
+            <p:cNvSpPr txBox="1"/>
+            <p:nvPr/>
+          </p:nvSpPr>
+          <p:spPr>
+            <a:xfrm>
+              <a:off x="1689542" y="4469817"/>
+              <a:ext cx="277383" cy="292388"/>
+            </a:xfrm>
+            <a:prstGeom prst="rect">
+              <a:avLst/>
+            </a:prstGeom>
+            <a:noFill/>
+          </p:spPr>
+          <p:txBody>
+            <a:bodyPr wrap="none" rtlCol="0">
+              <a:spAutoFit/>
+            </a:bodyPr>
+            <a:lstStyle/>
+            <a:p>
+              <a:pPr algn="ctr"/>
+              <a:r>
+                <a:rPr lang="en-US" sz="1300" b="1" dirty="0" smtClean="0">
+                  <a:solidFill>
+                    <a:schemeClr val="bg1"/>
+                  </a:solidFill>
+                  <a:latin typeface="Arial"/>
+                  <a:cs typeface="Arial"/>
+                </a:rPr>
+                <a:t>3</a:t>
+              </a:r>
+              <a:endParaRPr lang="en-US" sz="1300" b="1" dirty="0">
+                <a:solidFill>
+                  <a:schemeClr val="bg1"/>
+                </a:solidFill>
+                <a:latin typeface="Arial"/>
+                <a:cs typeface="Arial"/>
+              </a:endParaRPr>
+            </a:p>
+          </p:txBody>
+        </p:sp>
+      </p:grpSp>
+      <p:cxnSp>
+        <p:nvCxnSpPr>
+          <p:cNvPr id="84" name="Conector angular 28"/>
+          <p:cNvCxnSpPr>
+            <a:stCxn id="7" idx="2"/>
+            <a:endCxn id="16" idx="0"/>
+          </p:cNvCxnSpPr>
+          <p:nvPr/>
+        </p:nvCxnSpPr>
+        <p:spPr>
+          <a:xfrm rot="5400000">
+            <a:off x="1151062" y="2277385"/>
+            <a:ext cx="595954" cy="1552769"/>
+          </a:xfrm>
+          <a:prstGeom prst="bentConnector3">
+            <a:avLst>
+              <a:gd name="adj1" fmla="val 50000"/>
+            </a:avLst>
+          </a:prstGeom>
+          <a:ln>
+            <a:tailEnd type="arrow" w="sm" len="sm"/>
+          </a:ln>
+        </p:spPr>
+        <p:style>
+          <a:lnRef idx="1">
+            <a:schemeClr val="dk1"/>
+          </a:lnRef>
+          <a:fillRef idx="0">
+            <a:schemeClr val="dk1"/>
+          </a:fillRef>
+          <a:effectRef idx="0">
+            <a:schemeClr val="dk1"/>
+          </a:effectRef>
+          <a:fontRef idx="minor">
+            <a:schemeClr val="tx1"/>
+          </a:fontRef>
+        </p:style>
+      </p:cxnSp>
+      <p:grpSp>
+        <p:nvGrpSpPr>
+          <p:cNvPr id="85" name="Group 84"/>
+          <p:cNvGrpSpPr/>
+          <p:nvPr/>
+        </p:nvGrpSpPr>
+        <p:grpSpPr>
+          <a:xfrm>
+            <a:off x="207320" y="4012690"/>
+            <a:ext cx="284923" cy="292388"/>
+            <a:chOff x="1689542" y="4469817"/>
+            <a:chExt cx="284923" cy="292388"/>
+          </a:xfrm>
+        </p:grpSpPr>
+        <p:sp>
+          <p:nvSpPr>
+            <p:cNvPr id="86" name="Dodecágono 72"/>
+            <p:cNvSpPr/>
+            <p:nvPr/>
+          </p:nvSpPr>
+          <p:spPr>
+            <a:xfrm>
+              <a:off x="1689542" y="4471683"/>
+              <a:ext cx="284923" cy="280576"/>
+            </a:xfrm>
+            <a:prstGeom prst="dodecagon">
+              <a:avLst/>
+            </a:prstGeom>
+            <a:solidFill>
+              <a:srgbClr val="FF0000"/>
+            </a:solidFill>
+            <a:ln>
+              <a:solidFill>
+                <a:srgbClr val="FF0000"/>
+              </a:solidFill>
+            </a:ln>
+            <a:effectLst/>
+          </p:spPr>
+          <p:style>
+            <a:lnRef idx="1">
+              <a:schemeClr val="accent1"/>
+            </a:lnRef>
+            <a:fillRef idx="3">
+              <a:schemeClr val="accent1"/>
+            </a:fillRef>
+            <a:effectRef idx="2">
+              <a:schemeClr val="accent1"/>
+            </a:effectRef>
+            <a:fontRef idx="minor">
+              <a:schemeClr val="lt1"/>
+            </a:fontRef>
+          </p:style>
+          <p:txBody>
+            <a:bodyPr rtlCol="0" anchor="ctr"/>
+            <a:lstStyle/>
+            <a:p>
+              <a:endParaRPr lang="en-GB" sz="1300" dirty="0">
+                <a:latin typeface="Arial"/>
+                <a:cs typeface="Arial"/>
+              </a:endParaRPr>
+            </a:p>
+          </p:txBody>
+        </p:sp>
+        <p:sp>
+          <p:nvSpPr>
+            <p:cNvPr id="87" name="TextBox 86"/>
+            <p:cNvSpPr txBox="1"/>
+            <p:nvPr/>
+          </p:nvSpPr>
+          <p:spPr>
+            <a:xfrm>
+              <a:off x="1689542" y="4469817"/>
+              <a:ext cx="277383" cy="292388"/>
+            </a:xfrm>
+            <a:prstGeom prst="rect">
+              <a:avLst/>
+            </a:prstGeom>
+            <a:noFill/>
+          </p:spPr>
+          <p:txBody>
+            <a:bodyPr wrap="none" rtlCol="0">
+              <a:spAutoFit/>
+            </a:bodyPr>
+            <a:lstStyle/>
+            <a:p>
+              <a:pPr algn="ctr"/>
+              <a:r>
+                <a:rPr lang="en-US" sz="1300" b="1" dirty="0">
+                  <a:solidFill>
+                    <a:schemeClr val="bg1"/>
+                  </a:solidFill>
+                  <a:latin typeface="Arial"/>
+                  <a:cs typeface="Arial"/>
+                </a:rPr>
+                <a:t>5</a:t>
+              </a:r>
+              <a:endParaRPr lang="en-US" sz="1300" b="1" dirty="0">
+                <a:solidFill>
+                  <a:schemeClr val="bg1"/>
+                </a:solidFill>
+                <a:latin typeface="Arial"/>
+                <a:cs typeface="Arial"/>
+              </a:endParaRPr>
+            </a:p>
+          </p:txBody>
+        </p:sp>
+      </p:grpSp>
+      <p:cxnSp>
+        <p:nvCxnSpPr>
+          <p:cNvPr id="88" name="Conector angular 28"/>
+          <p:cNvCxnSpPr>
+            <a:stCxn id="9" idx="2"/>
+            <a:endCxn id="7" idx="0"/>
+          </p:cNvCxnSpPr>
+          <p:nvPr/>
+        </p:nvCxnSpPr>
+        <p:spPr>
+          <a:xfrm rot="5400000">
+            <a:off x="2379689" y="985530"/>
+            <a:ext cx="1193210" cy="1501741"/>
+          </a:xfrm>
+          <a:prstGeom prst="bentConnector3">
+            <a:avLst>
+              <a:gd name="adj1" fmla="val 25056"/>
+            </a:avLst>
+          </a:prstGeom>
+          <a:ln>
+            <a:tailEnd type="arrow" w="sm" len="sm"/>
+          </a:ln>
+        </p:spPr>
+        <p:style>
+          <a:lnRef idx="1">
+            <a:schemeClr val="dk1"/>
+          </a:lnRef>
+          <a:fillRef idx="0">
+            <a:schemeClr val="dk1"/>
+          </a:fillRef>
+          <a:effectRef idx="0">
+            <a:schemeClr val="dk1"/>
+          </a:effectRef>
+          <a:fontRef idx="minor">
+            <a:schemeClr val="tx1"/>
+          </a:fontRef>
+        </p:style>
+      </p:cxnSp>
+      <p:cxnSp>
+        <p:nvCxnSpPr>
+          <p:cNvPr id="89" name="Conector angular 28"/>
+          <p:cNvCxnSpPr>
+            <a:stCxn id="34" idx="1"/>
+            <a:endCxn id="7" idx="0"/>
+          </p:cNvCxnSpPr>
+          <p:nvPr/>
+        </p:nvCxnSpPr>
+        <p:spPr>
+          <a:xfrm rot="10800000" flipV="1">
+            <a:off x="2225424" y="2038759"/>
+            <a:ext cx="1178869" cy="294245"/>
+          </a:xfrm>
+          <a:prstGeom prst="bentConnector2">
+            <a:avLst/>
+          </a:prstGeom>
+          <a:ln>
+            <a:tailEnd type="arrow" w="sm" len="sm"/>
+          </a:ln>
+        </p:spPr>
+        <p:style>
+          <a:lnRef idx="1">
+            <a:schemeClr val="dk1"/>
+          </a:lnRef>
+          <a:fillRef idx="0">
+            <a:schemeClr val="dk1"/>
+          </a:fillRef>
+          <a:effectRef idx="0">
+            <a:schemeClr val="dk1"/>
+          </a:effectRef>
+          <a:fontRef idx="minor">
+            <a:schemeClr val="tx1"/>
+          </a:fontRef>
+        </p:style>
+      </p:cxnSp>
+      <p:cxnSp>
+        <p:nvCxnSpPr>
+          <p:cNvPr id="102" name="Conector angular 28"/>
+          <p:cNvCxnSpPr>
+            <a:stCxn id="7" idx="2"/>
+            <a:endCxn id="17" idx="0"/>
+          </p:cNvCxnSpPr>
+          <p:nvPr/>
+        </p:nvCxnSpPr>
+        <p:spPr>
+          <a:xfrm rot="5400000">
+            <a:off x="1857156" y="2988509"/>
+            <a:ext cx="600985" cy="135551"/>
+          </a:xfrm>
+          <a:prstGeom prst="bentConnector3">
+            <a:avLst>
+              <a:gd name="adj1" fmla="val 50000"/>
+            </a:avLst>
+          </a:prstGeom>
+          <a:ln>
+            <a:tailEnd type="arrow" w="sm" len="sm"/>
+          </a:ln>
+        </p:spPr>
+        <p:style>
+          <a:lnRef idx="1">
+            <a:schemeClr val="dk1"/>
+          </a:lnRef>
+          <a:fillRef idx="0">
+            <a:schemeClr val="dk1"/>
+          </a:fillRef>
+          <a:effectRef idx="0">
+            <a:schemeClr val="dk1"/>
+          </a:effectRef>
+          <a:fontRef idx="minor">
+            <a:schemeClr val="tx1"/>
+          </a:fontRef>
+        </p:style>
+      </p:cxnSp>
+      <p:grpSp>
+        <p:nvGrpSpPr>
+          <p:cNvPr id="107" name="Group 106"/>
+          <p:cNvGrpSpPr/>
+          <p:nvPr/>
+        </p:nvGrpSpPr>
+        <p:grpSpPr>
+          <a:xfrm>
+            <a:off x="1610577" y="4017721"/>
+            <a:ext cx="284923" cy="292388"/>
+            <a:chOff x="1689542" y="4469817"/>
+            <a:chExt cx="284923" cy="292388"/>
+          </a:xfrm>
+        </p:grpSpPr>
+        <p:sp>
+          <p:nvSpPr>
+            <p:cNvPr id="108" name="Dodecágono 72"/>
+            <p:cNvSpPr/>
+            <p:nvPr/>
+          </p:nvSpPr>
+          <p:spPr>
+            <a:xfrm>
+              <a:off x="1689542" y="4471683"/>
+              <a:ext cx="284923" cy="280576"/>
+            </a:xfrm>
+            <a:prstGeom prst="dodecagon">
+              <a:avLst/>
+            </a:prstGeom>
+            <a:solidFill>
+              <a:srgbClr val="FF0000"/>
+            </a:solidFill>
+            <a:ln>
+              <a:solidFill>
+                <a:srgbClr val="FF0000"/>
+              </a:solidFill>
+            </a:ln>
+            <a:effectLst/>
+          </p:spPr>
+          <p:style>
+            <a:lnRef idx="1">
+              <a:schemeClr val="accent1"/>
+            </a:lnRef>
+            <a:fillRef idx="3">
+              <a:schemeClr val="accent1"/>
+            </a:fillRef>
+            <a:effectRef idx="2">
+              <a:schemeClr val="accent1"/>
+            </a:effectRef>
+            <a:fontRef idx="minor">
+              <a:schemeClr val="lt1"/>
+            </a:fontRef>
+          </p:style>
+          <p:txBody>
+            <a:bodyPr rtlCol="0" anchor="ctr"/>
+            <a:lstStyle/>
+            <a:p>
+              <a:endParaRPr lang="en-GB" sz="1300" dirty="0">
+                <a:latin typeface="Arial"/>
+                <a:cs typeface="Arial"/>
+              </a:endParaRPr>
+            </a:p>
+          </p:txBody>
+        </p:sp>
+        <p:sp>
+          <p:nvSpPr>
+            <p:cNvPr id="109" name="TextBox 108"/>
+            <p:cNvSpPr txBox="1"/>
+            <p:nvPr/>
+          </p:nvSpPr>
+          <p:spPr>
+            <a:xfrm>
+              <a:off x="1689542" y="4469817"/>
+              <a:ext cx="277383" cy="292388"/>
+            </a:xfrm>
+            <a:prstGeom prst="rect">
+              <a:avLst/>
+            </a:prstGeom>
+            <a:noFill/>
+          </p:spPr>
+          <p:txBody>
+            <a:bodyPr wrap="none" rtlCol="0">
+              <a:spAutoFit/>
+            </a:bodyPr>
+            <a:lstStyle/>
+            <a:p>
+              <a:pPr algn="ctr"/>
+              <a:r>
+                <a:rPr lang="en-US" sz="1300" b="1" dirty="0" smtClean="0">
+                  <a:solidFill>
+                    <a:schemeClr val="bg1"/>
+                  </a:solidFill>
+                  <a:latin typeface="Arial"/>
+                  <a:cs typeface="Arial"/>
+                </a:rPr>
+                <a:t>6</a:t>
+              </a:r>
+              <a:endParaRPr lang="en-US" sz="1300" b="1" dirty="0">
+                <a:solidFill>
+                  <a:schemeClr val="bg1"/>
+                </a:solidFill>
+                <a:latin typeface="Arial"/>
+                <a:cs typeface="Arial"/>
+              </a:endParaRPr>
+            </a:p>
+          </p:txBody>
+        </p:sp>
+      </p:grpSp>
+      <p:grpSp>
+        <p:nvGrpSpPr>
+          <p:cNvPr id="110" name="Group 109"/>
+          <p:cNvGrpSpPr/>
+          <p:nvPr/>
+        </p:nvGrpSpPr>
+        <p:grpSpPr>
+          <a:xfrm>
+            <a:off x="3261830" y="4012690"/>
+            <a:ext cx="284923" cy="292388"/>
+            <a:chOff x="1689542" y="4469817"/>
+            <a:chExt cx="284923" cy="292388"/>
+          </a:xfrm>
+        </p:grpSpPr>
+        <p:sp>
+          <p:nvSpPr>
+            <p:cNvPr id="111" name="Dodecágono 72"/>
+            <p:cNvSpPr/>
+            <p:nvPr/>
+          </p:nvSpPr>
+          <p:spPr>
+            <a:xfrm>
+              <a:off x="1689542" y="4471683"/>
+              <a:ext cx="284923" cy="280576"/>
+            </a:xfrm>
+            <a:prstGeom prst="dodecagon">
+              <a:avLst/>
+            </a:prstGeom>
+            <a:solidFill>
+              <a:srgbClr val="FF0000"/>
+            </a:solidFill>
+            <a:ln>
+              <a:solidFill>
+                <a:srgbClr val="FF0000"/>
+              </a:solidFill>
+            </a:ln>
+            <a:effectLst/>
+          </p:spPr>
+          <p:style>
+            <a:lnRef idx="1">
+              <a:schemeClr val="accent1"/>
+            </a:lnRef>
+            <a:fillRef idx="3">
+              <a:schemeClr val="accent1"/>
+            </a:fillRef>
+            <a:effectRef idx="2">
+              <a:schemeClr val="accent1"/>
+            </a:effectRef>
+            <a:fontRef idx="minor">
+              <a:schemeClr val="lt1"/>
+            </a:fontRef>
+          </p:style>
+          <p:txBody>
+            <a:bodyPr rtlCol="0" anchor="ctr"/>
+            <a:lstStyle/>
+            <a:p>
+              <a:endParaRPr lang="en-GB" sz="1300" dirty="0">
+                <a:latin typeface="Arial"/>
+                <a:cs typeface="Arial"/>
+              </a:endParaRPr>
+            </a:p>
+          </p:txBody>
+        </p:sp>
+        <p:sp>
+          <p:nvSpPr>
+            <p:cNvPr id="112" name="TextBox 111"/>
+            <p:cNvSpPr txBox="1"/>
+            <p:nvPr/>
+          </p:nvSpPr>
+          <p:spPr>
+            <a:xfrm>
+              <a:off x="1689542" y="4469817"/>
+              <a:ext cx="277383" cy="292388"/>
+            </a:xfrm>
+            <a:prstGeom prst="rect">
+              <a:avLst/>
+            </a:prstGeom>
+            <a:noFill/>
+          </p:spPr>
+          <p:txBody>
+            <a:bodyPr wrap="none" rtlCol="0">
+              <a:spAutoFit/>
+            </a:bodyPr>
+            <a:lstStyle/>
+            <a:p>
+              <a:pPr algn="ctr"/>
+              <a:r>
+                <a:rPr lang="en-US" sz="1300" b="1" dirty="0">
+                  <a:solidFill>
+                    <a:schemeClr val="bg1"/>
+                  </a:solidFill>
+                  <a:latin typeface="Arial"/>
+                  <a:cs typeface="Arial"/>
+                </a:rPr>
+                <a:t>7</a:t>
+              </a:r>
+              <a:endParaRPr lang="en-US" sz="1300" b="1" dirty="0">
+                <a:solidFill>
+                  <a:schemeClr val="bg1"/>
+                </a:solidFill>
+                <a:latin typeface="Arial"/>
+                <a:cs typeface="Arial"/>
+              </a:endParaRPr>
+            </a:p>
+          </p:txBody>
+        </p:sp>
+      </p:grpSp>
+      <p:cxnSp>
+        <p:nvCxnSpPr>
+          <p:cNvPr id="117" name="Conector recto de flecha 10"/>
+          <p:cNvCxnSpPr>
+            <a:stCxn id="40" idx="3"/>
+            <a:endCxn id="59" idx="1"/>
+          </p:cNvCxnSpPr>
+          <p:nvPr/>
+        </p:nvCxnSpPr>
+        <p:spPr>
+          <a:xfrm>
+            <a:off x="1887959" y="5041655"/>
+            <a:ext cx="670146" cy="0"/>
+          </a:xfrm>
+          <a:prstGeom prst="straightConnector1">
+            <a:avLst/>
+          </a:prstGeom>
+          <a:ln>
+            <a:tailEnd type="arrow" w="sm" len="sm"/>
+          </a:ln>
+        </p:spPr>
+        <p:style>
+          <a:lnRef idx="1">
+            <a:schemeClr val="dk1"/>
+          </a:lnRef>
+          <a:fillRef idx="0">
+            <a:schemeClr val="dk1"/>
+          </a:fillRef>
+          <a:effectRef idx="0">
+            <a:schemeClr val="dk1"/>
+          </a:effectRef>
+          <a:fontRef idx="minor">
+            <a:schemeClr val="tx1"/>
+          </a:fontRef>
+        </p:style>
+      </p:cxnSp>
+      <p:cxnSp>
+        <p:nvCxnSpPr>
+          <p:cNvPr id="123" name="Conector angular 28"/>
+          <p:cNvCxnSpPr>
+            <a:stCxn id="16" idx="2"/>
+            <a:endCxn id="40" idx="0"/>
+          </p:cNvCxnSpPr>
+          <p:nvPr/>
+        </p:nvCxnSpPr>
+        <p:spPr>
+          <a:xfrm rot="16200000" flipH="1">
+            <a:off x="558189" y="4273349"/>
+            <a:ext cx="671377" cy="442446"/>
+          </a:xfrm>
+          <a:prstGeom prst="bentConnector3">
+            <a:avLst>
+              <a:gd name="adj1" fmla="val 50000"/>
+            </a:avLst>
+          </a:prstGeom>
+          <a:ln>
+            <a:tailEnd type="arrow" w="sm" len="sm"/>
+          </a:ln>
+        </p:spPr>
+        <p:style>
+          <a:lnRef idx="1">
+            <a:schemeClr val="dk1"/>
+          </a:lnRef>
+          <a:fillRef idx="0">
+            <a:schemeClr val="dk1"/>
+          </a:fillRef>
+          <a:effectRef idx="0">
+            <a:schemeClr val="dk1"/>
+          </a:effectRef>
+          <a:fontRef idx="minor">
+            <a:schemeClr val="tx1"/>
+          </a:fontRef>
+        </p:style>
+      </p:cxnSp>
+      <p:cxnSp>
+        <p:nvCxnSpPr>
+          <p:cNvPr id="126" name="Conector angular 28"/>
+          <p:cNvCxnSpPr>
+            <a:stCxn id="52" idx="2"/>
+            <a:endCxn id="40" idx="0"/>
+          </p:cNvCxnSpPr>
+          <p:nvPr/>
+        </p:nvCxnSpPr>
+        <p:spPr>
+          <a:xfrm rot="5400000">
+            <a:off x="2087959" y="3191056"/>
+            <a:ext cx="666346" cy="2612064"/>
+          </a:xfrm>
+          <a:prstGeom prst="bentConnector3">
+            <a:avLst>
+              <a:gd name="adj1" fmla="val 50000"/>
+            </a:avLst>
+          </a:prstGeom>
+          <a:ln>
+            <a:tailEnd type="arrow" w="sm" len="sm"/>
+          </a:ln>
+        </p:spPr>
+        <p:style>
+          <a:lnRef idx="1">
+            <a:schemeClr val="dk1"/>
+          </a:lnRef>
+          <a:fillRef idx="0">
+            <a:schemeClr val="dk1"/>
+          </a:fillRef>
+          <a:effectRef idx="0">
+            <a:schemeClr val="dk1"/>
+          </a:effectRef>
+          <a:fontRef idx="minor">
+            <a:schemeClr val="tx1"/>
+          </a:fontRef>
+        </p:style>
+      </p:cxnSp>
+      <p:grpSp>
+        <p:nvGrpSpPr>
+          <p:cNvPr id="129" name="Group 128"/>
+          <p:cNvGrpSpPr/>
+          <p:nvPr/>
+        </p:nvGrpSpPr>
+        <p:grpSpPr>
+          <a:xfrm>
+            <a:off x="207320" y="5106854"/>
+            <a:ext cx="284923" cy="292388"/>
+            <a:chOff x="1689542" y="4469817"/>
+            <a:chExt cx="284923" cy="292388"/>
+          </a:xfrm>
+        </p:grpSpPr>
+        <p:sp>
+          <p:nvSpPr>
+            <p:cNvPr id="130" name="Dodecágono 72"/>
+            <p:cNvSpPr/>
+            <p:nvPr/>
+          </p:nvSpPr>
+          <p:spPr>
+            <a:xfrm>
+              <a:off x="1689542" y="4471683"/>
+              <a:ext cx="284923" cy="280576"/>
+            </a:xfrm>
+            <a:prstGeom prst="dodecagon">
+              <a:avLst/>
+            </a:prstGeom>
+            <a:solidFill>
+              <a:srgbClr val="FF0000"/>
+            </a:solidFill>
+            <a:ln>
+              <a:solidFill>
+                <a:srgbClr val="FF0000"/>
+              </a:solidFill>
+            </a:ln>
+            <a:effectLst/>
+          </p:spPr>
+          <p:style>
+            <a:lnRef idx="1">
+              <a:schemeClr val="accent1"/>
+            </a:lnRef>
+            <a:fillRef idx="3">
+              <a:schemeClr val="accent1"/>
+            </a:fillRef>
+            <a:effectRef idx="2">
+              <a:schemeClr val="accent1"/>
+            </a:effectRef>
+            <a:fontRef idx="minor">
+              <a:schemeClr val="lt1"/>
+            </a:fontRef>
+          </p:style>
+          <p:txBody>
+            <a:bodyPr rtlCol="0" anchor="ctr"/>
+            <a:lstStyle/>
+            <a:p>
+              <a:endParaRPr lang="en-GB" sz="1300" dirty="0">
+                <a:latin typeface="Arial"/>
+                <a:cs typeface="Arial"/>
+              </a:endParaRPr>
+            </a:p>
+          </p:txBody>
+        </p:sp>
+        <p:sp>
+          <p:nvSpPr>
+            <p:cNvPr id="131" name="TextBox 130"/>
+            <p:cNvSpPr txBox="1"/>
+            <p:nvPr/>
+          </p:nvSpPr>
+          <p:spPr>
+            <a:xfrm>
+              <a:off x="1689542" y="4469817"/>
+              <a:ext cx="277383" cy="292388"/>
+            </a:xfrm>
+            <a:prstGeom prst="rect">
+              <a:avLst/>
+            </a:prstGeom>
+            <a:noFill/>
+          </p:spPr>
+          <p:txBody>
+            <a:bodyPr wrap="none" rtlCol="0">
+              <a:spAutoFit/>
+            </a:bodyPr>
+            <a:lstStyle/>
+            <a:p>
+              <a:pPr algn="ctr"/>
+              <a:r>
+                <a:rPr lang="en-US" sz="1300" b="1" dirty="0" smtClean="0">
+                  <a:solidFill>
+                    <a:schemeClr val="bg1"/>
+                  </a:solidFill>
+                  <a:latin typeface="Arial"/>
+                  <a:cs typeface="Arial"/>
+                </a:rPr>
+                <a:t>8</a:t>
+              </a:r>
+              <a:endParaRPr lang="en-US" sz="1300" b="1" dirty="0">
+                <a:solidFill>
+                  <a:schemeClr val="bg1"/>
+                </a:solidFill>
+                <a:latin typeface="Arial"/>
+                <a:cs typeface="Arial"/>
+              </a:endParaRPr>
+            </a:p>
+          </p:txBody>
+        </p:sp>
+      </p:grpSp>
+      <p:grpSp>
+        <p:nvGrpSpPr>
+          <p:cNvPr id="132" name="Group 131"/>
+          <p:cNvGrpSpPr/>
+          <p:nvPr/>
+        </p:nvGrpSpPr>
+        <p:grpSpPr>
+          <a:xfrm>
+            <a:off x="2408103" y="5243102"/>
+            <a:ext cx="284923" cy="292388"/>
+            <a:chOff x="1689542" y="4469817"/>
+            <a:chExt cx="284923" cy="292388"/>
+          </a:xfrm>
+        </p:grpSpPr>
+        <p:sp>
+          <p:nvSpPr>
+            <p:cNvPr id="133" name="Dodecágono 72"/>
+            <p:cNvSpPr/>
+            <p:nvPr/>
+          </p:nvSpPr>
+          <p:spPr>
+            <a:xfrm>
+              <a:off x="1689542" y="4471683"/>
+              <a:ext cx="284923" cy="280576"/>
+            </a:xfrm>
+            <a:prstGeom prst="dodecagon">
+              <a:avLst/>
+            </a:prstGeom>
+            <a:solidFill>
+              <a:srgbClr val="FF0000"/>
+            </a:solidFill>
+            <a:ln>
+              <a:solidFill>
+                <a:srgbClr val="FF0000"/>
+              </a:solidFill>
+            </a:ln>
+            <a:effectLst/>
+          </p:spPr>
+          <p:style>
+            <a:lnRef idx="1">
+              <a:schemeClr val="accent1"/>
+            </a:lnRef>
+            <a:fillRef idx="3">
+              <a:schemeClr val="accent1"/>
+            </a:fillRef>
+            <a:effectRef idx="2">
+              <a:schemeClr val="accent1"/>
+            </a:effectRef>
+            <a:fontRef idx="minor">
+              <a:schemeClr val="lt1"/>
+            </a:fontRef>
+          </p:style>
+          <p:txBody>
+            <a:bodyPr rtlCol="0" anchor="ctr"/>
+            <a:lstStyle/>
+            <a:p>
+              <a:endParaRPr lang="en-GB" sz="1300" dirty="0">
+                <a:latin typeface="Arial"/>
+                <a:cs typeface="Arial"/>
+              </a:endParaRPr>
+            </a:p>
+          </p:txBody>
+        </p:sp>
+        <p:sp>
+          <p:nvSpPr>
+            <p:cNvPr id="134" name="TextBox 133"/>
+            <p:cNvSpPr txBox="1"/>
+            <p:nvPr/>
+          </p:nvSpPr>
+          <p:spPr>
+            <a:xfrm>
+              <a:off x="1689542" y="4469817"/>
+              <a:ext cx="277383" cy="292388"/>
+            </a:xfrm>
+            <a:prstGeom prst="rect">
+              <a:avLst/>
+            </a:prstGeom>
+            <a:noFill/>
+          </p:spPr>
+          <p:txBody>
+            <a:bodyPr wrap="none" rtlCol="0">
+              <a:spAutoFit/>
+            </a:bodyPr>
+            <a:lstStyle/>
+            <a:p>
+              <a:pPr algn="ctr"/>
+              <a:r>
+                <a:rPr lang="en-US" sz="1300" b="1" dirty="0">
+                  <a:solidFill>
+                    <a:schemeClr val="bg1"/>
+                  </a:solidFill>
+                  <a:latin typeface="Arial"/>
+                  <a:cs typeface="Arial"/>
+                </a:rPr>
+                <a:t>9</a:t>
+              </a:r>
+              <a:endParaRPr lang="en-US" sz="1300" b="1" dirty="0">
+                <a:solidFill>
+                  <a:schemeClr val="bg1"/>
+                </a:solidFill>
+                <a:latin typeface="Arial"/>
+                <a:cs typeface="Arial"/>
+              </a:endParaRPr>
+            </a:p>
+          </p:txBody>
+        </p:sp>
+      </p:grpSp>
+    </p:spTree>
+    <p:extLst>
+      <p:ext uri="{BB962C8B-B14F-4D97-AF65-F5344CB8AC3E}">
+        <p14:creationId xmlns:p14="http://schemas.microsoft.com/office/powerpoint/2010/main" val="2820702811"/>
       </p:ext>
     </p:extLst>
   </p:cSld>

--- a/data/Diagrams.pptx
+++ b/data/Diagrams.pptx
@@ -7,8 +7,9 @@
   <p:sldIdLst>
     <p:sldId id="257" r:id="rId2"/>
     <p:sldId id="259" r:id="rId3"/>
-    <p:sldId id="260" r:id="rId4"/>
-    <p:sldId id="261" r:id="rId5"/>
+    <p:sldId id="262" r:id="rId4"/>
+    <p:sldId id="260" r:id="rId5"/>
+    <p:sldId id="261" r:id="rId6"/>
   </p:sldIdLst>
   <p:sldSz cx="9144000" cy="6858000" type="screen4x3"/>
   <p:notesSz cx="6858000" cy="9144000"/>
@@ -291,7 +292,7 @@
           <a:p>
             <a:fld id="{FD09FB90-A83B-E248-A89C-4D42C06EC9BD}" type="datetimeFigureOut">
               <a:rPr lang="en-US" smtClean="0"/>
-              <a:t>2/24/15</a:t>
+              <a:t>11/03/15</a:t>
             </a:fld>
             <a:endParaRPr lang="en-US"/>
           </a:p>
@@ -333,7 +334,7 @@
           <a:p>
             <a:fld id="{C775CA5E-A83B-EC47-B301-77059F30A10D}" type="slidenum">
               <a:rPr lang="en-US" smtClean="0"/>
-              <a:t>‹#›</a:t>
+              <a:t>‹Nr.›</a:t>
             </a:fld>
             <a:endParaRPr lang="en-US"/>
           </a:p>
@@ -456,7 +457,7 @@
           <a:p>
             <a:fld id="{FD09FB90-A83B-E248-A89C-4D42C06EC9BD}" type="datetimeFigureOut">
               <a:rPr lang="en-US" smtClean="0"/>
-              <a:t>2/24/15</a:t>
+              <a:t>11/03/15</a:t>
             </a:fld>
             <a:endParaRPr lang="en-US"/>
           </a:p>
@@ -498,7 +499,7 @@
           <a:p>
             <a:fld id="{C775CA5E-A83B-EC47-B301-77059F30A10D}" type="slidenum">
               <a:rPr lang="en-US" smtClean="0"/>
-              <a:t>‹#›</a:t>
+              <a:t>‹Nr.›</a:t>
             </a:fld>
             <a:endParaRPr lang="en-US"/>
           </a:p>
@@ -631,7 +632,7 @@
           <a:p>
             <a:fld id="{FD09FB90-A83B-E248-A89C-4D42C06EC9BD}" type="datetimeFigureOut">
               <a:rPr lang="en-US" smtClean="0"/>
-              <a:t>2/24/15</a:t>
+              <a:t>11/03/15</a:t>
             </a:fld>
             <a:endParaRPr lang="en-US"/>
           </a:p>
@@ -673,7 +674,7 @@
           <a:p>
             <a:fld id="{C775CA5E-A83B-EC47-B301-77059F30A10D}" type="slidenum">
               <a:rPr lang="en-US" smtClean="0"/>
-              <a:t>‹#›</a:t>
+              <a:t>‹Nr.›</a:t>
             </a:fld>
             <a:endParaRPr lang="en-US"/>
           </a:p>
@@ -796,7 +797,7 @@
           <a:p>
             <a:fld id="{FD09FB90-A83B-E248-A89C-4D42C06EC9BD}" type="datetimeFigureOut">
               <a:rPr lang="en-US" smtClean="0"/>
-              <a:t>2/24/15</a:t>
+              <a:t>11/03/15</a:t>
             </a:fld>
             <a:endParaRPr lang="en-US"/>
           </a:p>
@@ -838,7 +839,7 @@
           <a:p>
             <a:fld id="{C775CA5E-A83B-EC47-B301-77059F30A10D}" type="slidenum">
               <a:rPr lang="en-US" smtClean="0"/>
-              <a:t>‹#›</a:t>
+              <a:t>‹Nr.›</a:t>
             </a:fld>
             <a:endParaRPr lang="en-US"/>
           </a:p>
@@ -1037,7 +1038,7 @@
           <a:p>
             <a:fld id="{FD09FB90-A83B-E248-A89C-4D42C06EC9BD}" type="datetimeFigureOut">
               <a:rPr lang="en-US" smtClean="0"/>
-              <a:t>2/24/15</a:t>
+              <a:t>11/03/15</a:t>
             </a:fld>
             <a:endParaRPr lang="en-US"/>
           </a:p>
@@ -1079,7 +1080,7 @@
           <a:p>
             <a:fld id="{C775CA5E-A83B-EC47-B301-77059F30A10D}" type="slidenum">
               <a:rPr lang="en-US" smtClean="0"/>
-              <a:t>‹#›</a:t>
+              <a:t>‹Nr.›</a:t>
             </a:fld>
             <a:endParaRPr lang="en-US"/>
           </a:p>
@@ -1320,7 +1321,7 @@
           <a:p>
             <a:fld id="{FD09FB90-A83B-E248-A89C-4D42C06EC9BD}" type="datetimeFigureOut">
               <a:rPr lang="en-US" smtClean="0"/>
-              <a:t>2/24/15</a:t>
+              <a:t>11/03/15</a:t>
             </a:fld>
             <a:endParaRPr lang="en-US"/>
           </a:p>
@@ -1362,7 +1363,7 @@
           <a:p>
             <a:fld id="{C775CA5E-A83B-EC47-B301-77059F30A10D}" type="slidenum">
               <a:rPr lang="en-US" smtClean="0"/>
-              <a:t>‹#›</a:t>
+              <a:t>‹Nr.›</a:t>
             </a:fld>
             <a:endParaRPr lang="en-US"/>
           </a:p>
@@ -1737,7 +1738,7 @@
           <a:p>
             <a:fld id="{FD09FB90-A83B-E248-A89C-4D42C06EC9BD}" type="datetimeFigureOut">
               <a:rPr lang="en-US" smtClean="0"/>
-              <a:t>2/24/15</a:t>
+              <a:t>11/03/15</a:t>
             </a:fld>
             <a:endParaRPr lang="en-US"/>
           </a:p>
@@ -1779,7 +1780,7 @@
           <a:p>
             <a:fld id="{C775CA5E-A83B-EC47-B301-77059F30A10D}" type="slidenum">
               <a:rPr lang="en-US" smtClean="0"/>
-              <a:t>‹#›</a:t>
+              <a:t>‹Nr.›</a:t>
             </a:fld>
             <a:endParaRPr lang="en-US"/>
           </a:p>
@@ -1850,7 +1851,7 @@
           <a:p>
             <a:fld id="{FD09FB90-A83B-E248-A89C-4D42C06EC9BD}" type="datetimeFigureOut">
               <a:rPr lang="en-US" smtClean="0"/>
-              <a:t>2/24/15</a:t>
+              <a:t>11/03/15</a:t>
             </a:fld>
             <a:endParaRPr lang="en-US"/>
           </a:p>
@@ -1892,7 +1893,7 @@
           <a:p>
             <a:fld id="{C775CA5E-A83B-EC47-B301-77059F30A10D}" type="slidenum">
               <a:rPr lang="en-US" smtClean="0"/>
-              <a:t>‹#›</a:t>
+              <a:t>‹Nr.›</a:t>
             </a:fld>
             <a:endParaRPr lang="en-US"/>
           </a:p>
@@ -1940,7 +1941,7 @@
           <a:p>
             <a:fld id="{FD09FB90-A83B-E248-A89C-4D42C06EC9BD}" type="datetimeFigureOut">
               <a:rPr lang="en-US" smtClean="0"/>
-              <a:t>2/24/15</a:t>
+              <a:t>11/03/15</a:t>
             </a:fld>
             <a:endParaRPr lang="en-US"/>
           </a:p>
@@ -1982,7 +1983,7 @@
           <a:p>
             <a:fld id="{C775CA5E-A83B-EC47-B301-77059F30A10D}" type="slidenum">
               <a:rPr lang="en-US" smtClean="0"/>
-              <a:t>‹#›</a:t>
+              <a:t>‹Nr.›</a:t>
             </a:fld>
             <a:endParaRPr lang="en-US"/>
           </a:p>
@@ -2212,7 +2213,7 @@
           <a:p>
             <a:fld id="{FD09FB90-A83B-E248-A89C-4D42C06EC9BD}" type="datetimeFigureOut">
               <a:rPr lang="en-US" smtClean="0"/>
-              <a:t>2/24/15</a:t>
+              <a:t>11/03/15</a:t>
             </a:fld>
             <a:endParaRPr lang="en-US"/>
           </a:p>
@@ -2254,7 +2255,7 @@
           <a:p>
             <a:fld id="{C775CA5E-A83B-EC47-B301-77059F30A10D}" type="slidenum">
               <a:rPr lang="en-US" smtClean="0"/>
-              <a:t>‹#›</a:t>
+              <a:t>‹Nr.›</a:t>
             </a:fld>
             <a:endParaRPr lang="en-US"/>
           </a:p>
@@ -2460,7 +2461,7 @@
           <a:p>
             <a:fld id="{FD09FB90-A83B-E248-A89C-4D42C06EC9BD}" type="datetimeFigureOut">
               <a:rPr lang="en-US" smtClean="0"/>
-              <a:t>2/24/15</a:t>
+              <a:t>11/03/15</a:t>
             </a:fld>
             <a:endParaRPr lang="en-US"/>
           </a:p>
@@ -2502,7 +2503,7 @@
           <a:p>
             <a:fld id="{C775CA5E-A83B-EC47-B301-77059F30A10D}" type="slidenum">
               <a:rPr lang="en-US" smtClean="0"/>
-              <a:t>‹#›</a:t>
+              <a:t>‹Nr.›</a:t>
             </a:fld>
             <a:endParaRPr lang="en-US"/>
           </a:p>
@@ -2668,7 +2669,7 @@
           <a:p>
             <a:fld id="{FD09FB90-A83B-E248-A89C-4D42C06EC9BD}" type="datetimeFigureOut">
               <a:rPr lang="en-US" smtClean="0"/>
-              <a:t>2/24/15</a:t>
+              <a:t>11/03/15</a:t>
             </a:fld>
             <a:endParaRPr lang="en-US"/>
           </a:p>
@@ -2746,7 +2747,7 @@
           <a:p>
             <a:fld id="{C775CA5E-A83B-EC47-B301-77059F30A10D}" type="slidenum">
               <a:rPr lang="en-US" smtClean="0"/>
-              <a:t>‹#›</a:t>
+              <a:t>‹Nr.›</a:t>
             </a:fld>
             <a:endParaRPr lang="en-US"/>
           </a:p>
@@ -6875,317 +6876,43 @@
           <a:chExt cx="0" cy="0"/>
         </a:xfrm>
       </p:grpSpPr>
-      <p:sp>
-        <p:nvSpPr>
-          <p:cNvPr id="4" name="Esquina doblada 3"/>
-          <p:cNvSpPr/>
-          <p:nvPr/>
-        </p:nvSpPr>
-        <p:spPr>
-          <a:xfrm>
-            <a:off x="338178" y="1577755"/>
-            <a:ext cx="645743" cy="807138"/>
-          </a:xfrm>
-          <a:prstGeom prst="foldedCorner">
-            <a:avLst/>
-          </a:prstGeom>
-          <a:solidFill>
-            <a:schemeClr val="bg1">
-              <a:lumMod val="85000"/>
-            </a:schemeClr>
-          </a:solidFill>
-        </p:spPr>
-        <p:style>
-          <a:lnRef idx="2">
-            <a:schemeClr val="dk1"/>
-          </a:lnRef>
-          <a:fillRef idx="1">
-            <a:schemeClr val="lt1"/>
-          </a:fillRef>
-          <a:effectRef idx="0">
-            <a:schemeClr val="dk1"/>
-          </a:effectRef>
-          <a:fontRef idx="minor">
-            <a:schemeClr val="dk1"/>
-          </a:fontRef>
-        </p:style>
-        <p:txBody>
-          <a:bodyPr rtlCol="0" anchor="ctr"/>
-          <a:lstStyle/>
-          <a:p>
-            <a:pPr algn="ctr"/>
-            <a:r>
-              <a:rPr lang="en-GB" sz="1000" dirty="0" smtClean="0"/>
-              <a:t>Pegasus</a:t>
-            </a:r>
-          </a:p>
-          <a:p>
-            <a:pPr algn="ctr"/>
-            <a:r>
-              <a:rPr lang="en-GB" sz="1000" dirty="0" smtClean="0"/>
-              <a:t>Transf.</a:t>
-            </a:r>
-          </a:p>
-          <a:p>
-            <a:pPr algn="ctr"/>
-            <a:r>
-              <a:rPr lang="en-GB" sz="1000" dirty="0" err="1" smtClean="0"/>
-              <a:t>Catalog</a:t>
-            </a:r>
-            <a:endParaRPr lang="en-GB" sz="1000" dirty="0"/>
-          </a:p>
-        </p:txBody>
-      </p:sp>
-      <p:sp>
-        <p:nvSpPr>
-          <p:cNvPr id="5" name="Esquina doblada 4"/>
-          <p:cNvSpPr/>
-          <p:nvPr/>
-        </p:nvSpPr>
-        <p:spPr>
-          <a:xfrm>
-            <a:off x="338178" y="3999471"/>
-            <a:ext cx="645743" cy="807138"/>
-          </a:xfrm>
-          <a:prstGeom prst="foldedCorner">
-            <a:avLst/>
-          </a:prstGeom>
-          <a:solidFill>
-            <a:schemeClr val="bg1">
-              <a:lumMod val="85000"/>
-            </a:schemeClr>
-          </a:solidFill>
-        </p:spPr>
-        <p:style>
-          <a:lnRef idx="2">
-            <a:schemeClr val="dk1"/>
-          </a:lnRef>
-          <a:fillRef idx="1">
-            <a:schemeClr val="lt1"/>
-          </a:fillRef>
-          <a:effectRef idx="0">
-            <a:schemeClr val="dk1"/>
-          </a:effectRef>
-          <a:fontRef idx="minor">
-            <a:schemeClr val="dk1"/>
-          </a:fontRef>
-        </p:style>
-        <p:txBody>
-          <a:bodyPr rtlCol="0" anchor="ctr"/>
-          <a:lstStyle/>
-          <a:p>
-            <a:pPr algn="ctr"/>
-            <a:r>
-              <a:rPr lang="en-GB" sz="1000" dirty="0" smtClean="0"/>
-              <a:t>DAX</a:t>
-            </a:r>
-          </a:p>
-          <a:p>
-            <a:pPr algn="ctr"/>
-            <a:r>
-              <a:rPr lang="en-GB" sz="1000" dirty="0" smtClean="0"/>
-              <a:t>xml</a:t>
-            </a:r>
-            <a:endParaRPr lang="en-GB" sz="1000" dirty="0"/>
-          </a:p>
-        </p:txBody>
-      </p:sp>
-      <p:sp>
-        <p:nvSpPr>
-          <p:cNvPr id="6" name="Rectángulo 5"/>
-          <p:cNvSpPr/>
-          <p:nvPr/>
-        </p:nvSpPr>
-        <p:spPr>
-          <a:xfrm>
-            <a:off x="1822447" y="4189184"/>
-            <a:ext cx="1214610" cy="422787"/>
-          </a:xfrm>
-          <a:prstGeom prst="rect">
-            <a:avLst/>
-          </a:prstGeom>
-        </p:spPr>
-        <p:style>
-          <a:lnRef idx="2">
-            <a:schemeClr val="dk1"/>
-          </a:lnRef>
-          <a:fillRef idx="1">
-            <a:schemeClr val="lt1"/>
-          </a:fillRef>
-          <a:effectRef idx="0">
-            <a:schemeClr val="dk1"/>
-          </a:effectRef>
-          <a:fontRef idx="minor">
-            <a:schemeClr val="dk1"/>
-          </a:fontRef>
-        </p:style>
-        <p:txBody>
-          <a:bodyPr rtlCol="0" anchor="ctr"/>
-          <a:lstStyle/>
-          <a:p>
-            <a:pPr algn="ctr"/>
-            <a:r>
-              <a:rPr lang="en-GB" sz="1000" dirty="0" smtClean="0"/>
-              <a:t>DAX annotator</a:t>
-            </a:r>
-            <a:endParaRPr lang="en-GB" sz="1000" dirty="0"/>
-          </a:p>
-        </p:txBody>
-      </p:sp>
-      <p:sp>
-        <p:nvSpPr>
-          <p:cNvPr id="7" name="Rectángulo 6"/>
-          <p:cNvSpPr/>
-          <p:nvPr/>
-        </p:nvSpPr>
-        <p:spPr>
-          <a:xfrm>
-            <a:off x="2561452" y="1769930"/>
-            <a:ext cx="1214610" cy="422787"/>
-          </a:xfrm>
-          <a:prstGeom prst="rect">
-            <a:avLst/>
-          </a:prstGeom>
-        </p:spPr>
-        <p:style>
-          <a:lnRef idx="2">
-            <a:schemeClr val="dk1"/>
-          </a:lnRef>
-          <a:fillRef idx="1">
-            <a:schemeClr val="lt1"/>
-          </a:fillRef>
-          <a:effectRef idx="0">
-            <a:schemeClr val="dk1"/>
-          </a:effectRef>
-          <a:fontRef idx="minor">
-            <a:schemeClr val="dk1"/>
-          </a:fontRef>
-        </p:style>
-        <p:txBody>
-          <a:bodyPr rtlCol="0" anchor="ctr"/>
-          <a:lstStyle/>
-          <a:p>
-            <a:pPr algn="ctr"/>
-            <a:r>
-              <a:rPr lang="en-GB" sz="1000" dirty="0" smtClean="0"/>
-              <a:t>TC annotator</a:t>
-            </a:r>
-            <a:endParaRPr lang="en-GB" sz="1000" dirty="0"/>
-          </a:p>
-        </p:txBody>
-      </p:sp>
-      <p:pic>
-        <p:nvPicPr>
-          <p:cNvPr id="8" name="Imagen 7" descr="Captura de pantalla 2014-03-31 a las 15.31.04.png"/>
-          <p:cNvPicPr>
-            <a:picLocks noChangeAspect="1"/>
-          </p:cNvPicPr>
-          <p:nvPr/>
-        </p:nvPicPr>
-        <p:blipFill>
-          <a:blip r:embed="rId2">
-            <a:extLst>
-              <a:ext uri="{28A0092B-C50C-407E-A947-70E740481C1C}">
-                <a14:useLocalDpi xmlns:a14="http://schemas.microsoft.com/office/drawing/2010/main" val="0"/>
-              </a:ext>
-            </a:extLst>
-          </a:blip>
-          <a:stretch>
-            <a:fillRect/>
-          </a:stretch>
-        </p:blipFill>
-        <p:spPr>
-          <a:xfrm>
-            <a:off x="774739" y="2969406"/>
-            <a:ext cx="1143648" cy="505333"/>
-          </a:xfrm>
-          <a:prstGeom prst="rect">
-            <a:avLst/>
-          </a:prstGeom>
-        </p:spPr>
-      </p:pic>
-      <p:sp>
-        <p:nvSpPr>
-          <p:cNvPr id="9" name="Esquina doblada 8"/>
-          <p:cNvSpPr/>
-          <p:nvPr/>
-        </p:nvSpPr>
-        <p:spPr>
-          <a:xfrm>
-            <a:off x="3546754" y="3997009"/>
-            <a:ext cx="645743" cy="807138"/>
-          </a:xfrm>
-          <a:prstGeom prst="foldedCorner">
-            <a:avLst/>
-          </a:prstGeom>
-          <a:solidFill>
-            <a:srgbClr val="D9D9D9"/>
-          </a:solidFill>
-        </p:spPr>
-        <p:style>
-          <a:lnRef idx="2">
-            <a:schemeClr val="dk1"/>
-          </a:lnRef>
-          <a:fillRef idx="1">
-            <a:schemeClr val="lt1"/>
-          </a:fillRef>
-          <a:effectRef idx="0">
-            <a:schemeClr val="dk1"/>
-          </a:effectRef>
-          <a:fontRef idx="minor">
-            <a:schemeClr val="dk1"/>
-          </a:fontRef>
-        </p:style>
-        <p:txBody>
-          <a:bodyPr rtlCol="0" anchor="ctr"/>
-          <a:lstStyle/>
-          <a:p>
-            <a:pPr algn="ctr"/>
-            <a:r>
-              <a:rPr lang="en-GB" sz="1000" dirty="0" smtClean="0"/>
-              <a:t>WF</a:t>
-            </a:r>
-          </a:p>
-          <a:p>
-            <a:pPr algn="ctr"/>
-            <a:r>
-              <a:rPr lang="en-GB" sz="1000" dirty="0" err="1" smtClean="0"/>
-              <a:t>Annot</a:t>
-            </a:r>
-            <a:endParaRPr lang="en-GB" sz="1000" dirty="0"/>
-          </a:p>
-        </p:txBody>
-      </p:sp>
       <p:cxnSp>
         <p:nvCxnSpPr>
-          <p:cNvPr id="11" name="Conector recto de flecha 10"/>
+          <p:cNvPr id="105" name="Elbow Connector 104"/>
           <p:cNvCxnSpPr>
-            <a:stCxn id="5" idx="3"/>
-            <a:endCxn id="6" idx="1"/>
+            <a:stCxn id="127" idx="0"/>
+            <a:endCxn id="81" idx="2"/>
           </p:cNvCxnSpPr>
           <p:nvPr/>
         </p:nvCxnSpPr>
         <p:spPr>
-          <a:xfrm flipV="1">
-            <a:off x="983921" y="4400578"/>
-            <a:ext cx="838526" cy="2462"/>
-          </a:xfrm>
-          <a:prstGeom prst="straightConnector1">
-            <a:avLst/>
-          </a:prstGeom>
-          <a:ln>
-            <a:tailEnd type="arrow"/>
-          </a:ln>
-        </p:spPr>
-        <p:style>
-          <a:lnRef idx="1">
-            <a:schemeClr val="dk1"/>
+          <a:xfrm rot="16200000" flipV="1">
+            <a:off x="5087816" y="4462837"/>
+            <a:ext cx="1170466" cy="608886"/>
+          </a:xfrm>
+          <a:prstGeom prst="bentConnector3">
+            <a:avLst>
+              <a:gd name="adj1" fmla="val 80192"/>
+            </a:avLst>
+          </a:prstGeom>
+          <a:ln w="12700" cmpd="sng">
+            <a:solidFill>
+              <a:schemeClr val="tx1"/>
+            </a:solidFill>
+            <a:headEnd type="none"/>
+            <a:tailEnd type="triangle"/>
+          </a:ln>
+          <a:effectLst/>
+        </p:spPr>
+        <p:style>
+          <a:lnRef idx="2">
+            <a:schemeClr val="accent1"/>
           </a:lnRef>
           <a:fillRef idx="0">
-            <a:schemeClr val="dk1"/>
-          </a:fillRef>
-          <a:effectRef idx="0">
-            <a:schemeClr val="dk1"/>
+            <a:schemeClr val="accent1"/>
+          </a:fillRef>
+          <a:effectRef idx="1">
+            <a:schemeClr val="accent1"/>
           </a:effectRef>
           <a:fontRef idx="minor">
             <a:schemeClr val="tx1"/>
@@ -7194,179 +6921,41 @@
       </p:cxnSp>
       <p:cxnSp>
         <p:nvCxnSpPr>
-          <p:cNvPr id="12" name="Conector recto de flecha 11"/>
+          <p:cNvPr id="100" name="Elbow Connector 99"/>
           <p:cNvCxnSpPr>
-            <a:stCxn id="6" idx="3"/>
-            <a:endCxn id="9" idx="1"/>
+            <a:stCxn id="126" idx="0"/>
+            <a:endCxn id="81" idx="2"/>
           </p:cNvCxnSpPr>
           <p:nvPr/>
         </p:nvCxnSpPr>
         <p:spPr>
-          <a:xfrm>
-            <a:off x="3037057" y="4400578"/>
-            <a:ext cx="509697" cy="0"/>
-          </a:xfrm>
-          <a:prstGeom prst="straightConnector1">
-            <a:avLst/>
-          </a:prstGeom>
-          <a:ln>
-            <a:tailEnd type="arrow"/>
-          </a:ln>
-        </p:spPr>
-        <p:style>
-          <a:lnRef idx="1">
-            <a:schemeClr val="dk1"/>
+          <a:xfrm rot="5400000" flipH="1" flipV="1">
+            <a:off x="4555756" y="4539664"/>
+            <a:ext cx="1170466" cy="455233"/>
+          </a:xfrm>
+          <a:prstGeom prst="bentConnector3">
+            <a:avLst>
+              <a:gd name="adj1" fmla="val 80304"/>
+            </a:avLst>
+          </a:prstGeom>
+          <a:ln w="12700" cmpd="sng">
+            <a:solidFill>
+              <a:schemeClr val="tx1"/>
+            </a:solidFill>
+            <a:headEnd type="none"/>
+            <a:tailEnd type="triangle"/>
+          </a:ln>
+          <a:effectLst/>
+        </p:spPr>
+        <p:style>
+          <a:lnRef idx="2">
+            <a:schemeClr val="accent1"/>
           </a:lnRef>
           <a:fillRef idx="0">
-            <a:schemeClr val="dk1"/>
-          </a:fillRef>
-          <a:effectRef idx="0">
-            <a:schemeClr val="dk1"/>
-          </a:effectRef>
-          <a:fontRef idx="minor">
-            <a:schemeClr val="tx1"/>
-          </a:fontRef>
-        </p:style>
-      </p:cxnSp>
-      <p:sp>
-        <p:nvSpPr>
-          <p:cNvPr id="16" name="Esquina doblada 15"/>
-          <p:cNvSpPr/>
-          <p:nvPr/>
-        </p:nvSpPr>
-        <p:spPr>
-          <a:xfrm>
-            <a:off x="4875366" y="1577755"/>
-            <a:ext cx="645743" cy="807138"/>
-          </a:xfrm>
-          <a:prstGeom prst="foldedCorner">
-            <a:avLst/>
-          </a:prstGeom>
-          <a:solidFill>
-            <a:srgbClr val="D9D9D9"/>
-          </a:solidFill>
-        </p:spPr>
-        <p:style>
-          <a:lnRef idx="2">
-            <a:schemeClr val="dk1"/>
-          </a:lnRef>
-          <a:fillRef idx="1">
-            <a:schemeClr val="lt1"/>
-          </a:fillRef>
-          <a:effectRef idx="0">
-            <a:schemeClr val="dk1"/>
-          </a:effectRef>
-          <a:fontRef idx="minor">
-            <a:schemeClr val="dk1"/>
-          </a:fontRef>
-        </p:style>
-        <p:txBody>
-          <a:bodyPr rtlCol="0" anchor="ctr"/>
-          <a:lstStyle/>
-          <a:p>
-            <a:pPr algn="ctr"/>
-            <a:r>
-              <a:rPr lang="en-GB" sz="1000" dirty="0" smtClean="0"/>
-              <a:t>SW Comp</a:t>
-            </a:r>
-          </a:p>
-          <a:p>
-            <a:pPr algn="ctr"/>
-            <a:r>
-              <a:rPr lang="en-GB" sz="1000" dirty="0" err="1" smtClean="0"/>
-              <a:t>Catalog</a:t>
-            </a:r>
-            <a:endParaRPr lang="en-GB" sz="1000" dirty="0"/>
-          </a:p>
-        </p:txBody>
-      </p:sp>
-      <p:sp>
-        <p:nvSpPr>
-          <p:cNvPr id="17" name="Esquina doblada 16"/>
-          <p:cNvSpPr/>
-          <p:nvPr/>
-        </p:nvSpPr>
-        <p:spPr>
-          <a:xfrm>
-            <a:off x="4875366" y="2859777"/>
-            <a:ext cx="645743" cy="807138"/>
-          </a:xfrm>
-          <a:prstGeom prst="foldedCorner">
-            <a:avLst/>
-          </a:prstGeom>
-          <a:solidFill>
-            <a:srgbClr val="D9D9D9"/>
-          </a:solidFill>
-        </p:spPr>
-        <p:style>
-          <a:lnRef idx="2">
-            <a:schemeClr val="dk1"/>
-          </a:lnRef>
-          <a:fillRef idx="1">
-            <a:schemeClr val="lt1"/>
-          </a:fillRef>
-          <a:effectRef idx="0">
-            <a:schemeClr val="dk1"/>
-          </a:effectRef>
-          <a:fontRef idx="minor">
-            <a:schemeClr val="dk1"/>
-          </a:fontRef>
-        </p:style>
-        <p:txBody>
-          <a:bodyPr rtlCol="0" anchor="ctr"/>
-          <a:lstStyle/>
-          <a:p>
-            <a:pPr algn="ctr"/>
-            <a:r>
-              <a:rPr lang="en-GB" sz="1000" dirty="0" smtClean="0"/>
-              <a:t>WF &amp; </a:t>
-            </a:r>
-            <a:r>
-              <a:rPr lang="en-GB" sz="1000" dirty="0" err="1" smtClean="0"/>
-              <a:t>Config</a:t>
-            </a:r>
-            <a:endParaRPr lang="en-GB" sz="1000" dirty="0" smtClean="0"/>
-          </a:p>
-          <a:p>
-            <a:pPr algn="ctr"/>
-            <a:r>
-              <a:rPr lang="en-GB" sz="1000" dirty="0" err="1" smtClean="0"/>
-              <a:t>Annot</a:t>
-            </a:r>
-            <a:endParaRPr lang="en-GB" sz="1000" dirty="0"/>
-          </a:p>
-        </p:txBody>
-      </p:sp>
-      <p:cxnSp>
-        <p:nvCxnSpPr>
-          <p:cNvPr id="18" name="Conector recto de flecha 17"/>
-          <p:cNvCxnSpPr>
-            <a:stCxn id="4" idx="3"/>
-            <a:endCxn id="7" idx="1"/>
-          </p:cNvCxnSpPr>
-          <p:nvPr/>
-        </p:nvCxnSpPr>
-        <p:spPr>
-          <a:xfrm>
-            <a:off x="983921" y="1981324"/>
-            <a:ext cx="1577531" cy="0"/>
-          </a:xfrm>
-          <a:prstGeom prst="straightConnector1">
-            <a:avLst/>
-          </a:prstGeom>
-          <a:ln>
-            <a:tailEnd type="arrow"/>
-          </a:ln>
-        </p:spPr>
-        <p:style>
-          <a:lnRef idx="1">
-            <a:schemeClr val="dk1"/>
-          </a:lnRef>
-          <a:fillRef idx="0">
-            <a:schemeClr val="dk1"/>
-          </a:fillRef>
-          <a:effectRef idx="0">
-            <a:schemeClr val="dk1"/>
+            <a:schemeClr val="accent1"/>
+          </a:fillRef>
+          <a:effectRef idx="1">
+            <a:schemeClr val="accent1"/>
           </a:effectRef>
           <a:fontRef idx="minor">
             <a:schemeClr val="tx1"/>
@@ -7375,34 +6964,1530 @@
       </p:cxnSp>
       <p:cxnSp>
         <p:nvCxnSpPr>
-          <p:cNvPr id="21" name="Conector recto de flecha 20"/>
+          <p:cNvPr id="79" name="Elbow Connector 78"/>
           <p:cNvCxnSpPr>
-            <a:stCxn id="7" idx="3"/>
-            <a:endCxn id="16" idx="1"/>
+            <a:stCxn id="64" idx="0"/>
+            <a:endCxn id="32" idx="2"/>
           </p:cNvCxnSpPr>
           <p:nvPr/>
         </p:nvCxnSpPr>
         <p:spPr>
-          <a:xfrm>
-            <a:off x="3776062" y="1981324"/>
-            <a:ext cx="1099304" cy="0"/>
-          </a:xfrm>
-          <a:prstGeom prst="straightConnector1">
-            <a:avLst/>
-          </a:prstGeom>
+          <a:xfrm rot="16200000" flipV="1">
+            <a:off x="5620099" y="1742004"/>
+            <a:ext cx="777555" cy="1266743"/>
+          </a:xfrm>
+          <a:prstGeom prst="bentConnector3">
+            <a:avLst>
+              <a:gd name="adj1" fmla="val 75905"/>
+            </a:avLst>
+          </a:prstGeom>
+          <a:ln w="12700" cmpd="sng">
+            <a:solidFill>
+              <a:schemeClr val="tx1"/>
+            </a:solidFill>
+            <a:headEnd type="none"/>
+            <a:tailEnd type="triangle"/>
+          </a:ln>
+          <a:effectLst/>
+        </p:spPr>
+        <p:style>
+          <a:lnRef idx="2">
+            <a:schemeClr val="accent1"/>
+          </a:lnRef>
+          <a:fillRef idx="0">
+            <a:schemeClr val="accent1"/>
+          </a:fillRef>
+          <a:effectRef idx="1">
+            <a:schemeClr val="accent1"/>
+          </a:effectRef>
+          <a:fontRef idx="minor">
+            <a:schemeClr val="tx1"/>
+          </a:fontRef>
+        </p:style>
+      </p:cxnSp>
+      <p:sp>
+        <p:nvSpPr>
+          <p:cNvPr id="4" name="Rectángulo 3"/>
+          <p:cNvSpPr/>
+          <p:nvPr/>
+        </p:nvSpPr>
+        <p:spPr>
+          <a:xfrm>
+            <a:off x="730541" y="385749"/>
+            <a:ext cx="823294" cy="308735"/>
+          </a:xfrm>
+          <a:prstGeom prst="rect">
+            <a:avLst/>
+          </a:prstGeom>
+          <a:noFill/>
           <a:ln>
-            <a:tailEnd type="arrow"/>
-          </a:ln>
+            <a:solidFill>
+              <a:schemeClr val="tx1"/>
+            </a:solidFill>
+          </a:ln>
+          <a:effectLst/>
         </p:spPr>
         <p:style>
           <a:lnRef idx="1">
-            <a:schemeClr val="dk1"/>
+            <a:schemeClr val="accent1"/>
+          </a:lnRef>
+          <a:fillRef idx="3">
+            <a:schemeClr val="accent1"/>
+          </a:fillRef>
+          <a:effectRef idx="2">
+            <a:schemeClr val="accent1"/>
+          </a:effectRef>
+          <a:fontRef idx="minor">
+            <a:schemeClr val="lt1"/>
+          </a:fontRef>
+        </p:style>
+        <p:txBody>
+          <a:bodyPr rtlCol="0" anchor="ctr"/>
+          <a:lstStyle/>
+          <a:p>
+            <a:pPr algn="ctr"/>
+            <a:r>
+              <a:rPr lang="en-GB" sz="1000" dirty="0" smtClean="0">
+                <a:solidFill>
+                  <a:schemeClr val="tx1"/>
+                </a:solidFill>
+              </a:rPr>
+              <a:t>Montage WF</a:t>
+            </a:r>
+            <a:endParaRPr lang="en-GB" sz="1000" dirty="0">
+              <a:solidFill>
+                <a:schemeClr val="tx1"/>
+              </a:solidFill>
+            </a:endParaRPr>
+          </a:p>
+        </p:txBody>
+      </p:sp>
+      <p:sp>
+        <p:nvSpPr>
+          <p:cNvPr id="6" name="Rectángulo 5"/>
+          <p:cNvSpPr/>
+          <p:nvPr/>
+        </p:nvSpPr>
+        <p:spPr>
+          <a:xfrm>
+            <a:off x="730541" y="1092190"/>
+            <a:ext cx="823294" cy="308735"/>
+          </a:xfrm>
+          <a:prstGeom prst="rect">
+            <a:avLst/>
+          </a:prstGeom>
+          <a:noFill/>
+          <a:ln>
+            <a:solidFill>
+              <a:schemeClr val="tx1"/>
+            </a:solidFill>
+          </a:ln>
+          <a:effectLst/>
+        </p:spPr>
+        <p:style>
+          <a:lnRef idx="1">
+            <a:schemeClr val="accent1"/>
+          </a:lnRef>
+          <a:fillRef idx="3">
+            <a:schemeClr val="accent1"/>
+          </a:fillRef>
+          <a:effectRef idx="2">
+            <a:schemeClr val="accent1"/>
+          </a:effectRef>
+          <a:fontRef idx="minor">
+            <a:schemeClr val="lt1"/>
+          </a:fontRef>
+        </p:style>
+        <p:txBody>
+          <a:bodyPr rtlCol="0" anchor="ctr"/>
+          <a:lstStyle/>
+          <a:p>
+            <a:pPr algn="ctr"/>
+            <a:r>
+              <a:rPr lang="en-GB" sz="1000" dirty="0" err="1" smtClean="0">
+                <a:solidFill>
+                  <a:schemeClr val="tx1"/>
+                </a:solidFill>
+              </a:rPr>
+              <a:t>mProject</a:t>
+            </a:r>
+            <a:r>
+              <a:rPr lang="en-GB" sz="1000" dirty="0" smtClean="0">
+                <a:solidFill>
+                  <a:schemeClr val="tx1"/>
+                </a:solidFill>
+              </a:rPr>
+              <a:t> WF</a:t>
+            </a:r>
+            <a:endParaRPr lang="en-GB" sz="1000" dirty="0">
+              <a:solidFill>
+                <a:schemeClr val="tx1"/>
+              </a:solidFill>
+            </a:endParaRPr>
+          </a:p>
+        </p:txBody>
+      </p:sp>
+      <p:sp>
+        <p:nvSpPr>
+          <p:cNvPr id="15" name="CuadroTexto 14"/>
+          <p:cNvSpPr txBox="1"/>
+          <p:nvPr/>
+        </p:nvSpPr>
+        <p:spPr>
+          <a:xfrm>
+            <a:off x="4707292" y="2395570"/>
+            <a:ext cx="365908" cy="246221"/>
+          </a:xfrm>
+          <a:prstGeom prst="rect">
+            <a:avLst/>
+          </a:prstGeom>
+          <a:noFill/>
+        </p:spPr>
+        <p:txBody>
+          <a:bodyPr wrap="square" rtlCol="0">
+            <a:spAutoFit/>
+          </a:bodyPr>
+          <a:lstStyle/>
+          <a:p>
+            <a:r>
+              <a:rPr lang="en-GB" sz="1000" dirty="0" smtClean="0"/>
+              <a:t>…</a:t>
+            </a:r>
+            <a:endParaRPr lang="en-GB" sz="1000" dirty="0"/>
+          </a:p>
+        </p:txBody>
+      </p:sp>
+      <p:sp>
+        <p:nvSpPr>
+          <p:cNvPr id="18" name="Rectángulo 17"/>
+          <p:cNvSpPr/>
+          <p:nvPr/>
+        </p:nvSpPr>
+        <p:spPr>
+          <a:xfrm>
+            <a:off x="4918119" y="455106"/>
+            <a:ext cx="914771" cy="308735"/>
+          </a:xfrm>
+          <a:prstGeom prst="rect">
+            <a:avLst/>
+          </a:prstGeom>
+          <a:noFill/>
+          <a:ln>
+            <a:solidFill>
+              <a:schemeClr val="tx1"/>
+            </a:solidFill>
+          </a:ln>
+          <a:effectLst/>
+        </p:spPr>
+        <p:style>
+          <a:lnRef idx="1">
+            <a:schemeClr val="accent1"/>
+          </a:lnRef>
+          <a:fillRef idx="3">
+            <a:schemeClr val="accent1"/>
+          </a:fillRef>
+          <a:effectRef idx="2">
+            <a:schemeClr val="accent1"/>
+          </a:effectRef>
+          <a:fontRef idx="minor">
+            <a:schemeClr val="lt1"/>
+          </a:fontRef>
+        </p:style>
+        <p:txBody>
+          <a:bodyPr rtlCol="0" anchor="ctr"/>
+          <a:lstStyle/>
+          <a:p>
+            <a:pPr algn="ctr"/>
+            <a:r>
+              <a:rPr lang="en-GB" sz="1000" dirty="0" smtClean="0">
+                <a:solidFill>
+                  <a:schemeClr val="tx1"/>
+                </a:solidFill>
+              </a:rPr>
+              <a:t>Pegasus WMS</a:t>
+            </a:r>
+            <a:endParaRPr lang="en-GB" sz="1000" dirty="0">
+              <a:solidFill>
+                <a:schemeClr val="tx1"/>
+              </a:solidFill>
+            </a:endParaRPr>
+          </a:p>
+        </p:txBody>
+      </p:sp>
+      <p:sp>
+        <p:nvSpPr>
+          <p:cNvPr id="19" name="Rectángulo 18"/>
+          <p:cNvSpPr/>
+          <p:nvPr/>
+        </p:nvSpPr>
+        <p:spPr>
+          <a:xfrm>
+            <a:off x="5898996" y="1066327"/>
+            <a:ext cx="914771" cy="308735"/>
+          </a:xfrm>
+          <a:prstGeom prst="rect">
+            <a:avLst/>
+          </a:prstGeom>
+          <a:noFill/>
+          <a:ln>
+            <a:solidFill>
+              <a:schemeClr val="tx1"/>
+            </a:solidFill>
+          </a:ln>
+          <a:effectLst/>
+        </p:spPr>
+        <p:style>
+          <a:lnRef idx="1">
+            <a:schemeClr val="accent1"/>
+          </a:lnRef>
+          <a:fillRef idx="3">
+            <a:schemeClr val="accent1"/>
+          </a:fillRef>
+          <a:effectRef idx="2">
+            <a:schemeClr val="accent1"/>
+          </a:effectRef>
+          <a:fontRef idx="minor">
+            <a:schemeClr val="lt1"/>
+          </a:fontRef>
+        </p:style>
+        <p:txBody>
+          <a:bodyPr rtlCol="0" anchor="ctr"/>
+          <a:lstStyle/>
+          <a:p>
+            <a:pPr algn="ctr"/>
+            <a:r>
+              <a:rPr lang="en-GB" sz="1000" dirty="0" err="1" smtClean="0">
+                <a:solidFill>
+                  <a:schemeClr val="tx1"/>
+                </a:solidFill>
+              </a:rPr>
+              <a:t>HTCondor</a:t>
+            </a:r>
+            <a:endParaRPr lang="en-GB" sz="1000" dirty="0" smtClean="0">
+              <a:solidFill>
+                <a:schemeClr val="tx1"/>
+              </a:solidFill>
+            </a:endParaRPr>
+          </a:p>
+        </p:txBody>
+      </p:sp>
+      <p:sp>
+        <p:nvSpPr>
+          <p:cNvPr id="20" name="Rectángulo 19"/>
+          <p:cNvSpPr/>
+          <p:nvPr/>
+        </p:nvSpPr>
+        <p:spPr>
+          <a:xfrm>
+            <a:off x="3955108" y="1066327"/>
+            <a:ext cx="914771" cy="308735"/>
+          </a:xfrm>
+          <a:prstGeom prst="rect">
+            <a:avLst/>
+          </a:prstGeom>
+          <a:noFill/>
+          <a:ln>
+            <a:solidFill>
+              <a:schemeClr val="tx1"/>
+            </a:solidFill>
+          </a:ln>
+          <a:effectLst/>
+        </p:spPr>
+        <p:style>
+          <a:lnRef idx="1">
+            <a:schemeClr val="accent1"/>
+          </a:lnRef>
+          <a:fillRef idx="3">
+            <a:schemeClr val="accent1"/>
+          </a:fillRef>
+          <a:effectRef idx="2">
+            <a:schemeClr val="accent1"/>
+          </a:effectRef>
+          <a:fontRef idx="minor">
+            <a:schemeClr val="lt1"/>
+          </a:fontRef>
+        </p:style>
+        <p:txBody>
+          <a:bodyPr rtlCol="0" anchor="ctr"/>
+          <a:lstStyle/>
+          <a:p>
+            <a:pPr algn="ctr"/>
+            <a:r>
+              <a:rPr lang="en-GB" sz="1000" dirty="0" smtClean="0">
+                <a:solidFill>
+                  <a:schemeClr val="tx1"/>
+                </a:solidFill>
+              </a:rPr>
+              <a:t>Java</a:t>
+            </a:r>
+          </a:p>
+        </p:txBody>
+      </p:sp>
+      <p:sp>
+        <p:nvSpPr>
+          <p:cNvPr id="21" name="Rectángulo 20"/>
+          <p:cNvSpPr/>
+          <p:nvPr/>
+        </p:nvSpPr>
+        <p:spPr>
+          <a:xfrm>
+            <a:off x="4918119" y="1066327"/>
+            <a:ext cx="914771" cy="308735"/>
+          </a:xfrm>
+          <a:prstGeom prst="rect">
+            <a:avLst/>
+          </a:prstGeom>
+          <a:noFill/>
+          <a:ln>
+            <a:solidFill>
+              <a:schemeClr val="tx1"/>
+            </a:solidFill>
+          </a:ln>
+          <a:effectLst/>
+        </p:spPr>
+        <p:style>
+          <a:lnRef idx="1">
+            <a:schemeClr val="accent1"/>
+          </a:lnRef>
+          <a:fillRef idx="3">
+            <a:schemeClr val="accent1"/>
+          </a:fillRef>
+          <a:effectRef idx="2">
+            <a:schemeClr val="accent1"/>
+          </a:effectRef>
+          <a:fontRef idx="minor">
+            <a:schemeClr val="lt1"/>
+          </a:fontRef>
+        </p:style>
+        <p:txBody>
+          <a:bodyPr rtlCol="0" anchor="ctr"/>
+          <a:lstStyle/>
+          <a:p>
+            <a:pPr algn="ctr"/>
+            <a:r>
+              <a:rPr lang="en-GB" sz="1000" dirty="0" err="1" smtClean="0">
+                <a:solidFill>
+                  <a:schemeClr val="tx1"/>
+                </a:solidFill>
+              </a:rPr>
+              <a:t>Wget</a:t>
+            </a:r>
+            <a:endParaRPr lang="en-GB" sz="1000" dirty="0" smtClean="0">
+              <a:solidFill>
+                <a:schemeClr val="tx1"/>
+              </a:solidFill>
+            </a:endParaRPr>
+          </a:p>
+        </p:txBody>
+      </p:sp>
+      <p:sp>
+        <p:nvSpPr>
+          <p:cNvPr id="32" name="Rectángulo 31"/>
+          <p:cNvSpPr/>
+          <p:nvPr/>
+        </p:nvSpPr>
+        <p:spPr>
+          <a:xfrm>
+            <a:off x="4918119" y="1677863"/>
+            <a:ext cx="914771" cy="308735"/>
+          </a:xfrm>
+          <a:prstGeom prst="rect">
+            <a:avLst/>
+          </a:prstGeom>
+          <a:noFill/>
+          <a:ln>
+            <a:solidFill>
+              <a:schemeClr val="tx1"/>
+            </a:solidFill>
+          </a:ln>
+          <a:effectLst/>
+        </p:spPr>
+        <p:style>
+          <a:lnRef idx="1">
+            <a:schemeClr val="accent1"/>
+          </a:lnRef>
+          <a:fillRef idx="3">
+            <a:schemeClr val="accent1"/>
+          </a:fillRef>
+          <a:effectRef idx="2">
+            <a:schemeClr val="accent1"/>
+          </a:effectRef>
+          <a:fontRef idx="minor">
+            <a:schemeClr val="lt1"/>
+          </a:fontRef>
+        </p:style>
+        <p:txBody>
+          <a:bodyPr rtlCol="0" anchor="ctr"/>
+          <a:lstStyle/>
+          <a:p>
+            <a:pPr algn="ctr"/>
+            <a:r>
+              <a:rPr lang="en-GB" sz="1000" dirty="0" err="1" smtClean="0">
+                <a:solidFill>
+                  <a:schemeClr val="tx1"/>
+                </a:solidFill>
+              </a:rPr>
+              <a:t>CentOS</a:t>
+            </a:r>
+            <a:r>
+              <a:rPr lang="en-GB" sz="1000" dirty="0" smtClean="0">
+                <a:solidFill>
+                  <a:schemeClr val="tx1"/>
+                </a:solidFill>
+              </a:rPr>
+              <a:t> 6</a:t>
+            </a:r>
+          </a:p>
+        </p:txBody>
+      </p:sp>
+      <p:sp>
+        <p:nvSpPr>
+          <p:cNvPr id="60" name="Rectángulo 59"/>
+          <p:cNvSpPr/>
+          <p:nvPr/>
+        </p:nvSpPr>
+        <p:spPr>
+          <a:xfrm>
+            <a:off x="4918119" y="2360930"/>
+            <a:ext cx="914771" cy="308735"/>
+          </a:xfrm>
+          <a:prstGeom prst="rect">
+            <a:avLst/>
+          </a:prstGeom>
+          <a:solidFill>
+            <a:srgbClr val="F2F2F2"/>
+          </a:solidFill>
+          <a:ln>
+            <a:solidFill>
+              <a:schemeClr val="tx1"/>
+            </a:solidFill>
+          </a:ln>
+          <a:effectLst/>
+        </p:spPr>
+        <p:style>
+          <a:lnRef idx="1">
+            <a:schemeClr val="accent1"/>
+          </a:lnRef>
+          <a:fillRef idx="3">
+            <a:schemeClr val="accent1"/>
+          </a:fillRef>
+          <a:effectRef idx="2">
+            <a:schemeClr val="accent1"/>
+          </a:effectRef>
+          <a:fontRef idx="minor">
+            <a:schemeClr val="lt1"/>
+          </a:fontRef>
+        </p:style>
+        <p:txBody>
+          <a:bodyPr rtlCol="0" anchor="ctr"/>
+          <a:lstStyle/>
+          <a:p>
+            <a:pPr algn="ctr"/>
+            <a:r>
+              <a:rPr lang="en-GB" sz="1000" dirty="0" err="1" smtClean="0">
+                <a:solidFill>
+                  <a:schemeClr val="tx1"/>
+                </a:solidFill>
+              </a:rPr>
+              <a:t>mDiffFit</a:t>
+            </a:r>
+            <a:endParaRPr lang="en-GB" sz="1000" dirty="0" smtClean="0">
+              <a:solidFill>
+                <a:schemeClr val="tx1"/>
+              </a:solidFill>
+            </a:endParaRPr>
+          </a:p>
+        </p:txBody>
+      </p:sp>
+      <p:sp>
+        <p:nvSpPr>
+          <p:cNvPr id="61" name="Rectángulo 60"/>
+          <p:cNvSpPr/>
+          <p:nvPr/>
+        </p:nvSpPr>
+        <p:spPr>
+          <a:xfrm>
+            <a:off x="3804852" y="2360930"/>
+            <a:ext cx="914771" cy="308735"/>
+          </a:xfrm>
+          <a:prstGeom prst="rect">
+            <a:avLst/>
+          </a:prstGeom>
+          <a:solidFill>
+            <a:srgbClr val="F2F2F2"/>
+          </a:solidFill>
+          <a:ln>
+            <a:solidFill>
+              <a:schemeClr val="tx1"/>
+            </a:solidFill>
+          </a:ln>
+          <a:effectLst/>
+        </p:spPr>
+        <p:style>
+          <a:lnRef idx="1">
+            <a:schemeClr val="accent1"/>
+          </a:lnRef>
+          <a:fillRef idx="3">
+            <a:schemeClr val="accent1"/>
+          </a:fillRef>
+          <a:effectRef idx="2">
+            <a:schemeClr val="accent1"/>
+          </a:effectRef>
+          <a:fontRef idx="minor">
+            <a:schemeClr val="lt1"/>
+          </a:fontRef>
+        </p:style>
+        <p:txBody>
+          <a:bodyPr rtlCol="0" anchor="ctr"/>
+          <a:lstStyle/>
+          <a:p>
+            <a:pPr algn="ctr"/>
+            <a:r>
+              <a:rPr lang="en-GB" sz="1000" dirty="0" err="1" smtClean="0">
+                <a:solidFill>
+                  <a:schemeClr val="tx1"/>
+                </a:solidFill>
+              </a:rPr>
+              <a:t>mProject</a:t>
+            </a:r>
+            <a:endParaRPr lang="en-GB" sz="1000" dirty="0" smtClean="0">
+              <a:solidFill>
+                <a:schemeClr val="tx1"/>
+              </a:solidFill>
+            </a:endParaRPr>
+          </a:p>
+        </p:txBody>
+      </p:sp>
+      <p:sp>
+        <p:nvSpPr>
+          <p:cNvPr id="64" name="Rectángulo 63"/>
+          <p:cNvSpPr/>
+          <p:nvPr/>
+        </p:nvSpPr>
+        <p:spPr>
+          <a:xfrm>
+            <a:off x="6184862" y="2764153"/>
+            <a:ext cx="914771" cy="308735"/>
+          </a:xfrm>
+          <a:prstGeom prst="rect">
+            <a:avLst/>
+          </a:prstGeom>
+          <a:noFill/>
+          <a:ln>
+            <a:solidFill>
+              <a:schemeClr val="tx1"/>
+            </a:solidFill>
+          </a:ln>
+          <a:effectLst/>
+        </p:spPr>
+        <p:style>
+          <a:lnRef idx="1">
+            <a:schemeClr val="accent1"/>
+          </a:lnRef>
+          <a:fillRef idx="3">
+            <a:schemeClr val="accent1"/>
+          </a:fillRef>
+          <a:effectRef idx="2">
+            <a:schemeClr val="accent1"/>
+          </a:effectRef>
+          <a:fontRef idx="minor">
+            <a:schemeClr val="lt1"/>
+          </a:fontRef>
+        </p:style>
+        <p:txBody>
+          <a:bodyPr rtlCol="0" anchor="ctr"/>
+          <a:lstStyle/>
+          <a:p>
+            <a:pPr algn="ctr"/>
+            <a:r>
+              <a:rPr lang="en-GB" sz="1000" dirty="0" err="1" smtClean="0">
+                <a:solidFill>
+                  <a:schemeClr val="tx1"/>
+                </a:solidFill>
+              </a:rPr>
+              <a:t>mFitPlane</a:t>
+            </a:r>
+            <a:endParaRPr lang="en-GB" sz="1000" dirty="0" smtClean="0">
+              <a:solidFill>
+                <a:schemeClr val="tx1"/>
+              </a:solidFill>
+            </a:endParaRPr>
+          </a:p>
+        </p:txBody>
+      </p:sp>
+      <p:sp>
+        <p:nvSpPr>
+          <p:cNvPr id="81" name="Rectángulo 80"/>
+          <p:cNvSpPr/>
+          <p:nvPr/>
+        </p:nvSpPr>
+        <p:spPr>
+          <a:xfrm>
+            <a:off x="4911220" y="3873312"/>
+            <a:ext cx="914771" cy="308735"/>
+          </a:xfrm>
+          <a:prstGeom prst="rect">
+            <a:avLst/>
+          </a:prstGeom>
+          <a:noFill/>
+          <a:ln>
+            <a:solidFill>
+              <a:schemeClr val="tx1"/>
+            </a:solidFill>
+          </a:ln>
+          <a:effectLst/>
+        </p:spPr>
+        <p:style>
+          <a:lnRef idx="1">
+            <a:schemeClr val="accent1"/>
+          </a:lnRef>
+          <a:fillRef idx="3">
+            <a:schemeClr val="accent1"/>
+          </a:fillRef>
+          <a:effectRef idx="2">
+            <a:schemeClr val="accent1"/>
+          </a:effectRef>
+          <a:fontRef idx="minor">
+            <a:schemeClr val="lt1"/>
+          </a:fontRef>
+        </p:style>
+        <p:txBody>
+          <a:bodyPr rtlCol="0" anchor="ctr"/>
+          <a:lstStyle/>
+          <a:p>
+            <a:pPr algn="ctr"/>
+            <a:r>
+              <a:rPr lang="en-GB" sz="1000" dirty="0" err="1" smtClean="0">
+                <a:solidFill>
+                  <a:schemeClr val="tx1"/>
+                </a:solidFill>
+              </a:rPr>
+              <a:t>CentOS</a:t>
+            </a:r>
+            <a:r>
+              <a:rPr lang="en-GB" sz="1000" dirty="0" smtClean="0">
+                <a:solidFill>
+                  <a:schemeClr val="tx1"/>
+                </a:solidFill>
+              </a:rPr>
+              <a:t> 6 SVA</a:t>
+            </a:r>
+          </a:p>
+        </p:txBody>
+      </p:sp>
+      <p:sp>
+        <p:nvSpPr>
+          <p:cNvPr id="82" name="Rectángulo 81"/>
+          <p:cNvSpPr/>
+          <p:nvPr/>
+        </p:nvSpPr>
+        <p:spPr>
+          <a:xfrm>
+            <a:off x="4428217" y="4632433"/>
+            <a:ext cx="970312" cy="308735"/>
+          </a:xfrm>
+          <a:prstGeom prst="rect">
+            <a:avLst/>
+          </a:prstGeom>
+          <a:solidFill>
+            <a:schemeClr val="bg1"/>
+          </a:solidFill>
+          <a:ln>
+            <a:solidFill>
+              <a:schemeClr val="tx1"/>
+            </a:solidFill>
+          </a:ln>
+          <a:effectLst/>
+        </p:spPr>
+        <p:style>
+          <a:lnRef idx="1">
+            <a:schemeClr val="accent1"/>
+          </a:lnRef>
+          <a:fillRef idx="3">
+            <a:schemeClr val="accent1"/>
+          </a:fillRef>
+          <a:effectRef idx="2">
+            <a:schemeClr val="accent1"/>
+          </a:effectRef>
+          <a:fontRef idx="minor">
+            <a:schemeClr val="lt1"/>
+          </a:fontRef>
+        </p:style>
+        <p:txBody>
+          <a:bodyPr rtlCol="0" anchor="ctr"/>
+          <a:lstStyle/>
+          <a:p>
+            <a:pPr algn="ctr"/>
+            <a:r>
+              <a:rPr lang="en-GB" sz="1000" dirty="0" smtClean="0">
+                <a:solidFill>
+                  <a:schemeClr val="tx1"/>
+                </a:solidFill>
+              </a:rPr>
+              <a:t>AWS </a:t>
+            </a:r>
+            <a:r>
+              <a:rPr lang="en-GB" sz="1000" dirty="0" err="1" smtClean="0">
+                <a:solidFill>
+                  <a:schemeClr val="tx1"/>
+                </a:solidFill>
+              </a:rPr>
+              <a:t>CentOS</a:t>
+            </a:r>
+            <a:r>
+              <a:rPr lang="en-GB" sz="1000" dirty="0" smtClean="0">
+                <a:solidFill>
+                  <a:schemeClr val="tx1"/>
+                </a:solidFill>
+              </a:rPr>
+              <a:t> 6</a:t>
+            </a:r>
+          </a:p>
+        </p:txBody>
+      </p:sp>
+      <p:sp>
+        <p:nvSpPr>
+          <p:cNvPr id="83" name="Rectángulo 82"/>
+          <p:cNvSpPr/>
+          <p:nvPr/>
+        </p:nvSpPr>
+        <p:spPr>
+          <a:xfrm>
+            <a:off x="5457334" y="4632433"/>
+            <a:ext cx="1040316" cy="308735"/>
+          </a:xfrm>
+          <a:prstGeom prst="rect">
+            <a:avLst/>
+          </a:prstGeom>
+          <a:solidFill>
+            <a:srgbClr val="FFFFFF"/>
+          </a:solidFill>
+          <a:ln>
+            <a:solidFill>
+              <a:schemeClr val="tx1"/>
+            </a:solidFill>
+          </a:ln>
+          <a:effectLst/>
+        </p:spPr>
+        <p:style>
+          <a:lnRef idx="1">
+            <a:schemeClr val="accent1"/>
+          </a:lnRef>
+          <a:fillRef idx="3">
+            <a:schemeClr val="accent1"/>
+          </a:fillRef>
+          <a:effectRef idx="2">
+            <a:schemeClr val="accent1"/>
+          </a:effectRef>
+          <a:fontRef idx="minor">
+            <a:schemeClr val="lt1"/>
+          </a:fontRef>
+        </p:style>
+        <p:txBody>
+          <a:bodyPr rtlCol="0" anchor="ctr"/>
+          <a:lstStyle/>
+          <a:p>
+            <a:pPr algn="ctr"/>
+            <a:r>
+              <a:rPr lang="en-GB" sz="1000" dirty="0" smtClean="0">
+                <a:solidFill>
+                  <a:schemeClr val="tx1"/>
+                </a:solidFill>
+              </a:rPr>
+              <a:t>FG </a:t>
+            </a:r>
+            <a:r>
+              <a:rPr lang="en-GB" sz="1000" dirty="0" err="1" smtClean="0">
+                <a:solidFill>
+                  <a:schemeClr val="tx1"/>
+                </a:solidFill>
+              </a:rPr>
+              <a:t>CentOS</a:t>
+            </a:r>
+            <a:r>
+              <a:rPr lang="en-GB" sz="1000" dirty="0" smtClean="0">
+                <a:solidFill>
+                  <a:schemeClr val="tx1"/>
+                </a:solidFill>
+              </a:rPr>
+              <a:t> 6</a:t>
+            </a:r>
+          </a:p>
+        </p:txBody>
+      </p:sp>
+      <p:sp>
+        <p:nvSpPr>
+          <p:cNvPr id="91" name="Rectángulo 90"/>
+          <p:cNvSpPr/>
+          <p:nvPr/>
+        </p:nvSpPr>
+        <p:spPr>
+          <a:xfrm>
+            <a:off x="1382314" y="3447372"/>
+            <a:ext cx="914771" cy="463103"/>
+          </a:xfrm>
+          <a:prstGeom prst="rect">
+            <a:avLst/>
+          </a:prstGeom>
+          <a:noFill/>
+          <a:ln>
+            <a:solidFill>
+              <a:schemeClr val="tx1"/>
+            </a:solidFill>
+          </a:ln>
+          <a:effectLst/>
+        </p:spPr>
+        <p:style>
+          <a:lnRef idx="1">
+            <a:schemeClr val="accent1"/>
+          </a:lnRef>
+          <a:fillRef idx="3">
+            <a:schemeClr val="accent1"/>
+          </a:fillRef>
+          <a:effectRef idx="2">
+            <a:schemeClr val="accent1"/>
+          </a:effectRef>
+          <a:fontRef idx="minor">
+            <a:schemeClr val="lt1"/>
+          </a:fontRef>
+        </p:style>
+        <p:txBody>
+          <a:bodyPr rtlCol="0" anchor="ctr"/>
+          <a:lstStyle/>
+          <a:p>
+            <a:pPr algn="ctr"/>
+            <a:r>
+              <a:rPr lang="en-GB" sz="1000" dirty="0" smtClean="0">
+                <a:solidFill>
+                  <a:schemeClr val="tx1"/>
+                </a:solidFill>
+              </a:rPr>
+              <a:t>AWS CentOS6</a:t>
+            </a:r>
+          </a:p>
+          <a:p>
+            <a:pPr algn="ctr"/>
+            <a:r>
+              <a:rPr lang="en-GB" sz="1000" dirty="0" smtClean="0">
+                <a:solidFill>
+                  <a:schemeClr val="tx1"/>
+                </a:solidFill>
+              </a:rPr>
+              <a:t>HW</a:t>
+            </a:r>
+          </a:p>
+        </p:txBody>
+      </p:sp>
+      <p:sp>
+        <p:nvSpPr>
+          <p:cNvPr id="92" name="Rectángulo 91"/>
+          <p:cNvSpPr/>
+          <p:nvPr/>
+        </p:nvSpPr>
+        <p:spPr>
+          <a:xfrm>
+            <a:off x="1382314" y="4228923"/>
+            <a:ext cx="914771" cy="463103"/>
+          </a:xfrm>
+          <a:prstGeom prst="rect">
+            <a:avLst/>
+          </a:prstGeom>
+          <a:noFill/>
+          <a:ln>
+            <a:solidFill>
+              <a:schemeClr val="tx1"/>
+            </a:solidFill>
+          </a:ln>
+          <a:effectLst/>
+        </p:spPr>
+        <p:style>
+          <a:lnRef idx="1">
+            <a:schemeClr val="accent1"/>
+          </a:lnRef>
+          <a:fillRef idx="3">
+            <a:schemeClr val="accent1"/>
+          </a:fillRef>
+          <a:effectRef idx="2">
+            <a:schemeClr val="accent1"/>
+          </a:effectRef>
+          <a:fontRef idx="minor">
+            <a:schemeClr val="lt1"/>
+          </a:fontRef>
+        </p:style>
+        <p:txBody>
+          <a:bodyPr rtlCol="0" anchor="ctr"/>
+          <a:lstStyle/>
+          <a:p>
+            <a:pPr algn="ctr"/>
+            <a:r>
+              <a:rPr lang="en-GB" sz="1000" dirty="0" smtClean="0">
+                <a:solidFill>
+                  <a:schemeClr val="tx1"/>
+                </a:solidFill>
+              </a:rPr>
+              <a:t>FG CentOS6</a:t>
+            </a:r>
+          </a:p>
+          <a:p>
+            <a:pPr algn="ctr"/>
+            <a:r>
+              <a:rPr lang="en-GB" sz="1000" dirty="0" smtClean="0">
+                <a:solidFill>
+                  <a:schemeClr val="tx1"/>
+                </a:solidFill>
+              </a:rPr>
+              <a:t>HW</a:t>
+            </a:r>
+          </a:p>
+        </p:txBody>
+      </p:sp>
+      <p:sp>
+        <p:nvSpPr>
+          <p:cNvPr id="93" name="Rectángulo 92"/>
+          <p:cNvSpPr/>
+          <p:nvPr/>
+        </p:nvSpPr>
+        <p:spPr>
+          <a:xfrm>
+            <a:off x="467544" y="305353"/>
+            <a:ext cx="2629966" cy="1509725"/>
+          </a:xfrm>
+          <a:prstGeom prst="rect">
+            <a:avLst/>
+          </a:prstGeom>
+          <a:noFill/>
+          <a:ln w="12700" cmpd="sng">
+            <a:solidFill>
+              <a:schemeClr val="tx1"/>
+            </a:solidFill>
+            <a:prstDash val="dash"/>
+          </a:ln>
+          <a:effectLst/>
+        </p:spPr>
+        <p:style>
+          <a:lnRef idx="1">
+            <a:schemeClr val="accent1"/>
+          </a:lnRef>
+          <a:fillRef idx="3">
+            <a:schemeClr val="accent1"/>
+          </a:fillRef>
+          <a:effectRef idx="2">
+            <a:schemeClr val="accent1"/>
+          </a:effectRef>
+          <a:fontRef idx="minor">
+            <a:schemeClr val="lt1"/>
+          </a:fontRef>
+        </p:style>
+        <p:txBody>
+          <a:bodyPr rtlCol="0" anchor="ctr"/>
+          <a:lstStyle/>
+          <a:p>
+            <a:pPr algn="ctr"/>
+            <a:endParaRPr lang="en-GB" sz="1000" dirty="0" smtClean="0">
+              <a:solidFill>
+                <a:schemeClr val="tx1"/>
+              </a:solidFill>
+            </a:endParaRPr>
+          </a:p>
+        </p:txBody>
+      </p:sp>
+      <p:sp>
+        <p:nvSpPr>
+          <p:cNvPr id="94" name="Rectángulo 93"/>
+          <p:cNvSpPr/>
+          <p:nvPr/>
+        </p:nvSpPr>
+        <p:spPr>
+          <a:xfrm>
+            <a:off x="3554895" y="303603"/>
+            <a:ext cx="3687267" cy="2940804"/>
+          </a:xfrm>
+          <a:prstGeom prst="rect">
+            <a:avLst/>
+          </a:prstGeom>
+          <a:noFill/>
+          <a:ln w="12700" cmpd="sng">
+            <a:solidFill>
+              <a:schemeClr val="tx1"/>
+            </a:solidFill>
+            <a:prstDash val="dash"/>
+          </a:ln>
+          <a:effectLst/>
+        </p:spPr>
+        <p:style>
+          <a:lnRef idx="1">
+            <a:schemeClr val="accent1"/>
+          </a:lnRef>
+          <a:fillRef idx="3">
+            <a:schemeClr val="accent1"/>
+          </a:fillRef>
+          <a:effectRef idx="2">
+            <a:schemeClr val="accent1"/>
+          </a:effectRef>
+          <a:fontRef idx="minor">
+            <a:schemeClr val="lt1"/>
+          </a:fontRef>
+        </p:style>
+        <p:txBody>
+          <a:bodyPr rtlCol="0" anchor="ctr"/>
+          <a:lstStyle/>
+          <a:p>
+            <a:pPr algn="ctr"/>
+            <a:endParaRPr lang="en-GB" sz="1000" dirty="0" smtClean="0">
+              <a:solidFill>
+                <a:schemeClr val="tx1"/>
+              </a:solidFill>
+            </a:endParaRPr>
+          </a:p>
+        </p:txBody>
+      </p:sp>
+      <p:sp>
+        <p:nvSpPr>
+          <p:cNvPr id="95" name="Rectángulo 94"/>
+          <p:cNvSpPr/>
+          <p:nvPr/>
+        </p:nvSpPr>
+        <p:spPr>
+          <a:xfrm>
+            <a:off x="4313871" y="3695722"/>
+            <a:ext cx="2328377" cy="2778350"/>
+          </a:xfrm>
+          <a:prstGeom prst="rect">
+            <a:avLst/>
+          </a:prstGeom>
+          <a:noFill/>
+          <a:ln w="12700" cmpd="sng">
+            <a:solidFill>
+              <a:schemeClr val="tx1"/>
+            </a:solidFill>
+            <a:prstDash val="dash"/>
+          </a:ln>
+          <a:effectLst/>
+        </p:spPr>
+        <p:style>
+          <a:lnRef idx="1">
+            <a:schemeClr val="accent1"/>
+          </a:lnRef>
+          <a:fillRef idx="3">
+            <a:schemeClr val="accent1"/>
+          </a:fillRef>
+          <a:effectRef idx="2">
+            <a:schemeClr val="accent1"/>
+          </a:effectRef>
+          <a:fontRef idx="minor">
+            <a:schemeClr val="lt1"/>
+          </a:fontRef>
+        </p:style>
+        <p:txBody>
+          <a:bodyPr rtlCol="0" anchor="ctr"/>
+          <a:lstStyle/>
+          <a:p>
+            <a:pPr algn="ctr"/>
+            <a:endParaRPr lang="en-GB" sz="1000" dirty="0" smtClean="0">
+              <a:solidFill>
+                <a:schemeClr val="tx1"/>
+              </a:solidFill>
+            </a:endParaRPr>
+          </a:p>
+        </p:txBody>
+      </p:sp>
+      <p:sp>
+        <p:nvSpPr>
+          <p:cNvPr id="96" name="Rectángulo 95"/>
+          <p:cNvSpPr/>
+          <p:nvPr/>
+        </p:nvSpPr>
+        <p:spPr>
+          <a:xfrm>
+            <a:off x="467544" y="3244408"/>
+            <a:ext cx="2115408" cy="3424952"/>
+          </a:xfrm>
+          <a:prstGeom prst="rect">
+            <a:avLst/>
+          </a:prstGeom>
+          <a:noFill/>
+          <a:ln w="12700" cmpd="sng">
+            <a:solidFill>
+              <a:schemeClr val="tx1"/>
+            </a:solidFill>
+            <a:prstDash val="dash"/>
+          </a:ln>
+          <a:effectLst/>
+        </p:spPr>
+        <p:style>
+          <a:lnRef idx="1">
+            <a:schemeClr val="accent1"/>
+          </a:lnRef>
+          <a:fillRef idx="3">
+            <a:schemeClr val="accent1"/>
+          </a:fillRef>
+          <a:effectRef idx="2">
+            <a:schemeClr val="accent1"/>
+          </a:effectRef>
+          <a:fontRef idx="minor">
+            <a:schemeClr val="lt1"/>
+          </a:fontRef>
+        </p:style>
+        <p:txBody>
+          <a:bodyPr rtlCol="0" anchor="ctr"/>
+          <a:lstStyle/>
+          <a:p>
+            <a:pPr algn="ctr"/>
+            <a:endParaRPr lang="en-GB" sz="1000" dirty="0" smtClean="0">
+              <a:solidFill>
+                <a:schemeClr val="tx1"/>
+              </a:solidFill>
+            </a:endParaRPr>
+          </a:p>
+        </p:txBody>
+      </p:sp>
+      <p:sp>
+        <p:nvSpPr>
+          <p:cNvPr id="97" name="Rectángulo 96"/>
+          <p:cNvSpPr/>
+          <p:nvPr/>
+        </p:nvSpPr>
+        <p:spPr>
+          <a:xfrm>
+            <a:off x="647955" y="3370388"/>
+            <a:ext cx="457385" cy="154368"/>
+          </a:xfrm>
+          <a:prstGeom prst="rect">
+            <a:avLst/>
+          </a:prstGeom>
+          <a:noFill/>
+          <a:ln>
+            <a:solidFill>
+              <a:schemeClr val="tx1"/>
+            </a:solidFill>
+          </a:ln>
+          <a:effectLst/>
+        </p:spPr>
+        <p:style>
+          <a:lnRef idx="1">
+            <a:schemeClr val="accent1"/>
+          </a:lnRef>
+          <a:fillRef idx="3">
+            <a:schemeClr val="accent1"/>
+          </a:fillRef>
+          <a:effectRef idx="2">
+            <a:schemeClr val="accent1"/>
+          </a:effectRef>
+          <a:fontRef idx="minor">
+            <a:schemeClr val="lt1"/>
+          </a:fontRef>
+        </p:style>
+        <p:txBody>
+          <a:bodyPr rtlCol="0" anchor="ctr"/>
+          <a:lstStyle/>
+          <a:p>
+            <a:pPr algn="ctr"/>
+            <a:r>
+              <a:rPr lang="en-GB" sz="1000" dirty="0" smtClean="0">
+                <a:solidFill>
+                  <a:schemeClr val="tx1"/>
+                </a:solidFill>
+              </a:rPr>
+              <a:t>CPU</a:t>
+            </a:r>
+          </a:p>
+        </p:txBody>
+      </p:sp>
+      <p:sp>
+        <p:nvSpPr>
+          <p:cNvPr id="98" name="Rectángulo 97"/>
+          <p:cNvSpPr/>
+          <p:nvPr/>
+        </p:nvSpPr>
+        <p:spPr>
+          <a:xfrm>
+            <a:off x="647955" y="3601938"/>
+            <a:ext cx="457385" cy="154368"/>
+          </a:xfrm>
+          <a:prstGeom prst="rect">
+            <a:avLst/>
+          </a:prstGeom>
+          <a:noFill/>
+          <a:ln>
+            <a:solidFill>
+              <a:schemeClr val="tx1"/>
+            </a:solidFill>
+          </a:ln>
+          <a:effectLst/>
+        </p:spPr>
+        <p:style>
+          <a:lnRef idx="1">
+            <a:schemeClr val="accent1"/>
+          </a:lnRef>
+          <a:fillRef idx="3">
+            <a:schemeClr val="accent1"/>
+          </a:fillRef>
+          <a:effectRef idx="2">
+            <a:schemeClr val="accent1"/>
+          </a:effectRef>
+          <a:fontRef idx="minor">
+            <a:schemeClr val="lt1"/>
+          </a:fontRef>
+        </p:style>
+        <p:txBody>
+          <a:bodyPr rtlCol="0" anchor="ctr"/>
+          <a:lstStyle/>
+          <a:p>
+            <a:pPr algn="ctr"/>
+            <a:r>
+              <a:rPr lang="en-GB" sz="1000" dirty="0" smtClean="0">
+                <a:solidFill>
+                  <a:schemeClr val="tx1"/>
+                </a:solidFill>
+              </a:rPr>
+              <a:t>RAM</a:t>
+            </a:r>
+          </a:p>
+        </p:txBody>
+      </p:sp>
+      <p:sp>
+        <p:nvSpPr>
+          <p:cNvPr id="99" name="Rectángulo 98"/>
+          <p:cNvSpPr/>
+          <p:nvPr/>
+        </p:nvSpPr>
+        <p:spPr>
+          <a:xfrm>
+            <a:off x="647955" y="3836149"/>
+            <a:ext cx="457385" cy="154368"/>
+          </a:xfrm>
+          <a:prstGeom prst="rect">
+            <a:avLst/>
+          </a:prstGeom>
+          <a:noFill/>
+          <a:ln>
+            <a:solidFill>
+              <a:schemeClr val="tx1"/>
+            </a:solidFill>
+          </a:ln>
+          <a:effectLst/>
+        </p:spPr>
+        <p:style>
+          <a:lnRef idx="1">
+            <a:schemeClr val="accent1"/>
+          </a:lnRef>
+          <a:fillRef idx="3">
+            <a:schemeClr val="accent1"/>
+          </a:fillRef>
+          <a:effectRef idx="2">
+            <a:schemeClr val="accent1"/>
+          </a:effectRef>
+          <a:fontRef idx="minor">
+            <a:schemeClr val="lt1"/>
+          </a:fontRef>
+        </p:style>
+        <p:txBody>
+          <a:bodyPr rtlCol="0" anchor="ctr"/>
+          <a:lstStyle/>
+          <a:p>
+            <a:pPr algn="ctr"/>
+            <a:r>
+              <a:rPr lang="en-GB" sz="1000" dirty="0" smtClean="0">
+                <a:solidFill>
+                  <a:schemeClr val="tx1"/>
+                </a:solidFill>
+              </a:rPr>
+              <a:t>DISK</a:t>
+            </a:r>
+          </a:p>
+        </p:txBody>
+      </p:sp>
+      <p:sp>
+        <p:nvSpPr>
+          <p:cNvPr id="101" name="Rectángulo 100"/>
+          <p:cNvSpPr/>
+          <p:nvPr/>
+        </p:nvSpPr>
+        <p:spPr>
+          <a:xfrm>
+            <a:off x="639063" y="4149080"/>
+            <a:ext cx="457385" cy="154368"/>
+          </a:xfrm>
+          <a:prstGeom prst="rect">
+            <a:avLst/>
+          </a:prstGeom>
+          <a:noFill/>
+          <a:ln>
+            <a:solidFill>
+              <a:schemeClr val="tx1"/>
+            </a:solidFill>
+          </a:ln>
+          <a:effectLst/>
+        </p:spPr>
+        <p:style>
+          <a:lnRef idx="1">
+            <a:schemeClr val="accent1"/>
+          </a:lnRef>
+          <a:fillRef idx="3">
+            <a:schemeClr val="accent1"/>
+          </a:fillRef>
+          <a:effectRef idx="2">
+            <a:schemeClr val="accent1"/>
+          </a:effectRef>
+          <a:fontRef idx="minor">
+            <a:schemeClr val="lt1"/>
+          </a:fontRef>
+        </p:style>
+        <p:txBody>
+          <a:bodyPr rtlCol="0" anchor="ctr"/>
+          <a:lstStyle/>
+          <a:p>
+            <a:pPr algn="ctr"/>
+            <a:r>
+              <a:rPr lang="en-GB" sz="1000" dirty="0" smtClean="0">
+                <a:solidFill>
+                  <a:schemeClr val="tx1"/>
+                </a:solidFill>
+              </a:rPr>
+              <a:t>CPU</a:t>
+            </a:r>
+          </a:p>
+        </p:txBody>
+      </p:sp>
+      <p:sp>
+        <p:nvSpPr>
+          <p:cNvPr id="102" name="Rectángulo 101"/>
+          <p:cNvSpPr/>
+          <p:nvPr/>
+        </p:nvSpPr>
+        <p:spPr>
+          <a:xfrm>
+            <a:off x="639063" y="4380631"/>
+            <a:ext cx="457385" cy="154368"/>
+          </a:xfrm>
+          <a:prstGeom prst="rect">
+            <a:avLst/>
+          </a:prstGeom>
+          <a:noFill/>
+          <a:ln>
+            <a:solidFill>
+              <a:schemeClr val="tx1"/>
+            </a:solidFill>
+          </a:ln>
+          <a:effectLst/>
+        </p:spPr>
+        <p:style>
+          <a:lnRef idx="1">
+            <a:schemeClr val="accent1"/>
+          </a:lnRef>
+          <a:fillRef idx="3">
+            <a:schemeClr val="accent1"/>
+          </a:fillRef>
+          <a:effectRef idx="2">
+            <a:schemeClr val="accent1"/>
+          </a:effectRef>
+          <a:fontRef idx="minor">
+            <a:schemeClr val="lt1"/>
+          </a:fontRef>
+        </p:style>
+        <p:txBody>
+          <a:bodyPr rtlCol="0" anchor="ctr"/>
+          <a:lstStyle/>
+          <a:p>
+            <a:pPr algn="ctr"/>
+            <a:r>
+              <a:rPr lang="en-GB" sz="1000" dirty="0" smtClean="0">
+                <a:solidFill>
+                  <a:schemeClr val="tx1"/>
+                </a:solidFill>
+              </a:rPr>
+              <a:t>RAM</a:t>
+            </a:r>
+          </a:p>
+        </p:txBody>
+      </p:sp>
+      <p:sp>
+        <p:nvSpPr>
+          <p:cNvPr id="103" name="Rectángulo 102"/>
+          <p:cNvSpPr/>
+          <p:nvPr/>
+        </p:nvSpPr>
+        <p:spPr>
+          <a:xfrm>
+            <a:off x="639063" y="4614842"/>
+            <a:ext cx="457385" cy="154368"/>
+          </a:xfrm>
+          <a:prstGeom prst="rect">
+            <a:avLst/>
+          </a:prstGeom>
+          <a:noFill/>
+          <a:ln>
+            <a:solidFill>
+              <a:schemeClr val="tx1"/>
+            </a:solidFill>
+          </a:ln>
+          <a:effectLst/>
+        </p:spPr>
+        <p:style>
+          <a:lnRef idx="1">
+            <a:schemeClr val="accent1"/>
+          </a:lnRef>
+          <a:fillRef idx="3">
+            <a:schemeClr val="accent1"/>
+          </a:fillRef>
+          <a:effectRef idx="2">
+            <a:schemeClr val="accent1"/>
+          </a:effectRef>
+          <a:fontRef idx="minor">
+            <a:schemeClr val="lt1"/>
+          </a:fontRef>
+        </p:style>
+        <p:txBody>
+          <a:bodyPr rtlCol="0" anchor="ctr"/>
+          <a:lstStyle/>
+          <a:p>
+            <a:pPr algn="ctr"/>
+            <a:r>
+              <a:rPr lang="en-GB" sz="1000" dirty="0" smtClean="0">
+                <a:solidFill>
+                  <a:schemeClr val="tx1"/>
+                </a:solidFill>
+              </a:rPr>
+              <a:t>DISK</a:t>
+            </a:r>
+          </a:p>
+        </p:txBody>
+      </p:sp>
+      <p:cxnSp>
+        <p:nvCxnSpPr>
+          <p:cNvPr id="116" name="Conector recto 115"/>
+          <p:cNvCxnSpPr>
+            <a:stCxn id="102" idx="3"/>
+            <a:endCxn id="92" idx="1"/>
+          </p:cNvCxnSpPr>
+          <p:nvPr/>
+        </p:nvCxnSpPr>
+        <p:spPr>
+          <a:xfrm>
+            <a:off x="1096448" y="4457815"/>
+            <a:ext cx="285866" cy="2660"/>
+          </a:xfrm>
+          <a:prstGeom prst="line">
+            <a:avLst/>
+          </a:prstGeom>
+          <a:ln w="12700" cmpd="sng">
+            <a:solidFill>
+              <a:srgbClr val="000000"/>
+            </a:solidFill>
+            <a:headEnd type="none"/>
+            <a:tailEnd type="triangle"/>
+          </a:ln>
+          <a:effectLst/>
+        </p:spPr>
+        <p:style>
+          <a:lnRef idx="2">
+            <a:schemeClr val="accent1"/>
           </a:lnRef>
           <a:fillRef idx="0">
-            <a:schemeClr val="dk1"/>
-          </a:fillRef>
-          <a:effectRef idx="0">
-            <a:schemeClr val="dk1"/>
+            <a:schemeClr val="accent1"/>
+          </a:fillRef>
+          <a:effectRef idx="1">
+            <a:schemeClr val="accent1"/>
           </a:effectRef>
           <a:fontRef idx="minor">
             <a:schemeClr val="tx1"/>
@@ -7411,34 +8496,39 @@
       </p:cxnSp>
       <p:cxnSp>
         <p:nvCxnSpPr>
-          <p:cNvPr id="25" name="Conector angular 24"/>
+          <p:cNvPr id="122" name="Conector recto 121"/>
           <p:cNvCxnSpPr>
-            <a:stCxn id="7" idx="3"/>
-            <a:endCxn id="17" idx="1"/>
+            <a:endCxn id="95" idx="0"/>
           </p:cNvCxnSpPr>
           <p:nvPr/>
         </p:nvCxnSpPr>
         <p:spPr>
           <a:xfrm>
-            <a:off x="3776062" y="1981324"/>
-            <a:ext cx="1099304" cy="1282022"/>
-          </a:xfrm>
-          <a:prstGeom prst="bentConnector3">
-            <a:avLst/>
-          </a:prstGeom>
-          <a:ln>
-            <a:tailEnd type="arrow"/>
-          </a:ln>
-        </p:spPr>
-        <p:style>
-          <a:lnRef idx="1">
-            <a:schemeClr val="dk1"/>
+            <a:off x="5478060" y="3244407"/>
+            <a:ext cx="0" cy="451315"/>
+          </a:xfrm>
+          <a:prstGeom prst="line">
+            <a:avLst/>
+          </a:prstGeom>
+          <a:ln w="12700" cmpd="sng">
+            <a:solidFill>
+              <a:srgbClr val="000000"/>
+            </a:solidFill>
+            <a:prstDash val="dash"/>
+            <a:headEnd type="triangle"/>
+            <a:tailEnd type="none"/>
+          </a:ln>
+          <a:effectLst/>
+        </p:spPr>
+        <p:style>
+          <a:lnRef idx="2">
+            <a:schemeClr val="accent1"/>
           </a:lnRef>
           <a:fillRef idx="0">
-            <a:schemeClr val="dk1"/>
-          </a:fillRef>
-          <a:effectRef idx="0">
-            <a:schemeClr val="dk1"/>
+            <a:schemeClr val="accent1"/>
+          </a:fillRef>
+          <a:effectRef idx="1">
+            <a:schemeClr val="accent1"/>
           </a:effectRef>
           <a:fontRef idx="minor">
             <a:schemeClr val="tx1"/>
@@ -7447,36 +8537,341 @@
       </p:cxnSp>
       <p:cxnSp>
         <p:nvCxnSpPr>
-          <p:cNvPr id="26" name="Conector angular 25"/>
+          <p:cNvPr id="125" name="Conector recto 124"/>
           <p:cNvCxnSpPr>
-            <a:stCxn id="9" idx="0"/>
-            <a:endCxn id="7" idx="2"/>
+            <a:endCxn id="95" idx="1"/>
           </p:cNvCxnSpPr>
           <p:nvPr/>
         </p:nvCxnSpPr>
         <p:spPr>
-          <a:xfrm rot="16200000" flipV="1">
-            <a:off x="2617046" y="2744428"/>
-            <a:ext cx="1804292" cy="700869"/>
+          <a:xfrm>
+            <a:off x="2582952" y="5084897"/>
+            <a:ext cx="1730919" cy="0"/>
+          </a:xfrm>
+          <a:prstGeom prst="line">
+            <a:avLst/>
+          </a:prstGeom>
+          <a:ln w="12700" cmpd="sng">
+            <a:solidFill>
+              <a:srgbClr val="000000"/>
+            </a:solidFill>
+            <a:prstDash val="dash"/>
+            <a:headEnd type="triangle"/>
+            <a:tailEnd type="none"/>
+          </a:ln>
+          <a:effectLst/>
+        </p:spPr>
+        <p:style>
+          <a:lnRef idx="2">
+            <a:schemeClr val="accent1"/>
+          </a:lnRef>
+          <a:fillRef idx="0">
+            <a:schemeClr val="accent1"/>
+          </a:fillRef>
+          <a:effectRef idx="1">
+            <a:schemeClr val="accent1"/>
+          </a:effectRef>
+          <a:fontRef idx="minor">
+            <a:schemeClr val="tx1"/>
+          </a:fontRef>
+        </p:style>
+      </p:cxnSp>
+      <p:cxnSp>
+        <p:nvCxnSpPr>
+          <p:cNvPr id="128" name="Conector recto 127"/>
+          <p:cNvCxnSpPr>
+            <a:endCxn id="93" idx="2"/>
+          </p:cNvCxnSpPr>
+          <p:nvPr/>
+        </p:nvCxnSpPr>
+        <p:spPr>
+          <a:xfrm flipV="1">
+            <a:off x="1782527" y="1815078"/>
+            <a:ext cx="0" cy="1429329"/>
+          </a:xfrm>
+          <a:prstGeom prst="line">
+            <a:avLst/>
+          </a:prstGeom>
+          <a:ln w="12700" cmpd="sng">
+            <a:solidFill>
+              <a:srgbClr val="000000"/>
+            </a:solidFill>
+            <a:prstDash val="dash"/>
+            <a:headEnd type="triangle"/>
+            <a:tailEnd type="none"/>
+          </a:ln>
+          <a:effectLst/>
+        </p:spPr>
+        <p:style>
+          <a:lnRef idx="2">
+            <a:schemeClr val="accent1"/>
+          </a:lnRef>
+          <a:fillRef idx="0">
+            <a:schemeClr val="accent1"/>
+          </a:fillRef>
+          <a:effectRef idx="1">
+            <a:schemeClr val="accent1"/>
+          </a:effectRef>
+          <a:fontRef idx="minor">
+            <a:schemeClr val="tx1"/>
+          </a:fontRef>
+        </p:style>
+      </p:cxnSp>
+      <p:cxnSp>
+        <p:nvCxnSpPr>
+          <p:cNvPr id="132" name="Conector angular 131"/>
+          <p:cNvCxnSpPr/>
+          <p:nvPr/>
+        </p:nvCxnSpPr>
+        <p:spPr>
+          <a:xfrm>
+            <a:off x="2640125" y="1815078"/>
+            <a:ext cx="914771" cy="580492"/>
+          </a:xfrm>
+          <a:prstGeom prst="bentConnector3">
+            <a:avLst>
+              <a:gd name="adj1" fmla="val -1809"/>
+            </a:avLst>
+          </a:prstGeom>
+          <a:ln w="12700" cmpd="sng">
+            <a:solidFill>
+              <a:srgbClr val="000000"/>
+            </a:solidFill>
+            <a:prstDash val="dash"/>
+            <a:headEnd type="none"/>
+            <a:tailEnd type="triangle"/>
+          </a:ln>
+          <a:effectLst/>
+        </p:spPr>
+        <p:style>
+          <a:lnRef idx="2">
+            <a:schemeClr val="accent1"/>
+          </a:lnRef>
+          <a:fillRef idx="0">
+            <a:schemeClr val="accent1"/>
+          </a:fillRef>
+          <a:effectRef idx="1">
+            <a:schemeClr val="accent1"/>
+          </a:effectRef>
+          <a:fontRef idx="minor">
+            <a:schemeClr val="tx1"/>
+          </a:fontRef>
+        </p:style>
+      </p:cxnSp>
+      <p:sp>
+        <p:nvSpPr>
+          <p:cNvPr id="63" name="Rectángulo 62"/>
+          <p:cNvSpPr/>
+          <p:nvPr/>
+        </p:nvSpPr>
+        <p:spPr>
+          <a:xfrm>
+            <a:off x="6184862" y="2358223"/>
+            <a:ext cx="914771" cy="308735"/>
+          </a:xfrm>
+          <a:prstGeom prst="rect">
+            <a:avLst/>
+          </a:prstGeom>
+          <a:solidFill>
+            <a:schemeClr val="bg1"/>
+          </a:solidFill>
+          <a:ln>
+            <a:solidFill>
+              <a:schemeClr val="tx1"/>
+            </a:solidFill>
+          </a:ln>
+          <a:effectLst/>
+        </p:spPr>
+        <p:style>
+          <a:lnRef idx="1">
+            <a:schemeClr val="accent1"/>
+          </a:lnRef>
+          <a:fillRef idx="3">
+            <a:schemeClr val="accent1"/>
+          </a:fillRef>
+          <a:effectRef idx="2">
+            <a:schemeClr val="accent1"/>
+          </a:effectRef>
+          <a:fontRef idx="minor">
+            <a:schemeClr val="lt1"/>
+          </a:fontRef>
+        </p:style>
+        <p:txBody>
+          <a:bodyPr rtlCol="0" anchor="ctr"/>
+          <a:lstStyle/>
+          <a:p>
+            <a:pPr algn="ctr"/>
+            <a:r>
+              <a:rPr lang="en-GB" sz="1000" dirty="0" err="1" smtClean="0">
+                <a:solidFill>
+                  <a:schemeClr val="tx1"/>
+                </a:solidFill>
+              </a:rPr>
+              <a:t>mDiff</a:t>
+            </a:r>
+            <a:endParaRPr lang="en-GB" sz="1000" dirty="0" smtClean="0">
+              <a:solidFill>
+                <a:schemeClr val="tx1"/>
+              </a:solidFill>
+            </a:endParaRPr>
+          </a:p>
+        </p:txBody>
+      </p:sp>
+      <p:sp>
+        <p:nvSpPr>
+          <p:cNvPr id="139" name="CuadroTexto 138"/>
+          <p:cNvSpPr txBox="1"/>
+          <p:nvPr/>
+        </p:nvSpPr>
+        <p:spPr>
+          <a:xfrm>
+            <a:off x="568002" y="35332"/>
+            <a:ext cx="710451" cy="246221"/>
+          </a:xfrm>
+          <a:prstGeom prst="rect">
+            <a:avLst/>
+          </a:prstGeom>
+          <a:noFill/>
+        </p:spPr>
+        <p:txBody>
+          <a:bodyPr wrap="none" rtlCol="0">
+            <a:spAutoFit/>
+          </a:bodyPr>
+          <a:lstStyle/>
+          <a:p>
+            <a:r>
+              <a:rPr lang="en-GB" sz="1000" dirty="0" smtClean="0"/>
+              <a:t>Workflow</a:t>
+            </a:r>
+            <a:endParaRPr lang="en-GB" sz="1000" dirty="0"/>
+          </a:p>
+        </p:txBody>
+      </p:sp>
+      <p:sp>
+        <p:nvSpPr>
+          <p:cNvPr id="140" name="CuadroTexto 139"/>
+          <p:cNvSpPr txBox="1"/>
+          <p:nvPr/>
+        </p:nvSpPr>
+        <p:spPr>
+          <a:xfrm>
+            <a:off x="487171" y="2951164"/>
+            <a:ext cx="699693" cy="246221"/>
+          </a:xfrm>
+          <a:prstGeom prst="rect">
+            <a:avLst/>
+          </a:prstGeom>
+          <a:noFill/>
+        </p:spPr>
+        <p:txBody>
+          <a:bodyPr wrap="none" rtlCol="0">
+            <a:spAutoFit/>
+          </a:bodyPr>
+          <a:lstStyle/>
+          <a:p>
+            <a:r>
+              <a:rPr lang="en-GB" sz="1000" dirty="0" smtClean="0"/>
+              <a:t>Hardware</a:t>
+            </a:r>
+            <a:endParaRPr lang="en-GB" sz="1000" dirty="0"/>
+          </a:p>
+        </p:txBody>
+      </p:sp>
+      <p:sp>
+        <p:nvSpPr>
+          <p:cNvPr id="141" name="CuadroTexto 140"/>
+          <p:cNvSpPr txBox="1"/>
+          <p:nvPr/>
+        </p:nvSpPr>
+        <p:spPr>
+          <a:xfrm>
+            <a:off x="3594690" y="40433"/>
+            <a:ext cx="651791" cy="246221"/>
+          </a:xfrm>
+          <a:prstGeom prst="rect">
+            <a:avLst/>
+          </a:prstGeom>
+          <a:noFill/>
+        </p:spPr>
+        <p:txBody>
+          <a:bodyPr wrap="none" rtlCol="0">
+            <a:spAutoFit/>
+          </a:bodyPr>
+          <a:lstStyle/>
+          <a:p>
+            <a:r>
+              <a:rPr lang="en-GB" sz="1000" dirty="0" smtClean="0"/>
+              <a:t>Software</a:t>
+            </a:r>
+          </a:p>
+        </p:txBody>
+      </p:sp>
+      <p:sp>
+        <p:nvSpPr>
+          <p:cNvPr id="142" name="CuadroTexto 141"/>
+          <p:cNvSpPr txBox="1"/>
+          <p:nvPr/>
+        </p:nvSpPr>
+        <p:spPr>
+          <a:xfrm>
+            <a:off x="4320768" y="3402479"/>
+            <a:ext cx="845905" cy="246221"/>
+          </a:xfrm>
+          <a:prstGeom prst="rect">
+            <a:avLst/>
+          </a:prstGeom>
+          <a:noFill/>
+        </p:spPr>
+        <p:txBody>
+          <a:bodyPr wrap="none" rtlCol="0">
+            <a:spAutoFit/>
+          </a:bodyPr>
+          <a:lstStyle/>
+          <a:p>
+            <a:r>
+              <a:rPr lang="en-GB" sz="1000" dirty="0" smtClean="0"/>
+              <a:t>C. Resources</a:t>
+            </a:r>
+          </a:p>
+        </p:txBody>
+      </p:sp>
+      <p:cxnSp>
+        <p:nvCxnSpPr>
+          <p:cNvPr id="5" name="Elbow Connector 4"/>
+          <p:cNvCxnSpPr>
+            <a:stCxn id="61" idx="0"/>
+            <a:endCxn id="32" idx="2"/>
+          </p:cNvCxnSpPr>
+          <p:nvPr/>
+        </p:nvCxnSpPr>
+        <p:spPr>
+          <a:xfrm rot="5400000" flipH="1" flipV="1">
+            <a:off x="4631705" y="1617131"/>
+            <a:ext cx="374332" cy="1113267"/>
           </a:xfrm>
           <a:prstGeom prst="bentConnector3">
             <a:avLst>
               <a:gd name="adj1" fmla="val 50000"/>
             </a:avLst>
           </a:prstGeom>
-          <a:ln>
-            <a:tailEnd type="arrow"/>
-          </a:ln>
-        </p:spPr>
-        <p:style>
-          <a:lnRef idx="1">
-            <a:schemeClr val="dk1"/>
+          <a:ln w="12700" cmpd="sng">
+            <a:solidFill>
+              <a:schemeClr val="tx1"/>
+            </a:solidFill>
+            <a:headEnd type="none"/>
+            <a:tailEnd type="triangle"/>
+          </a:ln>
+          <a:effectLst/>
+        </p:spPr>
+        <p:style>
+          <a:lnRef idx="2">
+            <a:schemeClr val="accent1"/>
           </a:lnRef>
           <a:fillRef idx="0">
-            <a:schemeClr val="dk1"/>
-          </a:fillRef>
-          <a:effectRef idx="0">
-            <a:schemeClr val="dk1"/>
+            <a:schemeClr val="accent1"/>
+          </a:fillRef>
+          <a:effectRef idx="1">
+            <a:schemeClr val="accent1"/>
           </a:effectRef>
           <a:fontRef idx="minor">
             <a:schemeClr val="tx1"/>
@@ -7485,34 +8880,38 @@
       </p:cxnSp>
       <p:cxnSp>
         <p:nvCxnSpPr>
-          <p:cNvPr id="29" name="Conector angular 28"/>
+          <p:cNvPr id="75" name="Conector recto 45"/>
           <p:cNvCxnSpPr>
-            <a:stCxn id="8" idx="2"/>
-            <a:endCxn id="6" idx="1"/>
+            <a:stCxn id="32" idx="2"/>
+            <a:endCxn id="60" idx="0"/>
           </p:cNvCxnSpPr>
           <p:nvPr/>
         </p:nvCxnSpPr>
         <p:spPr>
-          <a:xfrm rot="16200000" flipH="1">
-            <a:off x="1121586" y="3699716"/>
-            <a:ext cx="925839" cy="475884"/>
-          </a:xfrm>
-          <a:prstGeom prst="bentConnector2">
-            <a:avLst/>
-          </a:prstGeom>
-          <a:ln>
-            <a:tailEnd type="arrow"/>
-          </a:ln>
-        </p:spPr>
-        <p:style>
-          <a:lnRef idx="1">
-            <a:schemeClr val="dk1"/>
+          <a:xfrm>
+            <a:off x="5375504" y="1986598"/>
+            <a:ext cx="0" cy="374332"/>
+          </a:xfrm>
+          <a:prstGeom prst="line">
+            <a:avLst/>
+          </a:prstGeom>
+          <a:ln w="12700" cmpd="sng">
+            <a:solidFill>
+              <a:srgbClr val="000000"/>
+            </a:solidFill>
+            <a:headEnd type="triangle"/>
+          </a:ln>
+          <a:effectLst/>
+        </p:spPr>
+        <p:style>
+          <a:lnRef idx="2">
+            <a:schemeClr val="accent1"/>
           </a:lnRef>
           <a:fillRef idx="0">
-            <a:schemeClr val="dk1"/>
-          </a:fillRef>
-          <a:effectRef idx="0">
-            <a:schemeClr val="dk1"/>
+            <a:schemeClr val="accent1"/>
+          </a:fillRef>
+          <a:effectRef idx="1">
+            <a:schemeClr val="accent1"/>
           </a:effectRef>
           <a:fontRef idx="minor">
             <a:schemeClr val="tx1"/>
@@ -7521,815 +8920,365 @@
       </p:cxnSp>
       <p:cxnSp>
         <p:nvCxnSpPr>
-          <p:cNvPr id="32" name="Conector angular 31"/>
+          <p:cNvPr id="85" name="Elbow Connector 84"/>
           <p:cNvCxnSpPr>
-            <a:stCxn id="8" idx="0"/>
-            <a:endCxn id="7" idx="1"/>
+            <a:stCxn id="20" idx="2"/>
+            <a:endCxn id="32" idx="0"/>
           </p:cNvCxnSpPr>
           <p:nvPr/>
         </p:nvCxnSpPr>
         <p:spPr>
-          <a:xfrm rot="5400000" flipH="1" flipV="1">
-            <a:off x="1459966" y="1867921"/>
-            <a:ext cx="988082" cy="1214889"/>
-          </a:xfrm>
-          <a:prstGeom prst="bentConnector2">
-            <a:avLst/>
-          </a:prstGeom>
-          <a:ln>
-            <a:tailEnd type="arrow"/>
-          </a:ln>
-        </p:spPr>
-        <p:style>
-          <a:lnRef idx="1">
-            <a:schemeClr val="dk1"/>
-          </a:lnRef>
-          <a:fillRef idx="0">
-            <a:schemeClr val="dk1"/>
-          </a:fillRef>
-          <a:effectRef idx="0">
-            <a:schemeClr val="dk1"/>
-          </a:effectRef>
-          <a:fontRef idx="minor">
-            <a:schemeClr val="tx1"/>
-          </a:fontRef>
-        </p:style>
-      </p:cxnSp>
-      <p:sp>
-        <p:nvSpPr>
-          <p:cNvPr id="40" name="Rectángulo 39"/>
-          <p:cNvSpPr/>
-          <p:nvPr/>
-        </p:nvSpPr>
-        <p:spPr>
-          <a:xfrm>
-            <a:off x="6252954" y="3051952"/>
-            <a:ext cx="1214610" cy="422787"/>
-          </a:xfrm>
-          <a:prstGeom prst="rect">
-            <a:avLst/>
-          </a:prstGeom>
-        </p:spPr>
-        <p:style>
-          <a:lnRef idx="2">
-            <a:schemeClr val="dk1"/>
-          </a:lnRef>
-          <a:fillRef idx="1">
-            <a:schemeClr val="lt1"/>
-          </a:fillRef>
-          <a:effectRef idx="0">
-            <a:schemeClr val="dk1"/>
-          </a:effectRef>
-          <a:fontRef idx="minor">
-            <a:schemeClr val="dk1"/>
-          </a:fontRef>
-        </p:style>
-        <p:txBody>
-          <a:bodyPr rtlCol="0" anchor="ctr"/>
-          <a:lstStyle/>
-          <a:p>
-            <a:pPr algn="ctr"/>
-            <a:r>
-              <a:rPr lang="en-GB" sz="1000" dirty="0" smtClean="0"/>
-              <a:t>Inf. Spec. Algorithm</a:t>
-            </a:r>
-            <a:endParaRPr lang="en-GB" sz="1000" dirty="0"/>
-          </a:p>
-        </p:txBody>
-      </p:sp>
-      <p:cxnSp>
-        <p:nvCxnSpPr>
-          <p:cNvPr id="44" name="Conector angular 43"/>
-          <p:cNvCxnSpPr>
-            <a:stCxn id="16" idx="3"/>
-            <a:endCxn id="40" idx="1"/>
-          </p:cNvCxnSpPr>
-          <p:nvPr/>
-        </p:nvCxnSpPr>
-        <p:spPr>
-          <a:xfrm>
-            <a:off x="5521109" y="1981324"/>
-            <a:ext cx="731845" cy="1282022"/>
+          <a:xfrm rot="16200000" flipH="1">
+            <a:off x="4742598" y="1044956"/>
+            <a:ext cx="302801" cy="963011"/>
           </a:xfrm>
           <a:prstGeom prst="bentConnector3">
             <a:avLst>
               <a:gd name="adj1" fmla="val 50000"/>
             </a:avLst>
           </a:prstGeom>
-          <a:ln>
-            <a:tailEnd type="arrow"/>
-          </a:ln>
-        </p:spPr>
-        <p:style>
-          <a:lnRef idx="1">
-            <a:schemeClr val="dk1"/>
+          <a:ln w="12700" cmpd="sng">
+            <a:solidFill>
+              <a:schemeClr val="tx1"/>
+            </a:solidFill>
+            <a:headEnd type="none"/>
+            <a:tailEnd type="triangle"/>
+          </a:ln>
+          <a:effectLst/>
+        </p:spPr>
+        <p:style>
+          <a:lnRef idx="2">
+            <a:schemeClr val="accent1"/>
           </a:lnRef>
           <a:fillRef idx="0">
-            <a:schemeClr val="dk1"/>
-          </a:fillRef>
-          <a:effectRef idx="0">
-            <a:schemeClr val="dk1"/>
+            <a:schemeClr val="accent1"/>
+          </a:fillRef>
+          <a:effectRef idx="1">
+            <a:schemeClr val="accent1"/>
           </a:effectRef>
           <a:fontRef idx="minor">
             <a:schemeClr val="tx1"/>
           </a:fontRef>
         </p:style>
       </p:cxnSp>
-      <p:sp>
-        <p:nvSpPr>
-          <p:cNvPr id="52" name="Esquina doblada 51"/>
-          <p:cNvSpPr/>
-          <p:nvPr/>
-        </p:nvSpPr>
-        <p:spPr>
-          <a:xfrm>
-            <a:off x="4875366" y="4129678"/>
-            <a:ext cx="645743" cy="807138"/>
-          </a:xfrm>
-          <a:prstGeom prst="foldedCorner">
-            <a:avLst/>
-          </a:prstGeom>
-          <a:solidFill>
-            <a:srgbClr val="D9D9D9"/>
-          </a:solidFill>
-        </p:spPr>
-        <p:style>
-          <a:lnRef idx="2">
-            <a:schemeClr val="dk1"/>
-          </a:lnRef>
-          <a:fillRef idx="1">
-            <a:schemeClr val="lt1"/>
-          </a:fillRef>
-          <a:effectRef idx="0">
-            <a:schemeClr val="dk1"/>
-          </a:effectRef>
-          <a:fontRef idx="minor">
-            <a:schemeClr val="dk1"/>
-          </a:fontRef>
-        </p:style>
-        <p:txBody>
-          <a:bodyPr rtlCol="0" anchor="ctr"/>
-          <a:lstStyle/>
-          <a:p>
-            <a:pPr algn="ctr"/>
-            <a:r>
-              <a:rPr lang="en-GB" sz="1000" dirty="0" smtClean="0"/>
-              <a:t>SVA</a:t>
-            </a:r>
-          </a:p>
-          <a:p>
-            <a:pPr algn="ctr"/>
-            <a:r>
-              <a:rPr lang="en-GB" sz="1000" dirty="0" err="1" smtClean="0"/>
-              <a:t>Catalog</a:t>
-            </a:r>
-            <a:endParaRPr lang="en-GB" sz="1000" dirty="0"/>
-          </a:p>
-        </p:txBody>
-      </p:sp>
       <p:cxnSp>
         <p:nvCxnSpPr>
-          <p:cNvPr id="53" name="Conector angular 52"/>
+          <p:cNvPr id="86" name="Elbow Connector 85"/>
           <p:cNvCxnSpPr>
-            <a:stCxn id="52" idx="3"/>
-            <a:endCxn id="40" idx="1"/>
+            <a:stCxn id="19" idx="2"/>
+            <a:endCxn id="32" idx="0"/>
           </p:cNvCxnSpPr>
           <p:nvPr/>
         </p:nvCxnSpPr>
         <p:spPr>
-          <a:xfrm flipV="1">
-            <a:off x="5521109" y="3263346"/>
-            <a:ext cx="731845" cy="1269901"/>
+          <a:xfrm rot="5400000">
+            <a:off x="5714543" y="1036024"/>
+            <a:ext cx="302801" cy="980877"/>
           </a:xfrm>
           <a:prstGeom prst="bentConnector3">
             <a:avLst>
               <a:gd name="adj1" fmla="val 50000"/>
             </a:avLst>
           </a:prstGeom>
-          <a:ln>
-            <a:tailEnd type="arrow"/>
-          </a:ln>
-        </p:spPr>
-        <p:style>
-          <a:lnRef idx="1">
-            <a:schemeClr val="dk1"/>
+          <a:ln w="12700" cmpd="sng">
+            <a:solidFill>
+              <a:schemeClr val="tx1"/>
+            </a:solidFill>
+            <a:headEnd type="none"/>
+            <a:tailEnd type="triangle"/>
+          </a:ln>
+          <a:effectLst/>
+        </p:spPr>
+        <p:style>
+          <a:lnRef idx="2">
+            <a:schemeClr val="accent1"/>
           </a:lnRef>
           <a:fillRef idx="0">
-            <a:schemeClr val="dk1"/>
-          </a:fillRef>
-          <a:effectRef idx="0">
-            <a:schemeClr val="dk1"/>
+            <a:schemeClr val="accent1"/>
+          </a:fillRef>
+          <a:effectRef idx="1">
+            <a:schemeClr val="accent1"/>
           </a:effectRef>
           <a:fontRef idx="minor">
             <a:schemeClr val="tx1"/>
           </a:fontRef>
         </p:style>
       </p:cxnSp>
-      <p:sp>
-        <p:nvSpPr>
-          <p:cNvPr id="59" name="Esquina doblada 58"/>
-          <p:cNvSpPr/>
-          <p:nvPr/>
-        </p:nvSpPr>
-        <p:spPr>
-          <a:xfrm>
-            <a:off x="8125608" y="2859777"/>
-            <a:ext cx="645743" cy="807138"/>
-          </a:xfrm>
-          <a:prstGeom prst="foldedCorner">
-            <a:avLst/>
-          </a:prstGeom>
-          <a:solidFill>
-            <a:srgbClr val="D9D9D9"/>
-          </a:solidFill>
-        </p:spPr>
-        <p:style>
-          <a:lnRef idx="2">
-            <a:schemeClr val="dk1"/>
-          </a:lnRef>
-          <a:fillRef idx="1">
-            <a:schemeClr val="lt1"/>
-          </a:fillRef>
-          <a:effectRef idx="0">
-            <a:schemeClr val="dk1"/>
-          </a:effectRef>
-          <a:fontRef idx="minor">
-            <a:schemeClr val="dk1"/>
-          </a:fontRef>
-        </p:style>
-        <p:txBody>
-          <a:bodyPr rtlCol="0" anchor="ctr"/>
-          <a:lstStyle/>
-          <a:p>
-            <a:pPr algn="ctr"/>
-            <a:r>
-              <a:rPr lang="en-GB" sz="1000" dirty="0" err="1" smtClean="0"/>
-              <a:t>Precip</a:t>
-            </a:r>
-            <a:endParaRPr lang="en-GB" sz="1000" dirty="0" smtClean="0"/>
-          </a:p>
-          <a:p>
-            <a:pPr algn="ctr"/>
-            <a:r>
-              <a:rPr lang="en-GB" sz="1000" dirty="0" smtClean="0"/>
-              <a:t>Script</a:t>
-            </a:r>
-            <a:endParaRPr lang="en-GB" sz="1000" dirty="0"/>
-          </a:p>
-        </p:txBody>
-      </p:sp>
       <p:cxnSp>
         <p:nvCxnSpPr>
-          <p:cNvPr id="60" name="Conector recto de flecha 59"/>
+          <p:cNvPr id="90" name="Conector recto 45"/>
           <p:cNvCxnSpPr>
-            <a:stCxn id="40" idx="3"/>
-            <a:endCxn id="59" idx="1"/>
+            <a:stCxn id="32" idx="0"/>
+            <a:endCxn id="21" idx="2"/>
           </p:cNvCxnSpPr>
           <p:nvPr/>
         </p:nvCxnSpPr>
         <p:spPr>
-          <a:xfrm>
-            <a:off x="7467564" y="3263346"/>
-            <a:ext cx="658044" cy="0"/>
-          </a:xfrm>
-          <a:prstGeom prst="straightConnector1">
-            <a:avLst/>
-          </a:prstGeom>
-          <a:ln>
-            <a:tailEnd type="arrow"/>
-          </a:ln>
-        </p:spPr>
-        <p:style>
-          <a:lnRef idx="1">
-            <a:schemeClr val="dk1"/>
+          <a:xfrm flipV="1">
+            <a:off x="5375504" y="1375062"/>
+            <a:ext cx="0" cy="302801"/>
+          </a:xfrm>
+          <a:prstGeom prst="line">
+            <a:avLst/>
+          </a:prstGeom>
+          <a:ln w="12700" cmpd="sng">
+            <a:solidFill>
+              <a:srgbClr val="000000"/>
+            </a:solidFill>
+            <a:headEnd type="triangle"/>
+          </a:ln>
+          <a:effectLst/>
+        </p:spPr>
+        <p:style>
+          <a:lnRef idx="2">
+            <a:schemeClr val="accent1"/>
           </a:lnRef>
           <a:fillRef idx="0">
-            <a:schemeClr val="dk1"/>
-          </a:fillRef>
-          <a:effectRef idx="0">
-            <a:schemeClr val="dk1"/>
+            <a:schemeClr val="accent1"/>
+          </a:fillRef>
+          <a:effectRef idx="1">
+            <a:schemeClr val="accent1"/>
           </a:effectRef>
           <a:fontRef idx="minor">
             <a:schemeClr val="tx1"/>
           </a:fontRef>
         </p:style>
       </p:cxnSp>
-      <p:sp>
-        <p:nvSpPr>
-          <p:cNvPr id="73" name="Dodecágono 72"/>
-          <p:cNvSpPr/>
-          <p:nvPr/>
-        </p:nvSpPr>
-        <p:spPr>
-          <a:xfrm>
-            <a:off x="1689542" y="4471683"/>
-            <a:ext cx="284923" cy="280576"/>
-          </a:xfrm>
-          <a:prstGeom prst="dodecagon">
-            <a:avLst/>
-          </a:prstGeom>
-          <a:solidFill>
-            <a:srgbClr val="FF0000"/>
-          </a:solidFill>
-          <a:ln>
-            <a:solidFill>
-              <a:srgbClr val="FF0000"/>
-            </a:solidFill>
-          </a:ln>
-          <a:effectLst/>
-        </p:spPr>
-        <p:style>
-          <a:lnRef idx="1">
-            <a:schemeClr val="accent1"/>
-          </a:lnRef>
-          <a:fillRef idx="3">
-            <a:schemeClr val="accent1"/>
-          </a:fillRef>
-          <a:effectRef idx="2">
-            <a:schemeClr val="accent1"/>
-          </a:effectRef>
-          <a:fontRef idx="minor">
-            <a:schemeClr val="lt1"/>
-          </a:fontRef>
-        </p:style>
-        <p:txBody>
-          <a:bodyPr rtlCol="0" anchor="ctr"/>
-          <a:lstStyle/>
-          <a:p>
-            <a:pPr algn="ctr"/>
-            <a:r>
-              <a:rPr lang="en-GB" sz="1400" dirty="0"/>
-              <a:t>1</a:t>
-            </a:r>
-          </a:p>
-        </p:txBody>
-      </p:sp>
-      <p:sp>
-        <p:nvSpPr>
-          <p:cNvPr id="74" name="Dodecágono 73"/>
-          <p:cNvSpPr/>
-          <p:nvPr/>
-        </p:nvSpPr>
-        <p:spPr>
-          <a:xfrm>
-            <a:off x="2429752" y="2052429"/>
-            <a:ext cx="284923" cy="280576"/>
-          </a:xfrm>
-          <a:prstGeom prst="dodecagon">
-            <a:avLst/>
-          </a:prstGeom>
-          <a:solidFill>
-            <a:srgbClr val="FF0000"/>
-          </a:solidFill>
-          <a:ln>
-            <a:solidFill>
-              <a:srgbClr val="FF0000"/>
-            </a:solidFill>
-          </a:ln>
-          <a:effectLst/>
-        </p:spPr>
-        <p:style>
-          <a:lnRef idx="1">
-            <a:schemeClr val="accent1"/>
-          </a:lnRef>
-          <a:fillRef idx="3">
-            <a:schemeClr val="accent1"/>
-          </a:fillRef>
-          <a:effectRef idx="2">
-            <a:schemeClr val="accent1"/>
-          </a:effectRef>
-          <a:fontRef idx="minor">
-            <a:schemeClr val="lt1"/>
-          </a:fontRef>
-        </p:style>
-        <p:txBody>
-          <a:bodyPr rtlCol="0" anchor="ctr"/>
-          <a:lstStyle/>
-          <a:p>
-            <a:pPr algn="ctr"/>
-            <a:r>
-              <a:rPr lang="en-GB" sz="1400" dirty="0" smtClean="0"/>
-              <a:t>4</a:t>
-            </a:r>
-            <a:endParaRPr lang="en-GB" sz="1400" dirty="0"/>
-          </a:p>
-        </p:txBody>
-      </p:sp>
-      <p:sp>
-        <p:nvSpPr>
-          <p:cNvPr id="75" name="Dodecágono 74"/>
-          <p:cNvSpPr/>
-          <p:nvPr/>
-        </p:nvSpPr>
-        <p:spPr>
-          <a:xfrm>
-            <a:off x="3404292" y="4663859"/>
-            <a:ext cx="284923" cy="280576"/>
-          </a:xfrm>
-          <a:prstGeom prst="dodecagon">
-            <a:avLst/>
-          </a:prstGeom>
-          <a:solidFill>
-            <a:srgbClr val="FF0000"/>
-          </a:solidFill>
-          <a:ln>
-            <a:solidFill>
-              <a:srgbClr val="FF0000"/>
-            </a:solidFill>
-          </a:ln>
-          <a:effectLst/>
-        </p:spPr>
-        <p:style>
-          <a:lnRef idx="1">
-            <a:schemeClr val="accent1"/>
-          </a:lnRef>
-          <a:fillRef idx="3">
-            <a:schemeClr val="accent1"/>
-          </a:fillRef>
-          <a:effectRef idx="2">
-            <a:schemeClr val="accent1"/>
-          </a:effectRef>
-          <a:fontRef idx="minor">
-            <a:schemeClr val="lt1"/>
-          </a:fontRef>
-        </p:style>
-        <p:txBody>
-          <a:bodyPr rtlCol="0" anchor="ctr"/>
-          <a:lstStyle/>
-          <a:p>
-            <a:pPr algn="ctr"/>
-            <a:r>
-              <a:rPr lang="en-GB" sz="1400" dirty="0"/>
-              <a:t>2</a:t>
-            </a:r>
-          </a:p>
-        </p:txBody>
-      </p:sp>
-      <p:sp>
-        <p:nvSpPr>
-          <p:cNvPr id="76" name="Dodecágono 75"/>
-          <p:cNvSpPr/>
-          <p:nvPr/>
-        </p:nvSpPr>
-        <p:spPr>
-          <a:xfrm>
-            <a:off x="4732904" y="2244605"/>
-            <a:ext cx="284923" cy="280576"/>
-          </a:xfrm>
-          <a:prstGeom prst="dodecagon">
-            <a:avLst/>
-          </a:prstGeom>
-          <a:solidFill>
-            <a:srgbClr val="FF0000"/>
-          </a:solidFill>
-          <a:ln>
-            <a:solidFill>
-              <a:srgbClr val="FF0000"/>
-            </a:solidFill>
-          </a:ln>
-          <a:effectLst/>
-        </p:spPr>
-        <p:style>
-          <a:lnRef idx="1">
-            <a:schemeClr val="accent1"/>
-          </a:lnRef>
-          <a:fillRef idx="3">
-            <a:schemeClr val="accent1"/>
-          </a:fillRef>
-          <a:effectRef idx="2">
-            <a:schemeClr val="accent1"/>
-          </a:effectRef>
-          <a:fontRef idx="minor">
-            <a:schemeClr val="lt1"/>
-          </a:fontRef>
-        </p:style>
-        <p:txBody>
-          <a:bodyPr rtlCol="0" anchor="ctr"/>
-          <a:lstStyle/>
-          <a:p>
-            <a:pPr algn="ctr"/>
-            <a:r>
-              <a:rPr lang="en-GB" sz="1400" dirty="0" smtClean="0"/>
-              <a:t>5</a:t>
-            </a:r>
-            <a:endParaRPr lang="en-GB" sz="1400" dirty="0"/>
-          </a:p>
-        </p:txBody>
-      </p:sp>
-      <p:sp>
-        <p:nvSpPr>
-          <p:cNvPr id="77" name="Dodecágono 76"/>
-          <p:cNvSpPr/>
-          <p:nvPr/>
-        </p:nvSpPr>
-        <p:spPr>
-          <a:xfrm>
-            <a:off x="4732904" y="3474739"/>
-            <a:ext cx="284923" cy="280576"/>
-          </a:xfrm>
-          <a:prstGeom prst="dodecagon">
-            <a:avLst/>
-          </a:prstGeom>
-          <a:solidFill>
-            <a:srgbClr val="FF0000"/>
-          </a:solidFill>
-          <a:ln>
-            <a:solidFill>
-              <a:srgbClr val="FF0000"/>
-            </a:solidFill>
-          </a:ln>
-          <a:effectLst/>
-        </p:spPr>
-        <p:style>
-          <a:lnRef idx="1">
-            <a:schemeClr val="accent1"/>
-          </a:lnRef>
-          <a:fillRef idx="3">
-            <a:schemeClr val="accent1"/>
-          </a:fillRef>
-          <a:effectRef idx="2">
-            <a:schemeClr val="accent1"/>
-          </a:effectRef>
-          <a:fontRef idx="minor">
-            <a:schemeClr val="lt1"/>
-          </a:fontRef>
-        </p:style>
-        <p:txBody>
-          <a:bodyPr rtlCol="0" anchor="ctr"/>
-          <a:lstStyle/>
-          <a:p>
-            <a:pPr algn="ctr"/>
-            <a:r>
-              <a:rPr lang="en-GB" sz="1400" dirty="0" smtClean="0"/>
-              <a:t>6</a:t>
-            </a:r>
-            <a:endParaRPr lang="en-GB" sz="1400" dirty="0"/>
-          </a:p>
-        </p:txBody>
-      </p:sp>
-      <p:sp>
-        <p:nvSpPr>
-          <p:cNvPr id="78" name="Dodecágono 77"/>
-          <p:cNvSpPr/>
-          <p:nvPr/>
-        </p:nvSpPr>
-        <p:spPr>
-          <a:xfrm>
-            <a:off x="4732904" y="4831032"/>
-            <a:ext cx="284923" cy="280576"/>
-          </a:xfrm>
-          <a:prstGeom prst="dodecagon">
-            <a:avLst/>
-          </a:prstGeom>
-          <a:solidFill>
-            <a:srgbClr val="FF0000"/>
-          </a:solidFill>
-          <a:ln>
-            <a:solidFill>
-              <a:srgbClr val="FF0000"/>
-            </a:solidFill>
-          </a:ln>
-          <a:effectLst/>
-        </p:spPr>
-        <p:style>
-          <a:lnRef idx="1">
-            <a:schemeClr val="accent1"/>
-          </a:lnRef>
-          <a:fillRef idx="3">
-            <a:schemeClr val="accent1"/>
-          </a:fillRef>
-          <a:effectRef idx="2">
-            <a:schemeClr val="accent1"/>
-          </a:effectRef>
-          <a:fontRef idx="minor">
-            <a:schemeClr val="lt1"/>
-          </a:fontRef>
-        </p:style>
-        <p:txBody>
-          <a:bodyPr rtlCol="0" anchor="ctr"/>
-          <a:lstStyle/>
-          <a:p>
-            <a:pPr algn="ctr"/>
-            <a:r>
-              <a:rPr lang="en-GB" sz="1400" dirty="0" smtClean="0"/>
-              <a:t>7</a:t>
-            </a:r>
-            <a:endParaRPr lang="en-GB" sz="1400" dirty="0"/>
-          </a:p>
-        </p:txBody>
-      </p:sp>
-      <p:sp>
-        <p:nvSpPr>
-          <p:cNvPr id="79" name="Dodecágono 78"/>
-          <p:cNvSpPr/>
-          <p:nvPr/>
-        </p:nvSpPr>
-        <p:spPr>
-          <a:xfrm>
-            <a:off x="6110492" y="3334451"/>
-            <a:ext cx="284923" cy="280576"/>
-          </a:xfrm>
-          <a:prstGeom prst="dodecagon">
-            <a:avLst/>
-          </a:prstGeom>
-          <a:solidFill>
-            <a:srgbClr val="FF0000"/>
-          </a:solidFill>
-          <a:ln>
-            <a:solidFill>
-              <a:srgbClr val="FF0000"/>
-            </a:solidFill>
-          </a:ln>
-          <a:effectLst/>
-        </p:spPr>
-        <p:style>
-          <a:lnRef idx="1">
-            <a:schemeClr val="accent1"/>
-          </a:lnRef>
-          <a:fillRef idx="3">
-            <a:schemeClr val="accent1"/>
-          </a:fillRef>
-          <a:effectRef idx="2">
-            <a:schemeClr val="accent1"/>
-          </a:effectRef>
-          <a:fontRef idx="minor">
-            <a:schemeClr val="lt1"/>
-          </a:fontRef>
-        </p:style>
-        <p:txBody>
-          <a:bodyPr rtlCol="0" anchor="ctr"/>
-          <a:lstStyle/>
-          <a:p>
-            <a:pPr algn="ctr"/>
-            <a:r>
-              <a:rPr lang="en-GB" sz="1400" dirty="0" smtClean="0"/>
-              <a:t>8</a:t>
-            </a:r>
-            <a:endParaRPr lang="en-GB" sz="1400" dirty="0"/>
-          </a:p>
-        </p:txBody>
-      </p:sp>
-      <p:sp>
-        <p:nvSpPr>
-          <p:cNvPr id="80" name="Dodecágono 79"/>
-          <p:cNvSpPr/>
-          <p:nvPr/>
-        </p:nvSpPr>
-        <p:spPr>
-          <a:xfrm>
-            <a:off x="7983146" y="3526627"/>
-            <a:ext cx="284923" cy="280576"/>
-          </a:xfrm>
-          <a:prstGeom prst="dodecagon">
-            <a:avLst/>
-          </a:prstGeom>
-          <a:solidFill>
-            <a:srgbClr val="FF0000"/>
-          </a:solidFill>
-          <a:ln>
-            <a:solidFill>
-              <a:srgbClr val="FF0000"/>
-            </a:solidFill>
-          </a:ln>
-          <a:effectLst/>
-        </p:spPr>
-        <p:style>
-          <a:lnRef idx="1">
-            <a:schemeClr val="accent1"/>
-          </a:lnRef>
-          <a:fillRef idx="3">
-            <a:schemeClr val="accent1"/>
-          </a:fillRef>
-          <a:effectRef idx="2">
-            <a:schemeClr val="accent1"/>
-          </a:effectRef>
-          <a:fontRef idx="minor">
-            <a:schemeClr val="lt1"/>
-          </a:fontRef>
-        </p:style>
-        <p:txBody>
-          <a:bodyPr rtlCol="0" anchor="ctr"/>
-          <a:lstStyle/>
-          <a:p>
-            <a:pPr algn="ctr"/>
-            <a:r>
-              <a:rPr lang="en-GB" sz="1400" dirty="0" smtClean="0"/>
-              <a:t>9</a:t>
-            </a:r>
-            <a:endParaRPr lang="en-GB" sz="1400" dirty="0"/>
-          </a:p>
-        </p:txBody>
-      </p:sp>
-      <p:sp>
-        <p:nvSpPr>
-          <p:cNvPr id="34" name="Esquina doblada 33"/>
-          <p:cNvSpPr/>
-          <p:nvPr/>
-        </p:nvSpPr>
-        <p:spPr>
-          <a:xfrm>
-            <a:off x="2238580" y="3134991"/>
-            <a:ext cx="645743" cy="807138"/>
-          </a:xfrm>
-          <a:prstGeom prst="foldedCorner">
-            <a:avLst/>
-          </a:prstGeom>
-          <a:solidFill>
-            <a:srgbClr val="D9D9D9"/>
-          </a:solidFill>
-        </p:spPr>
-        <p:style>
-          <a:lnRef idx="2">
-            <a:schemeClr val="dk1"/>
-          </a:lnRef>
-          <a:fillRef idx="1">
-            <a:schemeClr val="lt1"/>
-          </a:fillRef>
-          <a:effectRef idx="0">
-            <a:schemeClr val="dk1"/>
-          </a:effectRef>
-          <a:fontRef idx="minor">
-            <a:schemeClr val="dk1"/>
-          </a:fontRef>
-        </p:style>
-        <p:txBody>
-          <a:bodyPr rtlCol="0" anchor="ctr"/>
-          <a:lstStyle/>
-          <a:p>
-            <a:pPr algn="ctr"/>
-            <a:r>
-              <a:rPr lang="en-GB" sz="1000" dirty="0" smtClean="0"/>
-              <a:t>WMS</a:t>
-            </a:r>
-          </a:p>
-          <a:p>
-            <a:pPr algn="ctr"/>
-            <a:r>
-              <a:rPr lang="en-GB" sz="1000" dirty="0" err="1" smtClean="0"/>
-              <a:t>Annot</a:t>
-            </a:r>
-            <a:endParaRPr lang="en-GB" sz="1000" dirty="0"/>
-          </a:p>
-        </p:txBody>
-      </p:sp>
       <p:cxnSp>
         <p:nvCxnSpPr>
-          <p:cNvPr id="35" name="Conector angular 34"/>
+          <p:cNvPr id="106" name="Elbow Connector 105"/>
           <p:cNvCxnSpPr>
-            <a:stCxn id="34" idx="0"/>
-            <a:endCxn id="7" idx="2"/>
+            <a:stCxn id="97" idx="3"/>
+            <a:endCxn id="91" idx="1"/>
           </p:cNvCxnSpPr>
           <p:nvPr/>
         </p:nvCxnSpPr>
         <p:spPr>
-          <a:xfrm rot="5400000" flipH="1" flipV="1">
-            <a:off x="2393967" y="2360202"/>
-            <a:ext cx="942274" cy="607305"/>
+          <a:xfrm>
+            <a:off x="1105341" y="3447572"/>
+            <a:ext cx="276973" cy="231352"/>
           </a:xfrm>
           <a:prstGeom prst="bentConnector3">
             <a:avLst>
               <a:gd name="adj1" fmla="val 50000"/>
             </a:avLst>
           </a:prstGeom>
-          <a:ln>
-            <a:tailEnd type="arrow"/>
-          </a:ln>
-        </p:spPr>
-        <p:style>
-          <a:lnRef idx="1">
-            <a:schemeClr val="dk1"/>
+          <a:ln w="12700" cmpd="sng">
+            <a:solidFill>
+              <a:schemeClr val="tx1"/>
+            </a:solidFill>
+            <a:headEnd type="none"/>
+            <a:tailEnd type="triangle"/>
+          </a:ln>
+          <a:effectLst/>
+        </p:spPr>
+        <p:style>
+          <a:lnRef idx="2">
+            <a:schemeClr val="accent1"/>
           </a:lnRef>
           <a:fillRef idx="0">
-            <a:schemeClr val="dk1"/>
-          </a:fillRef>
-          <a:effectRef idx="0">
-            <a:schemeClr val="dk1"/>
+            <a:schemeClr val="accent1"/>
+          </a:fillRef>
+          <a:effectRef idx="1">
+            <a:schemeClr val="accent1"/>
           </a:effectRef>
           <a:fontRef idx="minor">
             <a:schemeClr val="tx1"/>
           </a:fontRef>
         </p:style>
       </p:cxnSp>
-      <p:sp>
-        <p:nvSpPr>
-          <p:cNvPr id="38" name="Dodecágono 37"/>
+      <p:cxnSp>
+        <p:nvCxnSpPr>
+          <p:cNvPr id="108" name="Elbow Connector 107"/>
+          <p:cNvCxnSpPr>
+            <a:stCxn id="99" idx="3"/>
+            <a:endCxn id="91" idx="1"/>
+          </p:cNvCxnSpPr>
+          <p:nvPr/>
+        </p:nvCxnSpPr>
+        <p:spPr>
+          <a:xfrm flipV="1">
+            <a:off x="1105341" y="3678924"/>
+            <a:ext cx="276973" cy="234409"/>
+          </a:xfrm>
+          <a:prstGeom prst="bentConnector3">
+            <a:avLst>
+              <a:gd name="adj1" fmla="val 50000"/>
+            </a:avLst>
+          </a:prstGeom>
+          <a:ln w="12700" cmpd="sng">
+            <a:solidFill>
+              <a:schemeClr val="tx1"/>
+            </a:solidFill>
+            <a:headEnd type="none"/>
+            <a:tailEnd type="triangle"/>
+          </a:ln>
+          <a:effectLst/>
+        </p:spPr>
+        <p:style>
+          <a:lnRef idx="2">
+            <a:schemeClr val="accent1"/>
+          </a:lnRef>
+          <a:fillRef idx="0">
+            <a:schemeClr val="accent1"/>
+          </a:fillRef>
+          <a:effectRef idx="1">
+            <a:schemeClr val="accent1"/>
+          </a:effectRef>
+          <a:fontRef idx="minor">
+            <a:schemeClr val="tx1"/>
+          </a:fontRef>
+        </p:style>
+      </p:cxnSp>
+      <p:cxnSp>
+        <p:nvCxnSpPr>
+          <p:cNvPr id="109" name="Conector recto 115"/>
+          <p:cNvCxnSpPr>
+            <a:stCxn id="98" idx="3"/>
+            <a:endCxn id="91" idx="1"/>
+          </p:cNvCxnSpPr>
+          <p:nvPr/>
+        </p:nvCxnSpPr>
+        <p:spPr>
+          <a:xfrm flipV="1">
+            <a:off x="1105341" y="3678924"/>
+            <a:ext cx="276973" cy="198"/>
+          </a:xfrm>
+          <a:prstGeom prst="line">
+            <a:avLst/>
+          </a:prstGeom>
+          <a:ln w="12700" cmpd="sng">
+            <a:solidFill>
+              <a:srgbClr val="000000"/>
+            </a:solidFill>
+            <a:headEnd type="none"/>
+            <a:tailEnd type="triangle"/>
+          </a:ln>
+          <a:effectLst/>
+        </p:spPr>
+        <p:style>
+          <a:lnRef idx="2">
+            <a:schemeClr val="accent1"/>
+          </a:lnRef>
+          <a:fillRef idx="0">
+            <a:schemeClr val="accent1"/>
+          </a:fillRef>
+          <a:effectRef idx="1">
+            <a:schemeClr val="accent1"/>
+          </a:effectRef>
+          <a:fontRef idx="minor">
+            <a:schemeClr val="tx1"/>
+          </a:fontRef>
+        </p:style>
+      </p:cxnSp>
+      <p:cxnSp>
+        <p:nvCxnSpPr>
+          <p:cNvPr id="111" name="Elbow Connector 110"/>
+          <p:cNvCxnSpPr>
+            <a:stCxn id="103" idx="3"/>
+            <a:endCxn id="92" idx="1"/>
+          </p:cNvCxnSpPr>
+          <p:nvPr/>
+        </p:nvCxnSpPr>
+        <p:spPr>
+          <a:xfrm flipV="1">
+            <a:off x="1096448" y="4460474"/>
+            <a:ext cx="285866" cy="231551"/>
+          </a:xfrm>
+          <a:prstGeom prst="bentConnector3">
+            <a:avLst>
+              <a:gd name="adj1" fmla="val 50000"/>
+            </a:avLst>
+          </a:prstGeom>
+          <a:ln w="12700" cmpd="sng">
+            <a:solidFill>
+              <a:schemeClr val="tx1"/>
+            </a:solidFill>
+            <a:headEnd type="none"/>
+            <a:tailEnd type="triangle"/>
+          </a:ln>
+          <a:effectLst/>
+        </p:spPr>
+        <p:style>
+          <a:lnRef idx="2">
+            <a:schemeClr val="accent1"/>
+          </a:lnRef>
+          <a:fillRef idx="0">
+            <a:schemeClr val="accent1"/>
+          </a:fillRef>
+          <a:effectRef idx="1">
+            <a:schemeClr val="accent1"/>
+          </a:effectRef>
+          <a:fontRef idx="minor">
+            <a:schemeClr val="tx1"/>
+          </a:fontRef>
+        </p:style>
+      </p:cxnSp>
+      <p:cxnSp>
+        <p:nvCxnSpPr>
+          <p:cNvPr id="112" name="Elbow Connector 111"/>
+          <p:cNvCxnSpPr>
+            <a:stCxn id="101" idx="3"/>
+            <a:endCxn id="92" idx="1"/>
+          </p:cNvCxnSpPr>
+          <p:nvPr/>
+        </p:nvCxnSpPr>
+        <p:spPr>
+          <a:xfrm>
+            <a:off x="1096448" y="4226264"/>
+            <a:ext cx="285866" cy="234210"/>
+          </a:xfrm>
+          <a:prstGeom prst="bentConnector3">
+            <a:avLst>
+              <a:gd name="adj1" fmla="val 50000"/>
+            </a:avLst>
+          </a:prstGeom>
+          <a:ln w="12700" cmpd="sng">
+            <a:solidFill>
+              <a:schemeClr val="tx1"/>
+            </a:solidFill>
+            <a:headEnd type="none"/>
+            <a:tailEnd type="triangle"/>
+          </a:ln>
+          <a:effectLst/>
+        </p:spPr>
+        <p:style>
+          <a:lnRef idx="2">
+            <a:schemeClr val="accent1"/>
+          </a:lnRef>
+          <a:fillRef idx="0">
+            <a:schemeClr val="accent1"/>
+          </a:fillRef>
+          <a:effectRef idx="1">
+            <a:schemeClr val="accent1"/>
+          </a:effectRef>
+          <a:fontRef idx="minor">
+            <a:schemeClr val="tx1"/>
+          </a:fontRef>
+        </p:style>
+      </p:cxnSp>
+      <p:sp>
+        <p:nvSpPr>
+          <p:cNvPr id="62" name="Rectángulo 96"/>
           <p:cNvSpPr/>
           <p:nvPr/>
         </p:nvSpPr>
         <p:spPr>
           <a:xfrm>
-            <a:off x="2096118" y="3718895"/>
-            <a:ext cx="284923" cy="280576"/>
-          </a:xfrm>
-          <a:prstGeom prst="dodecagon">
+            <a:off x="730541" y="1535100"/>
+            <a:ext cx="823294" cy="142763"/>
+          </a:xfrm>
+          <a:prstGeom prst="rect">
             <a:avLst/>
           </a:prstGeom>
           <a:solidFill>
-            <a:srgbClr val="FF0000"/>
+            <a:schemeClr val="bg1">
+              <a:lumMod val="95000"/>
+            </a:schemeClr>
           </a:solidFill>
           <a:ln>
             <a:solidFill>
-              <a:srgbClr val="FF0000"/>
+              <a:schemeClr val="tx1"/>
             </a:solidFill>
           </a:ln>
           <a:effectLst/>
@@ -8354,17 +9303,1501 @@
           <a:p>
             <a:pPr algn="ctr"/>
             <a:r>
-              <a:rPr lang="en-GB" sz="1400" dirty="0" smtClean="0"/>
-              <a:t>3</a:t>
-            </a:r>
-            <a:endParaRPr lang="en-GB" sz="1400" dirty="0"/>
+              <a:rPr lang="en-GB" sz="900" dirty="0" smtClean="0">
+                <a:solidFill>
+                  <a:schemeClr val="tx1"/>
+                </a:solidFill>
+              </a:rPr>
+              <a:t>Requirement</a:t>
+            </a:r>
+          </a:p>
+        </p:txBody>
+      </p:sp>
+      <p:cxnSp>
+        <p:nvCxnSpPr>
+          <p:cNvPr id="70" name="Elbow Connector 69"/>
+          <p:cNvCxnSpPr>
+            <a:stCxn id="4" idx="2"/>
+            <a:endCxn id="74" idx="0"/>
+          </p:cNvCxnSpPr>
+          <p:nvPr/>
+        </p:nvCxnSpPr>
+        <p:spPr>
+          <a:xfrm rot="16200000" flipH="1">
+            <a:off x="1549370" y="287301"/>
+            <a:ext cx="397707" cy="1212071"/>
+          </a:xfrm>
+          <a:prstGeom prst="bentConnector3">
+            <a:avLst>
+              <a:gd name="adj1" fmla="val 50000"/>
+            </a:avLst>
+          </a:prstGeom>
+          <a:ln w="12700" cmpd="sng">
+            <a:solidFill>
+              <a:schemeClr val="tx1"/>
+            </a:solidFill>
+            <a:headEnd type="none"/>
+            <a:tailEnd type="triangle"/>
+          </a:ln>
+          <a:effectLst/>
+        </p:spPr>
+        <p:style>
+          <a:lnRef idx="2">
+            <a:schemeClr val="accent1"/>
+          </a:lnRef>
+          <a:fillRef idx="0">
+            <a:schemeClr val="accent1"/>
+          </a:fillRef>
+          <a:effectRef idx="1">
+            <a:schemeClr val="accent1"/>
+          </a:effectRef>
+          <a:fontRef idx="minor">
+            <a:schemeClr val="tx1"/>
+          </a:fontRef>
+        </p:style>
+      </p:cxnSp>
+      <p:sp>
+        <p:nvSpPr>
+          <p:cNvPr id="71" name="CuadroTexto 14"/>
+          <p:cNvSpPr txBox="1"/>
+          <p:nvPr/>
+        </p:nvSpPr>
+        <p:spPr>
+          <a:xfrm>
+            <a:off x="1553834" y="1129000"/>
+            <a:ext cx="365908" cy="246221"/>
+          </a:xfrm>
+          <a:prstGeom prst="rect">
+            <a:avLst/>
+          </a:prstGeom>
+          <a:noFill/>
+        </p:spPr>
+        <p:txBody>
+          <a:bodyPr wrap="square" rtlCol="0">
+            <a:spAutoFit/>
+          </a:bodyPr>
+          <a:lstStyle/>
+          <a:p>
+            <a:pPr algn="ctr"/>
+            <a:r>
+              <a:rPr lang="en-GB" sz="1000" dirty="0" smtClean="0"/>
+              <a:t>…</a:t>
+            </a:r>
+            <a:endParaRPr lang="en-GB" sz="1000" dirty="0"/>
+          </a:p>
+        </p:txBody>
+      </p:sp>
+      <p:sp>
+        <p:nvSpPr>
+          <p:cNvPr id="74" name="Rectángulo 5"/>
+          <p:cNvSpPr/>
+          <p:nvPr/>
+        </p:nvSpPr>
+        <p:spPr>
+          <a:xfrm>
+            <a:off x="1942612" y="1092191"/>
+            <a:ext cx="823294" cy="308735"/>
+          </a:xfrm>
+          <a:prstGeom prst="rect">
+            <a:avLst/>
+          </a:prstGeom>
+          <a:noFill/>
+          <a:ln>
+            <a:solidFill>
+              <a:schemeClr val="tx1"/>
+            </a:solidFill>
+          </a:ln>
+          <a:effectLst/>
+        </p:spPr>
+        <p:style>
+          <a:lnRef idx="1">
+            <a:schemeClr val="accent1"/>
+          </a:lnRef>
+          <a:fillRef idx="3">
+            <a:schemeClr val="accent1"/>
+          </a:fillRef>
+          <a:effectRef idx="2">
+            <a:schemeClr val="accent1"/>
+          </a:effectRef>
+          <a:fontRef idx="minor">
+            <a:schemeClr val="lt1"/>
+          </a:fontRef>
+        </p:style>
+        <p:txBody>
+          <a:bodyPr rtlCol="0" anchor="ctr"/>
+          <a:lstStyle/>
+          <a:p>
+            <a:pPr algn="ctr"/>
+            <a:r>
+              <a:rPr lang="en-GB" sz="1000" dirty="0" err="1" smtClean="0">
+                <a:solidFill>
+                  <a:schemeClr val="tx1"/>
+                </a:solidFill>
+              </a:rPr>
+              <a:t>mDiff</a:t>
+            </a:r>
+            <a:r>
+              <a:rPr lang="en-GB" sz="1000" dirty="0" smtClean="0">
+                <a:solidFill>
+                  <a:schemeClr val="tx1"/>
+                </a:solidFill>
+              </a:rPr>
+              <a:t> WF</a:t>
+            </a:r>
+            <a:endParaRPr lang="en-GB" sz="1000" dirty="0">
+              <a:solidFill>
+                <a:schemeClr val="tx1"/>
+              </a:solidFill>
+            </a:endParaRPr>
+          </a:p>
+        </p:txBody>
+      </p:sp>
+      <p:sp>
+        <p:nvSpPr>
+          <p:cNvPr id="76" name="Rectángulo 96"/>
+          <p:cNvSpPr/>
+          <p:nvPr/>
+        </p:nvSpPr>
+        <p:spPr>
+          <a:xfrm>
+            <a:off x="1942612" y="1535100"/>
+            <a:ext cx="823294" cy="142763"/>
+          </a:xfrm>
+          <a:prstGeom prst="rect">
+            <a:avLst/>
+          </a:prstGeom>
+          <a:solidFill>
+            <a:schemeClr val="bg1">
+              <a:lumMod val="95000"/>
+            </a:schemeClr>
+          </a:solidFill>
+          <a:ln>
+            <a:solidFill>
+              <a:schemeClr val="tx1"/>
+            </a:solidFill>
+          </a:ln>
+          <a:effectLst/>
+        </p:spPr>
+        <p:style>
+          <a:lnRef idx="1">
+            <a:schemeClr val="accent1"/>
+          </a:lnRef>
+          <a:fillRef idx="3">
+            <a:schemeClr val="accent1"/>
+          </a:fillRef>
+          <a:effectRef idx="2">
+            <a:schemeClr val="accent1"/>
+          </a:effectRef>
+          <a:fontRef idx="minor">
+            <a:schemeClr val="lt1"/>
+          </a:fontRef>
+        </p:style>
+        <p:txBody>
+          <a:bodyPr rtlCol="0" anchor="ctr"/>
+          <a:lstStyle/>
+          <a:p>
+            <a:pPr algn="ctr"/>
+            <a:r>
+              <a:rPr lang="en-GB" sz="900" dirty="0" smtClean="0">
+                <a:solidFill>
+                  <a:schemeClr val="tx1"/>
+                </a:solidFill>
+              </a:rPr>
+              <a:t>Requirement</a:t>
+            </a:r>
+          </a:p>
+        </p:txBody>
+      </p:sp>
+      <p:cxnSp>
+        <p:nvCxnSpPr>
+          <p:cNvPr id="77" name="Conector recto 115"/>
+          <p:cNvCxnSpPr>
+            <a:stCxn id="6" idx="2"/>
+            <a:endCxn id="62" idx="0"/>
+          </p:cNvCxnSpPr>
+          <p:nvPr/>
+        </p:nvCxnSpPr>
+        <p:spPr>
+          <a:xfrm>
+            <a:off x="1142188" y="1400925"/>
+            <a:ext cx="0" cy="134175"/>
+          </a:xfrm>
+          <a:prstGeom prst="line">
+            <a:avLst/>
+          </a:prstGeom>
+          <a:ln w="12700" cmpd="sng">
+            <a:solidFill>
+              <a:srgbClr val="000000"/>
+            </a:solidFill>
+            <a:headEnd type="none"/>
+            <a:tailEnd type="triangle"/>
+          </a:ln>
+          <a:effectLst/>
+        </p:spPr>
+        <p:style>
+          <a:lnRef idx="2">
+            <a:schemeClr val="accent1"/>
+          </a:lnRef>
+          <a:fillRef idx="0">
+            <a:schemeClr val="accent1"/>
+          </a:fillRef>
+          <a:effectRef idx="1">
+            <a:schemeClr val="accent1"/>
+          </a:effectRef>
+          <a:fontRef idx="minor">
+            <a:schemeClr val="tx1"/>
+          </a:fontRef>
+        </p:style>
+      </p:cxnSp>
+      <p:cxnSp>
+        <p:nvCxnSpPr>
+          <p:cNvPr id="78" name="Conector recto 115"/>
+          <p:cNvCxnSpPr>
+            <a:stCxn id="74" idx="2"/>
+            <a:endCxn id="76" idx="0"/>
+          </p:cNvCxnSpPr>
+          <p:nvPr/>
+        </p:nvCxnSpPr>
+        <p:spPr>
+          <a:xfrm>
+            <a:off x="2354259" y="1400926"/>
+            <a:ext cx="0" cy="134175"/>
+          </a:xfrm>
+          <a:prstGeom prst="line">
+            <a:avLst/>
+          </a:prstGeom>
+          <a:ln w="12700" cmpd="sng">
+            <a:solidFill>
+              <a:srgbClr val="000000"/>
+            </a:solidFill>
+            <a:headEnd type="none"/>
+            <a:tailEnd type="triangle"/>
+          </a:ln>
+          <a:effectLst/>
+        </p:spPr>
+        <p:style>
+          <a:lnRef idx="2">
+            <a:schemeClr val="accent1"/>
+          </a:lnRef>
+          <a:fillRef idx="0">
+            <a:schemeClr val="accent1"/>
+          </a:fillRef>
+          <a:effectRef idx="1">
+            <a:schemeClr val="accent1"/>
+          </a:effectRef>
+          <a:fontRef idx="minor">
+            <a:schemeClr val="tx1"/>
+          </a:fontRef>
+        </p:style>
+      </p:cxnSp>
+      <p:cxnSp>
+        <p:nvCxnSpPr>
+          <p:cNvPr id="80" name="Elbow Connector 79"/>
+          <p:cNvCxnSpPr>
+            <a:stCxn id="18" idx="2"/>
+            <a:endCxn id="19" idx="0"/>
+          </p:cNvCxnSpPr>
+          <p:nvPr/>
+        </p:nvCxnSpPr>
+        <p:spPr>
+          <a:xfrm rot="16200000" flipH="1">
+            <a:off x="5714699" y="424644"/>
+            <a:ext cx="302486" cy="980877"/>
+          </a:xfrm>
+          <a:prstGeom prst="bentConnector3">
+            <a:avLst>
+              <a:gd name="adj1" fmla="val 50000"/>
+            </a:avLst>
+          </a:prstGeom>
+          <a:ln w="12700" cmpd="sng">
+            <a:solidFill>
+              <a:schemeClr val="tx1"/>
+            </a:solidFill>
+            <a:headEnd type="none"/>
+            <a:tailEnd type="triangle"/>
+          </a:ln>
+          <a:effectLst/>
+        </p:spPr>
+        <p:style>
+          <a:lnRef idx="2">
+            <a:schemeClr val="accent1"/>
+          </a:lnRef>
+          <a:fillRef idx="0">
+            <a:schemeClr val="accent1"/>
+          </a:fillRef>
+          <a:effectRef idx="1">
+            <a:schemeClr val="accent1"/>
+          </a:effectRef>
+          <a:fontRef idx="minor">
+            <a:schemeClr val="tx1"/>
+          </a:fontRef>
+        </p:style>
+      </p:cxnSp>
+      <p:cxnSp>
+        <p:nvCxnSpPr>
+          <p:cNvPr id="84" name="Elbow Connector 83"/>
+          <p:cNvCxnSpPr>
+            <a:stCxn id="18" idx="2"/>
+            <a:endCxn id="20" idx="0"/>
+          </p:cNvCxnSpPr>
+          <p:nvPr/>
+        </p:nvCxnSpPr>
+        <p:spPr>
+          <a:xfrm rot="5400000">
+            <a:off x="4742756" y="433578"/>
+            <a:ext cx="302486" cy="963011"/>
+          </a:xfrm>
+          <a:prstGeom prst="bentConnector3">
+            <a:avLst>
+              <a:gd name="adj1" fmla="val 50000"/>
+            </a:avLst>
+          </a:prstGeom>
+          <a:ln w="12700" cmpd="sng">
+            <a:solidFill>
+              <a:schemeClr val="tx1"/>
+            </a:solidFill>
+            <a:headEnd type="none"/>
+            <a:tailEnd type="triangle"/>
+          </a:ln>
+          <a:effectLst/>
+        </p:spPr>
+        <p:style>
+          <a:lnRef idx="2">
+            <a:schemeClr val="accent1"/>
+          </a:lnRef>
+          <a:fillRef idx="0">
+            <a:schemeClr val="accent1"/>
+          </a:fillRef>
+          <a:effectRef idx="1">
+            <a:schemeClr val="accent1"/>
+          </a:effectRef>
+          <a:fontRef idx="minor">
+            <a:schemeClr val="tx1"/>
+          </a:fontRef>
+        </p:style>
+      </p:cxnSp>
+      <p:cxnSp>
+        <p:nvCxnSpPr>
+          <p:cNvPr id="87" name="Conector recto 45"/>
+          <p:cNvCxnSpPr>
+            <a:stCxn id="21" idx="0"/>
+            <a:endCxn id="18" idx="2"/>
+          </p:cNvCxnSpPr>
+          <p:nvPr/>
+        </p:nvCxnSpPr>
+        <p:spPr>
+          <a:xfrm flipV="1">
+            <a:off x="5375504" y="763841"/>
+            <a:ext cx="0" cy="302486"/>
+          </a:xfrm>
+          <a:prstGeom prst="line">
+            <a:avLst/>
+          </a:prstGeom>
+          <a:ln w="12700" cmpd="sng">
+            <a:solidFill>
+              <a:srgbClr val="000000"/>
+            </a:solidFill>
+            <a:headEnd type="triangle"/>
+          </a:ln>
+          <a:effectLst/>
+        </p:spPr>
+        <p:style>
+          <a:lnRef idx="2">
+            <a:schemeClr val="accent1"/>
+          </a:lnRef>
+          <a:fillRef idx="0">
+            <a:schemeClr val="accent1"/>
+          </a:fillRef>
+          <a:effectRef idx="1">
+            <a:schemeClr val="accent1"/>
+          </a:effectRef>
+          <a:fontRef idx="minor">
+            <a:schemeClr val="tx1"/>
+          </a:fontRef>
+        </p:style>
+      </p:cxnSp>
+      <p:cxnSp>
+        <p:nvCxnSpPr>
+          <p:cNvPr id="89" name="Elbow Connector 88"/>
+          <p:cNvCxnSpPr>
+            <a:stCxn id="60" idx="3"/>
+            <a:endCxn id="64" idx="1"/>
+          </p:cNvCxnSpPr>
+          <p:nvPr/>
+        </p:nvCxnSpPr>
+        <p:spPr>
+          <a:xfrm>
+            <a:off x="5832889" y="2515298"/>
+            <a:ext cx="351972" cy="403223"/>
+          </a:xfrm>
+          <a:prstGeom prst="bentConnector3">
+            <a:avLst>
+              <a:gd name="adj1" fmla="val 50000"/>
+            </a:avLst>
+          </a:prstGeom>
+          <a:ln w="12700" cmpd="sng">
+            <a:solidFill>
+              <a:schemeClr val="tx1"/>
+            </a:solidFill>
+            <a:headEnd type="none"/>
+            <a:tailEnd type="triangle"/>
+          </a:ln>
+          <a:effectLst/>
+        </p:spPr>
+        <p:style>
+          <a:lnRef idx="2">
+            <a:schemeClr val="accent1"/>
+          </a:lnRef>
+          <a:fillRef idx="0">
+            <a:schemeClr val="accent1"/>
+          </a:fillRef>
+          <a:effectRef idx="1">
+            <a:schemeClr val="accent1"/>
+          </a:effectRef>
+          <a:fontRef idx="minor">
+            <a:schemeClr val="tx1"/>
+          </a:fontRef>
+        </p:style>
+      </p:cxnSp>
+      <p:cxnSp>
+        <p:nvCxnSpPr>
+          <p:cNvPr id="104" name="Conector recto 45"/>
+          <p:cNvCxnSpPr>
+            <a:stCxn id="63" idx="1"/>
+            <a:endCxn id="60" idx="3"/>
+          </p:cNvCxnSpPr>
+          <p:nvPr/>
+        </p:nvCxnSpPr>
+        <p:spPr>
+          <a:xfrm flipH="1">
+            <a:off x="5832889" y="2512591"/>
+            <a:ext cx="351972" cy="2707"/>
+          </a:xfrm>
+          <a:prstGeom prst="line">
+            <a:avLst/>
+          </a:prstGeom>
+          <a:ln w="12700" cmpd="sng">
+            <a:solidFill>
+              <a:srgbClr val="000000"/>
+            </a:solidFill>
+            <a:headEnd type="triangle"/>
+          </a:ln>
+          <a:effectLst/>
+        </p:spPr>
+        <p:style>
+          <a:lnRef idx="2">
+            <a:schemeClr val="accent1"/>
+          </a:lnRef>
+          <a:fillRef idx="0">
+            <a:schemeClr val="accent1"/>
+          </a:fillRef>
+          <a:effectRef idx="1">
+            <a:schemeClr val="accent1"/>
+          </a:effectRef>
+          <a:fontRef idx="minor">
+            <a:schemeClr val="tx1"/>
+          </a:fontRef>
+        </p:style>
+      </p:cxnSp>
+      <p:cxnSp>
+        <p:nvCxnSpPr>
+          <p:cNvPr id="66" name="Conector recto 115"/>
+          <p:cNvCxnSpPr>
+            <a:stCxn id="4" idx="3"/>
+            <a:endCxn id="72" idx="1"/>
+          </p:cNvCxnSpPr>
+          <p:nvPr/>
+        </p:nvCxnSpPr>
+        <p:spPr>
+          <a:xfrm flipV="1">
+            <a:off x="1553835" y="540116"/>
+            <a:ext cx="388777" cy="1"/>
+          </a:xfrm>
+          <a:prstGeom prst="line">
+            <a:avLst/>
+          </a:prstGeom>
+          <a:ln w="12700" cmpd="sng">
+            <a:solidFill>
+              <a:srgbClr val="000000"/>
+            </a:solidFill>
+            <a:headEnd type="none"/>
+            <a:tailEnd type="triangle"/>
+          </a:ln>
+          <a:effectLst/>
+        </p:spPr>
+        <p:style>
+          <a:lnRef idx="2">
+            <a:schemeClr val="accent1"/>
+          </a:lnRef>
+          <a:fillRef idx="0">
+            <a:schemeClr val="accent1"/>
+          </a:fillRef>
+          <a:effectRef idx="1">
+            <a:schemeClr val="accent1"/>
+          </a:effectRef>
+          <a:fontRef idx="minor">
+            <a:schemeClr val="tx1"/>
+          </a:fontRef>
+        </p:style>
+      </p:cxnSp>
+      <p:sp>
+        <p:nvSpPr>
+          <p:cNvPr id="72" name="Rectángulo 96"/>
+          <p:cNvSpPr/>
+          <p:nvPr/>
+        </p:nvSpPr>
+        <p:spPr>
+          <a:xfrm>
+            <a:off x="1942612" y="385749"/>
+            <a:ext cx="973204" cy="308733"/>
+          </a:xfrm>
+          <a:prstGeom prst="rect">
+            <a:avLst/>
+          </a:prstGeom>
+          <a:noFill/>
+          <a:ln>
+            <a:solidFill>
+              <a:schemeClr val="tx1"/>
+            </a:solidFill>
+          </a:ln>
+          <a:effectLst/>
+        </p:spPr>
+        <p:style>
+          <a:lnRef idx="1">
+            <a:schemeClr val="accent1"/>
+          </a:lnRef>
+          <a:fillRef idx="3">
+            <a:schemeClr val="accent1"/>
+          </a:fillRef>
+          <a:effectRef idx="2">
+            <a:schemeClr val="accent1"/>
+          </a:effectRef>
+          <a:fontRef idx="minor">
+            <a:schemeClr val="lt1"/>
+          </a:fontRef>
+        </p:style>
+        <p:txBody>
+          <a:bodyPr rtlCol="0" anchor="ctr"/>
+          <a:lstStyle/>
+          <a:p>
+            <a:pPr algn="ctr"/>
+            <a:r>
+              <a:rPr lang="en-GB" sz="1000" dirty="0" smtClean="0">
+                <a:solidFill>
+                  <a:schemeClr val="tx1"/>
+                </a:solidFill>
+              </a:rPr>
+              <a:t>WMS</a:t>
+            </a:r>
+          </a:p>
+          <a:p>
+            <a:pPr algn="ctr"/>
+            <a:r>
+              <a:rPr lang="en-GB" sz="1000" dirty="0" smtClean="0">
+                <a:solidFill>
+                  <a:schemeClr val="tx1"/>
+                </a:solidFill>
+              </a:rPr>
+              <a:t>requirements</a:t>
+            </a:r>
+          </a:p>
+        </p:txBody>
+      </p:sp>
+      <p:cxnSp>
+        <p:nvCxnSpPr>
+          <p:cNvPr id="88" name="Conector recto 115"/>
+          <p:cNvCxnSpPr>
+            <a:stCxn id="4" idx="2"/>
+            <a:endCxn id="6" idx="0"/>
+          </p:cNvCxnSpPr>
+          <p:nvPr/>
+        </p:nvCxnSpPr>
+        <p:spPr>
+          <a:xfrm>
+            <a:off x="1142188" y="694484"/>
+            <a:ext cx="0" cy="397706"/>
+          </a:xfrm>
+          <a:prstGeom prst="line">
+            <a:avLst/>
+          </a:prstGeom>
+          <a:ln w="12700" cmpd="sng">
+            <a:solidFill>
+              <a:srgbClr val="000000"/>
+            </a:solidFill>
+            <a:headEnd type="none"/>
+            <a:tailEnd type="triangle"/>
+          </a:ln>
+          <a:effectLst/>
+        </p:spPr>
+        <p:style>
+          <a:lnRef idx="2">
+            <a:schemeClr val="accent1"/>
+          </a:lnRef>
+          <a:fillRef idx="0">
+            <a:schemeClr val="accent1"/>
+          </a:fillRef>
+          <a:effectRef idx="1">
+            <a:schemeClr val="accent1"/>
+          </a:effectRef>
+          <a:fontRef idx="minor">
+            <a:schemeClr val="tx1"/>
+          </a:fontRef>
+        </p:style>
+      </p:cxnSp>
+      <p:sp>
+        <p:nvSpPr>
+          <p:cNvPr id="69" name="Rectángulo 68"/>
+          <p:cNvSpPr/>
+          <p:nvPr/>
+        </p:nvSpPr>
+        <p:spPr>
+          <a:xfrm>
+            <a:off x="1382314" y="5076187"/>
+            <a:ext cx="914771" cy="463103"/>
+          </a:xfrm>
+          <a:prstGeom prst="rect">
+            <a:avLst/>
+          </a:prstGeom>
+          <a:noFill/>
+          <a:ln>
+            <a:solidFill>
+              <a:schemeClr val="tx1"/>
+            </a:solidFill>
+          </a:ln>
+          <a:effectLst/>
+        </p:spPr>
+        <p:style>
+          <a:lnRef idx="1">
+            <a:schemeClr val="accent1"/>
+          </a:lnRef>
+          <a:fillRef idx="3">
+            <a:schemeClr val="accent1"/>
+          </a:fillRef>
+          <a:effectRef idx="2">
+            <a:schemeClr val="accent1"/>
+          </a:effectRef>
+          <a:fontRef idx="minor">
+            <a:schemeClr val="lt1"/>
+          </a:fontRef>
+        </p:style>
+        <p:txBody>
+          <a:bodyPr rtlCol="0" anchor="ctr"/>
+          <a:lstStyle/>
+          <a:p>
+            <a:pPr algn="ctr"/>
+            <a:r>
+              <a:rPr lang="en-GB" sz="1000" dirty="0" smtClean="0">
+                <a:solidFill>
+                  <a:schemeClr val="tx1"/>
+                </a:solidFill>
+              </a:rPr>
+              <a:t>AWS CentOS6</a:t>
+            </a:r>
+          </a:p>
+          <a:p>
+            <a:pPr algn="ctr"/>
+            <a:r>
+              <a:rPr lang="en-GB" sz="1000" dirty="0" smtClean="0">
+                <a:solidFill>
+                  <a:schemeClr val="tx1"/>
+                </a:solidFill>
+              </a:rPr>
+              <a:t>40GBDisk HW</a:t>
+            </a:r>
+          </a:p>
+        </p:txBody>
+      </p:sp>
+      <p:sp>
+        <p:nvSpPr>
+          <p:cNvPr id="73" name="Rectángulo 72"/>
+          <p:cNvSpPr/>
+          <p:nvPr/>
+        </p:nvSpPr>
+        <p:spPr>
+          <a:xfrm>
+            <a:off x="1382314" y="5933785"/>
+            <a:ext cx="914771" cy="463103"/>
+          </a:xfrm>
+          <a:prstGeom prst="rect">
+            <a:avLst/>
+          </a:prstGeom>
+          <a:noFill/>
+          <a:ln>
+            <a:solidFill>
+              <a:schemeClr val="tx1"/>
+            </a:solidFill>
+          </a:ln>
+          <a:effectLst/>
+        </p:spPr>
+        <p:style>
+          <a:lnRef idx="1">
+            <a:schemeClr val="accent1"/>
+          </a:lnRef>
+          <a:fillRef idx="3">
+            <a:schemeClr val="accent1"/>
+          </a:fillRef>
+          <a:effectRef idx="2">
+            <a:schemeClr val="accent1"/>
+          </a:effectRef>
+          <a:fontRef idx="minor">
+            <a:schemeClr val="lt1"/>
+          </a:fontRef>
+        </p:style>
+        <p:txBody>
+          <a:bodyPr rtlCol="0" anchor="ctr"/>
+          <a:lstStyle/>
+          <a:p>
+            <a:pPr algn="ctr"/>
+            <a:r>
+              <a:rPr lang="en-GB" sz="1000" dirty="0" smtClean="0">
+                <a:solidFill>
+                  <a:schemeClr val="tx1"/>
+                </a:solidFill>
+              </a:rPr>
+              <a:t>FG CentOS6</a:t>
+            </a:r>
+          </a:p>
+          <a:p>
+            <a:pPr algn="ctr"/>
+            <a:r>
+              <a:rPr lang="en-GB" sz="1000" dirty="0" smtClean="0">
+                <a:solidFill>
+                  <a:schemeClr val="tx1"/>
+                </a:solidFill>
+              </a:rPr>
+              <a:t>40GBDisk HW</a:t>
+            </a:r>
+          </a:p>
+        </p:txBody>
+      </p:sp>
+      <p:sp>
+        <p:nvSpPr>
+          <p:cNvPr id="107" name="Rectángulo 106"/>
+          <p:cNvSpPr/>
+          <p:nvPr/>
+        </p:nvSpPr>
+        <p:spPr>
+          <a:xfrm>
+            <a:off x="647955" y="4999203"/>
+            <a:ext cx="457385" cy="154368"/>
+          </a:xfrm>
+          <a:prstGeom prst="rect">
+            <a:avLst/>
+          </a:prstGeom>
+          <a:noFill/>
+          <a:ln>
+            <a:solidFill>
+              <a:schemeClr val="tx1"/>
+            </a:solidFill>
+          </a:ln>
+          <a:effectLst/>
+        </p:spPr>
+        <p:style>
+          <a:lnRef idx="1">
+            <a:schemeClr val="accent1"/>
+          </a:lnRef>
+          <a:fillRef idx="3">
+            <a:schemeClr val="accent1"/>
+          </a:fillRef>
+          <a:effectRef idx="2">
+            <a:schemeClr val="accent1"/>
+          </a:effectRef>
+          <a:fontRef idx="minor">
+            <a:schemeClr val="lt1"/>
+          </a:fontRef>
+        </p:style>
+        <p:txBody>
+          <a:bodyPr rtlCol="0" anchor="ctr"/>
+          <a:lstStyle/>
+          <a:p>
+            <a:pPr algn="ctr"/>
+            <a:r>
+              <a:rPr lang="en-GB" sz="1000" dirty="0" smtClean="0">
+                <a:solidFill>
+                  <a:schemeClr val="tx1"/>
+                </a:solidFill>
+              </a:rPr>
+              <a:t>CPU</a:t>
+            </a:r>
+          </a:p>
+        </p:txBody>
+      </p:sp>
+      <p:sp>
+        <p:nvSpPr>
+          <p:cNvPr id="110" name="Rectángulo 109"/>
+          <p:cNvSpPr/>
+          <p:nvPr/>
+        </p:nvSpPr>
+        <p:spPr>
+          <a:xfrm>
+            <a:off x="647955" y="5230753"/>
+            <a:ext cx="457385" cy="154368"/>
+          </a:xfrm>
+          <a:prstGeom prst="rect">
+            <a:avLst/>
+          </a:prstGeom>
+          <a:noFill/>
+          <a:ln>
+            <a:solidFill>
+              <a:schemeClr val="tx1"/>
+            </a:solidFill>
+          </a:ln>
+          <a:effectLst/>
+        </p:spPr>
+        <p:style>
+          <a:lnRef idx="1">
+            <a:schemeClr val="accent1"/>
+          </a:lnRef>
+          <a:fillRef idx="3">
+            <a:schemeClr val="accent1"/>
+          </a:fillRef>
+          <a:effectRef idx="2">
+            <a:schemeClr val="accent1"/>
+          </a:effectRef>
+          <a:fontRef idx="minor">
+            <a:schemeClr val="lt1"/>
+          </a:fontRef>
+        </p:style>
+        <p:txBody>
+          <a:bodyPr rtlCol="0" anchor="ctr"/>
+          <a:lstStyle/>
+          <a:p>
+            <a:pPr algn="ctr"/>
+            <a:r>
+              <a:rPr lang="en-GB" sz="1000" dirty="0" smtClean="0">
+                <a:solidFill>
+                  <a:schemeClr val="tx1"/>
+                </a:solidFill>
+              </a:rPr>
+              <a:t>RAM</a:t>
+            </a:r>
+          </a:p>
+        </p:txBody>
+      </p:sp>
+      <p:sp>
+        <p:nvSpPr>
+          <p:cNvPr id="113" name="Rectángulo 112"/>
+          <p:cNvSpPr/>
+          <p:nvPr/>
+        </p:nvSpPr>
+        <p:spPr>
+          <a:xfrm>
+            <a:off x="647955" y="5464964"/>
+            <a:ext cx="457385" cy="154368"/>
+          </a:xfrm>
+          <a:prstGeom prst="rect">
+            <a:avLst/>
+          </a:prstGeom>
+          <a:noFill/>
+          <a:ln>
+            <a:solidFill>
+              <a:schemeClr val="tx1"/>
+            </a:solidFill>
+          </a:ln>
+          <a:effectLst/>
+        </p:spPr>
+        <p:style>
+          <a:lnRef idx="1">
+            <a:schemeClr val="accent1"/>
+          </a:lnRef>
+          <a:fillRef idx="3">
+            <a:schemeClr val="accent1"/>
+          </a:fillRef>
+          <a:effectRef idx="2">
+            <a:schemeClr val="accent1"/>
+          </a:effectRef>
+          <a:fontRef idx="minor">
+            <a:schemeClr val="lt1"/>
+          </a:fontRef>
+        </p:style>
+        <p:txBody>
+          <a:bodyPr rtlCol="0" anchor="ctr"/>
+          <a:lstStyle/>
+          <a:p>
+            <a:pPr algn="ctr"/>
+            <a:r>
+              <a:rPr lang="en-GB" sz="1000" dirty="0" smtClean="0">
+                <a:solidFill>
+                  <a:schemeClr val="tx1"/>
+                </a:solidFill>
+              </a:rPr>
+              <a:t>DISK</a:t>
+            </a:r>
+          </a:p>
+        </p:txBody>
+      </p:sp>
+      <p:sp>
+        <p:nvSpPr>
+          <p:cNvPr id="114" name="Rectángulo 113"/>
+          <p:cNvSpPr/>
+          <p:nvPr/>
+        </p:nvSpPr>
+        <p:spPr>
+          <a:xfrm>
+            <a:off x="639063" y="5853942"/>
+            <a:ext cx="457385" cy="154368"/>
+          </a:xfrm>
+          <a:prstGeom prst="rect">
+            <a:avLst/>
+          </a:prstGeom>
+          <a:noFill/>
+          <a:ln>
+            <a:solidFill>
+              <a:schemeClr val="tx1"/>
+            </a:solidFill>
+          </a:ln>
+          <a:effectLst/>
+        </p:spPr>
+        <p:style>
+          <a:lnRef idx="1">
+            <a:schemeClr val="accent1"/>
+          </a:lnRef>
+          <a:fillRef idx="3">
+            <a:schemeClr val="accent1"/>
+          </a:fillRef>
+          <a:effectRef idx="2">
+            <a:schemeClr val="accent1"/>
+          </a:effectRef>
+          <a:fontRef idx="minor">
+            <a:schemeClr val="lt1"/>
+          </a:fontRef>
+        </p:style>
+        <p:txBody>
+          <a:bodyPr rtlCol="0" anchor="ctr"/>
+          <a:lstStyle/>
+          <a:p>
+            <a:pPr algn="ctr"/>
+            <a:r>
+              <a:rPr lang="en-GB" sz="1000" dirty="0" smtClean="0">
+                <a:solidFill>
+                  <a:schemeClr val="tx1"/>
+                </a:solidFill>
+              </a:rPr>
+              <a:t>CPU</a:t>
+            </a:r>
+          </a:p>
+        </p:txBody>
+      </p:sp>
+      <p:sp>
+        <p:nvSpPr>
+          <p:cNvPr id="115" name="Rectángulo 114"/>
+          <p:cNvSpPr/>
+          <p:nvPr/>
+        </p:nvSpPr>
+        <p:spPr>
+          <a:xfrm>
+            <a:off x="639063" y="6085493"/>
+            <a:ext cx="457385" cy="154368"/>
+          </a:xfrm>
+          <a:prstGeom prst="rect">
+            <a:avLst/>
+          </a:prstGeom>
+          <a:noFill/>
+          <a:ln>
+            <a:solidFill>
+              <a:schemeClr val="tx1"/>
+            </a:solidFill>
+          </a:ln>
+          <a:effectLst/>
+        </p:spPr>
+        <p:style>
+          <a:lnRef idx="1">
+            <a:schemeClr val="accent1"/>
+          </a:lnRef>
+          <a:fillRef idx="3">
+            <a:schemeClr val="accent1"/>
+          </a:fillRef>
+          <a:effectRef idx="2">
+            <a:schemeClr val="accent1"/>
+          </a:effectRef>
+          <a:fontRef idx="minor">
+            <a:schemeClr val="lt1"/>
+          </a:fontRef>
+        </p:style>
+        <p:txBody>
+          <a:bodyPr rtlCol="0" anchor="ctr"/>
+          <a:lstStyle/>
+          <a:p>
+            <a:pPr algn="ctr"/>
+            <a:r>
+              <a:rPr lang="en-GB" sz="1000" dirty="0" smtClean="0">
+                <a:solidFill>
+                  <a:schemeClr val="tx1"/>
+                </a:solidFill>
+              </a:rPr>
+              <a:t>RAM</a:t>
+            </a:r>
+          </a:p>
+        </p:txBody>
+      </p:sp>
+      <p:sp>
+        <p:nvSpPr>
+          <p:cNvPr id="117" name="Rectángulo 116"/>
+          <p:cNvSpPr/>
+          <p:nvPr/>
+        </p:nvSpPr>
+        <p:spPr>
+          <a:xfrm>
+            <a:off x="639063" y="6319704"/>
+            <a:ext cx="457385" cy="154368"/>
+          </a:xfrm>
+          <a:prstGeom prst="rect">
+            <a:avLst/>
+          </a:prstGeom>
+          <a:noFill/>
+          <a:ln>
+            <a:solidFill>
+              <a:schemeClr val="tx1"/>
+            </a:solidFill>
+          </a:ln>
+          <a:effectLst/>
+        </p:spPr>
+        <p:style>
+          <a:lnRef idx="1">
+            <a:schemeClr val="accent1"/>
+          </a:lnRef>
+          <a:fillRef idx="3">
+            <a:schemeClr val="accent1"/>
+          </a:fillRef>
+          <a:effectRef idx="2">
+            <a:schemeClr val="accent1"/>
+          </a:effectRef>
+          <a:fontRef idx="minor">
+            <a:schemeClr val="lt1"/>
+          </a:fontRef>
+        </p:style>
+        <p:txBody>
+          <a:bodyPr rtlCol="0" anchor="ctr"/>
+          <a:lstStyle/>
+          <a:p>
+            <a:pPr algn="ctr"/>
+            <a:r>
+              <a:rPr lang="en-GB" sz="1000" dirty="0" smtClean="0">
+                <a:solidFill>
+                  <a:schemeClr val="tx1"/>
+                </a:solidFill>
+              </a:rPr>
+              <a:t>DISK</a:t>
+            </a:r>
+          </a:p>
+        </p:txBody>
+      </p:sp>
+      <p:cxnSp>
+        <p:nvCxnSpPr>
+          <p:cNvPr id="118" name="Conector recto 117"/>
+          <p:cNvCxnSpPr>
+            <a:stCxn id="115" idx="3"/>
+            <a:endCxn id="73" idx="1"/>
+          </p:cNvCxnSpPr>
+          <p:nvPr/>
+        </p:nvCxnSpPr>
+        <p:spPr>
+          <a:xfrm>
+            <a:off x="1096448" y="6162677"/>
+            <a:ext cx="285866" cy="2660"/>
+          </a:xfrm>
+          <a:prstGeom prst="line">
+            <a:avLst/>
+          </a:prstGeom>
+          <a:ln w="12700" cmpd="sng">
+            <a:solidFill>
+              <a:srgbClr val="000000"/>
+            </a:solidFill>
+            <a:headEnd type="none"/>
+            <a:tailEnd type="triangle"/>
+          </a:ln>
+          <a:effectLst/>
+        </p:spPr>
+        <p:style>
+          <a:lnRef idx="2">
+            <a:schemeClr val="accent1"/>
+          </a:lnRef>
+          <a:fillRef idx="0">
+            <a:schemeClr val="accent1"/>
+          </a:fillRef>
+          <a:effectRef idx="1">
+            <a:schemeClr val="accent1"/>
+          </a:effectRef>
+          <a:fontRef idx="minor">
+            <a:schemeClr val="tx1"/>
+          </a:fontRef>
+        </p:style>
+      </p:cxnSp>
+      <p:cxnSp>
+        <p:nvCxnSpPr>
+          <p:cNvPr id="119" name="Elbow Connector 105"/>
+          <p:cNvCxnSpPr>
+            <a:stCxn id="107" idx="3"/>
+            <a:endCxn id="69" idx="1"/>
+          </p:cNvCxnSpPr>
+          <p:nvPr/>
+        </p:nvCxnSpPr>
+        <p:spPr>
+          <a:xfrm>
+            <a:off x="1105341" y="5076387"/>
+            <a:ext cx="276973" cy="231352"/>
+          </a:xfrm>
+          <a:prstGeom prst="bentConnector3">
+            <a:avLst>
+              <a:gd name="adj1" fmla="val 50000"/>
+            </a:avLst>
+          </a:prstGeom>
+          <a:ln w="12700" cmpd="sng">
+            <a:solidFill>
+              <a:schemeClr val="tx1"/>
+            </a:solidFill>
+            <a:headEnd type="none"/>
+            <a:tailEnd type="triangle"/>
+          </a:ln>
+          <a:effectLst/>
+        </p:spPr>
+        <p:style>
+          <a:lnRef idx="2">
+            <a:schemeClr val="accent1"/>
+          </a:lnRef>
+          <a:fillRef idx="0">
+            <a:schemeClr val="accent1"/>
+          </a:fillRef>
+          <a:effectRef idx="1">
+            <a:schemeClr val="accent1"/>
+          </a:effectRef>
+          <a:fontRef idx="minor">
+            <a:schemeClr val="tx1"/>
+          </a:fontRef>
+        </p:style>
+      </p:cxnSp>
+      <p:cxnSp>
+        <p:nvCxnSpPr>
+          <p:cNvPr id="120" name="Elbow Connector 107"/>
+          <p:cNvCxnSpPr>
+            <a:stCxn id="113" idx="3"/>
+            <a:endCxn id="69" idx="1"/>
+          </p:cNvCxnSpPr>
+          <p:nvPr/>
+        </p:nvCxnSpPr>
+        <p:spPr>
+          <a:xfrm flipV="1">
+            <a:off x="1105341" y="5307739"/>
+            <a:ext cx="276973" cy="234409"/>
+          </a:xfrm>
+          <a:prstGeom prst="bentConnector3">
+            <a:avLst>
+              <a:gd name="adj1" fmla="val 50000"/>
+            </a:avLst>
+          </a:prstGeom>
+          <a:ln w="12700" cmpd="sng">
+            <a:solidFill>
+              <a:schemeClr val="tx1"/>
+            </a:solidFill>
+            <a:headEnd type="none"/>
+            <a:tailEnd type="triangle"/>
+          </a:ln>
+          <a:effectLst/>
+        </p:spPr>
+        <p:style>
+          <a:lnRef idx="2">
+            <a:schemeClr val="accent1"/>
+          </a:lnRef>
+          <a:fillRef idx="0">
+            <a:schemeClr val="accent1"/>
+          </a:fillRef>
+          <a:effectRef idx="1">
+            <a:schemeClr val="accent1"/>
+          </a:effectRef>
+          <a:fontRef idx="minor">
+            <a:schemeClr val="tx1"/>
+          </a:fontRef>
+        </p:style>
+      </p:cxnSp>
+      <p:cxnSp>
+        <p:nvCxnSpPr>
+          <p:cNvPr id="121" name="Conector recto 115"/>
+          <p:cNvCxnSpPr>
+            <a:stCxn id="110" idx="3"/>
+            <a:endCxn id="69" idx="1"/>
+          </p:cNvCxnSpPr>
+          <p:nvPr/>
+        </p:nvCxnSpPr>
+        <p:spPr>
+          <a:xfrm flipV="1">
+            <a:off x="1105341" y="5307739"/>
+            <a:ext cx="276973" cy="198"/>
+          </a:xfrm>
+          <a:prstGeom prst="line">
+            <a:avLst/>
+          </a:prstGeom>
+          <a:ln w="12700" cmpd="sng">
+            <a:solidFill>
+              <a:srgbClr val="000000"/>
+            </a:solidFill>
+            <a:headEnd type="none"/>
+            <a:tailEnd type="triangle"/>
+          </a:ln>
+          <a:effectLst/>
+        </p:spPr>
+        <p:style>
+          <a:lnRef idx="2">
+            <a:schemeClr val="accent1"/>
+          </a:lnRef>
+          <a:fillRef idx="0">
+            <a:schemeClr val="accent1"/>
+          </a:fillRef>
+          <a:effectRef idx="1">
+            <a:schemeClr val="accent1"/>
+          </a:effectRef>
+          <a:fontRef idx="minor">
+            <a:schemeClr val="tx1"/>
+          </a:fontRef>
+        </p:style>
+      </p:cxnSp>
+      <p:cxnSp>
+        <p:nvCxnSpPr>
+          <p:cNvPr id="123" name="Elbow Connector 110"/>
+          <p:cNvCxnSpPr>
+            <a:stCxn id="117" idx="3"/>
+            <a:endCxn id="73" idx="1"/>
+          </p:cNvCxnSpPr>
+          <p:nvPr/>
+        </p:nvCxnSpPr>
+        <p:spPr>
+          <a:xfrm flipV="1">
+            <a:off x="1096448" y="6165336"/>
+            <a:ext cx="285866" cy="231551"/>
+          </a:xfrm>
+          <a:prstGeom prst="bentConnector3">
+            <a:avLst>
+              <a:gd name="adj1" fmla="val 50000"/>
+            </a:avLst>
+          </a:prstGeom>
+          <a:ln w="12700" cmpd="sng">
+            <a:solidFill>
+              <a:schemeClr val="tx1"/>
+            </a:solidFill>
+            <a:headEnd type="none"/>
+            <a:tailEnd type="triangle"/>
+          </a:ln>
+          <a:effectLst/>
+        </p:spPr>
+        <p:style>
+          <a:lnRef idx="2">
+            <a:schemeClr val="accent1"/>
+          </a:lnRef>
+          <a:fillRef idx="0">
+            <a:schemeClr val="accent1"/>
+          </a:fillRef>
+          <a:effectRef idx="1">
+            <a:schemeClr val="accent1"/>
+          </a:effectRef>
+          <a:fontRef idx="minor">
+            <a:schemeClr val="tx1"/>
+          </a:fontRef>
+        </p:style>
+      </p:cxnSp>
+      <p:cxnSp>
+        <p:nvCxnSpPr>
+          <p:cNvPr id="124" name="Elbow Connector 111"/>
+          <p:cNvCxnSpPr>
+            <a:stCxn id="114" idx="3"/>
+            <a:endCxn id="73" idx="1"/>
+          </p:cNvCxnSpPr>
+          <p:nvPr/>
+        </p:nvCxnSpPr>
+        <p:spPr>
+          <a:xfrm>
+            <a:off x="1096448" y="5931126"/>
+            <a:ext cx="285866" cy="234210"/>
+          </a:xfrm>
+          <a:prstGeom prst="bentConnector3">
+            <a:avLst>
+              <a:gd name="adj1" fmla="val 50000"/>
+            </a:avLst>
+          </a:prstGeom>
+          <a:ln w="12700" cmpd="sng">
+            <a:solidFill>
+              <a:schemeClr val="tx1"/>
+            </a:solidFill>
+            <a:headEnd type="none"/>
+            <a:tailEnd type="triangle"/>
+          </a:ln>
+          <a:effectLst/>
+        </p:spPr>
+        <p:style>
+          <a:lnRef idx="2">
+            <a:schemeClr val="accent1"/>
+          </a:lnRef>
+          <a:fillRef idx="0">
+            <a:schemeClr val="accent1"/>
+          </a:fillRef>
+          <a:effectRef idx="1">
+            <a:schemeClr val="accent1"/>
+          </a:effectRef>
+          <a:fontRef idx="minor">
+            <a:schemeClr val="tx1"/>
+          </a:fontRef>
+        </p:style>
+      </p:cxnSp>
+      <p:sp>
+        <p:nvSpPr>
+          <p:cNvPr id="126" name="Rectángulo 125"/>
+          <p:cNvSpPr/>
+          <p:nvPr/>
+        </p:nvSpPr>
+        <p:spPr>
+          <a:xfrm>
+            <a:off x="4428217" y="5352513"/>
+            <a:ext cx="970312" cy="308735"/>
+          </a:xfrm>
+          <a:prstGeom prst="rect">
+            <a:avLst/>
+          </a:prstGeom>
+          <a:noFill/>
+          <a:ln>
+            <a:solidFill>
+              <a:schemeClr val="tx1"/>
+            </a:solidFill>
+          </a:ln>
+          <a:effectLst/>
+        </p:spPr>
+        <p:style>
+          <a:lnRef idx="1">
+            <a:schemeClr val="accent1"/>
+          </a:lnRef>
+          <a:fillRef idx="3">
+            <a:schemeClr val="accent1"/>
+          </a:fillRef>
+          <a:effectRef idx="2">
+            <a:schemeClr val="accent1"/>
+          </a:effectRef>
+          <a:fontRef idx="minor">
+            <a:schemeClr val="lt1"/>
+          </a:fontRef>
+        </p:style>
+        <p:txBody>
+          <a:bodyPr rtlCol="0" anchor="ctr"/>
+          <a:lstStyle/>
+          <a:p>
+            <a:pPr algn="ctr"/>
+            <a:r>
+              <a:rPr lang="en-GB" sz="1000" dirty="0" smtClean="0">
+                <a:solidFill>
+                  <a:schemeClr val="tx1"/>
+                </a:solidFill>
+              </a:rPr>
+              <a:t>AWS </a:t>
+            </a:r>
+            <a:r>
+              <a:rPr lang="en-GB" sz="1000" dirty="0" err="1" smtClean="0">
+                <a:solidFill>
+                  <a:schemeClr val="tx1"/>
+                </a:solidFill>
+              </a:rPr>
+              <a:t>CentOS</a:t>
+            </a:r>
+            <a:r>
+              <a:rPr lang="en-GB" sz="1000" dirty="0" smtClean="0">
+                <a:solidFill>
+                  <a:schemeClr val="tx1"/>
+                </a:solidFill>
+              </a:rPr>
+              <a:t> 6</a:t>
+            </a:r>
+          </a:p>
+          <a:p>
+            <a:pPr algn="ctr"/>
+            <a:r>
+              <a:rPr lang="en-GB" sz="1000" dirty="0" smtClean="0">
+                <a:solidFill>
+                  <a:schemeClr val="tx1"/>
+                </a:solidFill>
+              </a:rPr>
+              <a:t>40GB disk  </a:t>
+            </a:r>
+          </a:p>
+        </p:txBody>
+      </p:sp>
+      <p:sp>
+        <p:nvSpPr>
+          <p:cNvPr id="127" name="Rectángulo 126"/>
+          <p:cNvSpPr/>
+          <p:nvPr/>
+        </p:nvSpPr>
+        <p:spPr>
+          <a:xfrm>
+            <a:off x="5457334" y="5352513"/>
+            <a:ext cx="1040316" cy="308735"/>
+          </a:xfrm>
+          <a:prstGeom prst="rect">
+            <a:avLst/>
+          </a:prstGeom>
+          <a:noFill/>
+          <a:ln>
+            <a:solidFill>
+              <a:schemeClr val="tx1"/>
+            </a:solidFill>
+          </a:ln>
+          <a:effectLst/>
+        </p:spPr>
+        <p:style>
+          <a:lnRef idx="1">
+            <a:schemeClr val="accent1"/>
+          </a:lnRef>
+          <a:fillRef idx="3">
+            <a:schemeClr val="accent1"/>
+          </a:fillRef>
+          <a:effectRef idx="2">
+            <a:schemeClr val="accent1"/>
+          </a:effectRef>
+          <a:fontRef idx="minor">
+            <a:schemeClr val="lt1"/>
+          </a:fontRef>
+        </p:style>
+        <p:txBody>
+          <a:bodyPr rtlCol="0" anchor="ctr"/>
+          <a:lstStyle/>
+          <a:p>
+            <a:pPr algn="ctr"/>
+            <a:r>
+              <a:rPr lang="en-GB" sz="1000" dirty="0" smtClean="0">
+                <a:solidFill>
+                  <a:schemeClr val="tx1"/>
+                </a:solidFill>
+              </a:rPr>
+              <a:t>FG </a:t>
+            </a:r>
+            <a:r>
+              <a:rPr lang="en-GB" sz="1000" dirty="0" err="1" smtClean="0">
+                <a:solidFill>
+                  <a:schemeClr val="tx1"/>
+                </a:solidFill>
+              </a:rPr>
+              <a:t>CentOS</a:t>
+            </a:r>
+            <a:r>
+              <a:rPr lang="en-GB" sz="1000" dirty="0" smtClean="0">
+                <a:solidFill>
+                  <a:schemeClr val="tx1"/>
+                </a:solidFill>
+              </a:rPr>
+              <a:t> 6</a:t>
+            </a:r>
+          </a:p>
+          <a:p>
+            <a:pPr algn="ctr"/>
+            <a:r>
+              <a:rPr lang="en-GB" sz="1000" dirty="0" smtClean="0">
+                <a:solidFill>
+                  <a:schemeClr val="tx1"/>
+                </a:solidFill>
+              </a:rPr>
+              <a:t>40GB disk</a:t>
+            </a:r>
           </a:p>
         </p:txBody>
       </p:sp>
     </p:spTree>
     <p:extLst>
       <p:ext uri="{BB962C8B-B14F-4D97-AF65-F5344CB8AC3E}">
-        <p14:creationId xmlns:p14="http://schemas.microsoft.com/office/powerpoint/2010/main" val="3611209472"/>
+        <p14:creationId xmlns:p14="http://schemas.microsoft.com/office/powerpoint/2010/main" val="3891112738"/>
       </p:ext>
     </p:extLst>
   </p:cSld>
@@ -8406,20 +10839,17 @@
         </p:nvSpPr>
         <p:spPr>
           <a:xfrm>
-            <a:off x="349328" y="2140830"/>
+            <a:off x="338178" y="1577755"/>
             <a:ext cx="645743" cy="807138"/>
           </a:xfrm>
           <a:prstGeom prst="foldedCorner">
-            <a:avLst>
-              <a:gd name="adj" fmla="val 24349"/>
-            </a:avLst>
+            <a:avLst/>
           </a:prstGeom>
           <a:solidFill>
             <a:schemeClr val="bg1">
               <a:lumMod val="85000"/>
             </a:schemeClr>
           </a:solidFill>
-          <a:ln w="12700" cmpd="sng"/>
         </p:spPr>
         <p:style>
           <a:lnRef idx="2">
@@ -8470,20 +10900,17 @@
         </p:nvSpPr>
         <p:spPr>
           <a:xfrm>
-            <a:off x="349782" y="332656"/>
+            <a:off x="338178" y="3999471"/>
             <a:ext cx="645743" cy="807138"/>
           </a:xfrm>
           <a:prstGeom prst="foldedCorner">
-            <a:avLst>
-              <a:gd name="adj" fmla="val 25886"/>
-            </a:avLst>
+            <a:avLst/>
           </a:prstGeom>
           <a:solidFill>
             <a:schemeClr val="bg1">
               <a:lumMod val="85000"/>
             </a:schemeClr>
           </a:solidFill>
-          <a:ln w="12700" cmpd="sng"/>
         </p:spPr>
         <p:style>
           <a:lnRef idx="2">
@@ -8527,13 +10954,12 @@
         </p:nvSpPr>
         <p:spPr>
           <a:xfrm>
-            <a:off x="1618118" y="524831"/>
+            <a:off x="1822447" y="4189184"/>
             <a:ext cx="1214610" cy="422787"/>
           </a:xfrm>
           <a:prstGeom prst="rect">
             <a:avLst/>
           </a:prstGeom>
-          <a:ln w="12700" cmpd="sng"/>
         </p:spPr>
         <p:style>
           <a:lnRef idx="2">
@@ -8556,11 +10982,7 @@
             <a:pPr algn="ctr"/>
             <a:r>
               <a:rPr lang="en-GB" sz="1000" dirty="0" smtClean="0"/>
-              <a:t>DAX </a:t>
-            </a:r>
-            <a:r>
-              <a:rPr lang="en-GB" sz="1000" dirty="0" smtClean="0"/>
-              <a:t>Annotator</a:t>
+              <a:t>DAX annotator</a:t>
             </a:r>
             <a:endParaRPr lang="en-GB" sz="1000" dirty="0"/>
           </a:p>
@@ -8574,13 +10996,12 @@
         </p:nvSpPr>
         <p:spPr>
           <a:xfrm>
-            <a:off x="1618118" y="2333005"/>
+            <a:off x="2561452" y="1769930"/>
             <a:ext cx="1214610" cy="422787"/>
           </a:xfrm>
           <a:prstGeom prst="rect">
             <a:avLst/>
           </a:prstGeom>
-          <a:ln w="12700" cmpd="sng"/>
         </p:spPr>
         <p:style>
           <a:lnRef idx="2">
@@ -8603,11 +11024,7 @@
             <a:pPr algn="ctr"/>
             <a:r>
               <a:rPr lang="en-GB" sz="1000" dirty="0" smtClean="0"/>
-              <a:t>TC </a:t>
-            </a:r>
-            <a:r>
-              <a:rPr lang="en-GB" sz="1000" dirty="0" smtClean="0"/>
-              <a:t>Annotator</a:t>
+              <a:t>TC annotator</a:t>
             </a:r>
             <a:endParaRPr lang="en-GB" sz="1000" dirty="0"/>
           </a:p>
@@ -8635,7 +11052,7 @@
         </p:blipFill>
         <p:spPr>
           <a:xfrm>
-            <a:off x="675467" y="1340768"/>
+            <a:off x="774739" y="2969406"/>
             <a:ext cx="1143648" cy="505333"/>
           </a:xfrm>
           <a:prstGeom prst="rect">
@@ -8651,18 +11068,15 @@
         </p:nvSpPr>
         <p:spPr>
           <a:xfrm>
-            <a:off x="3404292" y="332657"/>
+            <a:off x="3546754" y="3997009"/>
             <a:ext cx="645743" cy="807138"/>
           </a:xfrm>
           <a:prstGeom prst="foldedCorner">
-            <a:avLst>
-              <a:gd name="adj" fmla="val 24349"/>
-            </a:avLst>
+            <a:avLst/>
           </a:prstGeom>
           <a:solidFill>
             <a:srgbClr val="D9D9D9"/>
           </a:solidFill>
-          <a:ln w="12700" cmpd="sng"/>
         </p:spPr>
         <p:style>
           <a:lnRef idx="2">
@@ -8693,10 +11107,6 @@
             <a:r>
               <a:rPr lang="en-GB" sz="1000" dirty="0" err="1" smtClean="0"/>
               <a:t>Annot</a:t>
-            </a:r>
-            <a:r>
-              <a:rPr lang="en-GB" sz="1000" dirty="0" smtClean="0"/>
-              <a:t>.</a:t>
             </a:r>
             <a:endParaRPr lang="en-GB" sz="1000" dirty="0"/>
           </a:p>
@@ -8712,6 +11122,1544 @@
           <p:nvPr/>
         </p:nvCxnSpPr>
         <p:spPr>
+          <a:xfrm flipV="1">
+            <a:off x="983921" y="4400578"/>
+            <a:ext cx="838526" cy="2462"/>
+          </a:xfrm>
+          <a:prstGeom prst="straightConnector1">
+            <a:avLst/>
+          </a:prstGeom>
+          <a:ln>
+            <a:tailEnd type="arrow"/>
+          </a:ln>
+        </p:spPr>
+        <p:style>
+          <a:lnRef idx="1">
+            <a:schemeClr val="dk1"/>
+          </a:lnRef>
+          <a:fillRef idx="0">
+            <a:schemeClr val="dk1"/>
+          </a:fillRef>
+          <a:effectRef idx="0">
+            <a:schemeClr val="dk1"/>
+          </a:effectRef>
+          <a:fontRef idx="minor">
+            <a:schemeClr val="tx1"/>
+          </a:fontRef>
+        </p:style>
+      </p:cxnSp>
+      <p:cxnSp>
+        <p:nvCxnSpPr>
+          <p:cNvPr id="12" name="Conector recto de flecha 11"/>
+          <p:cNvCxnSpPr>
+            <a:stCxn id="6" idx="3"/>
+            <a:endCxn id="9" idx="1"/>
+          </p:cNvCxnSpPr>
+          <p:nvPr/>
+        </p:nvCxnSpPr>
+        <p:spPr>
+          <a:xfrm>
+            <a:off x="3037057" y="4400578"/>
+            <a:ext cx="509697" cy="0"/>
+          </a:xfrm>
+          <a:prstGeom prst="straightConnector1">
+            <a:avLst/>
+          </a:prstGeom>
+          <a:ln>
+            <a:tailEnd type="arrow"/>
+          </a:ln>
+        </p:spPr>
+        <p:style>
+          <a:lnRef idx="1">
+            <a:schemeClr val="dk1"/>
+          </a:lnRef>
+          <a:fillRef idx="0">
+            <a:schemeClr val="dk1"/>
+          </a:fillRef>
+          <a:effectRef idx="0">
+            <a:schemeClr val="dk1"/>
+          </a:effectRef>
+          <a:fontRef idx="minor">
+            <a:schemeClr val="tx1"/>
+          </a:fontRef>
+        </p:style>
+      </p:cxnSp>
+      <p:sp>
+        <p:nvSpPr>
+          <p:cNvPr id="16" name="Esquina doblada 15"/>
+          <p:cNvSpPr/>
+          <p:nvPr/>
+        </p:nvSpPr>
+        <p:spPr>
+          <a:xfrm>
+            <a:off x="4875366" y="1577755"/>
+            <a:ext cx="645743" cy="807138"/>
+          </a:xfrm>
+          <a:prstGeom prst="foldedCorner">
+            <a:avLst/>
+          </a:prstGeom>
+          <a:solidFill>
+            <a:srgbClr val="D9D9D9"/>
+          </a:solidFill>
+        </p:spPr>
+        <p:style>
+          <a:lnRef idx="2">
+            <a:schemeClr val="dk1"/>
+          </a:lnRef>
+          <a:fillRef idx="1">
+            <a:schemeClr val="lt1"/>
+          </a:fillRef>
+          <a:effectRef idx="0">
+            <a:schemeClr val="dk1"/>
+          </a:effectRef>
+          <a:fontRef idx="minor">
+            <a:schemeClr val="dk1"/>
+          </a:fontRef>
+        </p:style>
+        <p:txBody>
+          <a:bodyPr rtlCol="0" anchor="ctr"/>
+          <a:lstStyle/>
+          <a:p>
+            <a:pPr algn="ctr"/>
+            <a:r>
+              <a:rPr lang="en-GB" sz="1000" dirty="0" smtClean="0"/>
+              <a:t>SW Comp</a:t>
+            </a:r>
+          </a:p>
+          <a:p>
+            <a:pPr algn="ctr"/>
+            <a:r>
+              <a:rPr lang="en-GB" sz="1000" dirty="0" err="1" smtClean="0"/>
+              <a:t>Catalog</a:t>
+            </a:r>
+            <a:endParaRPr lang="en-GB" sz="1000" dirty="0"/>
+          </a:p>
+        </p:txBody>
+      </p:sp>
+      <p:sp>
+        <p:nvSpPr>
+          <p:cNvPr id="17" name="Esquina doblada 16"/>
+          <p:cNvSpPr/>
+          <p:nvPr/>
+        </p:nvSpPr>
+        <p:spPr>
+          <a:xfrm>
+            <a:off x="4875366" y="2859777"/>
+            <a:ext cx="645743" cy="807138"/>
+          </a:xfrm>
+          <a:prstGeom prst="foldedCorner">
+            <a:avLst/>
+          </a:prstGeom>
+          <a:solidFill>
+            <a:srgbClr val="D9D9D9"/>
+          </a:solidFill>
+        </p:spPr>
+        <p:style>
+          <a:lnRef idx="2">
+            <a:schemeClr val="dk1"/>
+          </a:lnRef>
+          <a:fillRef idx="1">
+            <a:schemeClr val="lt1"/>
+          </a:fillRef>
+          <a:effectRef idx="0">
+            <a:schemeClr val="dk1"/>
+          </a:effectRef>
+          <a:fontRef idx="minor">
+            <a:schemeClr val="dk1"/>
+          </a:fontRef>
+        </p:style>
+        <p:txBody>
+          <a:bodyPr rtlCol="0" anchor="ctr"/>
+          <a:lstStyle/>
+          <a:p>
+            <a:pPr algn="ctr"/>
+            <a:r>
+              <a:rPr lang="en-GB" sz="1000" dirty="0" smtClean="0"/>
+              <a:t>WF &amp; </a:t>
+            </a:r>
+            <a:r>
+              <a:rPr lang="en-GB" sz="1000" dirty="0" err="1" smtClean="0"/>
+              <a:t>Config</a:t>
+            </a:r>
+            <a:endParaRPr lang="en-GB" sz="1000" dirty="0" smtClean="0"/>
+          </a:p>
+          <a:p>
+            <a:pPr algn="ctr"/>
+            <a:r>
+              <a:rPr lang="en-GB" sz="1000" dirty="0" err="1" smtClean="0"/>
+              <a:t>Annot</a:t>
+            </a:r>
+            <a:endParaRPr lang="en-GB" sz="1000" dirty="0"/>
+          </a:p>
+        </p:txBody>
+      </p:sp>
+      <p:cxnSp>
+        <p:nvCxnSpPr>
+          <p:cNvPr id="18" name="Conector recto de flecha 17"/>
+          <p:cNvCxnSpPr>
+            <a:stCxn id="4" idx="3"/>
+            <a:endCxn id="7" idx="1"/>
+          </p:cNvCxnSpPr>
+          <p:nvPr/>
+        </p:nvCxnSpPr>
+        <p:spPr>
+          <a:xfrm>
+            <a:off x="983921" y="1981324"/>
+            <a:ext cx="1577531" cy="0"/>
+          </a:xfrm>
+          <a:prstGeom prst="straightConnector1">
+            <a:avLst/>
+          </a:prstGeom>
+          <a:ln>
+            <a:tailEnd type="arrow"/>
+          </a:ln>
+        </p:spPr>
+        <p:style>
+          <a:lnRef idx="1">
+            <a:schemeClr val="dk1"/>
+          </a:lnRef>
+          <a:fillRef idx="0">
+            <a:schemeClr val="dk1"/>
+          </a:fillRef>
+          <a:effectRef idx="0">
+            <a:schemeClr val="dk1"/>
+          </a:effectRef>
+          <a:fontRef idx="minor">
+            <a:schemeClr val="tx1"/>
+          </a:fontRef>
+        </p:style>
+      </p:cxnSp>
+      <p:cxnSp>
+        <p:nvCxnSpPr>
+          <p:cNvPr id="21" name="Conector recto de flecha 20"/>
+          <p:cNvCxnSpPr>
+            <a:stCxn id="7" idx="3"/>
+            <a:endCxn id="16" idx="1"/>
+          </p:cNvCxnSpPr>
+          <p:nvPr/>
+        </p:nvCxnSpPr>
+        <p:spPr>
+          <a:xfrm>
+            <a:off x="3776062" y="1981324"/>
+            <a:ext cx="1099304" cy="0"/>
+          </a:xfrm>
+          <a:prstGeom prst="straightConnector1">
+            <a:avLst/>
+          </a:prstGeom>
+          <a:ln>
+            <a:tailEnd type="arrow"/>
+          </a:ln>
+        </p:spPr>
+        <p:style>
+          <a:lnRef idx="1">
+            <a:schemeClr val="dk1"/>
+          </a:lnRef>
+          <a:fillRef idx="0">
+            <a:schemeClr val="dk1"/>
+          </a:fillRef>
+          <a:effectRef idx="0">
+            <a:schemeClr val="dk1"/>
+          </a:effectRef>
+          <a:fontRef idx="minor">
+            <a:schemeClr val="tx1"/>
+          </a:fontRef>
+        </p:style>
+      </p:cxnSp>
+      <p:cxnSp>
+        <p:nvCxnSpPr>
+          <p:cNvPr id="25" name="Conector angular 24"/>
+          <p:cNvCxnSpPr>
+            <a:stCxn id="7" idx="3"/>
+            <a:endCxn id="17" idx="1"/>
+          </p:cNvCxnSpPr>
+          <p:nvPr/>
+        </p:nvCxnSpPr>
+        <p:spPr>
+          <a:xfrm>
+            <a:off x="3776062" y="1981324"/>
+            <a:ext cx="1099304" cy="1282022"/>
+          </a:xfrm>
+          <a:prstGeom prst="bentConnector3">
+            <a:avLst/>
+          </a:prstGeom>
+          <a:ln>
+            <a:tailEnd type="arrow"/>
+          </a:ln>
+        </p:spPr>
+        <p:style>
+          <a:lnRef idx="1">
+            <a:schemeClr val="dk1"/>
+          </a:lnRef>
+          <a:fillRef idx="0">
+            <a:schemeClr val="dk1"/>
+          </a:fillRef>
+          <a:effectRef idx="0">
+            <a:schemeClr val="dk1"/>
+          </a:effectRef>
+          <a:fontRef idx="minor">
+            <a:schemeClr val="tx1"/>
+          </a:fontRef>
+        </p:style>
+      </p:cxnSp>
+      <p:cxnSp>
+        <p:nvCxnSpPr>
+          <p:cNvPr id="26" name="Conector angular 25"/>
+          <p:cNvCxnSpPr>
+            <a:stCxn id="9" idx="0"/>
+            <a:endCxn id="7" idx="2"/>
+          </p:cNvCxnSpPr>
+          <p:nvPr/>
+        </p:nvCxnSpPr>
+        <p:spPr>
+          <a:xfrm rot="16200000" flipV="1">
+            <a:off x="2617046" y="2744428"/>
+            <a:ext cx="1804292" cy="700869"/>
+          </a:xfrm>
+          <a:prstGeom prst="bentConnector3">
+            <a:avLst>
+              <a:gd name="adj1" fmla="val 50000"/>
+            </a:avLst>
+          </a:prstGeom>
+          <a:ln>
+            <a:tailEnd type="arrow"/>
+          </a:ln>
+        </p:spPr>
+        <p:style>
+          <a:lnRef idx="1">
+            <a:schemeClr val="dk1"/>
+          </a:lnRef>
+          <a:fillRef idx="0">
+            <a:schemeClr val="dk1"/>
+          </a:fillRef>
+          <a:effectRef idx="0">
+            <a:schemeClr val="dk1"/>
+          </a:effectRef>
+          <a:fontRef idx="minor">
+            <a:schemeClr val="tx1"/>
+          </a:fontRef>
+        </p:style>
+      </p:cxnSp>
+      <p:cxnSp>
+        <p:nvCxnSpPr>
+          <p:cNvPr id="29" name="Conector angular 28"/>
+          <p:cNvCxnSpPr>
+            <a:stCxn id="8" idx="2"/>
+            <a:endCxn id="6" idx="1"/>
+          </p:cNvCxnSpPr>
+          <p:nvPr/>
+        </p:nvCxnSpPr>
+        <p:spPr>
+          <a:xfrm rot="16200000" flipH="1">
+            <a:off x="1121586" y="3699716"/>
+            <a:ext cx="925839" cy="475884"/>
+          </a:xfrm>
+          <a:prstGeom prst="bentConnector2">
+            <a:avLst/>
+          </a:prstGeom>
+          <a:ln>
+            <a:tailEnd type="arrow"/>
+          </a:ln>
+        </p:spPr>
+        <p:style>
+          <a:lnRef idx="1">
+            <a:schemeClr val="dk1"/>
+          </a:lnRef>
+          <a:fillRef idx="0">
+            <a:schemeClr val="dk1"/>
+          </a:fillRef>
+          <a:effectRef idx="0">
+            <a:schemeClr val="dk1"/>
+          </a:effectRef>
+          <a:fontRef idx="minor">
+            <a:schemeClr val="tx1"/>
+          </a:fontRef>
+        </p:style>
+      </p:cxnSp>
+      <p:cxnSp>
+        <p:nvCxnSpPr>
+          <p:cNvPr id="32" name="Conector angular 31"/>
+          <p:cNvCxnSpPr>
+            <a:stCxn id="8" idx="0"/>
+            <a:endCxn id="7" idx="1"/>
+          </p:cNvCxnSpPr>
+          <p:nvPr/>
+        </p:nvCxnSpPr>
+        <p:spPr>
+          <a:xfrm rot="5400000" flipH="1" flipV="1">
+            <a:off x="1459966" y="1867921"/>
+            <a:ext cx="988082" cy="1214889"/>
+          </a:xfrm>
+          <a:prstGeom prst="bentConnector2">
+            <a:avLst/>
+          </a:prstGeom>
+          <a:ln>
+            <a:tailEnd type="arrow"/>
+          </a:ln>
+        </p:spPr>
+        <p:style>
+          <a:lnRef idx="1">
+            <a:schemeClr val="dk1"/>
+          </a:lnRef>
+          <a:fillRef idx="0">
+            <a:schemeClr val="dk1"/>
+          </a:fillRef>
+          <a:effectRef idx="0">
+            <a:schemeClr val="dk1"/>
+          </a:effectRef>
+          <a:fontRef idx="minor">
+            <a:schemeClr val="tx1"/>
+          </a:fontRef>
+        </p:style>
+      </p:cxnSp>
+      <p:sp>
+        <p:nvSpPr>
+          <p:cNvPr id="40" name="Rectángulo 39"/>
+          <p:cNvSpPr/>
+          <p:nvPr/>
+        </p:nvSpPr>
+        <p:spPr>
+          <a:xfrm>
+            <a:off x="6252954" y="3051952"/>
+            <a:ext cx="1214610" cy="422787"/>
+          </a:xfrm>
+          <a:prstGeom prst="rect">
+            <a:avLst/>
+          </a:prstGeom>
+        </p:spPr>
+        <p:style>
+          <a:lnRef idx="2">
+            <a:schemeClr val="dk1"/>
+          </a:lnRef>
+          <a:fillRef idx="1">
+            <a:schemeClr val="lt1"/>
+          </a:fillRef>
+          <a:effectRef idx="0">
+            <a:schemeClr val="dk1"/>
+          </a:effectRef>
+          <a:fontRef idx="minor">
+            <a:schemeClr val="dk1"/>
+          </a:fontRef>
+        </p:style>
+        <p:txBody>
+          <a:bodyPr rtlCol="0" anchor="ctr"/>
+          <a:lstStyle/>
+          <a:p>
+            <a:pPr algn="ctr"/>
+            <a:r>
+              <a:rPr lang="en-GB" sz="1000" dirty="0" smtClean="0"/>
+              <a:t>Inf. Spec. Algorithm</a:t>
+            </a:r>
+            <a:endParaRPr lang="en-GB" sz="1000" dirty="0"/>
+          </a:p>
+        </p:txBody>
+      </p:sp>
+      <p:cxnSp>
+        <p:nvCxnSpPr>
+          <p:cNvPr id="44" name="Conector angular 43"/>
+          <p:cNvCxnSpPr>
+            <a:stCxn id="16" idx="3"/>
+            <a:endCxn id="40" idx="1"/>
+          </p:cNvCxnSpPr>
+          <p:nvPr/>
+        </p:nvCxnSpPr>
+        <p:spPr>
+          <a:xfrm>
+            <a:off x="5521109" y="1981324"/>
+            <a:ext cx="731845" cy="1282022"/>
+          </a:xfrm>
+          <a:prstGeom prst="bentConnector3">
+            <a:avLst>
+              <a:gd name="adj1" fmla="val 50000"/>
+            </a:avLst>
+          </a:prstGeom>
+          <a:ln>
+            <a:tailEnd type="arrow"/>
+          </a:ln>
+        </p:spPr>
+        <p:style>
+          <a:lnRef idx="1">
+            <a:schemeClr val="dk1"/>
+          </a:lnRef>
+          <a:fillRef idx="0">
+            <a:schemeClr val="dk1"/>
+          </a:fillRef>
+          <a:effectRef idx="0">
+            <a:schemeClr val="dk1"/>
+          </a:effectRef>
+          <a:fontRef idx="minor">
+            <a:schemeClr val="tx1"/>
+          </a:fontRef>
+        </p:style>
+      </p:cxnSp>
+      <p:sp>
+        <p:nvSpPr>
+          <p:cNvPr id="52" name="Esquina doblada 51"/>
+          <p:cNvSpPr/>
+          <p:nvPr/>
+        </p:nvSpPr>
+        <p:spPr>
+          <a:xfrm>
+            <a:off x="4875366" y="4129678"/>
+            <a:ext cx="645743" cy="807138"/>
+          </a:xfrm>
+          <a:prstGeom prst="foldedCorner">
+            <a:avLst/>
+          </a:prstGeom>
+          <a:solidFill>
+            <a:srgbClr val="D9D9D9"/>
+          </a:solidFill>
+        </p:spPr>
+        <p:style>
+          <a:lnRef idx="2">
+            <a:schemeClr val="dk1"/>
+          </a:lnRef>
+          <a:fillRef idx="1">
+            <a:schemeClr val="lt1"/>
+          </a:fillRef>
+          <a:effectRef idx="0">
+            <a:schemeClr val="dk1"/>
+          </a:effectRef>
+          <a:fontRef idx="minor">
+            <a:schemeClr val="dk1"/>
+          </a:fontRef>
+        </p:style>
+        <p:txBody>
+          <a:bodyPr rtlCol="0" anchor="ctr"/>
+          <a:lstStyle/>
+          <a:p>
+            <a:pPr algn="ctr"/>
+            <a:r>
+              <a:rPr lang="en-GB" sz="1000" dirty="0" smtClean="0"/>
+              <a:t>SVA</a:t>
+            </a:r>
+          </a:p>
+          <a:p>
+            <a:pPr algn="ctr"/>
+            <a:r>
+              <a:rPr lang="en-GB" sz="1000" dirty="0" err="1" smtClean="0"/>
+              <a:t>Catalog</a:t>
+            </a:r>
+            <a:endParaRPr lang="en-GB" sz="1000" dirty="0"/>
+          </a:p>
+        </p:txBody>
+      </p:sp>
+      <p:cxnSp>
+        <p:nvCxnSpPr>
+          <p:cNvPr id="53" name="Conector angular 52"/>
+          <p:cNvCxnSpPr>
+            <a:stCxn id="52" idx="3"/>
+            <a:endCxn id="40" idx="1"/>
+          </p:cNvCxnSpPr>
+          <p:nvPr/>
+        </p:nvCxnSpPr>
+        <p:spPr>
+          <a:xfrm flipV="1">
+            <a:off x="5521109" y="3263346"/>
+            <a:ext cx="731845" cy="1269901"/>
+          </a:xfrm>
+          <a:prstGeom prst="bentConnector3">
+            <a:avLst>
+              <a:gd name="adj1" fmla="val 50000"/>
+            </a:avLst>
+          </a:prstGeom>
+          <a:ln>
+            <a:tailEnd type="arrow"/>
+          </a:ln>
+        </p:spPr>
+        <p:style>
+          <a:lnRef idx="1">
+            <a:schemeClr val="dk1"/>
+          </a:lnRef>
+          <a:fillRef idx="0">
+            <a:schemeClr val="dk1"/>
+          </a:fillRef>
+          <a:effectRef idx="0">
+            <a:schemeClr val="dk1"/>
+          </a:effectRef>
+          <a:fontRef idx="minor">
+            <a:schemeClr val="tx1"/>
+          </a:fontRef>
+        </p:style>
+      </p:cxnSp>
+      <p:sp>
+        <p:nvSpPr>
+          <p:cNvPr id="59" name="Esquina doblada 58"/>
+          <p:cNvSpPr/>
+          <p:nvPr/>
+        </p:nvSpPr>
+        <p:spPr>
+          <a:xfrm>
+            <a:off x="8125608" y="2859777"/>
+            <a:ext cx="645743" cy="807138"/>
+          </a:xfrm>
+          <a:prstGeom prst="foldedCorner">
+            <a:avLst/>
+          </a:prstGeom>
+          <a:solidFill>
+            <a:srgbClr val="D9D9D9"/>
+          </a:solidFill>
+        </p:spPr>
+        <p:style>
+          <a:lnRef idx="2">
+            <a:schemeClr val="dk1"/>
+          </a:lnRef>
+          <a:fillRef idx="1">
+            <a:schemeClr val="lt1"/>
+          </a:fillRef>
+          <a:effectRef idx="0">
+            <a:schemeClr val="dk1"/>
+          </a:effectRef>
+          <a:fontRef idx="minor">
+            <a:schemeClr val="dk1"/>
+          </a:fontRef>
+        </p:style>
+        <p:txBody>
+          <a:bodyPr rtlCol="0" anchor="ctr"/>
+          <a:lstStyle/>
+          <a:p>
+            <a:pPr algn="ctr"/>
+            <a:r>
+              <a:rPr lang="en-GB" sz="1000" dirty="0" err="1" smtClean="0"/>
+              <a:t>Precip</a:t>
+            </a:r>
+            <a:endParaRPr lang="en-GB" sz="1000" dirty="0" smtClean="0"/>
+          </a:p>
+          <a:p>
+            <a:pPr algn="ctr"/>
+            <a:r>
+              <a:rPr lang="en-GB" sz="1000" dirty="0" smtClean="0"/>
+              <a:t>Script</a:t>
+            </a:r>
+            <a:endParaRPr lang="en-GB" sz="1000" dirty="0"/>
+          </a:p>
+        </p:txBody>
+      </p:sp>
+      <p:cxnSp>
+        <p:nvCxnSpPr>
+          <p:cNvPr id="60" name="Conector recto de flecha 59"/>
+          <p:cNvCxnSpPr>
+            <a:stCxn id="40" idx="3"/>
+            <a:endCxn id="59" idx="1"/>
+          </p:cNvCxnSpPr>
+          <p:nvPr/>
+        </p:nvCxnSpPr>
+        <p:spPr>
+          <a:xfrm>
+            <a:off x="7467564" y="3263346"/>
+            <a:ext cx="658044" cy="0"/>
+          </a:xfrm>
+          <a:prstGeom prst="straightConnector1">
+            <a:avLst/>
+          </a:prstGeom>
+          <a:ln>
+            <a:tailEnd type="arrow"/>
+          </a:ln>
+        </p:spPr>
+        <p:style>
+          <a:lnRef idx="1">
+            <a:schemeClr val="dk1"/>
+          </a:lnRef>
+          <a:fillRef idx="0">
+            <a:schemeClr val="dk1"/>
+          </a:fillRef>
+          <a:effectRef idx="0">
+            <a:schemeClr val="dk1"/>
+          </a:effectRef>
+          <a:fontRef idx="minor">
+            <a:schemeClr val="tx1"/>
+          </a:fontRef>
+        </p:style>
+      </p:cxnSp>
+      <p:sp>
+        <p:nvSpPr>
+          <p:cNvPr id="73" name="Dodecágono 72"/>
+          <p:cNvSpPr/>
+          <p:nvPr/>
+        </p:nvSpPr>
+        <p:spPr>
+          <a:xfrm>
+            <a:off x="1689542" y="4471683"/>
+            <a:ext cx="284923" cy="280576"/>
+          </a:xfrm>
+          <a:prstGeom prst="dodecagon">
+            <a:avLst/>
+          </a:prstGeom>
+          <a:solidFill>
+            <a:srgbClr val="FF0000"/>
+          </a:solidFill>
+          <a:ln>
+            <a:solidFill>
+              <a:srgbClr val="FF0000"/>
+            </a:solidFill>
+          </a:ln>
+          <a:effectLst/>
+        </p:spPr>
+        <p:style>
+          <a:lnRef idx="1">
+            <a:schemeClr val="accent1"/>
+          </a:lnRef>
+          <a:fillRef idx="3">
+            <a:schemeClr val="accent1"/>
+          </a:fillRef>
+          <a:effectRef idx="2">
+            <a:schemeClr val="accent1"/>
+          </a:effectRef>
+          <a:fontRef idx="minor">
+            <a:schemeClr val="lt1"/>
+          </a:fontRef>
+        </p:style>
+        <p:txBody>
+          <a:bodyPr rtlCol="0" anchor="ctr"/>
+          <a:lstStyle/>
+          <a:p>
+            <a:pPr algn="ctr"/>
+            <a:r>
+              <a:rPr lang="en-GB" sz="1400" dirty="0"/>
+              <a:t>1</a:t>
+            </a:r>
+          </a:p>
+        </p:txBody>
+      </p:sp>
+      <p:sp>
+        <p:nvSpPr>
+          <p:cNvPr id="74" name="Dodecágono 73"/>
+          <p:cNvSpPr/>
+          <p:nvPr/>
+        </p:nvSpPr>
+        <p:spPr>
+          <a:xfrm>
+            <a:off x="2429752" y="2052429"/>
+            <a:ext cx="284923" cy="280576"/>
+          </a:xfrm>
+          <a:prstGeom prst="dodecagon">
+            <a:avLst/>
+          </a:prstGeom>
+          <a:solidFill>
+            <a:srgbClr val="FF0000"/>
+          </a:solidFill>
+          <a:ln>
+            <a:solidFill>
+              <a:srgbClr val="FF0000"/>
+            </a:solidFill>
+          </a:ln>
+          <a:effectLst/>
+        </p:spPr>
+        <p:style>
+          <a:lnRef idx="1">
+            <a:schemeClr val="accent1"/>
+          </a:lnRef>
+          <a:fillRef idx="3">
+            <a:schemeClr val="accent1"/>
+          </a:fillRef>
+          <a:effectRef idx="2">
+            <a:schemeClr val="accent1"/>
+          </a:effectRef>
+          <a:fontRef idx="minor">
+            <a:schemeClr val="lt1"/>
+          </a:fontRef>
+        </p:style>
+        <p:txBody>
+          <a:bodyPr rtlCol="0" anchor="ctr"/>
+          <a:lstStyle/>
+          <a:p>
+            <a:pPr algn="ctr"/>
+            <a:r>
+              <a:rPr lang="en-GB" sz="1400" dirty="0" smtClean="0"/>
+              <a:t>4</a:t>
+            </a:r>
+            <a:endParaRPr lang="en-GB" sz="1400" dirty="0"/>
+          </a:p>
+        </p:txBody>
+      </p:sp>
+      <p:sp>
+        <p:nvSpPr>
+          <p:cNvPr id="75" name="Dodecágono 74"/>
+          <p:cNvSpPr/>
+          <p:nvPr/>
+        </p:nvSpPr>
+        <p:spPr>
+          <a:xfrm>
+            <a:off x="3404292" y="4663859"/>
+            <a:ext cx="284923" cy="280576"/>
+          </a:xfrm>
+          <a:prstGeom prst="dodecagon">
+            <a:avLst/>
+          </a:prstGeom>
+          <a:solidFill>
+            <a:srgbClr val="FF0000"/>
+          </a:solidFill>
+          <a:ln>
+            <a:solidFill>
+              <a:srgbClr val="FF0000"/>
+            </a:solidFill>
+          </a:ln>
+          <a:effectLst/>
+        </p:spPr>
+        <p:style>
+          <a:lnRef idx="1">
+            <a:schemeClr val="accent1"/>
+          </a:lnRef>
+          <a:fillRef idx="3">
+            <a:schemeClr val="accent1"/>
+          </a:fillRef>
+          <a:effectRef idx="2">
+            <a:schemeClr val="accent1"/>
+          </a:effectRef>
+          <a:fontRef idx="minor">
+            <a:schemeClr val="lt1"/>
+          </a:fontRef>
+        </p:style>
+        <p:txBody>
+          <a:bodyPr rtlCol="0" anchor="ctr"/>
+          <a:lstStyle/>
+          <a:p>
+            <a:pPr algn="ctr"/>
+            <a:r>
+              <a:rPr lang="en-GB" sz="1400" dirty="0"/>
+              <a:t>2</a:t>
+            </a:r>
+          </a:p>
+        </p:txBody>
+      </p:sp>
+      <p:sp>
+        <p:nvSpPr>
+          <p:cNvPr id="76" name="Dodecágono 75"/>
+          <p:cNvSpPr/>
+          <p:nvPr/>
+        </p:nvSpPr>
+        <p:spPr>
+          <a:xfrm>
+            <a:off x="4732904" y="2244605"/>
+            <a:ext cx="284923" cy="280576"/>
+          </a:xfrm>
+          <a:prstGeom prst="dodecagon">
+            <a:avLst/>
+          </a:prstGeom>
+          <a:solidFill>
+            <a:srgbClr val="FF0000"/>
+          </a:solidFill>
+          <a:ln>
+            <a:solidFill>
+              <a:srgbClr val="FF0000"/>
+            </a:solidFill>
+          </a:ln>
+          <a:effectLst/>
+        </p:spPr>
+        <p:style>
+          <a:lnRef idx="1">
+            <a:schemeClr val="accent1"/>
+          </a:lnRef>
+          <a:fillRef idx="3">
+            <a:schemeClr val="accent1"/>
+          </a:fillRef>
+          <a:effectRef idx="2">
+            <a:schemeClr val="accent1"/>
+          </a:effectRef>
+          <a:fontRef idx="minor">
+            <a:schemeClr val="lt1"/>
+          </a:fontRef>
+        </p:style>
+        <p:txBody>
+          <a:bodyPr rtlCol="0" anchor="ctr"/>
+          <a:lstStyle/>
+          <a:p>
+            <a:pPr algn="ctr"/>
+            <a:r>
+              <a:rPr lang="en-GB" sz="1400" dirty="0" smtClean="0"/>
+              <a:t>5</a:t>
+            </a:r>
+            <a:endParaRPr lang="en-GB" sz="1400" dirty="0"/>
+          </a:p>
+        </p:txBody>
+      </p:sp>
+      <p:sp>
+        <p:nvSpPr>
+          <p:cNvPr id="77" name="Dodecágono 76"/>
+          <p:cNvSpPr/>
+          <p:nvPr/>
+        </p:nvSpPr>
+        <p:spPr>
+          <a:xfrm>
+            <a:off x="4732904" y="3474739"/>
+            <a:ext cx="284923" cy="280576"/>
+          </a:xfrm>
+          <a:prstGeom prst="dodecagon">
+            <a:avLst/>
+          </a:prstGeom>
+          <a:solidFill>
+            <a:srgbClr val="FF0000"/>
+          </a:solidFill>
+          <a:ln>
+            <a:solidFill>
+              <a:srgbClr val="FF0000"/>
+            </a:solidFill>
+          </a:ln>
+          <a:effectLst/>
+        </p:spPr>
+        <p:style>
+          <a:lnRef idx="1">
+            <a:schemeClr val="accent1"/>
+          </a:lnRef>
+          <a:fillRef idx="3">
+            <a:schemeClr val="accent1"/>
+          </a:fillRef>
+          <a:effectRef idx="2">
+            <a:schemeClr val="accent1"/>
+          </a:effectRef>
+          <a:fontRef idx="minor">
+            <a:schemeClr val="lt1"/>
+          </a:fontRef>
+        </p:style>
+        <p:txBody>
+          <a:bodyPr rtlCol="0" anchor="ctr"/>
+          <a:lstStyle/>
+          <a:p>
+            <a:pPr algn="ctr"/>
+            <a:r>
+              <a:rPr lang="en-GB" sz="1400" dirty="0" smtClean="0"/>
+              <a:t>6</a:t>
+            </a:r>
+            <a:endParaRPr lang="en-GB" sz="1400" dirty="0"/>
+          </a:p>
+        </p:txBody>
+      </p:sp>
+      <p:sp>
+        <p:nvSpPr>
+          <p:cNvPr id="78" name="Dodecágono 77"/>
+          <p:cNvSpPr/>
+          <p:nvPr/>
+        </p:nvSpPr>
+        <p:spPr>
+          <a:xfrm>
+            <a:off x="4732904" y="4831032"/>
+            <a:ext cx="284923" cy="280576"/>
+          </a:xfrm>
+          <a:prstGeom prst="dodecagon">
+            <a:avLst/>
+          </a:prstGeom>
+          <a:solidFill>
+            <a:srgbClr val="FF0000"/>
+          </a:solidFill>
+          <a:ln>
+            <a:solidFill>
+              <a:srgbClr val="FF0000"/>
+            </a:solidFill>
+          </a:ln>
+          <a:effectLst/>
+        </p:spPr>
+        <p:style>
+          <a:lnRef idx="1">
+            <a:schemeClr val="accent1"/>
+          </a:lnRef>
+          <a:fillRef idx="3">
+            <a:schemeClr val="accent1"/>
+          </a:fillRef>
+          <a:effectRef idx="2">
+            <a:schemeClr val="accent1"/>
+          </a:effectRef>
+          <a:fontRef idx="minor">
+            <a:schemeClr val="lt1"/>
+          </a:fontRef>
+        </p:style>
+        <p:txBody>
+          <a:bodyPr rtlCol="0" anchor="ctr"/>
+          <a:lstStyle/>
+          <a:p>
+            <a:pPr algn="ctr"/>
+            <a:r>
+              <a:rPr lang="en-GB" sz="1400" dirty="0" smtClean="0"/>
+              <a:t>7</a:t>
+            </a:r>
+            <a:endParaRPr lang="en-GB" sz="1400" dirty="0"/>
+          </a:p>
+        </p:txBody>
+      </p:sp>
+      <p:sp>
+        <p:nvSpPr>
+          <p:cNvPr id="79" name="Dodecágono 78"/>
+          <p:cNvSpPr/>
+          <p:nvPr/>
+        </p:nvSpPr>
+        <p:spPr>
+          <a:xfrm>
+            <a:off x="6110492" y="3334451"/>
+            <a:ext cx="284923" cy="280576"/>
+          </a:xfrm>
+          <a:prstGeom prst="dodecagon">
+            <a:avLst/>
+          </a:prstGeom>
+          <a:solidFill>
+            <a:srgbClr val="FF0000"/>
+          </a:solidFill>
+          <a:ln>
+            <a:solidFill>
+              <a:srgbClr val="FF0000"/>
+            </a:solidFill>
+          </a:ln>
+          <a:effectLst/>
+        </p:spPr>
+        <p:style>
+          <a:lnRef idx="1">
+            <a:schemeClr val="accent1"/>
+          </a:lnRef>
+          <a:fillRef idx="3">
+            <a:schemeClr val="accent1"/>
+          </a:fillRef>
+          <a:effectRef idx="2">
+            <a:schemeClr val="accent1"/>
+          </a:effectRef>
+          <a:fontRef idx="minor">
+            <a:schemeClr val="lt1"/>
+          </a:fontRef>
+        </p:style>
+        <p:txBody>
+          <a:bodyPr rtlCol="0" anchor="ctr"/>
+          <a:lstStyle/>
+          <a:p>
+            <a:pPr algn="ctr"/>
+            <a:r>
+              <a:rPr lang="en-GB" sz="1400" dirty="0" smtClean="0"/>
+              <a:t>8</a:t>
+            </a:r>
+            <a:endParaRPr lang="en-GB" sz="1400" dirty="0"/>
+          </a:p>
+        </p:txBody>
+      </p:sp>
+      <p:sp>
+        <p:nvSpPr>
+          <p:cNvPr id="80" name="Dodecágono 79"/>
+          <p:cNvSpPr/>
+          <p:nvPr/>
+        </p:nvSpPr>
+        <p:spPr>
+          <a:xfrm>
+            <a:off x="7983146" y="3526627"/>
+            <a:ext cx="284923" cy="280576"/>
+          </a:xfrm>
+          <a:prstGeom prst="dodecagon">
+            <a:avLst/>
+          </a:prstGeom>
+          <a:solidFill>
+            <a:srgbClr val="FF0000"/>
+          </a:solidFill>
+          <a:ln>
+            <a:solidFill>
+              <a:srgbClr val="FF0000"/>
+            </a:solidFill>
+          </a:ln>
+          <a:effectLst/>
+        </p:spPr>
+        <p:style>
+          <a:lnRef idx="1">
+            <a:schemeClr val="accent1"/>
+          </a:lnRef>
+          <a:fillRef idx="3">
+            <a:schemeClr val="accent1"/>
+          </a:fillRef>
+          <a:effectRef idx="2">
+            <a:schemeClr val="accent1"/>
+          </a:effectRef>
+          <a:fontRef idx="minor">
+            <a:schemeClr val="lt1"/>
+          </a:fontRef>
+        </p:style>
+        <p:txBody>
+          <a:bodyPr rtlCol="0" anchor="ctr"/>
+          <a:lstStyle/>
+          <a:p>
+            <a:pPr algn="ctr"/>
+            <a:r>
+              <a:rPr lang="en-GB" sz="1400" dirty="0" smtClean="0"/>
+              <a:t>9</a:t>
+            </a:r>
+            <a:endParaRPr lang="en-GB" sz="1400" dirty="0"/>
+          </a:p>
+        </p:txBody>
+      </p:sp>
+      <p:sp>
+        <p:nvSpPr>
+          <p:cNvPr id="34" name="Esquina doblada 33"/>
+          <p:cNvSpPr/>
+          <p:nvPr/>
+        </p:nvSpPr>
+        <p:spPr>
+          <a:xfrm>
+            <a:off x="2238580" y="3134991"/>
+            <a:ext cx="645743" cy="807138"/>
+          </a:xfrm>
+          <a:prstGeom prst="foldedCorner">
+            <a:avLst/>
+          </a:prstGeom>
+          <a:solidFill>
+            <a:srgbClr val="D9D9D9"/>
+          </a:solidFill>
+        </p:spPr>
+        <p:style>
+          <a:lnRef idx="2">
+            <a:schemeClr val="dk1"/>
+          </a:lnRef>
+          <a:fillRef idx="1">
+            <a:schemeClr val="lt1"/>
+          </a:fillRef>
+          <a:effectRef idx="0">
+            <a:schemeClr val="dk1"/>
+          </a:effectRef>
+          <a:fontRef idx="minor">
+            <a:schemeClr val="dk1"/>
+          </a:fontRef>
+        </p:style>
+        <p:txBody>
+          <a:bodyPr rtlCol="0" anchor="ctr"/>
+          <a:lstStyle/>
+          <a:p>
+            <a:pPr algn="ctr"/>
+            <a:r>
+              <a:rPr lang="en-GB" sz="1000" dirty="0" smtClean="0"/>
+              <a:t>WMS</a:t>
+            </a:r>
+          </a:p>
+          <a:p>
+            <a:pPr algn="ctr"/>
+            <a:r>
+              <a:rPr lang="en-GB" sz="1000" dirty="0" err="1" smtClean="0"/>
+              <a:t>Annot</a:t>
+            </a:r>
+            <a:endParaRPr lang="en-GB" sz="1000" dirty="0"/>
+          </a:p>
+        </p:txBody>
+      </p:sp>
+      <p:cxnSp>
+        <p:nvCxnSpPr>
+          <p:cNvPr id="35" name="Conector angular 34"/>
+          <p:cNvCxnSpPr>
+            <a:stCxn id="34" idx="0"/>
+            <a:endCxn id="7" idx="2"/>
+          </p:cNvCxnSpPr>
+          <p:nvPr/>
+        </p:nvCxnSpPr>
+        <p:spPr>
+          <a:xfrm rot="5400000" flipH="1" flipV="1">
+            <a:off x="2393967" y="2360202"/>
+            <a:ext cx="942274" cy="607305"/>
+          </a:xfrm>
+          <a:prstGeom prst="bentConnector3">
+            <a:avLst>
+              <a:gd name="adj1" fmla="val 50000"/>
+            </a:avLst>
+          </a:prstGeom>
+          <a:ln>
+            <a:tailEnd type="arrow"/>
+          </a:ln>
+        </p:spPr>
+        <p:style>
+          <a:lnRef idx="1">
+            <a:schemeClr val="dk1"/>
+          </a:lnRef>
+          <a:fillRef idx="0">
+            <a:schemeClr val="dk1"/>
+          </a:fillRef>
+          <a:effectRef idx="0">
+            <a:schemeClr val="dk1"/>
+          </a:effectRef>
+          <a:fontRef idx="minor">
+            <a:schemeClr val="tx1"/>
+          </a:fontRef>
+        </p:style>
+      </p:cxnSp>
+      <p:sp>
+        <p:nvSpPr>
+          <p:cNvPr id="38" name="Dodecágono 37"/>
+          <p:cNvSpPr/>
+          <p:nvPr/>
+        </p:nvSpPr>
+        <p:spPr>
+          <a:xfrm>
+            <a:off x="2096118" y="3718895"/>
+            <a:ext cx="284923" cy="280576"/>
+          </a:xfrm>
+          <a:prstGeom prst="dodecagon">
+            <a:avLst/>
+          </a:prstGeom>
+          <a:solidFill>
+            <a:srgbClr val="FF0000"/>
+          </a:solidFill>
+          <a:ln>
+            <a:solidFill>
+              <a:srgbClr val="FF0000"/>
+            </a:solidFill>
+          </a:ln>
+          <a:effectLst/>
+        </p:spPr>
+        <p:style>
+          <a:lnRef idx="1">
+            <a:schemeClr val="accent1"/>
+          </a:lnRef>
+          <a:fillRef idx="3">
+            <a:schemeClr val="accent1"/>
+          </a:fillRef>
+          <a:effectRef idx="2">
+            <a:schemeClr val="accent1"/>
+          </a:effectRef>
+          <a:fontRef idx="minor">
+            <a:schemeClr val="lt1"/>
+          </a:fontRef>
+        </p:style>
+        <p:txBody>
+          <a:bodyPr rtlCol="0" anchor="ctr"/>
+          <a:lstStyle/>
+          <a:p>
+            <a:pPr algn="ctr"/>
+            <a:r>
+              <a:rPr lang="en-GB" sz="1400" dirty="0" smtClean="0"/>
+              <a:t>3</a:t>
+            </a:r>
+            <a:endParaRPr lang="en-GB" sz="1400" dirty="0"/>
+          </a:p>
+        </p:txBody>
+      </p:sp>
+    </p:spTree>
+    <p:extLst>
+      <p:ext uri="{BB962C8B-B14F-4D97-AF65-F5344CB8AC3E}">
+        <p14:creationId xmlns:p14="http://schemas.microsoft.com/office/powerpoint/2010/main" val="3611209472"/>
+      </p:ext>
+    </p:extLst>
+  </p:cSld>
+  <p:clrMapOvr>
+    <a:masterClrMapping/>
+  </p:clrMapOvr>
+  <p:timing>
+    <p:tnLst>
+      <p:par>
+        <p:cTn xmlns:p14="http://schemas.microsoft.com/office/powerpoint/2010/main" id="1" dur="indefinite" restart="never" nodeType="tmRoot"/>
+      </p:par>
+    </p:tnLst>
+  </p:timing>
+</p:sld>
+</file>
+
+<file path=ppt/slides/slide5.xml><?xml version="1.0" encoding="utf-8"?>
+<p:sld xmlns:a="http://schemas.openxmlformats.org/drawingml/2006/main" xmlns:r="http://schemas.openxmlformats.org/officeDocument/2006/relationships" xmlns:p="http://schemas.openxmlformats.org/presentationml/2006/main">
+  <p:cSld>
+    <p:spTree>
+      <p:nvGrpSpPr>
+        <p:cNvPr id="1" name=""/>
+        <p:cNvGrpSpPr/>
+        <p:nvPr/>
+      </p:nvGrpSpPr>
+      <p:grpSpPr>
+        <a:xfrm>
+          <a:off x="0" y="0"/>
+          <a:ext cx="0" cy="0"/>
+          <a:chOff x="0" y="0"/>
+          <a:chExt cx="0" cy="0"/>
+        </a:xfrm>
+      </p:grpSpPr>
+      <p:sp>
+        <p:nvSpPr>
+          <p:cNvPr id="4" name="Esquina doblada 3"/>
+          <p:cNvSpPr/>
+          <p:nvPr/>
+        </p:nvSpPr>
+        <p:spPr>
+          <a:xfrm>
+            <a:off x="349328" y="2140830"/>
+            <a:ext cx="645743" cy="807138"/>
+          </a:xfrm>
+          <a:prstGeom prst="foldedCorner">
+            <a:avLst>
+              <a:gd name="adj" fmla="val 24349"/>
+            </a:avLst>
+          </a:prstGeom>
+          <a:solidFill>
+            <a:schemeClr val="bg1">
+              <a:lumMod val="85000"/>
+            </a:schemeClr>
+          </a:solidFill>
+          <a:ln w="12700" cmpd="sng"/>
+        </p:spPr>
+        <p:style>
+          <a:lnRef idx="2">
+            <a:schemeClr val="dk1"/>
+          </a:lnRef>
+          <a:fillRef idx="1">
+            <a:schemeClr val="lt1"/>
+          </a:fillRef>
+          <a:effectRef idx="0">
+            <a:schemeClr val="dk1"/>
+          </a:effectRef>
+          <a:fontRef idx="minor">
+            <a:schemeClr val="dk1"/>
+          </a:fontRef>
+        </p:style>
+        <p:txBody>
+          <a:bodyPr rtlCol="0" anchor="ctr"/>
+          <a:lstStyle/>
+          <a:p>
+            <a:pPr algn="ctr"/>
+            <a:r>
+              <a:rPr lang="en-GB" sz="1000" dirty="0" smtClean="0"/>
+              <a:t>Pegasus</a:t>
+            </a:r>
+          </a:p>
+          <a:p>
+            <a:pPr algn="ctr"/>
+            <a:r>
+              <a:rPr lang="en-GB" sz="1000" dirty="0" smtClean="0"/>
+              <a:t>Transf.</a:t>
+            </a:r>
+          </a:p>
+          <a:p>
+            <a:pPr algn="ctr"/>
+            <a:r>
+              <a:rPr lang="en-GB" sz="1000" dirty="0" err="1" smtClean="0"/>
+              <a:t>Catalog</a:t>
+            </a:r>
+            <a:endParaRPr lang="en-GB" sz="1000" dirty="0"/>
+          </a:p>
+        </p:txBody>
+      </p:sp>
+      <p:sp>
+        <p:nvSpPr>
+          <p:cNvPr id="5" name="Esquina doblada 4"/>
+          <p:cNvSpPr/>
+          <p:nvPr/>
+        </p:nvSpPr>
+        <p:spPr>
+          <a:xfrm>
+            <a:off x="349782" y="332656"/>
+            <a:ext cx="645743" cy="807138"/>
+          </a:xfrm>
+          <a:prstGeom prst="foldedCorner">
+            <a:avLst>
+              <a:gd name="adj" fmla="val 25886"/>
+            </a:avLst>
+          </a:prstGeom>
+          <a:solidFill>
+            <a:schemeClr val="bg1">
+              <a:lumMod val="85000"/>
+            </a:schemeClr>
+          </a:solidFill>
+          <a:ln w="12700" cmpd="sng"/>
+        </p:spPr>
+        <p:style>
+          <a:lnRef idx="2">
+            <a:schemeClr val="dk1"/>
+          </a:lnRef>
+          <a:fillRef idx="1">
+            <a:schemeClr val="lt1"/>
+          </a:fillRef>
+          <a:effectRef idx="0">
+            <a:schemeClr val="dk1"/>
+          </a:effectRef>
+          <a:fontRef idx="minor">
+            <a:schemeClr val="dk1"/>
+          </a:fontRef>
+        </p:style>
+        <p:txBody>
+          <a:bodyPr rtlCol="0" anchor="ctr"/>
+          <a:lstStyle/>
+          <a:p>
+            <a:pPr algn="ctr"/>
+            <a:r>
+              <a:rPr lang="en-GB" sz="1000" dirty="0" smtClean="0"/>
+              <a:t>DAX</a:t>
+            </a:r>
+          </a:p>
+          <a:p>
+            <a:pPr algn="ctr"/>
+            <a:r>
+              <a:rPr lang="en-GB" sz="1000" dirty="0" smtClean="0"/>
+              <a:t>xml</a:t>
+            </a:r>
+            <a:endParaRPr lang="en-GB" sz="1000" dirty="0"/>
+          </a:p>
+        </p:txBody>
+      </p:sp>
+      <p:sp>
+        <p:nvSpPr>
+          <p:cNvPr id="6" name="Rectángulo 5"/>
+          <p:cNvSpPr/>
+          <p:nvPr/>
+        </p:nvSpPr>
+        <p:spPr>
+          <a:xfrm>
+            <a:off x="1618118" y="524831"/>
+            <a:ext cx="1214610" cy="422787"/>
+          </a:xfrm>
+          <a:prstGeom prst="rect">
+            <a:avLst/>
+          </a:prstGeom>
+          <a:ln w="12700" cmpd="sng"/>
+        </p:spPr>
+        <p:style>
+          <a:lnRef idx="2">
+            <a:schemeClr val="dk1"/>
+          </a:lnRef>
+          <a:fillRef idx="1">
+            <a:schemeClr val="lt1"/>
+          </a:fillRef>
+          <a:effectRef idx="0">
+            <a:schemeClr val="dk1"/>
+          </a:effectRef>
+          <a:fontRef idx="minor">
+            <a:schemeClr val="dk1"/>
+          </a:fontRef>
+        </p:style>
+        <p:txBody>
+          <a:bodyPr rtlCol="0" anchor="ctr"/>
+          <a:lstStyle/>
+          <a:p>
+            <a:pPr algn="ctr"/>
+            <a:r>
+              <a:rPr lang="en-GB" sz="1000" dirty="0" smtClean="0"/>
+              <a:t>DAX Annotator</a:t>
+            </a:r>
+            <a:endParaRPr lang="en-GB" sz="1000" dirty="0"/>
+          </a:p>
+        </p:txBody>
+      </p:sp>
+      <p:sp>
+        <p:nvSpPr>
+          <p:cNvPr id="7" name="Rectángulo 6"/>
+          <p:cNvSpPr/>
+          <p:nvPr/>
+        </p:nvSpPr>
+        <p:spPr>
+          <a:xfrm>
+            <a:off x="1618118" y="2333005"/>
+            <a:ext cx="1214610" cy="422787"/>
+          </a:xfrm>
+          <a:prstGeom prst="rect">
+            <a:avLst/>
+          </a:prstGeom>
+          <a:ln w="12700" cmpd="sng"/>
+        </p:spPr>
+        <p:style>
+          <a:lnRef idx="2">
+            <a:schemeClr val="dk1"/>
+          </a:lnRef>
+          <a:fillRef idx="1">
+            <a:schemeClr val="lt1"/>
+          </a:fillRef>
+          <a:effectRef idx="0">
+            <a:schemeClr val="dk1"/>
+          </a:effectRef>
+          <a:fontRef idx="minor">
+            <a:schemeClr val="dk1"/>
+          </a:fontRef>
+        </p:style>
+        <p:txBody>
+          <a:bodyPr rtlCol="0" anchor="ctr"/>
+          <a:lstStyle/>
+          <a:p>
+            <a:pPr algn="ctr"/>
+            <a:r>
+              <a:rPr lang="en-GB" sz="1000" dirty="0" smtClean="0"/>
+              <a:t>TC Annotator</a:t>
+            </a:r>
+            <a:endParaRPr lang="en-GB" sz="1000" dirty="0"/>
+          </a:p>
+        </p:txBody>
+      </p:sp>
+      <p:pic>
+        <p:nvPicPr>
+          <p:cNvPr id="8" name="Imagen 7" descr="Captura de pantalla 2014-03-31 a las 15.31.04.png"/>
+          <p:cNvPicPr>
+            <a:picLocks noChangeAspect="1"/>
+          </p:cNvPicPr>
+          <p:nvPr/>
+        </p:nvPicPr>
+        <p:blipFill>
+          <a:blip r:embed="rId2">
+            <a:extLst>
+              <a:ext uri="{28A0092B-C50C-407E-A947-70E740481C1C}">
+                <a14:useLocalDpi xmlns:a14="http://schemas.microsoft.com/office/drawing/2010/main" val="0"/>
+              </a:ext>
+            </a:extLst>
+          </a:blip>
+          <a:stretch>
+            <a:fillRect/>
+          </a:stretch>
+        </p:blipFill>
+        <p:spPr>
+          <a:xfrm>
+            <a:off x="675467" y="1340768"/>
+            <a:ext cx="1143648" cy="505333"/>
+          </a:xfrm>
+          <a:prstGeom prst="rect">
+            <a:avLst/>
+          </a:prstGeom>
+        </p:spPr>
+      </p:pic>
+      <p:sp>
+        <p:nvSpPr>
+          <p:cNvPr id="9" name="Esquina doblada 8"/>
+          <p:cNvSpPr/>
+          <p:nvPr/>
+        </p:nvSpPr>
+        <p:spPr>
+          <a:xfrm>
+            <a:off x="3404292" y="332657"/>
+            <a:ext cx="645743" cy="807138"/>
+          </a:xfrm>
+          <a:prstGeom prst="foldedCorner">
+            <a:avLst>
+              <a:gd name="adj" fmla="val 24349"/>
+            </a:avLst>
+          </a:prstGeom>
+          <a:solidFill>
+            <a:srgbClr val="D9D9D9"/>
+          </a:solidFill>
+          <a:ln w="12700" cmpd="sng"/>
+        </p:spPr>
+        <p:style>
+          <a:lnRef idx="2">
+            <a:schemeClr val="dk1"/>
+          </a:lnRef>
+          <a:fillRef idx="1">
+            <a:schemeClr val="lt1"/>
+          </a:fillRef>
+          <a:effectRef idx="0">
+            <a:schemeClr val="dk1"/>
+          </a:effectRef>
+          <a:fontRef idx="minor">
+            <a:schemeClr val="dk1"/>
+          </a:fontRef>
+        </p:style>
+        <p:txBody>
+          <a:bodyPr rtlCol="0" anchor="ctr"/>
+          <a:lstStyle/>
+          <a:p>
+            <a:pPr algn="ctr"/>
+            <a:r>
+              <a:rPr lang="en-GB" sz="1000" dirty="0" smtClean="0"/>
+              <a:t>WF</a:t>
+            </a:r>
+          </a:p>
+          <a:p>
+            <a:pPr algn="ctr"/>
+            <a:r>
+              <a:rPr lang="en-GB" sz="1000" dirty="0" err="1" smtClean="0"/>
+              <a:t>Annot</a:t>
+            </a:r>
+            <a:r>
+              <a:rPr lang="en-GB" sz="1000" dirty="0" smtClean="0"/>
+              <a:t>.</a:t>
+            </a:r>
+            <a:endParaRPr lang="en-GB" sz="1000" dirty="0"/>
+          </a:p>
+        </p:txBody>
+      </p:sp>
+      <p:cxnSp>
+        <p:nvCxnSpPr>
+          <p:cNvPr id="11" name="Conector recto de flecha 10"/>
+          <p:cNvCxnSpPr>
+            <a:stCxn id="5" idx="3"/>
+            <a:endCxn id="6" idx="1"/>
+          </p:cNvCxnSpPr>
+          <p:nvPr/>
+        </p:nvCxnSpPr>
+        <p:spPr>
           <a:xfrm>
             <a:off x="995525" y="736225"/>
             <a:ext cx="622593" cy="0"/>
@@ -8780,13 +12728,8 @@
             <a:pPr algn="ctr"/>
             <a:r>
               <a:rPr lang="en-GB" sz="1000" dirty="0" smtClean="0"/>
-              <a:t>SW </a:t>
-            </a:r>
-            <a:r>
-              <a:rPr lang="en-GB" sz="1000" dirty="0" smtClean="0"/>
-              <a:t>Comp.</a:t>
-            </a:r>
-            <a:endParaRPr lang="en-GB" sz="1000" dirty="0" smtClean="0"/>
+              <a:t>SW Comp.</a:t>
+            </a:r>
           </a:p>
           <a:p>
             <a:pPr algn="ctr"/>
@@ -8902,8 +12845,8 @@
         </p:nvSpPr>
         <p:spPr>
           <a:xfrm>
-            <a:off x="342240" y="4830261"/>
-            <a:ext cx="1545719" cy="422787"/>
+            <a:off x="342241" y="5460075"/>
+            <a:ext cx="989400" cy="422787"/>
           </a:xfrm>
           <a:prstGeom prst="rect">
             <a:avLst/>
@@ -8931,7 +12874,15 @@
             <a:pPr algn="ctr"/>
             <a:r>
               <a:rPr lang="en-GB" sz="1000" dirty="0" smtClean="0"/>
-              <a:t>Inf. Spec. Algorithm</a:t>
+              <a:t>Inf. Spec. </a:t>
+            </a:r>
+            <a:endParaRPr lang="en-GB" sz="1000" dirty="0" smtClean="0"/>
+          </a:p>
+          <a:p>
+            <a:pPr algn="ctr"/>
+            <a:r>
+              <a:rPr lang="en-GB" sz="1000" dirty="0" smtClean="0"/>
+              <a:t>Algorithm</a:t>
             </a:r>
             <a:endParaRPr lang="en-GB" sz="1000" dirty="0"/>
           </a:p>
@@ -9000,7 +12951,7 @@
         </p:nvSpPr>
         <p:spPr>
           <a:xfrm>
-            <a:off x="2558105" y="4638086"/>
+            <a:off x="1622001" y="5267900"/>
             <a:ext cx="645743" cy="807138"/>
           </a:xfrm>
           <a:prstGeom prst="foldedCorner">
@@ -9032,15 +12983,14 @@
             <a:pPr algn="ctr"/>
             <a:r>
               <a:rPr lang="en-GB" sz="1000" dirty="0" smtClean="0"/>
-              <a:t>PRECIP</a:t>
-            </a:r>
-            <a:endParaRPr lang="en-GB" sz="1000" dirty="0" smtClean="0"/>
+              <a:t>Abstract</a:t>
+            </a:r>
           </a:p>
           <a:p>
             <a:pPr algn="ctr"/>
             <a:r>
               <a:rPr lang="en-GB" sz="1000" dirty="0" smtClean="0"/>
-              <a:t>Script</a:t>
+              <a:t>Dep. Plan</a:t>
             </a:r>
             <a:endParaRPr lang="en-GB" sz="1000" dirty="0"/>
           </a:p>
@@ -9768,13 +13718,6 @@
                 </a:rPr>
                 <a:t>5</a:t>
               </a:r>
-              <a:endParaRPr lang="en-US" sz="1300" b="1" dirty="0">
-                <a:solidFill>
-                  <a:schemeClr val="bg1"/>
-                </a:solidFill>
-                <a:latin typeface="Arial"/>
-                <a:cs typeface="Arial"/>
-              </a:endParaRPr>
             </a:p>
           </p:txBody>
         </p:sp>
@@ -10094,13 +14037,6 @@
                 </a:rPr>
                 <a:t>7</a:t>
               </a:r>
-              <a:endParaRPr lang="en-US" sz="1300" b="1" dirty="0">
-                <a:solidFill>
-                  <a:schemeClr val="bg1"/>
-                </a:solidFill>
-                <a:latin typeface="Arial"/>
-                <a:cs typeface="Arial"/>
-              </a:endParaRPr>
             </a:p>
           </p:txBody>
         </p:sp>
@@ -10116,8 +14052,8 @@
         </p:nvCxnSpPr>
         <p:spPr>
           <a:xfrm>
-            <a:off x="1887959" y="5041655"/>
-            <a:ext cx="670146" cy="0"/>
+            <a:off x="1331641" y="5671469"/>
+            <a:ext cx="290360" cy="0"/>
           </a:xfrm>
           <a:prstGeom prst="straightConnector1">
             <a:avLst/>
@@ -10152,8 +14088,8 @@
         </p:nvCxnSpPr>
         <p:spPr>
           <a:xfrm rot="16200000" flipH="1">
-            <a:off x="558189" y="4273349"/>
-            <a:ext cx="671377" cy="442446"/>
+            <a:off x="104202" y="4727335"/>
+            <a:ext cx="1301191" cy="164287"/>
           </a:xfrm>
           <a:prstGeom prst="bentConnector3">
             <a:avLst>
@@ -10190,8 +14126,8 @@
         </p:nvCxnSpPr>
         <p:spPr>
           <a:xfrm rot="5400000">
-            <a:off x="2087959" y="3191056"/>
-            <a:ext cx="666346" cy="2612064"/>
+            <a:off x="1633973" y="3366884"/>
+            <a:ext cx="1296160" cy="2890223"/>
           </a:xfrm>
           <a:prstGeom prst="bentConnector3">
             <a:avLst>
@@ -10225,7 +14161,7 @@
         </p:nvGrpSpPr>
         <p:grpSpPr>
           <a:xfrm>
-            <a:off x="207320" y="5106854"/>
+            <a:off x="207320" y="5736668"/>
             <a:ext cx="284923" cy="292388"/>
             <a:chOff x="1689542" y="4469817"/>
             <a:chExt cx="284923" cy="292388"/>
@@ -10332,7 +14268,7 @@
         </p:nvGrpSpPr>
         <p:grpSpPr>
           <a:xfrm>
-            <a:off x="2408103" y="5243102"/>
+            <a:off x="1471999" y="5872916"/>
             <a:ext cx="284923" cy="292388"/>
             <a:chOff x="1689542" y="4469817"/>
             <a:chExt cx="284923" cy="292388"/>
@@ -10419,6 +14355,471 @@
                   <a:cs typeface="Arial"/>
                 </a:rPr>
                 <a:t>9</a:t>
+              </a:r>
+            </a:p>
+          </p:txBody>
+        </p:sp>
+      </p:grpSp>
+      <p:sp>
+        <p:nvSpPr>
+          <p:cNvPr id="62" name="Rectángulo 61"/>
+          <p:cNvSpPr/>
+          <p:nvPr/>
+        </p:nvSpPr>
+        <p:spPr>
+          <a:xfrm>
+            <a:off x="2549813" y="5454485"/>
+            <a:ext cx="712017" cy="422787"/>
+          </a:xfrm>
+          <a:prstGeom prst="rect">
+            <a:avLst/>
+          </a:prstGeom>
+          <a:ln w="12700" cmpd="sng"/>
+        </p:spPr>
+        <p:style>
+          <a:lnRef idx="2">
+            <a:schemeClr val="dk1"/>
+          </a:lnRef>
+          <a:fillRef idx="1">
+            <a:schemeClr val="lt1"/>
+          </a:fillRef>
+          <a:effectRef idx="0">
+            <a:schemeClr val="dk1"/>
+          </a:effectRef>
+          <a:fontRef idx="minor">
+            <a:schemeClr val="dk1"/>
+          </a:fontRef>
+        </p:style>
+        <p:txBody>
+          <a:bodyPr rtlCol="0" anchor="ctr"/>
+          <a:lstStyle/>
+          <a:p>
+            <a:pPr algn="ctr"/>
+            <a:r>
+              <a:rPr lang="en-GB" sz="1000" dirty="0" smtClean="0"/>
+              <a:t>Script</a:t>
+            </a:r>
+          </a:p>
+          <a:p>
+            <a:pPr algn="ctr"/>
+            <a:r>
+              <a:rPr lang="en-GB" sz="1000" dirty="0" smtClean="0"/>
+              <a:t>Generator</a:t>
+            </a:r>
+            <a:endParaRPr lang="en-GB" sz="1000" dirty="0"/>
+          </a:p>
+        </p:txBody>
+      </p:sp>
+      <p:cxnSp>
+        <p:nvCxnSpPr>
+          <p:cNvPr id="64" name="Conector recto de flecha 10"/>
+          <p:cNvCxnSpPr>
+            <a:stCxn id="59" idx="3"/>
+            <a:endCxn id="62" idx="1"/>
+          </p:cNvCxnSpPr>
+          <p:nvPr/>
+        </p:nvCxnSpPr>
+        <p:spPr>
+          <a:xfrm flipV="1">
+            <a:off x="2267744" y="5665879"/>
+            <a:ext cx="282069" cy="5590"/>
+          </a:xfrm>
+          <a:prstGeom prst="straightConnector1">
+            <a:avLst/>
+          </a:prstGeom>
+          <a:ln>
+            <a:tailEnd type="arrow" w="sm" len="sm"/>
+          </a:ln>
+        </p:spPr>
+        <p:style>
+          <a:lnRef idx="1">
+            <a:schemeClr val="dk1"/>
+          </a:lnRef>
+          <a:fillRef idx="0">
+            <a:schemeClr val="dk1"/>
+          </a:fillRef>
+          <a:effectRef idx="0">
+            <a:schemeClr val="dk1"/>
+          </a:effectRef>
+          <a:fontRef idx="minor">
+            <a:schemeClr val="tx1"/>
+          </a:fontRef>
+        </p:style>
+      </p:cxnSp>
+      <p:grpSp>
+        <p:nvGrpSpPr>
+          <p:cNvPr id="69" name="Group 131"/>
+          <p:cNvGrpSpPr/>
+          <p:nvPr/>
+        </p:nvGrpSpPr>
+        <p:grpSpPr>
+          <a:xfrm>
+            <a:off x="2366384" y="5782650"/>
+            <a:ext cx="370101" cy="292388"/>
+            <a:chOff x="1643183" y="4469817"/>
+            <a:chExt cx="370101" cy="292388"/>
+          </a:xfrm>
+        </p:grpSpPr>
+        <p:sp>
+          <p:nvSpPr>
+            <p:cNvPr id="74" name="Dodecágono 72"/>
+            <p:cNvSpPr/>
+            <p:nvPr/>
+          </p:nvSpPr>
+          <p:spPr>
+            <a:xfrm>
+              <a:off x="1689542" y="4471683"/>
+              <a:ext cx="284923" cy="280576"/>
+            </a:xfrm>
+            <a:prstGeom prst="dodecagon">
+              <a:avLst/>
+            </a:prstGeom>
+            <a:solidFill>
+              <a:srgbClr val="FF0000"/>
+            </a:solidFill>
+            <a:ln>
+              <a:solidFill>
+                <a:srgbClr val="FF0000"/>
+              </a:solidFill>
+            </a:ln>
+            <a:effectLst/>
+          </p:spPr>
+          <p:style>
+            <a:lnRef idx="1">
+              <a:schemeClr val="accent1"/>
+            </a:lnRef>
+            <a:fillRef idx="3">
+              <a:schemeClr val="accent1"/>
+            </a:fillRef>
+            <a:effectRef idx="2">
+              <a:schemeClr val="accent1"/>
+            </a:effectRef>
+            <a:fontRef idx="minor">
+              <a:schemeClr val="lt1"/>
+            </a:fontRef>
+          </p:style>
+          <p:txBody>
+            <a:bodyPr rtlCol="0" anchor="ctr"/>
+            <a:lstStyle/>
+            <a:p>
+              <a:endParaRPr lang="en-GB" sz="1300" dirty="0">
+                <a:latin typeface="Arial"/>
+                <a:cs typeface="Arial"/>
+              </a:endParaRPr>
+            </a:p>
+          </p:txBody>
+        </p:sp>
+        <p:sp>
+          <p:nvSpPr>
+            <p:cNvPr id="75" name="TextBox 133"/>
+            <p:cNvSpPr txBox="1"/>
+            <p:nvPr/>
+          </p:nvSpPr>
+          <p:spPr>
+            <a:xfrm>
+              <a:off x="1643183" y="4469817"/>
+              <a:ext cx="370101" cy="292388"/>
+            </a:xfrm>
+            <a:prstGeom prst="rect">
+              <a:avLst/>
+            </a:prstGeom>
+            <a:noFill/>
+          </p:spPr>
+          <p:txBody>
+            <a:bodyPr wrap="none" rtlCol="0">
+              <a:spAutoFit/>
+            </a:bodyPr>
+            <a:lstStyle/>
+            <a:p>
+              <a:pPr algn="ctr"/>
+              <a:r>
+                <a:rPr lang="en-US" sz="1300" b="1" dirty="0" smtClean="0">
+                  <a:solidFill>
+                    <a:schemeClr val="bg1"/>
+                  </a:solidFill>
+                  <a:latin typeface="Arial"/>
+                  <a:cs typeface="Arial"/>
+                </a:rPr>
+                <a:t>10</a:t>
+              </a:r>
+              <a:endParaRPr lang="en-US" sz="1300" b="1" dirty="0">
+                <a:solidFill>
+                  <a:schemeClr val="bg1"/>
+                </a:solidFill>
+                <a:latin typeface="Arial"/>
+                <a:cs typeface="Arial"/>
+              </a:endParaRPr>
+            </a:p>
+          </p:txBody>
+        </p:sp>
+      </p:grpSp>
+      <p:sp>
+        <p:nvSpPr>
+          <p:cNvPr id="76" name="Esquina doblada 75"/>
+          <p:cNvSpPr/>
+          <p:nvPr/>
+        </p:nvSpPr>
+        <p:spPr>
+          <a:xfrm>
+            <a:off x="3540032" y="4995948"/>
+            <a:ext cx="593198" cy="737308"/>
+          </a:xfrm>
+          <a:prstGeom prst="foldedCorner">
+            <a:avLst>
+              <a:gd name="adj" fmla="val 22813"/>
+            </a:avLst>
+          </a:prstGeom>
+          <a:solidFill>
+            <a:srgbClr val="D9D9D9"/>
+          </a:solidFill>
+          <a:ln w="12700" cmpd="sng"/>
+        </p:spPr>
+        <p:style>
+          <a:lnRef idx="2">
+            <a:schemeClr val="dk1"/>
+          </a:lnRef>
+          <a:fillRef idx="1">
+            <a:schemeClr val="lt1"/>
+          </a:fillRef>
+          <a:effectRef idx="0">
+            <a:schemeClr val="dk1"/>
+          </a:effectRef>
+          <a:fontRef idx="minor">
+            <a:schemeClr val="dk1"/>
+          </a:fontRef>
+        </p:style>
+        <p:txBody>
+          <a:bodyPr rtlCol="0" anchor="ctr"/>
+          <a:lstStyle/>
+          <a:p>
+            <a:pPr algn="ctr"/>
+            <a:r>
+              <a:rPr lang="en-GB" sz="1000" dirty="0" smtClean="0"/>
+              <a:t>PRECIP</a:t>
+            </a:r>
+            <a:endParaRPr lang="en-GB" sz="1000" dirty="0"/>
+          </a:p>
+        </p:txBody>
+      </p:sp>
+      <p:sp>
+        <p:nvSpPr>
+          <p:cNvPr id="77" name="Esquina doblada 76"/>
+          <p:cNvSpPr/>
+          <p:nvPr/>
+        </p:nvSpPr>
+        <p:spPr>
+          <a:xfrm>
+            <a:off x="3690770" y="5589240"/>
+            <a:ext cx="593198" cy="737308"/>
+          </a:xfrm>
+          <a:prstGeom prst="foldedCorner">
+            <a:avLst>
+              <a:gd name="adj" fmla="val 22813"/>
+            </a:avLst>
+          </a:prstGeom>
+          <a:solidFill>
+            <a:srgbClr val="D9D9D9"/>
+          </a:solidFill>
+          <a:ln w="12700" cmpd="sng"/>
+        </p:spPr>
+        <p:style>
+          <a:lnRef idx="2">
+            <a:schemeClr val="dk1"/>
+          </a:lnRef>
+          <a:fillRef idx="1">
+            <a:schemeClr val="lt1"/>
+          </a:fillRef>
+          <a:effectRef idx="0">
+            <a:schemeClr val="dk1"/>
+          </a:effectRef>
+          <a:fontRef idx="minor">
+            <a:schemeClr val="dk1"/>
+          </a:fontRef>
+        </p:style>
+        <p:txBody>
+          <a:bodyPr rtlCol="0" anchor="ctr"/>
+          <a:lstStyle/>
+          <a:p>
+            <a:pPr algn="ctr"/>
+            <a:r>
+              <a:rPr lang="en-GB" sz="1000" dirty="0" smtClean="0"/>
+              <a:t>Vagrant</a:t>
+            </a:r>
+            <a:endParaRPr lang="en-GB" sz="1000" dirty="0"/>
+          </a:p>
+        </p:txBody>
+      </p:sp>
+      <p:cxnSp>
+        <p:nvCxnSpPr>
+          <p:cNvPr id="78" name="Conector angular 28"/>
+          <p:cNvCxnSpPr>
+            <a:stCxn id="62" idx="3"/>
+            <a:endCxn id="76" idx="1"/>
+          </p:cNvCxnSpPr>
+          <p:nvPr/>
+        </p:nvCxnSpPr>
+        <p:spPr>
+          <a:xfrm flipV="1">
+            <a:off x="3261830" y="5364602"/>
+            <a:ext cx="278202" cy="301277"/>
+          </a:xfrm>
+          <a:prstGeom prst="bentConnector3">
+            <a:avLst>
+              <a:gd name="adj1" fmla="val 45435"/>
+            </a:avLst>
+          </a:prstGeom>
+          <a:ln>
+            <a:tailEnd type="arrow" w="sm" len="sm"/>
+          </a:ln>
+        </p:spPr>
+        <p:style>
+          <a:lnRef idx="1">
+            <a:schemeClr val="dk1"/>
+          </a:lnRef>
+          <a:fillRef idx="0">
+            <a:schemeClr val="dk1"/>
+          </a:fillRef>
+          <a:effectRef idx="0">
+            <a:schemeClr val="dk1"/>
+          </a:effectRef>
+          <a:fontRef idx="minor">
+            <a:schemeClr val="tx1"/>
+          </a:fontRef>
+        </p:style>
+      </p:cxnSp>
+      <p:cxnSp>
+        <p:nvCxnSpPr>
+          <p:cNvPr id="79" name="Conector angular 28"/>
+          <p:cNvCxnSpPr>
+            <a:stCxn id="62" idx="3"/>
+            <a:endCxn id="77" idx="1"/>
+          </p:cNvCxnSpPr>
+          <p:nvPr/>
+        </p:nvCxnSpPr>
+        <p:spPr>
+          <a:xfrm>
+            <a:off x="3261830" y="5665879"/>
+            <a:ext cx="428940" cy="292015"/>
+          </a:xfrm>
+          <a:prstGeom prst="bentConnector3">
+            <a:avLst>
+              <a:gd name="adj1" fmla="val 29274"/>
+            </a:avLst>
+          </a:prstGeom>
+          <a:ln>
+            <a:tailEnd type="arrow" w="sm" len="sm"/>
+          </a:ln>
+        </p:spPr>
+        <p:style>
+          <a:lnRef idx="1">
+            <a:schemeClr val="dk1"/>
+          </a:lnRef>
+          <a:fillRef idx="0">
+            <a:schemeClr val="dk1"/>
+          </a:fillRef>
+          <a:effectRef idx="0">
+            <a:schemeClr val="dk1"/>
+          </a:effectRef>
+          <a:fontRef idx="minor">
+            <a:schemeClr val="tx1"/>
+          </a:fontRef>
+        </p:style>
+      </p:cxnSp>
+      <p:grpSp>
+        <p:nvGrpSpPr>
+          <p:cNvPr id="90" name="Group 131"/>
+          <p:cNvGrpSpPr/>
+          <p:nvPr/>
+        </p:nvGrpSpPr>
+        <p:grpSpPr>
+          <a:xfrm>
+            <a:off x="3434921" y="5519685"/>
+            <a:ext cx="360902" cy="292388"/>
+            <a:chOff x="1647783" y="4469817"/>
+            <a:chExt cx="360902" cy="292388"/>
+          </a:xfrm>
+        </p:grpSpPr>
+        <p:sp>
+          <p:nvSpPr>
+            <p:cNvPr id="91" name="Dodecágono 72"/>
+            <p:cNvSpPr/>
+            <p:nvPr/>
+          </p:nvSpPr>
+          <p:spPr>
+            <a:xfrm>
+              <a:off x="1689542" y="4471683"/>
+              <a:ext cx="284923" cy="280576"/>
+            </a:xfrm>
+            <a:prstGeom prst="dodecagon">
+              <a:avLst/>
+            </a:prstGeom>
+            <a:solidFill>
+              <a:srgbClr val="FF0000"/>
+            </a:solidFill>
+            <a:ln>
+              <a:solidFill>
+                <a:srgbClr val="FF0000"/>
+              </a:solidFill>
+            </a:ln>
+            <a:effectLst/>
+          </p:spPr>
+          <p:style>
+            <a:lnRef idx="1">
+              <a:schemeClr val="accent1"/>
+            </a:lnRef>
+            <a:fillRef idx="3">
+              <a:schemeClr val="accent1"/>
+            </a:fillRef>
+            <a:effectRef idx="2">
+              <a:schemeClr val="accent1"/>
+            </a:effectRef>
+            <a:fontRef idx="minor">
+              <a:schemeClr val="lt1"/>
+            </a:fontRef>
+          </p:style>
+          <p:txBody>
+            <a:bodyPr rtlCol="0" anchor="ctr"/>
+            <a:lstStyle/>
+            <a:p>
+              <a:endParaRPr lang="en-GB" sz="1300" dirty="0">
+                <a:latin typeface="Arial"/>
+                <a:cs typeface="Arial"/>
+              </a:endParaRPr>
+            </a:p>
+          </p:txBody>
+        </p:sp>
+        <p:sp>
+          <p:nvSpPr>
+            <p:cNvPr id="92" name="TextBox 133"/>
+            <p:cNvSpPr txBox="1"/>
+            <p:nvPr/>
+          </p:nvSpPr>
+          <p:spPr>
+            <a:xfrm>
+              <a:off x="1647783" y="4469817"/>
+              <a:ext cx="360902" cy="292388"/>
+            </a:xfrm>
+            <a:prstGeom prst="rect">
+              <a:avLst/>
+            </a:prstGeom>
+            <a:noFill/>
+          </p:spPr>
+          <p:txBody>
+            <a:bodyPr wrap="none" rtlCol="0">
+              <a:spAutoFit/>
+            </a:bodyPr>
+            <a:lstStyle/>
+            <a:p>
+              <a:pPr algn="ctr"/>
+              <a:r>
+                <a:rPr lang="en-US" sz="1300" b="1" dirty="0" smtClean="0">
+                  <a:solidFill>
+                    <a:schemeClr val="bg1"/>
+                  </a:solidFill>
+                  <a:latin typeface="Arial"/>
+                  <a:cs typeface="Arial"/>
+                </a:rPr>
+                <a:t>11</a:t>
               </a:r>
               <a:endParaRPr lang="en-US" sz="1300" b="1" dirty="0">
                 <a:solidFill>

--- a/data/Diagrams.pptx
+++ b/data/Diagrams.pptx
@@ -10,6 +10,7 @@
     <p:sldId id="262" r:id="rId4"/>
     <p:sldId id="260" r:id="rId5"/>
     <p:sldId id="261" r:id="rId6"/>
+    <p:sldId id="263" r:id="rId7"/>
   </p:sldIdLst>
   <p:sldSz cx="9144000" cy="6858000" type="screen4x3"/>
   <p:notesSz cx="6858000" cy="9144000"/>
@@ -292,7 +293,7 @@
           <a:p>
             <a:fld id="{FD09FB90-A83B-E248-A89C-4D42C06EC9BD}" type="datetimeFigureOut">
               <a:rPr lang="en-US" smtClean="0"/>
-              <a:t>11/03/15</a:t>
+              <a:t>16/03/15</a:t>
             </a:fld>
             <a:endParaRPr lang="en-US"/>
           </a:p>
@@ -457,7 +458,7 @@
           <a:p>
             <a:fld id="{FD09FB90-A83B-E248-A89C-4D42C06EC9BD}" type="datetimeFigureOut">
               <a:rPr lang="en-US" smtClean="0"/>
-              <a:t>11/03/15</a:t>
+              <a:t>16/03/15</a:t>
             </a:fld>
             <a:endParaRPr lang="en-US"/>
           </a:p>
@@ -632,7 +633,7 @@
           <a:p>
             <a:fld id="{FD09FB90-A83B-E248-A89C-4D42C06EC9BD}" type="datetimeFigureOut">
               <a:rPr lang="en-US" smtClean="0"/>
-              <a:t>11/03/15</a:t>
+              <a:t>16/03/15</a:t>
             </a:fld>
             <a:endParaRPr lang="en-US"/>
           </a:p>
@@ -797,7 +798,7 @@
           <a:p>
             <a:fld id="{FD09FB90-A83B-E248-A89C-4D42C06EC9BD}" type="datetimeFigureOut">
               <a:rPr lang="en-US" smtClean="0"/>
-              <a:t>11/03/15</a:t>
+              <a:t>16/03/15</a:t>
             </a:fld>
             <a:endParaRPr lang="en-US"/>
           </a:p>
@@ -1038,7 +1039,7 @@
           <a:p>
             <a:fld id="{FD09FB90-A83B-E248-A89C-4D42C06EC9BD}" type="datetimeFigureOut">
               <a:rPr lang="en-US" smtClean="0"/>
-              <a:t>11/03/15</a:t>
+              <a:t>16/03/15</a:t>
             </a:fld>
             <a:endParaRPr lang="en-US"/>
           </a:p>
@@ -1321,7 +1322,7 @@
           <a:p>
             <a:fld id="{FD09FB90-A83B-E248-A89C-4D42C06EC9BD}" type="datetimeFigureOut">
               <a:rPr lang="en-US" smtClean="0"/>
-              <a:t>11/03/15</a:t>
+              <a:t>16/03/15</a:t>
             </a:fld>
             <a:endParaRPr lang="en-US"/>
           </a:p>
@@ -1738,7 +1739,7 @@
           <a:p>
             <a:fld id="{FD09FB90-A83B-E248-A89C-4D42C06EC9BD}" type="datetimeFigureOut">
               <a:rPr lang="en-US" smtClean="0"/>
-              <a:t>11/03/15</a:t>
+              <a:t>16/03/15</a:t>
             </a:fld>
             <a:endParaRPr lang="en-US"/>
           </a:p>
@@ -1851,7 +1852,7 @@
           <a:p>
             <a:fld id="{FD09FB90-A83B-E248-A89C-4D42C06EC9BD}" type="datetimeFigureOut">
               <a:rPr lang="en-US" smtClean="0"/>
-              <a:t>11/03/15</a:t>
+              <a:t>16/03/15</a:t>
             </a:fld>
             <a:endParaRPr lang="en-US"/>
           </a:p>
@@ -1941,7 +1942,7 @@
           <a:p>
             <a:fld id="{FD09FB90-A83B-E248-A89C-4D42C06EC9BD}" type="datetimeFigureOut">
               <a:rPr lang="en-US" smtClean="0"/>
-              <a:t>11/03/15</a:t>
+              <a:t>16/03/15</a:t>
             </a:fld>
             <a:endParaRPr lang="en-US"/>
           </a:p>
@@ -2213,7 +2214,7 @@
           <a:p>
             <a:fld id="{FD09FB90-A83B-E248-A89C-4D42C06EC9BD}" type="datetimeFigureOut">
               <a:rPr lang="en-US" smtClean="0"/>
-              <a:t>11/03/15</a:t>
+              <a:t>16/03/15</a:t>
             </a:fld>
             <a:endParaRPr lang="en-US"/>
           </a:p>
@@ -2461,7 +2462,7 @@
           <a:p>
             <a:fld id="{FD09FB90-A83B-E248-A89C-4D42C06EC9BD}" type="datetimeFigureOut">
               <a:rPr lang="en-US" smtClean="0"/>
-              <a:t>11/03/15</a:t>
+              <a:t>16/03/15</a:t>
             </a:fld>
             <a:endParaRPr lang="en-US"/>
           </a:p>
@@ -2669,7 +2670,7 @@
           <a:p>
             <a:fld id="{FD09FB90-A83B-E248-A89C-4D42C06EC9BD}" type="datetimeFigureOut">
               <a:rPr lang="en-US" smtClean="0"/>
-              <a:t>11/03/15</a:t>
+              <a:t>16/03/15</a:t>
             </a:fld>
             <a:endParaRPr lang="en-US"/>
           </a:p>
@@ -12876,7 +12877,6 @@
               <a:rPr lang="en-GB" sz="1000" dirty="0" smtClean="0"/>
               <a:t>Inf. Spec. </a:t>
             </a:r>
-            <a:endParaRPr lang="en-GB" sz="1000" dirty="0" smtClean="0"/>
           </a:p>
           <a:p>
             <a:pPr algn="ctr"/>
@@ -14849,6 +14849,588 @@
       </p:par>
     </p:tnLst>
   </p:timing>
+</p:sld>
+</file>
+
+<file path=ppt/slides/slide6.xml><?xml version="1.0" encoding="utf-8"?>
+<p:sld xmlns:a="http://schemas.openxmlformats.org/drawingml/2006/main" xmlns:r="http://schemas.openxmlformats.org/officeDocument/2006/relationships" xmlns:p="http://schemas.openxmlformats.org/presentationml/2006/main">
+  <p:cSld>
+    <p:spTree>
+      <p:nvGrpSpPr>
+        <p:cNvPr id="1" name=""/>
+        <p:cNvGrpSpPr/>
+        <p:nvPr/>
+      </p:nvGrpSpPr>
+      <p:grpSpPr>
+        <a:xfrm>
+          <a:off x="0" y="0"/>
+          <a:ext cx="0" cy="0"/>
+          <a:chOff x="0" y="0"/>
+          <a:chExt cx="0" cy="0"/>
+        </a:xfrm>
+      </p:grpSpPr>
+      <p:sp>
+        <p:nvSpPr>
+          <p:cNvPr id="6" name="Rectángulo 5"/>
+          <p:cNvSpPr/>
+          <p:nvPr/>
+        </p:nvSpPr>
+        <p:spPr>
+          <a:xfrm>
+            <a:off x="971600" y="1268760"/>
+            <a:ext cx="1937670" cy="576064"/>
+          </a:xfrm>
+          <a:prstGeom prst="rect">
+            <a:avLst/>
+          </a:prstGeom>
+        </p:spPr>
+        <p:style>
+          <a:lnRef idx="2">
+            <a:schemeClr val="dk1"/>
+          </a:lnRef>
+          <a:fillRef idx="1">
+            <a:schemeClr val="lt1"/>
+          </a:fillRef>
+          <a:effectRef idx="0">
+            <a:schemeClr val="dk1"/>
+          </a:effectRef>
+          <a:fontRef idx="minor">
+            <a:schemeClr val="dk1"/>
+          </a:fontRef>
+        </p:style>
+        <p:txBody>
+          <a:bodyPr rtlCol="0" anchor="ctr"/>
+          <a:lstStyle/>
+          <a:p>
+            <a:pPr algn="ctr"/>
+            <a:r>
+              <a:rPr lang="en-GB" dirty="0" smtClean="0"/>
+              <a:t>Software Stack</a:t>
+            </a:r>
+            <a:endParaRPr lang="en-GB" dirty="0"/>
+          </a:p>
+        </p:txBody>
+      </p:sp>
+      <p:sp>
+        <p:nvSpPr>
+          <p:cNvPr id="7" name="Rectángulo 6"/>
+          <p:cNvSpPr/>
+          <p:nvPr/>
+        </p:nvSpPr>
+        <p:spPr>
+          <a:xfrm>
+            <a:off x="4842996" y="1280468"/>
+            <a:ext cx="2448272" cy="576064"/>
+          </a:xfrm>
+          <a:prstGeom prst="rect">
+            <a:avLst/>
+          </a:prstGeom>
+        </p:spPr>
+        <p:style>
+          <a:lnRef idx="2">
+            <a:schemeClr val="dk1"/>
+          </a:lnRef>
+          <a:fillRef idx="1">
+            <a:schemeClr val="lt1"/>
+          </a:fillRef>
+          <a:effectRef idx="0">
+            <a:schemeClr val="dk1"/>
+          </a:effectRef>
+          <a:fontRef idx="minor">
+            <a:schemeClr val="dk1"/>
+          </a:fontRef>
+        </p:style>
+        <p:txBody>
+          <a:bodyPr rtlCol="0" anchor="ctr"/>
+          <a:lstStyle/>
+          <a:p>
+            <a:pPr algn="ctr"/>
+            <a:r>
+              <a:rPr lang="en-GB" dirty="0" smtClean="0"/>
+              <a:t>Software Component</a:t>
+            </a:r>
+            <a:endParaRPr lang="en-GB" dirty="0"/>
+          </a:p>
+        </p:txBody>
+      </p:sp>
+      <p:sp>
+        <p:nvSpPr>
+          <p:cNvPr id="8" name="Rectángulo 7"/>
+          <p:cNvSpPr/>
+          <p:nvPr/>
+        </p:nvSpPr>
+        <p:spPr>
+          <a:xfrm>
+            <a:off x="1043608" y="2708920"/>
+            <a:ext cx="2448272" cy="576064"/>
+          </a:xfrm>
+          <a:prstGeom prst="rect">
+            <a:avLst/>
+          </a:prstGeom>
+        </p:spPr>
+        <p:style>
+          <a:lnRef idx="2">
+            <a:schemeClr val="dk1"/>
+          </a:lnRef>
+          <a:fillRef idx="1">
+            <a:schemeClr val="lt1"/>
+          </a:fillRef>
+          <a:effectRef idx="0">
+            <a:schemeClr val="dk1"/>
+          </a:effectRef>
+          <a:fontRef idx="minor">
+            <a:schemeClr val="dk1"/>
+          </a:fontRef>
+        </p:style>
+        <p:txBody>
+          <a:bodyPr rtlCol="0" anchor="ctr"/>
+          <a:lstStyle/>
+          <a:p>
+            <a:pPr algn="ctr"/>
+            <a:r>
+              <a:rPr lang="en-GB" dirty="0" smtClean="0"/>
+              <a:t>Deployment Step</a:t>
+            </a:r>
+            <a:endParaRPr lang="en-GB" dirty="0"/>
+          </a:p>
+        </p:txBody>
+      </p:sp>
+      <p:sp>
+        <p:nvSpPr>
+          <p:cNvPr id="9" name="Rectángulo 8"/>
+          <p:cNvSpPr/>
+          <p:nvPr/>
+        </p:nvSpPr>
+        <p:spPr>
+          <a:xfrm>
+            <a:off x="4854952" y="2708920"/>
+            <a:ext cx="2448272" cy="576064"/>
+          </a:xfrm>
+          <a:prstGeom prst="rect">
+            <a:avLst/>
+          </a:prstGeom>
+        </p:spPr>
+        <p:style>
+          <a:lnRef idx="2">
+            <a:schemeClr val="dk1"/>
+          </a:lnRef>
+          <a:fillRef idx="1">
+            <a:schemeClr val="lt1"/>
+          </a:fillRef>
+          <a:effectRef idx="0">
+            <a:schemeClr val="dk1"/>
+          </a:effectRef>
+          <a:fontRef idx="minor">
+            <a:schemeClr val="dk1"/>
+          </a:fontRef>
+        </p:style>
+        <p:txBody>
+          <a:bodyPr rtlCol="0" anchor="ctr"/>
+          <a:lstStyle/>
+          <a:p>
+            <a:pPr algn="ctr"/>
+            <a:r>
+              <a:rPr lang="en-GB" dirty="0" smtClean="0"/>
+              <a:t>Deployment Plan</a:t>
+            </a:r>
+            <a:endParaRPr lang="en-GB" dirty="0"/>
+          </a:p>
+        </p:txBody>
+      </p:sp>
+      <p:cxnSp>
+        <p:nvCxnSpPr>
+          <p:cNvPr id="11" name="Conector recto 10"/>
+          <p:cNvCxnSpPr>
+            <a:stCxn id="6" idx="3"/>
+            <a:endCxn id="7" idx="1"/>
+          </p:cNvCxnSpPr>
+          <p:nvPr/>
+        </p:nvCxnSpPr>
+        <p:spPr>
+          <a:xfrm>
+            <a:off x="2909270" y="1556792"/>
+            <a:ext cx="1933726" cy="11708"/>
+          </a:xfrm>
+          <a:prstGeom prst="line">
+            <a:avLst/>
+          </a:prstGeom>
+          <a:ln>
+            <a:headEnd type="none"/>
+            <a:tailEnd type="triangle"/>
+          </a:ln>
+          <a:effectLst/>
+        </p:spPr>
+        <p:style>
+          <a:lnRef idx="2">
+            <a:schemeClr val="dk1"/>
+          </a:lnRef>
+          <a:fillRef idx="0">
+            <a:schemeClr val="dk1"/>
+          </a:fillRef>
+          <a:effectRef idx="1">
+            <a:schemeClr val="dk1"/>
+          </a:effectRef>
+          <a:fontRef idx="minor">
+            <a:schemeClr val="tx1"/>
+          </a:fontRef>
+        </p:style>
+      </p:cxnSp>
+      <p:cxnSp>
+        <p:nvCxnSpPr>
+          <p:cNvPr id="12" name="Conector recto 11"/>
+          <p:cNvCxnSpPr>
+            <a:stCxn id="9" idx="0"/>
+            <a:endCxn id="7" idx="2"/>
+          </p:cNvCxnSpPr>
+          <p:nvPr/>
+        </p:nvCxnSpPr>
+        <p:spPr>
+          <a:xfrm flipH="1" flipV="1">
+            <a:off x="6067132" y="1856532"/>
+            <a:ext cx="11956" cy="852388"/>
+          </a:xfrm>
+          <a:prstGeom prst="line">
+            <a:avLst/>
+          </a:prstGeom>
+          <a:ln>
+            <a:headEnd type="none"/>
+            <a:tailEnd type="triangle"/>
+          </a:ln>
+          <a:effectLst/>
+        </p:spPr>
+        <p:style>
+          <a:lnRef idx="2">
+            <a:schemeClr val="dk1"/>
+          </a:lnRef>
+          <a:fillRef idx="0">
+            <a:schemeClr val="dk1"/>
+          </a:fillRef>
+          <a:effectRef idx="1">
+            <a:schemeClr val="dk1"/>
+          </a:effectRef>
+          <a:fontRef idx="minor">
+            <a:schemeClr val="tx1"/>
+          </a:fontRef>
+        </p:style>
+      </p:cxnSp>
+      <p:cxnSp>
+        <p:nvCxnSpPr>
+          <p:cNvPr id="15" name="Conector recto 14"/>
+          <p:cNvCxnSpPr>
+            <a:stCxn id="8" idx="3"/>
+            <a:endCxn id="9" idx="1"/>
+          </p:cNvCxnSpPr>
+          <p:nvPr/>
+        </p:nvCxnSpPr>
+        <p:spPr>
+          <a:xfrm>
+            <a:off x="3491880" y="2996952"/>
+            <a:ext cx="1363072" cy="0"/>
+          </a:xfrm>
+          <a:prstGeom prst="line">
+            <a:avLst/>
+          </a:prstGeom>
+          <a:ln>
+            <a:headEnd type="none"/>
+            <a:tailEnd type="triangle"/>
+          </a:ln>
+          <a:effectLst/>
+        </p:spPr>
+        <p:style>
+          <a:lnRef idx="2">
+            <a:schemeClr val="dk1"/>
+          </a:lnRef>
+          <a:fillRef idx="0">
+            <a:schemeClr val="dk1"/>
+          </a:fillRef>
+          <a:effectRef idx="1">
+            <a:schemeClr val="dk1"/>
+          </a:effectRef>
+          <a:fontRef idx="minor">
+            <a:schemeClr val="tx1"/>
+          </a:fontRef>
+        </p:style>
+      </p:cxnSp>
+      <p:sp>
+        <p:nvSpPr>
+          <p:cNvPr id="19" name="CuadroTexto 18"/>
+          <p:cNvSpPr txBox="1"/>
+          <p:nvPr/>
+        </p:nvSpPr>
+        <p:spPr>
+          <a:xfrm>
+            <a:off x="2909270" y="1223517"/>
+            <a:ext cx="288032" cy="307777"/>
+          </a:xfrm>
+          <a:prstGeom prst="rect">
+            <a:avLst/>
+          </a:prstGeom>
+          <a:noFill/>
+        </p:spPr>
+        <p:txBody>
+          <a:bodyPr wrap="square" rtlCol="0">
+            <a:spAutoFit/>
+          </a:bodyPr>
+          <a:lstStyle/>
+          <a:p>
+            <a:r>
+              <a:rPr lang="en-GB" sz="1400" dirty="0" smtClean="0"/>
+              <a:t>1</a:t>
+            </a:r>
+            <a:endParaRPr lang="en-GB" sz="1400" dirty="0"/>
+          </a:p>
+        </p:txBody>
+      </p:sp>
+      <p:sp>
+        <p:nvSpPr>
+          <p:cNvPr id="20" name="CuadroTexto 19"/>
+          <p:cNvSpPr txBox="1"/>
+          <p:nvPr/>
+        </p:nvSpPr>
+        <p:spPr>
+          <a:xfrm>
+            <a:off x="6079088" y="1856532"/>
+            <a:ext cx="288032" cy="307777"/>
+          </a:xfrm>
+          <a:prstGeom prst="rect">
+            <a:avLst/>
+          </a:prstGeom>
+          <a:noFill/>
+        </p:spPr>
+        <p:txBody>
+          <a:bodyPr wrap="square" rtlCol="0">
+            <a:spAutoFit/>
+          </a:bodyPr>
+          <a:lstStyle/>
+          <a:p>
+            <a:r>
+              <a:rPr lang="en-GB" sz="1400" dirty="0" smtClean="0"/>
+              <a:t>1</a:t>
+            </a:r>
+            <a:endParaRPr lang="en-GB" sz="1400" dirty="0"/>
+          </a:p>
+        </p:txBody>
+      </p:sp>
+      <p:sp>
+        <p:nvSpPr>
+          <p:cNvPr id="21" name="CuadroTexto 20"/>
+          <p:cNvSpPr txBox="1"/>
+          <p:nvPr/>
+        </p:nvSpPr>
+        <p:spPr>
+          <a:xfrm>
+            <a:off x="4153396" y="2708920"/>
+            <a:ext cx="288032" cy="307777"/>
+          </a:xfrm>
+          <a:prstGeom prst="rect">
+            <a:avLst/>
+          </a:prstGeom>
+          <a:noFill/>
+        </p:spPr>
+        <p:txBody>
+          <a:bodyPr wrap="square" rtlCol="0">
+            <a:spAutoFit/>
+          </a:bodyPr>
+          <a:lstStyle/>
+          <a:p>
+            <a:r>
+              <a:rPr lang="en-GB" sz="1400" dirty="0" smtClean="0"/>
+              <a:t>1</a:t>
+            </a:r>
+            <a:endParaRPr lang="en-GB" sz="1400" dirty="0"/>
+          </a:p>
+        </p:txBody>
+      </p:sp>
+      <p:sp>
+        <p:nvSpPr>
+          <p:cNvPr id="22" name="CuadroTexto 21"/>
+          <p:cNvSpPr txBox="1"/>
+          <p:nvPr/>
+        </p:nvSpPr>
+        <p:spPr>
+          <a:xfrm>
+            <a:off x="4139952" y="1228690"/>
+            <a:ext cx="288032" cy="400110"/>
+          </a:xfrm>
+          <a:prstGeom prst="rect">
+            <a:avLst/>
+          </a:prstGeom>
+          <a:noFill/>
+        </p:spPr>
+        <p:txBody>
+          <a:bodyPr wrap="square" rtlCol="0">
+            <a:spAutoFit/>
+          </a:bodyPr>
+          <a:lstStyle/>
+          <a:p>
+            <a:r>
+              <a:rPr lang="en-GB" sz="2000" dirty="0"/>
+              <a:t>*</a:t>
+            </a:r>
+            <a:endParaRPr lang="en-GB" sz="2000" dirty="0"/>
+          </a:p>
+        </p:txBody>
+      </p:sp>
+      <p:sp>
+        <p:nvSpPr>
+          <p:cNvPr id="23" name="CuadroTexto 22"/>
+          <p:cNvSpPr txBox="1"/>
+          <p:nvPr/>
+        </p:nvSpPr>
+        <p:spPr>
+          <a:xfrm>
+            <a:off x="6079088" y="2420888"/>
+            <a:ext cx="288032" cy="400110"/>
+          </a:xfrm>
+          <a:prstGeom prst="rect">
+            <a:avLst/>
+          </a:prstGeom>
+          <a:noFill/>
+        </p:spPr>
+        <p:txBody>
+          <a:bodyPr wrap="square" rtlCol="0">
+            <a:spAutoFit/>
+          </a:bodyPr>
+          <a:lstStyle/>
+          <a:p>
+            <a:r>
+              <a:rPr lang="en-GB" sz="2000" dirty="0"/>
+              <a:t>*</a:t>
+            </a:r>
+            <a:endParaRPr lang="en-GB" sz="2000" dirty="0"/>
+          </a:p>
+        </p:txBody>
+      </p:sp>
+      <p:sp>
+        <p:nvSpPr>
+          <p:cNvPr id="24" name="CuadroTexto 23"/>
+          <p:cNvSpPr txBox="1"/>
+          <p:nvPr/>
+        </p:nvSpPr>
+        <p:spPr>
+          <a:xfrm>
+            <a:off x="3471416" y="2708920"/>
+            <a:ext cx="288032" cy="400110"/>
+          </a:xfrm>
+          <a:prstGeom prst="rect">
+            <a:avLst/>
+          </a:prstGeom>
+          <a:noFill/>
+        </p:spPr>
+        <p:txBody>
+          <a:bodyPr wrap="square" rtlCol="0">
+            <a:spAutoFit/>
+          </a:bodyPr>
+          <a:lstStyle/>
+          <a:p>
+            <a:r>
+              <a:rPr lang="en-GB" sz="2000" dirty="0"/>
+              <a:t>*</a:t>
+            </a:r>
+            <a:endParaRPr lang="en-GB" sz="2000" dirty="0"/>
+          </a:p>
+        </p:txBody>
+      </p:sp>
+      <p:sp>
+        <p:nvSpPr>
+          <p:cNvPr id="25" name="CuadroTexto 24"/>
+          <p:cNvSpPr txBox="1"/>
+          <p:nvPr/>
+        </p:nvSpPr>
+        <p:spPr>
+          <a:xfrm>
+            <a:off x="3207248" y="1590908"/>
+            <a:ext cx="1508768" cy="253916"/>
+          </a:xfrm>
+          <a:prstGeom prst="rect">
+            <a:avLst/>
+          </a:prstGeom>
+          <a:noFill/>
+        </p:spPr>
+        <p:txBody>
+          <a:bodyPr wrap="none" rtlCol="0">
+            <a:spAutoFit/>
+          </a:bodyPr>
+          <a:lstStyle/>
+          <a:p>
+            <a:r>
+              <a:rPr lang="en-GB" sz="1050" dirty="0" err="1"/>
+              <a:t>hasSoftwareComponent</a:t>
+            </a:r>
+            <a:endParaRPr lang="en-GB" sz="1050" dirty="0"/>
+          </a:p>
+        </p:txBody>
+      </p:sp>
+      <p:sp>
+        <p:nvSpPr>
+          <p:cNvPr id="26" name="CuadroTexto 25"/>
+          <p:cNvSpPr txBox="1"/>
+          <p:nvPr/>
+        </p:nvSpPr>
+        <p:spPr>
+          <a:xfrm>
+            <a:off x="3534028" y="2996952"/>
+            <a:ext cx="1326004" cy="253916"/>
+          </a:xfrm>
+          <a:prstGeom prst="rect">
+            <a:avLst/>
+          </a:prstGeom>
+          <a:noFill/>
+        </p:spPr>
+        <p:txBody>
+          <a:bodyPr wrap="none" rtlCol="0">
+            <a:spAutoFit/>
+          </a:bodyPr>
+          <a:lstStyle/>
+          <a:p>
+            <a:r>
+              <a:rPr lang="en-GB" sz="1050" dirty="0" err="1"/>
+              <a:t>isDeploymentStepOf</a:t>
+            </a:r>
+            <a:endParaRPr lang="en-GB" sz="1050" dirty="0"/>
+          </a:p>
+        </p:txBody>
+      </p:sp>
+      <p:sp>
+        <p:nvSpPr>
+          <p:cNvPr id="27" name="CuadroTexto 26"/>
+          <p:cNvSpPr txBox="1"/>
+          <p:nvPr/>
+        </p:nvSpPr>
+        <p:spPr>
+          <a:xfrm>
+            <a:off x="6139140" y="2167419"/>
+            <a:ext cx="1313180" cy="253916"/>
+          </a:xfrm>
+          <a:prstGeom prst="rect">
+            <a:avLst/>
+          </a:prstGeom>
+          <a:noFill/>
+        </p:spPr>
+        <p:txBody>
+          <a:bodyPr wrap="none" rtlCol="0">
+            <a:spAutoFit/>
+          </a:bodyPr>
+          <a:lstStyle/>
+          <a:p>
+            <a:r>
+              <a:rPr lang="en-GB" sz="1050" dirty="0" err="1"/>
+              <a:t>isDeploymentPlanOf</a:t>
+            </a:r>
+            <a:endParaRPr lang="en-GB" sz="1050" dirty="0"/>
+          </a:p>
+        </p:txBody>
+      </p:sp>
+    </p:spTree>
+    <p:extLst>
+      <p:ext uri="{BB962C8B-B14F-4D97-AF65-F5344CB8AC3E}">
+        <p14:creationId xmlns:p14="http://schemas.microsoft.com/office/powerpoint/2010/main" val="209692658"/>
+      </p:ext>
+    </p:extLst>
+  </p:cSld>
+  <p:clrMapOvr>
+    <a:masterClrMapping/>
+  </p:clrMapOvr>
 </p:sld>
 </file>
 

--- a/data/Diagrams.pptx
+++ b/data/Diagrams.pptx
@@ -3390,11 +3390,11 @@
           <a:p>
             <a:pPr algn="ctr"/>
             <a:r>
-              <a:rPr lang="en-US" sz="1500" dirty="0" err="1" smtClean="0">
+              <a:rPr lang="en-US" sz="1500" dirty="0" err="1">
                 <a:latin typeface="Courier New"/>
                 <a:cs typeface="Courier New"/>
               </a:rPr>
-              <a:t>requiresHardware</a:t>
+              <a:t>hasHardwareSpecs</a:t>
             </a:r>
             <a:endParaRPr lang="en-US" sz="1500" dirty="0">
               <a:latin typeface="Courier New"/>

--- a/data/Diagrams.pptx
+++ b/data/Diagrams.pptx
@@ -10,7 +10,8 @@
     <p:sldId id="262" r:id="rId4"/>
     <p:sldId id="260" r:id="rId5"/>
     <p:sldId id="261" r:id="rId6"/>
-    <p:sldId id="263" r:id="rId7"/>
+    <p:sldId id="264" r:id="rId7"/>
+    <p:sldId id="263" r:id="rId8"/>
   </p:sldIdLst>
   <p:sldSz cx="9144000" cy="6858000" type="screen4x3"/>
   <p:notesSz cx="6858000" cy="9144000"/>
@@ -293,7 +294,7 @@
           <a:p>
             <a:fld id="{FD09FB90-A83B-E248-A89C-4D42C06EC9BD}" type="datetimeFigureOut">
               <a:rPr lang="en-US" smtClean="0"/>
-              <a:t>16/03/15</a:t>
+              <a:t>04/08/15</a:t>
             </a:fld>
             <a:endParaRPr lang="en-US"/>
           </a:p>
@@ -458,7 +459,7 @@
           <a:p>
             <a:fld id="{FD09FB90-A83B-E248-A89C-4D42C06EC9BD}" type="datetimeFigureOut">
               <a:rPr lang="en-US" smtClean="0"/>
-              <a:t>16/03/15</a:t>
+              <a:t>04/08/15</a:t>
             </a:fld>
             <a:endParaRPr lang="en-US"/>
           </a:p>
@@ -633,7 +634,7 @@
           <a:p>
             <a:fld id="{FD09FB90-A83B-E248-A89C-4D42C06EC9BD}" type="datetimeFigureOut">
               <a:rPr lang="en-US" smtClean="0"/>
-              <a:t>16/03/15</a:t>
+              <a:t>04/08/15</a:t>
             </a:fld>
             <a:endParaRPr lang="en-US"/>
           </a:p>
@@ -798,7 +799,7 @@
           <a:p>
             <a:fld id="{FD09FB90-A83B-E248-A89C-4D42C06EC9BD}" type="datetimeFigureOut">
               <a:rPr lang="en-US" smtClean="0"/>
-              <a:t>16/03/15</a:t>
+              <a:t>04/08/15</a:t>
             </a:fld>
             <a:endParaRPr lang="en-US"/>
           </a:p>
@@ -1039,7 +1040,7 @@
           <a:p>
             <a:fld id="{FD09FB90-A83B-E248-A89C-4D42C06EC9BD}" type="datetimeFigureOut">
               <a:rPr lang="en-US" smtClean="0"/>
-              <a:t>16/03/15</a:t>
+              <a:t>04/08/15</a:t>
             </a:fld>
             <a:endParaRPr lang="en-US"/>
           </a:p>
@@ -1322,7 +1323,7 @@
           <a:p>
             <a:fld id="{FD09FB90-A83B-E248-A89C-4D42C06EC9BD}" type="datetimeFigureOut">
               <a:rPr lang="en-US" smtClean="0"/>
-              <a:t>16/03/15</a:t>
+              <a:t>04/08/15</a:t>
             </a:fld>
             <a:endParaRPr lang="en-US"/>
           </a:p>
@@ -1739,7 +1740,7 @@
           <a:p>
             <a:fld id="{FD09FB90-A83B-E248-A89C-4D42C06EC9BD}" type="datetimeFigureOut">
               <a:rPr lang="en-US" smtClean="0"/>
-              <a:t>16/03/15</a:t>
+              <a:t>04/08/15</a:t>
             </a:fld>
             <a:endParaRPr lang="en-US"/>
           </a:p>
@@ -1852,7 +1853,7 @@
           <a:p>
             <a:fld id="{FD09FB90-A83B-E248-A89C-4D42C06EC9BD}" type="datetimeFigureOut">
               <a:rPr lang="en-US" smtClean="0"/>
-              <a:t>16/03/15</a:t>
+              <a:t>04/08/15</a:t>
             </a:fld>
             <a:endParaRPr lang="en-US"/>
           </a:p>
@@ -1942,7 +1943,7 @@
           <a:p>
             <a:fld id="{FD09FB90-A83B-E248-A89C-4D42C06EC9BD}" type="datetimeFigureOut">
               <a:rPr lang="en-US" smtClean="0"/>
-              <a:t>16/03/15</a:t>
+              <a:t>04/08/15</a:t>
             </a:fld>
             <a:endParaRPr lang="en-US"/>
           </a:p>
@@ -2214,7 +2215,7 @@
           <a:p>
             <a:fld id="{FD09FB90-A83B-E248-A89C-4D42C06EC9BD}" type="datetimeFigureOut">
               <a:rPr lang="en-US" smtClean="0"/>
-              <a:t>16/03/15</a:t>
+              <a:t>04/08/15</a:t>
             </a:fld>
             <a:endParaRPr lang="en-US"/>
           </a:p>
@@ -2462,7 +2463,7 @@
           <a:p>
             <a:fld id="{FD09FB90-A83B-E248-A89C-4D42C06EC9BD}" type="datetimeFigureOut">
               <a:rPr lang="en-US" smtClean="0"/>
-              <a:t>16/03/15</a:t>
+              <a:t>04/08/15</a:t>
             </a:fld>
             <a:endParaRPr lang="en-US"/>
           </a:p>
@@ -2670,7 +2671,7 @@
           <a:p>
             <a:fld id="{FD09FB90-A83B-E248-A89C-4D42C06EC9BD}" type="datetimeFigureOut">
               <a:rPr lang="en-US" smtClean="0"/>
-              <a:t>16/03/15</a:t>
+              <a:t>04/08/15</a:t>
             </a:fld>
             <a:endParaRPr lang="en-US"/>
           </a:p>
@@ -14871,6 +14872,3792 @@
       </p:grpSpPr>
       <p:sp>
         <p:nvSpPr>
+          <p:cNvPr id="4" name="Esquina doblada 3"/>
+          <p:cNvSpPr/>
+          <p:nvPr/>
+        </p:nvSpPr>
+        <p:spPr>
+          <a:xfrm>
+            <a:off x="349328" y="2140830"/>
+            <a:ext cx="645743" cy="807138"/>
+          </a:xfrm>
+          <a:prstGeom prst="foldedCorner">
+            <a:avLst>
+              <a:gd name="adj" fmla="val 24349"/>
+            </a:avLst>
+          </a:prstGeom>
+          <a:solidFill>
+            <a:schemeClr val="bg1">
+              <a:lumMod val="85000"/>
+            </a:schemeClr>
+          </a:solidFill>
+          <a:ln w="12700" cmpd="sng"/>
+        </p:spPr>
+        <p:style>
+          <a:lnRef idx="2">
+            <a:schemeClr val="dk1"/>
+          </a:lnRef>
+          <a:fillRef idx="1">
+            <a:schemeClr val="lt1"/>
+          </a:fillRef>
+          <a:effectRef idx="0">
+            <a:schemeClr val="dk1"/>
+          </a:effectRef>
+          <a:fontRef idx="minor">
+            <a:schemeClr val="dk1"/>
+          </a:fontRef>
+        </p:style>
+        <p:txBody>
+          <a:bodyPr rtlCol="0" anchor="ctr"/>
+          <a:lstStyle/>
+          <a:p>
+            <a:pPr algn="ctr"/>
+            <a:r>
+              <a:rPr lang="en-GB" sz="1000" dirty="0" smtClean="0"/>
+              <a:t>Pegasus</a:t>
+            </a:r>
+          </a:p>
+          <a:p>
+            <a:pPr algn="ctr"/>
+            <a:r>
+              <a:rPr lang="en-GB" sz="1000" dirty="0" smtClean="0"/>
+              <a:t>Transf.</a:t>
+            </a:r>
+          </a:p>
+          <a:p>
+            <a:pPr algn="ctr"/>
+            <a:r>
+              <a:rPr lang="en-GB" sz="1000" dirty="0" err="1" smtClean="0"/>
+              <a:t>Catalog</a:t>
+            </a:r>
+            <a:endParaRPr lang="en-GB" sz="1000" dirty="0"/>
+          </a:p>
+        </p:txBody>
+      </p:sp>
+      <p:sp>
+        <p:nvSpPr>
+          <p:cNvPr id="5" name="Esquina doblada 4"/>
+          <p:cNvSpPr/>
+          <p:nvPr/>
+        </p:nvSpPr>
+        <p:spPr>
+          <a:xfrm>
+            <a:off x="349782" y="332656"/>
+            <a:ext cx="645743" cy="807138"/>
+          </a:xfrm>
+          <a:prstGeom prst="foldedCorner">
+            <a:avLst>
+              <a:gd name="adj" fmla="val 25886"/>
+            </a:avLst>
+          </a:prstGeom>
+          <a:solidFill>
+            <a:schemeClr val="bg1">
+              <a:lumMod val="85000"/>
+            </a:schemeClr>
+          </a:solidFill>
+          <a:ln w="12700" cmpd="sng"/>
+        </p:spPr>
+        <p:style>
+          <a:lnRef idx="2">
+            <a:schemeClr val="dk1"/>
+          </a:lnRef>
+          <a:fillRef idx="1">
+            <a:schemeClr val="lt1"/>
+          </a:fillRef>
+          <a:effectRef idx="0">
+            <a:schemeClr val="dk1"/>
+          </a:effectRef>
+          <a:fontRef idx="minor">
+            <a:schemeClr val="dk1"/>
+          </a:fontRef>
+        </p:style>
+        <p:txBody>
+          <a:bodyPr rtlCol="0" anchor="ctr"/>
+          <a:lstStyle/>
+          <a:p>
+            <a:pPr algn="ctr"/>
+            <a:r>
+              <a:rPr lang="en-GB" sz="1000" dirty="0" smtClean="0"/>
+              <a:t>DAX</a:t>
+            </a:r>
+          </a:p>
+          <a:p>
+            <a:pPr algn="ctr"/>
+            <a:r>
+              <a:rPr lang="en-GB" sz="1000" dirty="0" smtClean="0"/>
+              <a:t>xml</a:t>
+            </a:r>
+            <a:endParaRPr lang="en-GB" sz="1000" dirty="0"/>
+          </a:p>
+        </p:txBody>
+      </p:sp>
+      <p:sp>
+        <p:nvSpPr>
+          <p:cNvPr id="6" name="Rectángulo 5"/>
+          <p:cNvSpPr/>
+          <p:nvPr/>
+        </p:nvSpPr>
+        <p:spPr>
+          <a:xfrm>
+            <a:off x="1618118" y="524831"/>
+            <a:ext cx="1214610" cy="422787"/>
+          </a:xfrm>
+          <a:prstGeom prst="rect">
+            <a:avLst/>
+          </a:prstGeom>
+          <a:ln w="12700" cmpd="sng"/>
+        </p:spPr>
+        <p:style>
+          <a:lnRef idx="2">
+            <a:schemeClr val="dk1"/>
+          </a:lnRef>
+          <a:fillRef idx="1">
+            <a:schemeClr val="lt1"/>
+          </a:fillRef>
+          <a:effectRef idx="0">
+            <a:schemeClr val="dk1"/>
+          </a:effectRef>
+          <a:fontRef idx="minor">
+            <a:schemeClr val="dk1"/>
+          </a:fontRef>
+        </p:style>
+        <p:txBody>
+          <a:bodyPr rtlCol="0" anchor="ctr"/>
+          <a:lstStyle/>
+          <a:p>
+            <a:pPr algn="ctr"/>
+            <a:r>
+              <a:rPr lang="en-GB" sz="1000" dirty="0" smtClean="0"/>
+              <a:t>DAX Annotator</a:t>
+            </a:r>
+            <a:endParaRPr lang="en-GB" sz="1000" dirty="0"/>
+          </a:p>
+        </p:txBody>
+      </p:sp>
+      <p:sp>
+        <p:nvSpPr>
+          <p:cNvPr id="7" name="Rectángulo 6"/>
+          <p:cNvSpPr/>
+          <p:nvPr/>
+        </p:nvSpPr>
+        <p:spPr>
+          <a:xfrm>
+            <a:off x="1618118" y="2333005"/>
+            <a:ext cx="1214610" cy="422787"/>
+          </a:xfrm>
+          <a:prstGeom prst="rect">
+            <a:avLst/>
+          </a:prstGeom>
+          <a:ln w="12700" cmpd="sng"/>
+        </p:spPr>
+        <p:style>
+          <a:lnRef idx="2">
+            <a:schemeClr val="dk1"/>
+          </a:lnRef>
+          <a:fillRef idx="1">
+            <a:schemeClr val="lt1"/>
+          </a:fillRef>
+          <a:effectRef idx="0">
+            <a:schemeClr val="dk1"/>
+          </a:effectRef>
+          <a:fontRef idx="minor">
+            <a:schemeClr val="dk1"/>
+          </a:fontRef>
+        </p:style>
+        <p:txBody>
+          <a:bodyPr rtlCol="0" anchor="ctr"/>
+          <a:lstStyle/>
+          <a:p>
+            <a:pPr algn="ctr"/>
+            <a:r>
+              <a:rPr lang="en-GB" sz="1000" dirty="0" smtClean="0"/>
+              <a:t>TC Annotator</a:t>
+            </a:r>
+            <a:endParaRPr lang="en-GB" sz="1000" dirty="0"/>
+          </a:p>
+        </p:txBody>
+      </p:sp>
+      <p:pic>
+        <p:nvPicPr>
+          <p:cNvPr id="8" name="Imagen 7" descr="Captura de pantalla 2014-03-31 a las 15.31.04.png"/>
+          <p:cNvPicPr>
+            <a:picLocks noChangeAspect="1"/>
+          </p:cNvPicPr>
+          <p:nvPr/>
+        </p:nvPicPr>
+        <p:blipFill>
+          <a:blip r:embed="rId2">
+            <a:extLst>
+              <a:ext uri="{28A0092B-C50C-407E-A947-70E740481C1C}">
+                <a14:useLocalDpi xmlns:a14="http://schemas.microsoft.com/office/drawing/2010/main" val="0"/>
+              </a:ext>
+            </a:extLst>
+          </a:blip>
+          <a:stretch>
+            <a:fillRect/>
+          </a:stretch>
+        </p:blipFill>
+        <p:spPr>
+          <a:xfrm>
+            <a:off x="675467" y="1340768"/>
+            <a:ext cx="1143648" cy="505333"/>
+          </a:xfrm>
+          <a:prstGeom prst="rect">
+            <a:avLst/>
+          </a:prstGeom>
+        </p:spPr>
+      </p:pic>
+      <p:sp>
+        <p:nvSpPr>
+          <p:cNvPr id="9" name="Esquina doblada 8"/>
+          <p:cNvSpPr/>
+          <p:nvPr/>
+        </p:nvSpPr>
+        <p:spPr>
+          <a:xfrm>
+            <a:off x="3404292" y="332657"/>
+            <a:ext cx="645743" cy="807138"/>
+          </a:xfrm>
+          <a:prstGeom prst="foldedCorner">
+            <a:avLst>
+              <a:gd name="adj" fmla="val 24349"/>
+            </a:avLst>
+          </a:prstGeom>
+          <a:solidFill>
+            <a:srgbClr val="D9D9D9"/>
+          </a:solidFill>
+          <a:ln w="12700" cmpd="sng"/>
+        </p:spPr>
+        <p:style>
+          <a:lnRef idx="2">
+            <a:schemeClr val="dk1"/>
+          </a:lnRef>
+          <a:fillRef idx="1">
+            <a:schemeClr val="lt1"/>
+          </a:fillRef>
+          <a:effectRef idx="0">
+            <a:schemeClr val="dk1"/>
+          </a:effectRef>
+          <a:fontRef idx="minor">
+            <a:schemeClr val="dk1"/>
+          </a:fontRef>
+        </p:style>
+        <p:txBody>
+          <a:bodyPr rtlCol="0" anchor="ctr"/>
+          <a:lstStyle/>
+          <a:p>
+            <a:pPr algn="ctr"/>
+            <a:r>
+              <a:rPr lang="en-GB" sz="1000" dirty="0" smtClean="0"/>
+              <a:t>WF</a:t>
+            </a:r>
+          </a:p>
+          <a:p>
+            <a:pPr algn="ctr"/>
+            <a:r>
+              <a:rPr lang="en-GB" sz="1000" dirty="0" err="1" smtClean="0"/>
+              <a:t>Annot</a:t>
+            </a:r>
+            <a:r>
+              <a:rPr lang="en-GB" sz="1000" dirty="0" smtClean="0"/>
+              <a:t>.</a:t>
+            </a:r>
+            <a:endParaRPr lang="en-GB" sz="1000" dirty="0"/>
+          </a:p>
+        </p:txBody>
+      </p:sp>
+      <p:cxnSp>
+        <p:nvCxnSpPr>
+          <p:cNvPr id="11" name="Conector recto de flecha 10"/>
+          <p:cNvCxnSpPr>
+            <a:stCxn id="5" idx="3"/>
+            <a:endCxn id="6" idx="1"/>
+          </p:cNvCxnSpPr>
+          <p:nvPr/>
+        </p:nvCxnSpPr>
+        <p:spPr>
+          <a:xfrm>
+            <a:off x="995525" y="736225"/>
+            <a:ext cx="622593" cy="0"/>
+          </a:xfrm>
+          <a:prstGeom prst="straightConnector1">
+            <a:avLst/>
+          </a:prstGeom>
+          <a:ln>
+            <a:tailEnd type="arrow" w="sm" len="sm"/>
+          </a:ln>
+        </p:spPr>
+        <p:style>
+          <a:lnRef idx="1">
+            <a:schemeClr val="dk1"/>
+          </a:lnRef>
+          <a:fillRef idx="0">
+            <a:schemeClr val="dk1"/>
+          </a:fillRef>
+          <a:effectRef idx="0">
+            <a:schemeClr val="dk1"/>
+          </a:effectRef>
+          <a:fontRef idx="minor">
+            <a:schemeClr val="tx1"/>
+          </a:fontRef>
+        </p:style>
+      </p:cxnSp>
+      <p:sp>
+        <p:nvSpPr>
+          <p:cNvPr id="16" name="Esquina doblada 15"/>
+          <p:cNvSpPr/>
+          <p:nvPr/>
+        </p:nvSpPr>
+        <p:spPr>
+          <a:xfrm>
+            <a:off x="349782" y="3351746"/>
+            <a:ext cx="645743" cy="807138"/>
+          </a:xfrm>
+          <a:prstGeom prst="foldedCorner">
+            <a:avLst>
+              <a:gd name="adj" fmla="val 22813"/>
+            </a:avLst>
+          </a:prstGeom>
+          <a:solidFill>
+            <a:srgbClr val="D9D9D9"/>
+          </a:solidFill>
+          <a:ln w="12700" cmpd="sng"/>
+        </p:spPr>
+        <p:style>
+          <a:lnRef idx="2">
+            <a:schemeClr val="dk1"/>
+          </a:lnRef>
+          <a:fillRef idx="1">
+            <a:schemeClr val="lt1"/>
+          </a:fillRef>
+          <a:effectRef idx="0">
+            <a:schemeClr val="dk1"/>
+          </a:effectRef>
+          <a:fontRef idx="minor">
+            <a:schemeClr val="dk1"/>
+          </a:fontRef>
+        </p:style>
+        <p:txBody>
+          <a:bodyPr rtlCol="0" anchor="ctr"/>
+          <a:lstStyle/>
+          <a:p>
+            <a:pPr algn="ctr"/>
+            <a:r>
+              <a:rPr lang="en-GB" sz="1000" dirty="0" smtClean="0"/>
+              <a:t>SW Comp.</a:t>
+            </a:r>
+          </a:p>
+          <a:p>
+            <a:pPr algn="ctr"/>
+            <a:r>
+              <a:rPr lang="en-GB" sz="1000" dirty="0" err="1" smtClean="0"/>
+              <a:t>Catalog</a:t>
+            </a:r>
+            <a:endParaRPr lang="en-GB" sz="1000" dirty="0"/>
+          </a:p>
+        </p:txBody>
+      </p:sp>
+      <p:sp>
+        <p:nvSpPr>
+          <p:cNvPr id="17" name="Esquina doblada 16"/>
+          <p:cNvSpPr/>
+          <p:nvPr/>
+        </p:nvSpPr>
+        <p:spPr>
+          <a:xfrm>
+            <a:off x="1767000" y="3356777"/>
+            <a:ext cx="645743" cy="807138"/>
+          </a:xfrm>
+          <a:prstGeom prst="foldedCorner">
+            <a:avLst>
+              <a:gd name="adj" fmla="val 21276"/>
+            </a:avLst>
+          </a:prstGeom>
+          <a:solidFill>
+            <a:srgbClr val="D9D9D9"/>
+          </a:solidFill>
+          <a:ln w="12700" cmpd="sng"/>
+        </p:spPr>
+        <p:style>
+          <a:lnRef idx="2">
+            <a:schemeClr val="dk1"/>
+          </a:lnRef>
+          <a:fillRef idx="1">
+            <a:schemeClr val="lt1"/>
+          </a:fillRef>
+          <a:effectRef idx="0">
+            <a:schemeClr val="dk1"/>
+          </a:effectRef>
+          <a:fontRef idx="minor">
+            <a:schemeClr val="dk1"/>
+          </a:fontRef>
+        </p:style>
+        <p:txBody>
+          <a:bodyPr rtlCol="0" anchor="ctr"/>
+          <a:lstStyle/>
+          <a:p>
+            <a:pPr algn="ctr"/>
+            <a:r>
+              <a:rPr lang="en-GB" sz="1000" dirty="0" smtClean="0"/>
+              <a:t>WF &amp; </a:t>
+            </a:r>
+            <a:r>
+              <a:rPr lang="en-GB" sz="1000" dirty="0" err="1" smtClean="0"/>
+              <a:t>Config</a:t>
+            </a:r>
+            <a:endParaRPr lang="en-GB" sz="1000" dirty="0" smtClean="0"/>
+          </a:p>
+          <a:p>
+            <a:pPr algn="ctr"/>
+            <a:r>
+              <a:rPr lang="en-GB" sz="1000" dirty="0" err="1" smtClean="0"/>
+              <a:t>Annot</a:t>
+            </a:r>
+            <a:endParaRPr lang="en-GB" sz="1000" dirty="0"/>
+          </a:p>
+        </p:txBody>
+      </p:sp>
+      <p:cxnSp>
+        <p:nvCxnSpPr>
+          <p:cNvPr id="29" name="Conector angular 28"/>
+          <p:cNvCxnSpPr>
+            <a:stCxn id="8" idx="0"/>
+            <a:endCxn id="6" idx="1"/>
+          </p:cNvCxnSpPr>
+          <p:nvPr/>
+        </p:nvCxnSpPr>
+        <p:spPr>
+          <a:xfrm rot="5400000" flipH="1" flipV="1">
+            <a:off x="1130433" y="853084"/>
+            <a:ext cx="604543" cy="370827"/>
+          </a:xfrm>
+          <a:prstGeom prst="bentConnector2">
+            <a:avLst/>
+          </a:prstGeom>
+          <a:ln>
+            <a:tailEnd type="arrow" w="sm" len="sm"/>
+          </a:ln>
+        </p:spPr>
+        <p:style>
+          <a:lnRef idx="1">
+            <a:schemeClr val="dk1"/>
+          </a:lnRef>
+          <a:fillRef idx="0">
+            <a:schemeClr val="dk1"/>
+          </a:fillRef>
+          <a:effectRef idx="0">
+            <a:schemeClr val="dk1"/>
+          </a:effectRef>
+          <a:fontRef idx="minor">
+            <a:schemeClr val="tx1"/>
+          </a:fontRef>
+        </p:style>
+      </p:cxnSp>
+      <p:sp>
+        <p:nvSpPr>
+          <p:cNvPr id="40" name="Rectángulo 39"/>
+          <p:cNvSpPr/>
+          <p:nvPr/>
+        </p:nvSpPr>
+        <p:spPr>
+          <a:xfrm>
+            <a:off x="342241" y="5460075"/>
+            <a:ext cx="989400" cy="422787"/>
+          </a:xfrm>
+          <a:prstGeom prst="rect">
+            <a:avLst/>
+          </a:prstGeom>
+          <a:ln w="12700" cmpd="sng"/>
+        </p:spPr>
+        <p:style>
+          <a:lnRef idx="2">
+            <a:schemeClr val="dk1"/>
+          </a:lnRef>
+          <a:fillRef idx="1">
+            <a:schemeClr val="lt1"/>
+          </a:fillRef>
+          <a:effectRef idx="0">
+            <a:schemeClr val="dk1"/>
+          </a:effectRef>
+          <a:fontRef idx="minor">
+            <a:schemeClr val="dk1"/>
+          </a:fontRef>
+        </p:style>
+        <p:txBody>
+          <a:bodyPr rtlCol="0" anchor="ctr"/>
+          <a:lstStyle/>
+          <a:p>
+            <a:pPr algn="ctr"/>
+            <a:r>
+              <a:rPr lang="en-GB" sz="1000" dirty="0" smtClean="0"/>
+              <a:t>Inf. Spec. </a:t>
+            </a:r>
+          </a:p>
+          <a:p>
+            <a:pPr algn="ctr"/>
+            <a:r>
+              <a:rPr lang="en-GB" sz="1000" dirty="0" smtClean="0"/>
+              <a:t>Algorithm</a:t>
+            </a:r>
+            <a:endParaRPr lang="en-GB" sz="1000" dirty="0"/>
+          </a:p>
+        </p:txBody>
+      </p:sp>
+      <p:sp>
+        <p:nvSpPr>
+          <p:cNvPr id="52" name="Esquina doblada 51"/>
+          <p:cNvSpPr/>
+          <p:nvPr/>
+        </p:nvSpPr>
+        <p:spPr>
+          <a:xfrm>
+            <a:off x="3404292" y="3356777"/>
+            <a:ext cx="645743" cy="807138"/>
+          </a:xfrm>
+          <a:prstGeom prst="foldedCorner">
+            <a:avLst>
+              <a:gd name="adj" fmla="val 22813"/>
+            </a:avLst>
+          </a:prstGeom>
+          <a:solidFill>
+            <a:srgbClr val="D9D9D9"/>
+          </a:solidFill>
+          <a:ln w="12700" cmpd="sng"/>
+        </p:spPr>
+        <p:style>
+          <a:lnRef idx="2">
+            <a:schemeClr val="dk1"/>
+          </a:lnRef>
+          <a:fillRef idx="1">
+            <a:schemeClr val="lt1"/>
+          </a:fillRef>
+          <a:effectRef idx="0">
+            <a:schemeClr val="dk1"/>
+          </a:effectRef>
+          <a:fontRef idx="minor">
+            <a:schemeClr val="dk1"/>
+          </a:fontRef>
+        </p:style>
+        <p:txBody>
+          <a:bodyPr rtlCol="0" anchor="ctr"/>
+          <a:lstStyle/>
+          <a:p>
+            <a:pPr algn="ctr"/>
+            <a:r>
+              <a:rPr lang="en-GB" sz="1000" dirty="0" smtClean="0"/>
+              <a:t>SVA</a:t>
+            </a:r>
+          </a:p>
+          <a:p>
+            <a:pPr algn="ctr"/>
+            <a:r>
+              <a:rPr lang="en-GB" sz="1000" dirty="0" err="1" smtClean="0"/>
+              <a:t>Catalog</a:t>
+            </a:r>
+            <a:endParaRPr lang="en-GB" sz="1000" dirty="0"/>
+          </a:p>
+        </p:txBody>
+      </p:sp>
+      <p:sp>
+        <p:nvSpPr>
+          <p:cNvPr id="59" name="Esquina doblada 58"/>
+          <p:cNvSpPr/>
+          <p:nvPr/>
+        </p:nvSpPr>
+        <p:spPr>
+          <a:xfrm>
+            <a:off x="1622001" y="5267900"/>
+            <a:ext cx="645743" cy="807138"/>
+          </a:xfrm>
+          <a:prstGeom prst="foldedCorner">
+            <a:avLst/>
+          </a:prstGeom>
+          <a:solidFill>
+            <a:srgbClr val="D9D9D9"/>
+          </a:solidFill>
+          <a:ln w="12700" cmpd="sng"/>
+        </p:spPr>
+        <p:style>
+          <a:lnRef idx="2">
+            <a:schemeClr val="dk1"/>
+          </a:lnRef>
+          <a:fillRef idx="1">
+            <a:schemeClr val="lt1"/>
+          </a:fillRef>
+          <a:effectRef idx="0">
+            <a:schemeClr val="dk1"/>
+          </a:effectRef>
+          <a:fontRef idx="minor">
+            <a:schemeClr val="dk1"/>
+          </a:fontRef>
+        </p:style>
+        <p:txBody>
+          <a:bodyPr rtlCol="0" anchor="ctr"/>
+          <a:lstStyle/>
+          <a:p>
+            <a:pPr algn="ctr"/>
+            <a:r>
+              <a:rPr lang="en-GB" sz="1000" dirty="0" smtClean="0"/>
+              <a:t>Abstract</a:t>
+            </a:r>
+          </a:p>
+          <a:p>
+            <a:pPr algn="ctr"/>
+            <a:r>
+              <a:rPr lang="en-GB" sz="1000" dirty="0" smtClean="0"/>
+              <a:t>Dep. Plan</a:t>
+            </a:r>
+            <a:endParaRPr lang="en-GB" sz="1000" dirty="0"/>
+          </a:p>
+        </p:txBody>
+      </p:sp>
+      <p:sp>
+        <p:nvSpPr>
+          <p:cNvPr id="34" name="Esquina doblada 33"/>
+          <p:cNvSpPr/>
+          <p:nvPr/>
+        </p:nvSpPr>
+        <p:spPr>
+          <a:xfrm>
+            <a:off x="3404292" y="1635191"/>
+            <a:ext cx="645743" cy="807138"/>
+          </a:xfrm>
+          <a:prstGeom prst="foldedCorner">
+            <a:avLst>
+              <a:gd name="adj" fmla="val 24349"/>
+            </a:avLst>
+          </a:prstGeom>
+          <a:solidFill>
+            <a:srgbClr val="D9D9D9"/>
+          </a:solidFill>
+          <a:ln w="12700" cmpd="sng"/>
+        </p:spPr>
+        <p:style>
+          <a:lnRef idx="2">
+            <a:schemeClr val="dk1"/>
+          </a:lnRef>
+          <a:fillRef idx="1">
+            <a:schemeClr val="lt1"/>
+          </a:fillRef>
+          <a:effectRef idx="0">
+            <a:schemeClr val="dk1"/>
+          </a:effectRef>
+          <a:fontRef idx="minor">
+            <a:schemeClr val="dk1"/>
+          </a:fontRef>
+        </p:style>
+        <p:txBody>
+          <a:bodyPr rtlCol="0" anchor="ctr"/>
+          <a:lstStyle/>
+          <a:p>
+            <a:pPr algn="ctr"/>
+            <a:r>
+              <a:rPr lang="en-GB" sz="1000" dirty="0" smtClean="0"/>
+              <a:t>WMS</a:t>
+            </a:r>
+          </a:p>
+          <a:p>
+            <a:pPr algn="ctr"/>
+            <a:r>
+              <a:rPr lang="en-GB" sz="1000" dirty="0" err="1" smtClean="0"/>
+              <a:t>Annot</a:t>
+            </a:r>
+            <a:r>
+              <a:rPr lang="en-GB" sz="1000" dirty="0" smtClean="0"/>
+              <a:t>.</a:t>
+            </a:r>
+            <a:endParaRPr lang="en-GB" sz="1000" dirty="0"/>
+          </a:p>
+        </p:txBody>
+      </p:sp>
+      <p:grpSp>
+        <p:nvGrpSpPr>
+          <p:cNvPr id="15" name="Group 14"/>
+          <p:cNvGrpSpPr/>
+          <p:nvPr/>
+        </p:nvGrpSpPr>
+        <p:grpSpPr>
+          <a:xfrm>
+            <a:off x="1475656" y="832356"/>
+            <a:ext cx="284923" cy="292388"/>
+            <a:chOff x="1689542" y="4469817"/>
+            <a:chExt cx="284923" cy="292388"/>
+          </a:xfrm>
+        </p:grpSpPr>
+        <p:sp>
+          <p:nvSpPr>
+            <p:cNvPr id="73" name="Dodecágono 72"/>
+            <p:cNvSpPr/>
+            <p:nvPr/>
+          </p:nvSpPr>
+          <p:spPr>
+            <a:xfrm>
+              <a:off x="1689542" y="4471683"/>
+              <a:ext cx="284923" cy="280576"/>
+            </a:xfrm>
+            <a:prstGeom prst="dodecagon">
+              <a:avLst/>
+            </a:prstGeom>
+            <a:solidFill>
+              <a:srgbClr val="FF0000"/>
+            </a:solidFill>
+            <a:ln>
+              <a:solidFill>
+                <a:srgbClr val="FF0000"/>
+              </a:solidFill>
+            </a:ln>
+            <a:effectLst/>
+          </p:spPr>
+          <p:style>
+            <a:lnRef idx="1">
+              <a:schemeClr val="accent1"/>
+            </a:lnRef>
+            <a:fillRef idx="3">
+              <a:schemeClr val="accent1"/>
+            </a:fillRef>
+            <a:effectRef idx="2">
+              <a:schemeClr val="accent1"/>
+            </a:effectRef>
+            <a:fontRef idx="minor">
+              <a:schemeClr val="lt1"/>
+            </a:fontRef>
+          </p:style>
+          <p:txBody>
+            <a:bodyPr rtlCol="0" anchor="ctr"/>
+            <a:lstStyle/>
+            <a:p>
+              <a:endParaRPr lang="en-GB" sz="1300" dirty="0">
+                <a:latin typeface="Arial"/>
+                <a:cs typeface="Arial"/>
+              </a:endParaRPr>
+            </a:p>
+          </p:txBody>
+        </p:sp>
+        <p:sp>
+          <p:nvSpPr>
+            <p:cNvPr id="14" name="TextBox 13"/>
+            <p:cNvSpPr txBox="1"/>
+            <p:nvPr/>
+          </p:nvSpPr>
+          <p:spPr>
+            <a:xfrm>
+              <a:off x="1689542" y="4469817"/>
+              <a:ext cx="277383" cy="292388"/>
+            </a:xfrm>
+            <a:prstGeom prst="rect">
+              <a:avLst/>
+            </a:prstGeom>
+            <a:noFill/>
+          </p:spPr>
+          <p:txBody>
+            <a:bodyPr wrap="none" rtlCol="0">
+              <a:spAutoFit/>
+            </a:bodyPr>
+            <a:lstStyle/>
+            <a:p>
+              <a:pPr algn="ctr"/>
+              <a:r>
+                <a:rPr lang="en-US" sz="1300" b="1" dirty="0" smtClean="0">
+                  <a:solidFill>
+                    <a:schemeClr val="bg1"/>
+                  </a:solidFill>
+                  <a:latin typeface="Arial"/>
+                  <a:cs typeface="Arial"/>
+                </a:rPr>
+                <a:t>1</a:t>
+              </a:r>
+              <a:endParaRPr lang="en-US" sz="1300" b="1" dirty="0">
+                <a:solidFill>
+                  <a:schemeClr val="bg1"/>
+                </a:solidFill>
+                <a:latin typeface="Arial"/>
+                <a:cs typeface="Arial"/>
+              </a:endParaRPr>
+            </a:p>
+          </p:txBody>
+        </p:sp>
+      </p:grpSp>
+      <p:cxnSp>
+        <p:nvCxnSpPr>
+          <p:cNvPr id="49" name="Conector recto de flecha 10"/>
+          <p:cNvCxnSpPr>
+            <a:stCxn id="6" idx="3"/>
+            <a:endCxn id="9" idx="1"/>
+          </p:cNvCxnSpPr>
+          <p:nvPr/>
+        </p:nvCxnSpPr>
+        <p:spPr>
+          <a:xfrm>
+            <a:off x="2832728" y="736225"/>
+            <a:ext cx="571564" cy="1"/>
+          </a:xfrm>
+          <a:prstGeom prst="straightConnector1">
+            <a:avLst/>
+          </a:prstGeom>
+          <a:ln>
+            <a:tailEnd type="arrow" w="sm" len="sm"/>
+          </a:ln>
+        </p:spPr>
+        <p:style>
+          <a:lnRef idx="1">
+            <a:schemeClr val="dk1"/>
+          </a:lnRef>
+          <a:fillRef idx="0">
+            <a:schemeClr val="dk1"/>
+          </a:fillRef>
+          <a:effectRef idx="0">
+            <a:schemeClr val="dk1"/>
+          </a:effectRef>
+          <a:fontRef idx="minor">
+            <a:schemeClr val="tx1"/>
+          </a:fontRef>
+        </p:style>
+      </p:cxnSp>
+      <p:grpSp>
+        <p:nvGrpSpPr>
+          <p:cNvPr id="54" name="Group 53"/>
+          <p:cNvGrpSpPr/>
+          <p:nvPr/>
+        </p:nvGrpSpPr>
+        <p:grpSpPr>
+          <a:xfrm>
+            <a:off x="3261830" y="947618"/>
+            <a:ext cx="284923" cy="292388"/>
+            <a:chOff x="1689542" y="4469817"/>
+            <a:chExt cx="284923" cy="292388"/>
+          </a:xfrm>
+        </p:grpSpPr>
+        <p:sp>
+          <p:nvSpPr>
+            <p:cNvPr id="55" name="Dodecágono 72"/>
+            <p:cNvSpPr/>
+            <p:nvPr/>
+          </p:nvSpPr>
+          <p:spPr>
+            <a:xfrm>
+              <a:off x="1689542" y="4471683"/>
+              <a:ext cx="284923" cy="280576"/>
+            </a:xfrm>
+            <a:prstGeom prst="dodecagon">
+              <a:avLst/>
+            </a:prstGeom>
+            <a:solidFill>
+              <a:srgbClr val="FF0000"/>
+            </a:solidFill>
+            <a:ln>
+              <a:solidFill>
+                <a:srgbClr val="FF0000"/>
+              </a:solidFill>
+            </a:ln>
+            <a:effectLst/>
+          </p:spPr>
+          <p:style>
+            <a:lnRef idx="1">
+              <a:schemeClr val="accent1"/>
+            </a:lnRef>
+            <a:fillRef idx="3">
+              <a:schemeClr val="accent1"/>
+            </a:fillRef>
+            <a:effectRef idx="2">
+              <a:schemeClr val="accent1"/>
+            </a:effectRef>
+            <a:fontRef idx="minor">
+              <a:schemeClr val="lt1"/>
+            </a:fontRef>
+          </p:style>
+          <p:txBody>
+            <a:bodyPr rtlCol="0" anchor="ctr"/>
+            <a:lstStyle/>
+            <a:p>
+              <a:endParaRPr lang="en-GB" sz="1300" dirty="0">
+                <a:latin typeface="Arial"/>
+                <a:cs typeface="Arial"/>
+              </a:endParaRPr>
+            </a:p>
+          </p:txBody>
+        </p:sp>
+        <p:sp>
+          <p:nvSpPr>
+            <p:cNvPr id="56" name="TextBox 55"/>
+            <p:cNvSpPr txBox="1"/>
+            <p:nvPr/>
+          </p:nvSpPr>
+          <p:spPr>
+            <a:xfrm>
+              <a:off x="1689542" y="4469817"/>
+              <a:ext cx="277383" cy="292388"/>
+            </a:xfrm>
+            <a:prstGeom prst="rect">
+              <a:avLst/>
+            </a:prstGeom>
+            <a:noFill/>
+          </p:spPr>
+          <p:txBody>
+            <a:bodyPr wrap="none" rtlCol="0">
+              <a:spAutoFit/>
+            </a:bodyPr>
+            <a:lstStyle/>
+            <a:p>
+              <a:pPr algn="ctr"/>
+              <a:r>
+                <a:rPr lang="en-US" sz="1300" b="1" dirty="0">
+                  <a:solidFill>
+                    <a:schemeClr val="bg1"/>
+                  </a:solidFill>
+                  <a:latin typeface="Arial"/>
+                  <a:cs typeface="Arial"/>
+                </a:rPr>
+                <a:t>2</a:t>
+              </a:r>
+            </a:p>
+          </p:txBody>
+        </p:sp>
+      </p:grpSp>
+      <p:cxnSp>
+        <p:nvCxnSpPr>
+          <p:cNvPr id="63" name="Conector angular 28"/>
+          <p:cNvCxnSpPr>
+            <a:stCxn id="8" idx="2"/>
+            <a:endCxn id="7" idx="1"/>
+          </p:cNvCxnSpPr>
+          <p:nvPr/>
+        </p:nvCxnSpPr>
+        <p:spPr>
+          <a:xfrm rot="16200000" flipH="1">
+            <a:off x="1083555" y="2009836"/>
+            <a:ext cx="698298" cy="370827"/>
+          </a:xfrm>
+          <a:prstGeom prst="bentConnector2">
+            <a:avLst/>
+          </a:prstGeom>
+          <a:ln>
+            <a:tailEnd type="arrow" w="sm" len="sm"/>
+          </a:ln>
+        </p:spPr>
+        <p:style>
+          <a:lnRef idx="1">
+            <a:schemeClr val="dk1"/>
+          </a:lnRef>
+          <a:fillRef idx="0">
+            <a:schemeClr val="dk1"/>
+          </a:fillRef>
+          <a:effectRef idx="0">
+            <a:schemeClr val="dk1"/>
+          </a:effectRef>
+          <a:fontRef idx="minor">
+            <a:schemeClr val="tx1"/>
+          </a:fontRef>
+        </p:style>
+      </p:cxnSp>
+      <p:cxnSp>
+        <p:nvCxnSpPr>
+          <p:cNvPr id="67" name="Conector recto de flecha 10"/>
+          <p:cNvCxnSpPr>
+            <a:stCxn id="4" idx="3"/>
+            <a:endCxn id="7" idx="1"/>
+          </p:cNvCxnSpPr>
+          <p:nvPr/>
+        </p:nvCxnSpPr>
+        <p:spPr>
+          <a:xfrm>
+            <a:off x="995071" y="2544399"/>
+            <a:ext cx="623047" cy="0"/>
+          </a:xfrm>
+          <a:prstGeom prst="straightConnector1">
+            <a:avLst/>
+          </a:prstGeom>
+          <a:ln>
+            <a:tailEnd type="arrow" w="sm" len="sm"/>
+          </a:ln>
+        </p:spPr>
+        <p:style>
+          <a:lnRef idx="1">
+            <a:schemeClr val="dk1"/>
+          </a:lnRef>
+          <a:fillRef idx="0">
+            <a:schemeClr val="dk1"/>
+          </a:fillRef>
+          <a:effectRef idx="0">
+            <a:schemeClr val="dk1"/>
+          </a:effectRef>
+          <a:fontRef idx="minor">
+            <a:schemeClr val="tx1"/>
+          </a:fontRef>
+        </p:style>
+      </p:cxnSp>
+      <p:grpSp>
+        <p:nvGrpSpPr>
+          <p:cNvPr id="70" name="Group 69"/>
+          <p:cNvGrpSpPr/>
+          <p:nvPr/>
+        </p:nvGrpSpPr>
+        <p:grpSpPr>
+          <a:xfrm>
+            <a:off x="1475656" y="2609598"/>
+            <a:ext cx="284923" cy="292388"/>
+            <a:chOff x="1689542" y="4469817"/>
+            <a:chExt cx="284923" cy="292388"/>
+          </a:xfrm>
+        </p:grpSpPr>
+        <p:sp>
+          <p:nvSpPr>
+            <p:cNvPr id="71" name="Dodecágono 72"/>
+            <p:cNvSpPr/>
+            <p:nvPr/>
+          </p:nvSpPr>
+          <p:spPr>
+            <a:xfrm>
+              <a:off x="1689542" y="4471683"/>
+              <a:ext cx="284923" cy="280576"/>
+            </a:xfrm>
+            <a:prstGeom prst="dodecagon">
+              <a:avLst/>
+            </a:prstGeom>
+            <a:solidFill>
+              <a:srgbClr val="FF0000"/>
+            </a:solidFill>
+            <a:ln>
+              <a:solidFill>
+                <a:srgbClr val="FF0000"/>
+              </a:solidFill>
+            </a:ln>
+            <a:effectLst/>
+          </p:spPr>
+          <p:style>
+            <a:lnRef idx="1">
+              <a:schemeClr val="accent1"/>
+            </a:lnRef>
+            <a:fillRef idx="3">
+              <a:schemeClr val="accent1"/>
+            </a:fillRef>
+            <a:effectRef idx="2">
+              <a:schemeClr val="accent1"/>
+            </a:effectRef>
+            <a:fontRef idx="minor">
+              <a:schemeClr val="lt1"/>
+            </a:fontRef>
+          </p:style>
+          <p:txBody>
+            <a:bodyPr rtlCol="0" anchor="ctr"/>
+            <a:lstStyle/>
+            <a:p>
+              <a:endParaRPr lang="en-GB" sz="1300" dirty="0">
+                <a:latin typeface="Arial"/>
+                <a:cs typeface="Arial"/>
+              </a:endParaRPr>
+            </a:p>
+          </p:txBody>
+        </p:sp>
+        <p:sp>
+          <p:nvSpPr>
+            <p:cNvPr id="72" name="TextBox 71"/>
+            <p:cNvSpPr txBox="1"/>
+            <p:nvPr/>
+          </p:nvSpPr>
+          <p:spPr>
+            <a:xfrm>
+              <a:off x="1689542" y="4469817"/>
+              <a:ext cx="277383" cy="292388"/>
+            </a:xfrm>
+            <a:prstGeom prst="rect">
+              <a:avLst/>
+            </a:prstGeom>
+            <a:noFill/>
+          </p:spPr>
+          <p:txBody>
+            <a:bodyPr wrap="none" rtlCol="0">
+              <a:spAutoFit/>
+            </a:bodyPr>
+            <a:lstStyle/>
+            <a:p>
+              <a:pPr algn="ctr"/>
+              <a:r>
+                <a:rPr lang="en-US" sz="1300" b="1" dirty="0" smtClean="0">
+                  <a:solidFill>
+                    <a:schemeClr val="bg1"/>
+                  </a:solidFill>
+                  <a:latin typeface="Arial"/>
+                  <a:cs typeface="Arial"/>
+                </a:rPr>
+                <a:t>4</a:t>
+              </a:r>
+              <a:endParaRPr lang="en-US" sz="1300" b="1" dirty="0">
+                <a:solidFill>
+                  <a:schemeClr val="bg1"/>
+                </a:solidFill>
+                <a:latin typeface="Arial"/>
+                <a:cs typeface="Arial"/>
+              </a:endParaRPr>
+            </a:p>
+          </p:txBody>
+        </p:sp>
+      </p:grpSp>
+      <p:grpSp>
+        <p:nvGrpSpPr>
+          <p:cNvPr id="81" name="Group 80"/>
+          <p:cNvGrpSpPr/>
+          <p:nvPr/>
+        </p:nvGrpSpPr>
+        <p:grpSpPr>
+          <a:xfrm>
+            <a:off x="3261830" y="2252011"/>
+            <a:ext cx="284923" cy="292388"/>
+            <a:chOff x="1689542" y="4469817"/>
+            <a:chExt cx="284923" cy="292388"/>
+          </a:xfrm>
+        </p:grpSpPr>
+        <p:sp>
+          <p:nvSpPr>
+            <p:cNvPr id="82" name="Dodecágono 72"/>
+            <p:cNvSpPr/>
+            <p:nvPr/>
+          </p:nvSpPr>
+          <p:spPr>
+            <a:xfrm>
+              <a:off x="1689542" y="4471683"/>
+              <a:ext cx="284923" cy="280576"/>
+            </a:xfrm>
+            <a:prstGeom prst="dodecagon">
+              <a:avLst/>
+            </a:prstGeom>
+            <a:solidFill>
+              <a:srgbClr val="FF0000"/>
+            </a:solidFill>
+            <a:ln>
+              <a:solidFill>
+                <a:srgbClr val="FF0000"/>
+              </a:solidFill>
+            </a:ln>
+            <a:effectLst/>
+          </p:spPr>
+          <p:style>
+            <a:lnRef idx="1">
+              <a:schemeClr val="accent1"/>
+            </a:lnRef>
+            <a:fillRef idx="3">
+              <a:schemeClr val="accent1"/>
+            </a:fillRef>
+            <a:effectRef idx="2">
+              <a:schemeClr val="accent1"/>
+            </a:effectRef>
+            <a:fontRef idx="minor">
+              <a:schemeClr val="lt1"/>
+            </a:fontRef>
+          </p:style>
+          <p:txBody>
+            <a:bodyPr rtlCol="0" anchor="ctr"/>
+            <a:lstStyle/>
+            <a:p>
+              <a:endParaRPr lang="en-GB" sz="1300" dirty="0">
+                <a:latin typeface="Arial"/>
+                <a:cs typeface="Arial"/>
+              </a:endParaRPr>
+            </a:p>
+          </p:txBody>
+        </p:sp>
+        <p:sp>
+          <p:nvSpPr>
+            <p:cNvPr id="83" name="TextBox 82"/>
+            <p:cNvSpPr txBox="1"/>
+            <p:nvPr/>
+          </p:nvSpPr>
+          <p:spPr>
+            <a:xfrm>
+              <a:off x="1689542" y="4469817"/>
+              <a:ext cx="277383" cy="292388"/>
+            </a:xfrm>
+            <a:prstGeom prst="rect">
+              <a:avLst/>
+            </a:prstGeom>
+            <a:noFill/>
+          </p:spPr>
+          <p:txBody>
+            <a:bodyPr wrap="none" rtlCol="0">
+              <a:spAutoFit/>
+            </a:bodyPr>
+            <a:lstStyle/>
+            <a:p>
+              <a:pPr algn="ctr"/>
+              <a:r>
+                <a:rPr lang="en-US" sz="1300" b="1" dirty="0" smtClean="0">
+                  <a:solidFill>
+                    <a:schemeClr val="bg1"/>
+                  </a:solidFill>
+                  <a:latin typeface="Arial"/>
+                  <a:cs typeface="Arial"/>
+                </a:rPr>
+                <a:t>3</a:t>
+              </a:r>
+              <a:endParaRPr lang="en-US" sz="1300" b="1" dirty="0">
+                <a:solidFill>
+                  <a:schemeClr val="bg1"/>
+                </a:solidFill>
+                <a:latin typeface="Arial"/>
+                <a:cs typeface="Arial"/>
+              </a:endParaRPr>
+            </a:p>
+          </p:txBody>
+        </p:sp>
+      </p:grpSp>
+      <p:cxnSp>
+        <p:nvCxnSpPr>
+          <p:cNvPr id="84" name="Conector angular 28"/>
+          <p:cNvCxnSpPr>
+            <a:stCxn id="7" idx="2"/>
+            <a:endCxn id="16" idx="0"/>
+          </p:cNvCxnSpPr>
+          <p:nvPr/>
+        </p:nvCxnSpPr>
+        <p:spPr>
+          <a:xfrm rot="5400000">
+            <a:off x="1151062" y="2277385"/>
+            <a:ext cx="595954" cy="1552769"/>
+          </a:xfrm>
+          <a:prstGeom prst="bentConnector3">
+            <a:avLst>
+              <a:gd name="adj1" fmla="val 50000"/>
+            </a:avLst>
+          </a:prstGeom>
+          <a:ln>
+            <a:tailEnd type="arrow" w="sm" len="sm"/>
+          </a:ln>
+        </p:spPr>
+        <p:style>
+          <a:lnRef idx="1">
+            <a:schemeClr val="dk1"/>
+          </a:lnRef>
+          <a:fillRef idx="0">
+            <a:schemeClr val="dk1"/>
+          </a:fillRef>
+          <a:effectRef idx="0">
+            <a:schemeClr val="dk1"/>
+          </a:effectRef>
+          <a:fontRef idx="minor">
+            <a:schemeClr val="tx1"/>
+          </a:fontRef>
+        </p:style>
+      </p:cxnSp>
+      <p:grpSp>
+        <p:nvGrpSpPr>
+          <p:cNvPr id="85" name="Group 84"/>
+          <p:cNvGrpSpPr/>
+          <p:nvPr/>
+        </p:nvGrpSpPr>
+        <p:grpSpPr>
+          <a:xfrm>
+            <a:off x="207320" y="4012690"/>
+            <a:ext cx="284923" cy="292388"/>
+            <a:chOff x="1689542" y="4469817"/>
+            <a:chExt cx="284923" cy="292388"/>
+          </a:xfrm>
+        </p:grpSpPr>
+        <p:sp>
+          <p:nvSpPr>
+            <p:cNvPr id="86" name="Dodecágono 72"/>
+            <p:cNvSpPr/>
+            <p:nvPr/>
+          </p:nvSpPr>
+          <p:spPr>
+            <a:xfrm>
+              <a:off x="1689542" y="4471683"/>
+              <a:ext cx="284923" cy="280576"/>
+            </a:xfrm>
+            <a:prstGeom prst="dodecagon">
+              <a:avLst/>
+            </a:prstGeom>
+            <a:solidFill>
+              <a:srgbClr val="FF0000"/>
+            </a:solidFill>
+            <a:ln>
+              <a:solidFill>
+                <a:srgbClr val="FF0000"/>
+              </a:solidFill>
+            </a:ln>
+            <a:effectLst/>
+          </p:spPr>
+          <p:style>
+            <a:lnRef idx="1">
+              <a:schemeClr val="accent1"/>
+            </a:lnRef>
+            <a:fillRef idx="3">
+              <a:schemeClr val="accent1"/>
+            </a:fillRef>
+            <a:effectRef idx="2">
+              <a:schemeClr val="accent1"/>
+            </a:effectRef>
+            <a:fontRef idx="minor">
+              <a:schemeClr val="lt1"/>
+            </a:fontRef>
+          </p:style>
+          <p:txBody>
+            <a:bodyPr rtlCol="0" anchor="ctr"/>
+            <a:lstStyle/>
+            <a:p>
+              <a:endParaRPr lang="en-GB" sz="1300" dirty="0">
+                <a:latin typeface="Arial"/>
+                <a:cs typeface="Arial"/>
+              </a:endParaRPr>
+            </a:p>
+          </p:txBody>
+        </p:sp>
+        <p:sp>
+          <p:nvSpPr>
+            <p:cNvPr id="87" name="TextBox 86"/>
+            <p:cNvSpPr txBox="1"/>
+            <p:nvPr/>
+          </p:nvSpPr>
+          <p:spPr>
+            <a:xfrm>
+              <a:off x="1689542" y="4469817"/>
+              <a:ext cx="277383" cy="292388"/>
+            </a:xfrm>
+            <a:prstGeom prst="rect">
+              <a:avLst/>
+            </a:prstGeom>
+            <a:noFill/>
+          </p:spPr>
+          <p:txBody>
+            <a:bodyPr wrap="none" rtlCol="0">
+              <a:spAutoFit/>
+            </a:bodyPr>
+            <a:lstStyle/>
+            <a:p>
+              <a:pPr algn="ctr"/>
+              <a:r>
+                <a:rPr lang="en-US" sz="1300" b="1" dirty="0">
+                  <a:solidFill>
+                    <a:schemeClr val="bg1"/>
+                  </a:solidFill>
+                  <a:latin typeface="Arial"/>
+                  <a:cs typeface="Arial"/>
+                </a:rPr>
+                <a:t>5</a:t>
+              </a:r>
+            </a:p>
+          </p:txBody>
+        </p:sp>
+      </p:grpSp>
+      <p:cxnSp>
+        <p:nvCxnSpPr>
+          <p:cNvPr id="88" name="Conector angular 28"/>
+          <p:cNvCxnSpPr>
+            <a:stCxn id="9" idx="2"/>
+            <a:endCxn id="7" idx="0"/>
+          </p:cNvCxnSpPr>
+          <p:nvPr/>
+        </p:nvCxnSpPr>
+        <p:spPr>
+          <a:xfrm rot="5400000">
+            <a:off x="2379689" y="985530"/>
+            <a:ext cx="1193210" cy="1501741"/>
+          </a:xfrm>
+          <a:prstGeom prst="bentConnector3">
+            <a:avLst>
+              <a:gd name="adj1" fmla="val 25056"/>
+            </a:avLst>
+          </a:prstGeom>
+          <a:ln>
+            <a:tailEnd type="arrow" w="sm" len="sm"/>
+          </a:ln>
+        </p:spPr>
+        <p:style>
+          <a:lnRef idx="1">
+            <a:schemeClr val="dk1"/>
+          </a:lnRef>
+          <a:fillRef idx="0">
+            <a:schemeClr val="dk1"/>
+          </a:fillRef>
+          <a:effectRef idx="0">
+            <a:schemeClr val="dk1"/>
+          </a:effectRef>
+          <a:fontRef idx="minor">
+            <a:schemeClr val="tx1"/>
+          </a:fontRef>
+        </p:style>
+      </p:cxnSp>
+      <p:cxnSp>
+        <p:nvCxnSpPr>
+          <p:cNvPr id="89" name="Conector angular 28"/>
+          <p:cNvCxnSpPr>
+            <a:stCxn id="34" idx="1"/>
+            <a:endCxn id="7" idx="0"/>
+          </p:cNvCxnSpPr>
+          <p:nvPr/>
+        </p:nvCxnSpPr>
+        <p:spPr>
+          <a:xfrm rot="10800000" flipV="1">
+            <a:off x="2225424" y="2038759"/>
+            <a:ext cx="1178869" cy="294245"/>
+          </a:xfrm>
+          <a:prstGeom prst="bentConnector2">
+            <a:avLst/>
+          </a:prstGeom>
+          <a:ln>
+            <a:tailEnd type="arrow" w="sm" len="sm"/>
+          </a:ln>
+        </p:spPr>
+        <p:style>
+          <a:lnRef idx="1">
+            <a:schemeClr val="dk1"/>
+          </a:lnRef>
+          <a:fillRef idx="0">
+            <a:schemeClr val="dk1"/>
+          </a:fillRef>
+          <a:effectRef idx="0">
+            <a:schemeClr val="dk1"/>
+          </a:effectRef>
+          <a:fontRef idx="minor">
+            <a:schemeClr val="tx1"/>
+          </a:fontRef>
+        </p:style>
+      </p:cxnSp>
+      <p:cxnSp>
+        <p:nvCxnSpPr>
+          <p:cNvPr id="102" name="Conector angular 28"/>
+          <p:cNvCxnSpPr>
+            <a:stCxn id="7" idx="2"/>
+            <a:endCxn id="17" idx="0"/>
+          </p:cNvCxnSpPr>
+          <p:nvPr/>
+        </p:nvCxnSpPr>
+        <p:spPr>
+          <a:xfrm rot="5400000">
+            <a:off x="1857156" y="2988509"/>
+            <a:ext cx="600985" cy="135551"/>
+          </a:xfrm>
+          <a:prstGeom prst="bentConnector3">
+            <a:avLst>
+              <a:gd name="adj1" fmla="val 50000"/>
+            </a:avLst>
+          </a:prstGeom>
+          <a:ln>
+            <a:tailEnd type="arrow" w="sm" len="sm"/>
+          </a:ln>
+        </p:spPr>
+        <p:style>
+          <a:lnRef idx="1">
+            <a:schemeClr val="dk1"/>
+          </a:lnRef>
+          <a:fillRef idx="0">
+            <a:schemeClr val="dk1"/>
+          </a:fillRef>
+          <a:effectRef idx="0">
+            <a:schemeClr val="dk1"/>
+          </a:effectRef>
+          <a:fontRef idx="minor">
+            <a:schemeClr val="tx1"/>
+          </a:fontRef>
+        </p:style>
+      </p:cxnSp>
+      <p:grpSp>
+        <p:nvGrpSpPr>
+          <p:cNvPr id="107" name="Group 106"/>
+          <p:cNvGrpSpPr/>
+          <p:nvPr/>
+        </p:nvGrpSpPr>
+        <p:grpSpPr>
+          <a:xfrm>
+            <a:off x="1610577" y="4017721"/>
+            <a:ext cx="284923" cy="292388"/>
+            <a:chOff x="1689542" y="4469817"/>
+            <a:chExt cx="284923" cy="292388"/>
+          </a:xfrm>
+        </p:grpSpPr>
+        <p:sp>
+          <p:nvSpPr>
+            <p:cNvPr id="108" name="Dodecágono 72"/>
+            <p:cNvSpPr/>
+            <p:nvPr/>
+          </p:nvSpPr>
+          <p:spPr>
+            <a:xfrm>
+              <a:off x="1689542" y="4471683"/>
+              <a:ext cx="284923" cy="280576"/>
+            </a:xfrm>
+            <a:prstGeom prst="dodecagon">
+              <a:avLst/>
+            </a:prstGeom>
+            <a:solidFill>
+              <a:srgbClr val="FF0000"/>
+            </a:solidFill>
+            <a:ln>
+              <a:solidFill>
+                <a:srgbClr val="FF0000"/>
+              </a:solidFill>
+            </a:ln>
+            <a:effectLst/>
+          </p:spPr>
+          <p:style>
+            <a:lnRef idx="1">
+              <a:schemeClr val="accent1"/>
+            </a:lnRef>
+            <a:fillRef idx="3">
+              <a:schemeClr val="accent1"/>
+            </a:fillRef>
+            <a:effectRef idx="2">
+              <a:schemeClr val="accent1"/>
+            </a:effectRef>
+            <a:fontRef idx="minor">
+              <a:schemeClr val="lt1"/>
+            </a:fontRef>
+          </p:style>
+          <p:txBody>
+            <a:bodyPr rtlCol="0" anchor="ctr"/>
+            <a:lstStyle/>
+            <a:p>
+              <a:endParaRPr lang="en-GB" sz="1300" dirty="0">
+                <a:latin typeface="Arial"/>
+                <a:cs typeface="Arial"/>
+              </a:endParaRPr>
+            </a:p>
+          </p:txBody>
+        </p:sp>
+        <p:sp>
+          <p:nvSpPr>
+            <p:cNvPr id="109" name="TextBox 108"/>
+            <p:cNvSpPr txBox="1"/>
+            <p:nvPr/>
+          </p:nvSpPr>
+          <p:spPr>
+            <a:xfrm>
+              <a:off x="1689542" y="4469817"/>
+              <a:ext cx="277383" cy="292388"/>
+            </a:xfrm>
+            <a:prstGeom prst="rect">
+              <a:avLst/>
+            </a:prstGeom>
+            <a:noFill/>
+          </p:spPr>
+          <p:txBody>
+            <a:bodyPr wrap="none" rtlCol="0">
+              <a:spAutoFit/>
+            </a:bodyPr>
+            <a:lstStyle/>
+            <a:p>
+              <a:pPr algn="ctr"/>
+              <a:r>
+                <a:rPr lang="en-US" sz="1300" b="1" dirty="0" smtClean="0">
+                  <a:solidFill>
+                    <a:schemeClr val="bg1"/>
+                  </a:solidFill>
+                  <a:latin typeface="Arial"/>
+                  <a:cs typeface="Arial"/>
+                </a:rPr>
+                <a:t>6</a:t>
+              </a:r>
+              <a:endParaRPr lang="en-US" sz="1300" b="1" dirty="0">
+                <a:solidFill>
+                  <a:schemeClr val="bg1"/>
+                </a:solidFill>
+                <a:latin typeface="Arial"/>
+                <a:cs typeface="Arial"/>
+              </a:endParaRPr>
+            </a:p>
+          </p:txBody>
+        </p:sp>
+      </p:grpSp>
+      <p:grpSp>
+        <p:nvGrpSpPr>
+          <p:cNvPr id="110" name="Group 109"/>
+          <p:cNvGrpSpPr/>
+          <p:nvPr/>
+        </p:nvGrpSpPr>
+        <p:grpSpPr>
+          <a:xfrm>
+            <a:off x="3261830" y="4012690"/>
+            <a:ext cx="284923" cy="292388"/>
+            <a:chOff x="1689542" y="4469817"/>
+            <a:chExt cx="284923" cy="292388"/>
+          </a:xfrm>
+        </p:grpSpPr>
+        <p:sp>
+          <p:nvSpPr>
+            <p:cNvPr id="111" name="Dodecágono 72"/>
+            <p:cNvSpPr/>
+            <p:nvPr/>
+          </p:nvSpPr>
+          <p:spPr>
+            <a:xfrm>
+              <a:off x="1689542" y="4471683"/>
+              <a:ext cx="284923" cy="280576"/>
+            </a:xfrm>
+            <a:prstGeom prst="dodecagon">
+              <a:avLst/>
+            </a:prstGeom>
+            <a:solidFill>
+              <a:srgbClr val="FF0000"/>
+            </a:solidFill>
+            <a:ln>
+              <a:solidFill>
+                <a:srgbClr val="FF0000"/>
+              </a:solidFill>
+            </a:ln>
+            <a:effectLst/>
+          </p:spPr>
+          <p:style>
+            <a:lnRef idx="1">
+              <a:schemeClr val="accent1"/>
+            </a:lnRef>
+            <a:fillRef idx="3">
+              <a:schemeClr val="accent1"/>
+            </a:fillRef>
+            <a:effectRef idx="2">
+              <a:schemeClr val="accent1"/>
+            </a:effectRef>
+            <a:fontRef idx="minor">
+              <a:schemeClr val="lt1"/>
+            </a:fontRef>
+          </p:style>
+          <p:txBody>
+            <a:bodyPr rtlCol="0" anchor="ctr"/>
+            <a:lstStyle/>
+            <a:p>
+              <a:endParaRPr lang="en-GB" sz="1300" dirty="0">
+                <a:latin typeface="Arial"/>
+                <a:cs typeface="Arial"/>
+              </a:endParaRPr>
+            </a:p>
+          </p:txBody>
+        </p:sp>
+        <p:sp>
+          <p:nvSpPr>
+            <p:cNvPr id="112" name="TextBox 111"/>
+            <p:cNvSpPr txBox="1"/>
+            <p:nvPr/>
+          </p:nvSpPr>
+          <p:spPr>
+            <a:xfrm>
+              <a:off x="1689542" y="4469817"/>
+              <a:ext cx="277383" cy="292388"/>
+            </a:xfrm>
+            <a:prstGeom prst="rect">
+              <a:avLst/>
+            </a:prstGeom>
+            <a:noFill/>
+          </p:spPr>
+          <p:txBody>
+            <a:bodyPr wrap="none" rtlCol="0">
+              <a:spAutoFit/>
+            </a:bodyPr>
+            <a:lstStyle/>
+            <a:p>
+              <a:pPr algn="ctr"/>
+              <a:r>
+                <a:rPr lang="en-US" sz="1300" b="1" dirty="0">
+                  <a:solidFill>
+                    <a:schemeClr val="bg1"/>
+                  </a:solidFill>
+                  <a:latin typeface="Arial"/>
+                  <a:cs typeface="Arial"/>
+                </a:rPr>
+                <a:t>7</a:t>
+              </a:r>
+            </a:p>
+          </p:txBody>
+        </p:sp>
+      </p:grpSp>
+      <p:cxnSp>
+        <p:nvCxnSpPr>
+          <p:cNvPr id="117" name="Conector recto de flecha 10"/>
+          <p:cNvCxnSpPr>
+            <a:stCxn id="40" idx="3"/>
+            <a:endCxn id="59" idx="1"/>
+          </p:cNvCxnSpPr>
+          <p:nvPr/>
+        </p:nvCxnSpPr>
+        <p:spPr>
+          <a:xfrm>
+            <a:off x="1331641" y="5671469"/>
+            <a:ext cx="290360" cy="0"/>
+          </a:xfrm>
+          <a:prstGeom prst="straightConnector1">
+            <a:avLst/>
+          </a:prstGeom>
+          <a:ln>
+            <a:tailEnd type="arrow" w="sm" len="sm"/>
+          </a:ln>
+        </p:spPr>
+        <p:style>
+          <a:lnRef idx="1">
+            <a:schemeClr val="dk1"/>
+          </a:lnRef>
+          <a:fillRef idx="0">
+            <a:schemeClr val="dk1"/>
+          </a:fillRef>
+          <a:effectRef idx="0">
+            <a:schemeClr val="dk1"/>
+          </a:effectRef>
+          <a:fontRef idx="minor">
+            <a:schemeClr val="tx1"/>
+          </a:fontRef>
+        </p:style>
+      </p:cxnSp>
+      <p:cxnSp>
+        <p:nvCxnSpPr>
+          <p:cNvPr id="123" name="Conector angular 28"/>
+          <p:cNvCxnSpPr>
+            <a:stCxn id="16" idx="2"/>
+            <a:endCxn id="40" idx="0"/>
+          </p:cNvCxnSpPr>
+          <p:nvPr/>
+        </p:nvCxnSpPr>
+        <p:spPr>
+          <a:xfrm rot="16200000" flipH="1">
+            <a:off x="104202" y="4727335"/>
+            <a:ext cx="1301191" cy="164287"/>
+          </a:xfrm>
+          <a:prstGeom prst="bentConnector3">
+            <a:avLst>
+              <a:gd name="adj1" fmla="val 50000"/>
+            </a:avLst>
+          </a:prstGeom>
+          <a:ln>
+            <a:tailEnd type="arrow" w="sm" len="sm"/>
+          </a:ln>
+        </p:spPr>
+        <p:style>
+          <a:lnRef idx="1">
+            <a:schemeClr val="dk1"/>
+          </a:lnRef>
+          <a:fillRef idx="0">
+            <a:schemeClr val="dk1"/>
+          </a:fillRef>
+          <a:effectRef idx="0">
+            <a:schemeClr val="dk1"/>
+          </a:effectRef>
+          <a:fontRef idx="minor">
+            <a:schemeClr val="tx1"/>
+          </a:fontRef>
+        </p:style>
+      </p:cxnSp>
+      <p:cxnSp>
+        <p:nvCxnSpPr>
+          <p:cNvPr id="126" name="Conector angular 28"/>
+          <p:cNvCxnSpPr>
+            <a:stCxn id="52" idx="2"/>
+            <a:endCxn id="40" idx="0"/>
+          </p:cNvCxnSpPr>
+          <p:nvPr/>
+        </p:nvCxnSpPr>
+        <p:spPr>
+          <a:xfrm rot="5400000">
+            <a:off x="1633973" y="3366884"/>
+            <a:ext cx="1296160" cy="2890223"/>
+          </a:xfrm>
+          <a:prstGeom prst="bentConnector3">
+            <a:avLst>
+              <a:gd name="adj1" fmla="val 50000"/>
+            </a:avLst>
+          </a:prstGeom>
+          <a:ln>
+            <a:tailEnd type="arrow" w="sm" len="sm"/>
+          </a:ln>
+        </p:spPr>
+        <p:style>
+          <a:lnRef idx="1">
+            <a:schemeClr val="dk1"/>
+          </a:lnRef>
+          <a:fillRef idx="0">
+            <a:schemeClr val="dk1"/>
+          </a:fillRef>
+          <a:effectRef idx="0">
+            <a:schemeClr val="dk1"/>
+          </a:effectRef>
+          <a:fontRef idx="minor">
+            <a:schemeClr val="tx1"/>
+          </a:fontRef>
+        </p:style>
+      </p:cxnSp>
+      <p:grpSp>
+        <p:nvGrpSpPr>
+          <p:cNvPr id="129" name="Group 128"/>
+          <p:cNvGrpSpPr/>
+          <p:nvPr/>
+        </p:nvGrpSpPr>
+        <p:grpSpPr>
+          <a:xfrm>
+            <a:off x="207320" y="5736668"/>
+            <a:ext cx="284923" cy="292388"/>
+            <a:chOff x="1689542" y="4469817"/>
+            <a:chExt cx="284923" cy="292388"/>
+          </a:xfrm>
+        </p:grpSpPr>
+        <p:sp>
+          <p:nvSpPr>
+            <p:cNvPr id="130" name="Dodecágono 72"/>
+            <p:cNvSpPr/>
+            <p:nvPr/>
+          </p:nvSpPr>
+          <p:spPr>
+            <a:xfrm>
+              <a:off x="1689542" y="4471683"/>
+              <a:ext cx="284923" cy="280576"/>
+            </a:xfrm>
+            <a:prstGeom prst="dodecagon">
+              <a:avLst/>
+            </a:prstGeom>
+            <a:solidFill>
+              <a:srgbClr val="FF0000"/>
+            </a:solidFill>
+            <a:ln>
+              <a:solidFill>
+                <a:srgbClr val="FF0000"/>
+              </a:solidFill>
+            </a:ln>
+            <a:effectLst/>
+          </p:spPr>
+          <p:style>
+            <a:lnRef idx="1">
+              <a:schemeClr val="accent1"/>
+            </a:lnRef>
+            <a:fillRef idx="3">
+              <a:schemeClr val="accent1"/>
+            </a:fillRef>
+            <a:effectRef idx="2">
+              <a:schemeClr val="accent1"/>
+            </a:effectRef>
+            <a:fontRef idx="minor">
+              <a:schemeClr val="lt1"/>
+            </a:fontRef>
+          </p:style>
+          <p:txBody>
+            <a:bodyPr rtlCol="0" anchor="ctr"/>
+            <a:lstStyle/>
+            <a:p>
+              <a:endParaRPr lang="en-GB" sz="1300" dirty="0">
+                <a:latin typeface="Arial"/>
+                <a:cs typeface="Arial"/>
+              </a:endParaRPr>
+            </a:p>
+          </p:txBody>
+        </p:sp>
+        <p:sp>
+          <p:nvSpPr>
+            <p:cNvPr id="131" name="TextBox 130"/>
+            <p:cNvSpPr txBox="1"/>
+            <p:nvPr/>
+          </p:nvSpPr>
+          <p:spPr>
+            <a:xfrm>
+              <a:off x="1689542" y="4469817"/>
+              <a:ext cx="277383" cy="292388"/>
+            </a:xfrm>
+            <a:prstGeom prst="rect">
+              <a:avLst/>
+            </a:prstGeom>
+            <a:noFill/>
+          </p:spPr>
+          <p:txBody>
+            <a:bodyPr wrap="none" rtlCol="0">
+              <a:spAutoFit/>
+            </a:bodyPr>
+            <a:lstStyle/>
+            <a:p>
+              <a:pPr algn="ctr"/>
+              <a:r>
+                <a:rPr lang="en-US" sz="1300" b="1" dirty="0" smtClean="0">
+                  <a:solidFill>
+                    <a:schemeClr val="bg1"/>
+                  </a:solidFill>
+                  <a:latin typeface="Arial"/>
+                  <a:cs typeface="Arial"/>
+                </a:rPr>
+                <a:t>8</a:t>
+              </a:r>
+              <a:endParaRPr lang="en-US" sz="1300" b="1" dirty="0">
+                <a:solidFill>
+                  <a:schemeClr val="bg1"/>
+                </a:solidFill>
+                <a:latin typeface="Arial"/>
+                <a:cs typeface="Arial"/>
+              </a:endParaRPr>
+            </a:p>
+          </p:txBody>
+        </p:sp>
+      </p:grpSp>
+      <p:grpSp>
+        <p:nvGrpSpPr>
+          <p:cNvPr id="132" name="Group 131"/>
+          <p:cNvGrpSpPr/>
+          <p:nvPr/>
+        </p:nvGrpSpPr>
+        <p:grpSpPr>
+          <a:xfrm>
+            <a:off x="1471999" y="5872916"/>
+            <a:ext cx="284923" cy="292388"/>
+            <a:chOff x="1689542" y="4469817"/>
+            <a:chExt cx="284923" cy="292388"/>
+          </a:xfrm>
+        </p:grpSpPr>
+        <p:sp>
+          <p:nvSpPr>
+            <p:cNvPr id="133" name="Dodecágono 72"/>
+            <p:cNvSpPr/>
+            <p:nvPr/>
+          </p:nvSpPr>
+          <p:spPr>
+            <a:xfrm>
+              <a:off x="1689542" y="4471683"/>
+              <a:ext cx="284923" cy="280576"/>
+            </a:xfrm>
+            <a:prstGeom prst="dodecagon">
+              <a:avLst/>
+            </a:prstGeom>
+            <a:solidFill>
+              <a:srgbClr val="FF0000"/>
+            </a:solidFill>
+            <a:ln>
+              <a:solidFill>
+                <a:srgbClr val="FF0000"/>
+              </a:solidFill>
+            </a:ln>
+            <a:effectLst/>
+          </p:spPr>
+          <p:style>
+            <a:lnRef idx="1">
+              <a:schemeClr val="accent1"/>
+            </a:lnRef>
+            <a:fillRef idx="3">
+              <a:schemeClr val="accent1"/>
+            </a:fillRef>
+            <a:effectRef idx="2">
+              <a:schemeClr val="accent1"/>
+            </a:effectRef>
+            <a:fontRef idx="minor">
+              <a:schemeClr val="lt1"/>
+            </a:fontRef>
+          </p:style>
+          <p:txBody>
+            <a:bodyPr rtlCol="0" anchor="ctr"/>
+            <a:lstStyle/>
+            <a:p>
+              <a:endParaRPr lang="en-GB" sz="1300" dirty="0">
+                <a:latin typeface="Arial"/>
+                <a:cs typeface="Arial"/>
+              </a:endParaRPr>
+            </a:p>
+          </p:txBody>
+        </p:sp>
+        <p:sp>
+          <p:nvSpPr>
+            <p:cNvPr id="134" name="TextBox 133"/>
+            <p:cNvSpPr txBox="1"/>
+            <p:nvPr/>
+          </p:nvSpPr>
+          <p:spPr>
+            <a:xfrm>
+              <a:off x="1689542" y="4469817"/>
+              <a:ext cx="277383" cy="292388"/>
+            </a:xfrm>
+            <a:prstGeom prst="rect">
+              <a:avLst/>
+            </a:prstGeom>
+            <a:noFill/>
+          </p:spPr>
+          <p:txBody>
+            <a:bodyPr wrap="none" rtlCol="0">
+              <a:spAutoFit/>
+            </a:bodyPr>
+            <a:lstStyle/>
+            <a:p>
+              <a:pPr algn="ctr"/>
+              <a:r>
+                <a:rPr lang="en-US" sz="1300" b="1" dirty="0">
+                  <a:solidFill>
+                    <a:schemeClr val="bg1"/>
+                  </a:solidFill>
+                  <a:latin typeface="Arial"/>
+                  <a:cs typeface="Arial"/>
+                </a:rPr>
+                <a:t>9</a:t>
+              </a:r>
+            </a:p>
+          </p:txBody>
+        </p:sp>
+      </p:grpSp>
+      <p:sp>
+        <p:nvSpPr>
+          <p:cNvPr id="62" name="Rectángulo 61"/>
+          <p:cNvSpPr/>
+          <p:nvPr/>
+        </p:nvSpPr>
+        <p:spPr>
+          <a:xfrm>
+            <a:off x="2549813" y="5454485"/>
+            <a:ext cx="712017" cy="422787"/>
+          </a:xfrm>
+          <a:prstGeom prst="rect">
+            <a:avLst/>
+          </a:prstGeom>
+          <a:ln w="12700" cmpd="sng"/>
+        </p:spPr>
+        <p:style>
+          <a:lnRef idx="2">
+            <a:schemeClr val="dk1"/>
+          </a:lnRef>
+          <a:fillRef idx="1">
+            <a:schemeClr val="lt1"/>
+          </a:fillRef>
+          <a:effectRef idx="0">
+            <a:schemeClr val="dk1"/>
+          </a:effectRef>
+          <a:fontRef idx="minor">
+            <a:schemeClr val="dk1"/>
+          </a:fontRef>
+        </p:style>
+        <p:txBody>
+          <a:bodyPr rtlCol="0" anchor="ctr"/>
+          <a:lstStyle/>
+          <a:p>
+            <a:pPr algn="ctr"/>
+            <a:r>
+              <a:rPr lang="en-GB" sz="1000" dirty="0" smtClean="0"/>
+              <a:t>Script</a:t>
+            </a:r>
+          </a:p>
+          <a:p>
+            <a:pPr algn="ctr"/>
+            <a:r>
+              <a:rPr lang="en-GB" sz="1000" dirty="0" smtClean="0"/>
+              <a:t>Generator</a:t>
+            </a:r>
+            <a:endParaRPr lang="en-GB" sz="1000" dirty="0"/>
+          </a:p>
+        </p:txBody>
+      </p:sp>
+      <p:cxnSp>
+        <p:nvCxnSpPr>
+          <p:cNvPr id="64" name="Conector recto de flecha 10"/>
+          <p:cNvCxnSpPr>
+            <a:stCxn id="59" idx="3"/>
+            <a:endCxn id="62" idx="1"/>
+          </p:cNvCxnSpPr>
+          <p:nvPr/>
+        </p:nvCxnSpPr>
+        <p:spPr>
+          <a:xfrm flipV="1">
+            <a:off x="2267744" y="5665879"/>
+            <a:ext cx="282069" cy="5590"/>
+          </a:xfrm>
+          <a:prstGeom prst="straightConnector1">
+            <a:avLst/>
+          </a:prstGeom>
+          <a:ln>
+            <a:tailEnd type="arrow" w="sm" len="sm"/>
+          </a:ln>
+        </p:spPr>
+        <p:style>
+          <a:lnRef idx="1">
+            <a:schemeClr val="dk1"/>
+          </a:lnRef>
+          <a:fillRef idx="0">
+            <a:schemeClr val="dk1"/>
+          </a:fillRef>
+          <a:effectRef idx="0">
+            <a:schemeClr val="dk1"/>
+          </a:effectRef>
+          <a:fontRef idx="minor">
+            <a:schemeClr val="tx1"/>
+          </a:fontRef>
+        </p:style>
+      </p:cxnSp>
+      <p:grpSp>
+        <p:nvGrpSpPr>
+          <p:cNvPr id="69" name="Group 131"/>
+          <p:cNvGrpSpPr/>
+          <p:nvPr/>
+        </p:nvGrpSpPr>
+        <p:grpSpPr>
+          <a:xfrm>
+            <a:off x="2366384" y="5782650"/>
+            <a:ext cx="370101" cy="292388"/>
+            <a:chOff x="1643183" y="4469817"/>
+            <a:chExt cx="370101" cy="292388"/>
+          </a:xfrm>
+        </p:grpSpPr>
+        <p:sp>
+          <p:nvSpPr>
+            <p:cNvPr id="74" name="Dodecágono 72"/>
+            <p:cNvSpPr/>
+            <p:nvPr/>
+          </p:nvSpPr>
+          <p:spPr>
+            <a:xfrm>
+              <a:off x="1689542" y="4471683"/>
+              <a:ext cx="284923" cy="280576"/>
+            </a:xfrm>
+            <a:prstGeom prst="dodecagon">
+              <a:avLst/>
+            </a:prstGeom>
+            <a:solidFill>
+              <a:srgbClr val="FF0000"/>
+            </a:solidFill>
+            <a:ln>
+              <a:solidFill>
+                <a:srgbClr val="FF0000"/>
+              </a:solidFill>
+            </a:ln>
+            <a:effectLst/>
+          </p:spPr>
+          <p:style>
+            <a:lnRef idx="1">
+              <a:schemeClr val="accent1"/>
+            </a:lnRef>
+            <a:fillRef idx="3">
+              <a:schemeClr val="accent1"/>
+            </a:fillRef>
+            <a:effectRef idx="2">
+              <a:schemeClr val="accent1"/>
+            </a:effectRef>
+            <a:fontRef idx="minor">
+              <a:schemeClr val="lt1"/>
+            </a:fontRef>
+          </p:style>
+          <p:txBody>
+            <a:bodyPr rtlCol="0" anchor="ctr"/>
+            <a:lstStyle/>
+            <a:p>
+              <a:endParaRPr lang="en-GB" sz="1300" dirty="0">
+                <a:latin typeface="Arial"/>
+                <a:cs typeface="Arial"/>
+              </a:endParaRPr>
+            </a:p>
+          </p:txBody>
+        </p:sp>
+        <p:sp>
+          <p:nvSpPr>
+            <p:cNvPr id="75" name="TextBox 133"/>
+            <p:cNvSpPr txBox="1"/>
+            <p:nvPr/>
+          </p:nvSpPr>
+          <p:spPr>
+            <a:xfrm>
+              <a:off x="1643183" y="4469817"/>
+              <a:ext cx="370101" cy="292388"/>
+            </a:xfrm>
+            <a:prstGeom prst="rect">
+              <a:avLst/>
+            </a:prstGeom>
+            <a:noFill/>
+          </p:spPr>
+          <p:txBody>
+            <a:bodyPr wrap="none" rtlCol="0">
+              <a:spAutoFit/>
+            </a:bodyPr>
+            <a:lstStyle/>
+            <a:p>
+              <a:pPr algn="ctr"/>
+              <a:r>
+                <a:rPr lang="en-US" sz="1300" b="1" dirty="0" smtClean="0">
+                  <a:solidFill>
+                    <a:schemeClr val="bg1"/>
+                  </a:solidFill>
+                  <a:latin typeface="Arial"/>
+                  <a:cs typeface="Arial"/>
+                </a:rPr>
+                <a:t>10</a:t>
+              </a:r>
+              <a:endParaRPr lang="en-US" sz="1300" b="1" dirty="0">
+                <a:solidFill>
+                  <a:schemeClr val="bg1"/>
+                </a:solidFill>
+                <a:latin typeface="Arial"/>
+                <a:cs typeface="Arial"/>
+              </a:endParaRPr>
+            </a:p>
+          </p:txBody>
+        </p:sp>
+      </p:grpSp>
+      <p:sp>
+        <p:nvSpPr>
+          <p:cNvPr id="76" name="Esquina doblada 75"/>
+          <p:cNvSpPr/>
+          <p:nvPr/>
+        </p:nvSpPr>
+        <p:spPr>
+          <a:xfrm>
+            <a:off x="3540032" y="4995948"/>
+            <a:ext cx="593198" cy="737308"/>
+          </a:xfrm>
+          <a:prstGeom prst="foldedCorner">
+            <a:avLst>
+              <a:gd name="adj" fmla="val 22813"/>
+            </a:avLst>
+          </a:prstGeom>
+          <a:solidFill>
+            <a:srgbClr val="D9D9D9"/>
+          </a:solidFill>
+          <a:ln w="12700" cmpd="sng"/>
+        </p:spPr>
+        <p:style>
+          <a:lnRef idx="2">
+            <a:schemeClr val="dk1"/>
+          </a:lnRef>
+          <a:fillRef idx="1">
+            <a:schemeClr val="lt1"/>
+          </a:fillRef>
+          <a:effectRef idx="0">
+            <a:schemeClr val="dk1"/>
+          </a:effectRef>
+          <a:fontRef idx="minor">
+            <a:schemeClr val="dk1"/>
+          </a:fontRef>
+        </p:style>
+        <p:txBody>
+          <a:bodyPr rtlCol="0" anchor="ctr"/>
+          <a:lstStyle/>
+          <a:p>
+            <a:pPr algn="ctr"/>
+            <a:r>
+              <a:rPr lang="en-GB" sz="1000" dirty="0" smtClean="0"/>
+              <a:t>PRECIP</a:t>
+            </a:r>
+            <a:endParaRPr lang="en-GB" sz="1000" dirty="0"/>
+          </a:p>
+        </p:txBody>
+      </p:sp>
+      <p:sp>
+        <p:nvSpPr>
+          <p:cNvPr id="77" name="Esquina doblada 76"/>
+          <p:cNvSpPr/>
+          <p:nvPr/>
+        </p:nvSpPr>
+        <p:spPr>
+          <a:xfrm>
+            <a:off x="7452320" y="4635908"/>
+            <a:ext cx="593198" cy="737308"/>
+          </a:xfrm>
+          <a:prstGeom prst="foldedCorner">
+            <a:avLst>
+              <a:gd name="adj" fmla="val 22813"/>
+            </a:avLst>
+          </a:prstGeom>
+          <a:solidFill>
+            <a:srgbClr val="D9D9D9"/>
+          </a:solidFill>
+          <a:ln w="12700" cmpd="sng"/>
+        </p:spPr>
+        <p:style>
+          <a:lnRef idx="2">
+            <a:schemeClr val="dk1"/>
+          </a:lnRef>
+          <a:fillRef idx="1">
+            <a:schemeClr val="lt1"/>
+          </a:fillRef>
+          <a:effectRef idx="0">
+            <a:schemeClr val="dk1"/>
+          </a:effectRef>
+          <a:fontRef idx="minor">
+            <a:schemeClr val="dk1"/>
+          </a:fontRef>
+        </p:style>
+        <p:txBody>
+          <a:bodyPr rtlCol="0" anchor="ctr"/>
+          <a:lstStyle/>
+          <a:p>
+            <a:pPr algn="ctr"/>
+            <a:r>
+              <a:rPr lang="en-GB" sz="1000" dirty="0" smtClean="0"/>
+              <a:t>Vagrant</a:t>
+            </a:r>
+            <a:endParaRPr lang="en-GB" sz="1000" dirty="0"/>
+          </a:p>
+        </p:txBody>
+      </p:sp>
+      <p:cxnSp>
+        <p:nvCxnSpPr>
+          <p:cNvPr id="78" name="Conector angular 28"/>
+          <p:cNvCxnSpPr>
+            <a:stCxn id="62" idx="3"/>
+            <a:endCxn id="76" idx="1"/>
+          </p:cNvCxnSpPr>
+          <p:nvPr/>
+        </p:nvCxnSpPr>
+        <p:spPr>
+          <a:xfrm flipV="1">
+            <a:off x="3261830" y="5364602"/>
+            <a:ext cx="278202" cy="301277"/>
+          </a:xfrm>
+          <a:prstGeom prst="bentConnector3">
+            <a:avLst>
+              <a:gd name="adj1" fmla="val 45435"/>
+            </a:avLst>
+          </a:prstGeom>
+          <a:ln>
+            <a:tailEnd type="arrow" w="sm" len="sm"/>
+          </a:ln>
+        </p:spPr>
+        <p:style>
+          <a:lnRef idx="1">
+            <a:schemeClr val="dk1"/>
+          </a:lnRef>
+          <a:fillRef idx="0">
+            <a:schemeClr val="dk1"/>
+          </a:fillRef>
+          <a:effectRef idx="0">
+            <a:schemeClr val="dk1"/>
+          </a:effectRef>
+          <a:fontRef idx="minor">
+            <a:schemeClr val="tx1"/>
+          </a:fontRef>
+        </p:style>
+      </p:cxnSp>
+      <p:grpSp>
+        <p:nvGrpSpPr>
+          <p:cNvPr id="90" name="Group 131"/>
+          <p:cNvGrpSpPr/>
+          <p:nvPr/>
+        </p:nvGrpSpPr>
+        <p:grpSpPr>
+          <a:xfrm>
+            <a:off x="3434921" y="5519685"/>
+            <a:ext cx="360902" cy="292388"/>
+            <a:chOff x="1647783" y="4469817"/>
+            <a:chExt cx="360902" cy="292388"/>
+          </a:xfrm>
+        </p:grpSpPr>
+        <p:sp>
+          <p:nvSpPr>
+            <p:cNvPr id="91" name="Dodecágono 72"/>
+            <p:cNvSpPr/>
+            <p:nvPr/>
+          </p:nvSpPr>
+          <p:spPr>
+            <a:xfrm>
+              <a:off x="1689542" y="4471683"/>
+              <a:ext cx="284923" cy="280576"/>
+            </a:xfrm>
+            <a:prstGeom prst="dodecagon">
+              <a:avLst/>
+            </a:prstGeom>
+            <a:solidFill>
+              <a:srgbClr val="FF0000"/>
+            </a:solidFill>
+            <a:ln>
+              <a:solidFill>
+                <a:srgbClr val="FF0000"/>
+              </a:solidFill>
+            </a:ln>
+            <a:effectLst/>
+          </p:spPr>
+          <p:style>
+            <a:lnRef idx="1">
+              <a:schemeClr val="accent1"/>
+            </a:lnRef>
+            <a:fillRef idx="3">
+              <a:schemeClr val="accent1"/>
+            </a:fillRef>
+            <a:effectRef idx="2">
+              <a:schemeClr val="accent1"/>
+            </a:effectRef>
+            <a:fontRef idx="minor">
+              <a:schemeClr val="lt1"/>
+            </a:fontRef>
+          </p:style>
+          <p:txBody>
+            <a:bodyPr rtlCol="0" anchor="ctr"/>
+            <a:lstStyle/>
+            <a:p>
+              <a:endParaRPr lang="en-GB" sz="1300" dirty="0">
+                <a:latin typeface="Arial"/>
+                <a:cs typeface="Arial"/>
+              </a:endParaRPr>
+            </a:p>
+          </p:txBody>
+        </p:sp>
+        <p:sp>
+          <p:nvSpPr>
+            <p:cNvPr id="92" name="TextBox 133"/>
+            <p:cNvSpPr txBox="1"/>
+            <p:nvPr/>
+          </p:nvSpPr>
+          <p:spPr>
+            <a:xfrm>
+              <a:off x="1647783" y="4469817"/>
+              <a:ext cx="360902" cy="292388"/>
+            </a:xfrm>
+            <a:prstGeom prst="rect">
+              <a:avLst/>
+            </a:prstGeom>
+            <a:noFill/>
+          </p:spPr>
+          <p:txBody>
+            <a:bodyPr wrap="none" rtlCol="0">
+              <a:spAutoFit/>
+            </a:bodyPr>
+            <a:lstStyle/>
+            <a:p>
+              <a:pPr algn="ctr"/>
+              <a:r>
+                <a:rPr lang="en-US" sz="1300" b="1" dirty="0" smtClean="0">
+                  <a:solidFill>
+                    <a:schemeClr val="bg1"/>
+                  </a:solidFill>
+                  <a:latin typeface="Arial"/>
+                  <a:cs typeface="Arial"/>
+                </a:rPr>
+                <a:t>11</a:t>
+              </a:r>
+              <a:endParaRPr lang="en-US" sz="1300" b="1" dirty="0">
+                <a:solidFill>
+                  <a:schemeClr val="bg1"/>
+                </a:solidFill>
+                <a:latin typeface="Arial"/>
+                <a:cs typeface="Arial"/>
+              </a:endParaRPr>
+            </a:p>
+          </p:txBody>
+        </p:sp>
+      </p:grpSp>
+      <p:sp>
+        <p:nvSpPr>
+          <p:cNvPr id="95" name="Esquina doblada 94"/>
+          <p:cNvSpPr/>
+          <p:nvPr/>
+        </p:nvSpPr>
+        <p:spPr>
+          <a:xfrm>
+            <a:off x="5726457" y="174156"/>
+            <a:ext cx="645743" cy="807138"/>
+          </a:xfrm>
+          <a:prstGeom prst="foldedCorner">
+            <a:avLst>
+              <a:gd name="adj" fmla="val 25886"/>
+            </a:avLst>
+          </a:prstGeom>
+          <a:solidFill>
+            <a:schemeClr val="bg1">
+              <a:lumMod val="85000"/>
+            </a:schemeClr>
+          </a:solidFill>
+          <a:ln w="12700" cmpd="sng"/>
+        </p:spPr>
+        <p:style>
+          <a:lnRef idx="2">
+            <a:schemeClr val="dk1"/>
+          </a:lnRef>
+          <a:fillRef idx="1">
+            <a:schemeClr val="lt1"/>
+          </a:fillRef>
+          <a:effectRef idx="0">
+            <a:schemeClr val="dk1"/>
+          </a:effectRef>
+          <a:fontRef idx="minor">
+            <a:schemeClr val="dk1"/>
+          </a:fontRef>
+        </p:style>
+        <p:txBody>
+          <a:bodyPr rtlCol="0" anchor="ctr"/>
+          <a:lstStyle/>
+          <a:p>
+            <a:pPr algn="ctr"/>
+            <a:r>
+              <a:rPr lang="en-GB" sz="1000" dirty="0" smtClean="0"/>
+              <a:t>DAX</a:t>
+            </a:r>
+          </a:p>
+          <a:p>
+            <a:pPr algn="ctr"/>
+            <a:r>
+              <a:rPr lang="en-GB" sz="1000" dirty="0" smtClean="0"/>
+              <a:t>xml</a:t>
+            </a:r>
+            <a:endParaRPr lang="en-GB" sz="1000" dirty="0"/>
+          </a:p>
+        </p:txBody>
+      </p:sp>
+      <p:sp>
+        <p:nvSpPr>
+          <p:cNvPr id="96" name="Esquina doblada 95"/>
+          <p:cNvSpPr/>
+          <p:nvPr/>
+        </p:nvSpPr>
+        <p:spPr>
+          <a:xfrm>
+            <a:off x="6446537" y="174156"/>
+            <a:ext cx="645743" cy="807138"/>
+          </a:xfrm>
+          <a:prstGeom prst="foldedCorner">
+            <a:avLst>
+              <a:gd name="adj" fmla="val 24349"/>
+            </a:avLst>
+          </a:prstGeom>
+          <a:solidFill>
+            <a:schemeClr val="bg1">
+              <a:lumMod val="85000"/>
+            </a:schemeClr>
+          </a:solidFill>
+          <a:ln w="12700" cmpd="sng"/>
+        </p:spPr>
+        <p:style>
+          <a:lnRef idx="2">
+            <a:schemeClr val="dk1"/>
+          </a:lnRef>
+          <a:fillRef idx="1">
+            <a:schemeClr val="lt1"/>
+          </a:fillRef>
+          <a:effectRef idx="0">
+            <a:schemeClr val="dk1"/>
+          </a:effectRef>
+          <a:fontRef idx="minor">
+            <a:schemeClr val="dk1"/>
+          </a:fontRef>
+        </p:style>
+        <p:txBody>
+          <a:bodyPr rtlCol="0" anchor="ctr"/>
+          <a:lstStyle/>
+          <a:p>
+            <a:pPr algn="ctr"/>
+            <a:r>
+              <a:rPr lang="en-GB" sz="1000" dirty="0" smtClean="0"/>
+              <a:t>Pegasus</a:t>
+            </a:r>
+          </a:p>
+          <a:p>
+            <a:pPr algn="ctr"/>
+            <a:r>
+              <a:rPr lang="en-GB" sz="1000" dirty="0" smtClean="0"/>
+              <a:t>Transf.</a:t>
+            </a:r>
+          </a:p>
+          <a:p>
+            <a:pPr algn="ctr"/>
+            <a:r>
+              <a:rPr lang="en-GB" sz="1000" dirty="0" err="1" smtClean="0"/>
+              <a:t>Catalog</a:t>
+            </a:r>
+            <a:endParaRPr lang="en-GB" sz="1000" dirty="0"/>
+          </a:p>
+        </p:txBody>
+      </p:sp>
+      <p:pic>
+        <p:nvPicPr>
+          <p:cNvPr id="97" name="Imagen 96" descr="Captura de pantalla 2014-03-31 a las 15.31.04.png"/>
+          <p:cNvPicPr>
+            <a:picLocks noChangeAspect="1"/>
+          </p:cNvPicPr>
+          <p:nvPr/>
+        </p:nvPicPr>
+        <p:blipFill>
+          <a:blip r:embed="rId2">
+            <a:extLst>
+              <a:ext uri="{28A0092B-C50C-407E-A947-70E740481C1C}">
+                <a14:useLocalDpi xmlns:a14="http://schemas.microsoft.com/office/drawing/2010/main" val="0"/>
+              </a:ext>
+            </a:extLst>
+          </a:blip>
+          <a:stretch>
+            <a:fillRect/>
+          </a:stretch>
+        </p:blipFill>
+        <p:spPr>
+          <a:xfrm>
+            <a:off x="4572000" y="1699531"/>
+            <a:ext cx="1143648" cy="505333"/>
+          </a:xfrm>
+          <a:prstGeom prst="rect">
+            <a:avLst/>
+          </a:prstGeom>
+        </p:spPr>
+      </p:pic>
+      <p:cxnSp>
+        <p:nvCxnSpPr>
+          <p:cNvPr id="98" name="Conector angular 97"/>
+          <p:cNvCxnSpPr>
+            <a:stCxn id="97" idx="0"/>
+            <a:endCxn id="68" idx="1"/>
+          </p:cNvCxnSpPr>
+          <p:nvPr/>
+        </p:nvCxnSpPr>
+        <p:spPr>
+          <a:xfrm rot="5400000" flipH="1" flipV="1">
+            <a:off x="5324678" y="1308561"/>
+            <a:ext cx="210116" cy="571824"/>
+          </a:xfrm>
+          <a:prstGeom prst="bentConnector2">
+            <a:avLst/>
+          </a:prstGeom>
+          <a:ln>
+            <a:tailEnd type="arrow" w="sm" len="sm"/>
+          </a:ln>
+        </p:spPr>
+        <p:style>
+          <a:lnRef idx="1">
+            <a:schemeClr val="dk1"/>
+          </a:lnRef>
+          <a:fillRef idx="0">
+            <a:schemeClr val="dk1"/>
+          </a:fillRef>
+          <a:effectRef idx="0">
+            <a:schemeClr val="dk1"/>
+          </a:effectRef>
+          <a:fontRef idx="minor">
+            <a:schemeClr val="tx1"/>
+          </a:fontRef>
+        </p:style>
+      </p:cxnSp>
+      <p:cxnSp>
+        <p:nvCxnSpPr>
+          <p:cNvPr id="99" name="Conector angular 28"/>
+          <p:cNvCxnSpPr>
+            <a:stCxn id="97" idx="2"/>
+            <a:endCxn id="80" idx="1"/>
+          </p:cNvCxnSpPr>
+          <p:nvPr/>
+        </p:nvCxnSpPr>
+        <p:spPr>
+          <a:xfrm rot="16200000" flipH="1">
+            <a:off x="5353456" y="1995231"/>
+            <a:ext cx="152560" cy="571825"/>
+          </a:xfrm>
+          <a:prstGeom prst="bentConnector2">
+            <a:avLst/>
+          </a:prstGeom>
+          <a:ln>
+            <a:tailEnd type="arrow" w="sm" len="sm"/>
+          </a:ln>
+        </p:spPr>
+        <p:style>
+          <a:lnRef idx="1">
+            <a:schemeClr val="dk1"/>
+          </a:lnRef>
+          <a:fillRef idx="0">
+            <a:schemeClr val="dk1"/>
+          </a:fillRef>
+          <a:effectRef idx="0">
+            <a:schemeClr val="dk1"/>
+          </a:effectRef>
+          <a:fontRef idx="minor">
+            <a:schemeClr val="tx1"/>
+          </a:fontRef>
+        </p:style>
+      </p:cxnSp>
+      <p:sp>
+        <p:nvSpPr>
+          <p:cNvPr id="101" name="Esquina doblada 100"/>
+          <p:cNvSpPr/>
+          <p:nvPr/>
+        </p:nvSpPr>
+        <p:spPr>
+          <a:xfrm>
+            <a:off x="7164288" y="175174"/>
+            <a:ext cx="645743" cy="807138"/>
+          </a:xfrm>
+          <a:prstGeom prst="foldedCorner">
+            <a:avLst>
+              <a:gd name="adj" fmla="val 24349"/>
+            </a:avLst>
+          </a:prstGeom>
+          <a:solidFill>
+            <a:srgbClr val="D9D9D9"/>
+          </a:solidFill>
+          <a:ln w="12700" cmpd="sng"/>
+        </p:spPr>
+        <p:style>
+          <a:lnRef idx="2">
+            <a:schemeClr val="dk1"/>
+          </a:lnRef>
+          <a:fillRef idx="1">
+            <a:schemeClr val="lt1"/>
+          </a:fillRef>
+          <a:effectRef idx="0">
+            <a:schemeClr val="dk1"/>
+          </a:effectRef>
+          <a:fontRef idx="minor">
+            <a:schemeClr val="dk1"/>
+          </a:fontRef>
+        </p:style>
+        <p:txBody>
+          <a:bodyPr rtlCol="0" anchor="ctr"/>
+          <a:lstStyle/>
+          <a:p>
+            <a:pPr algn="ctr"/>
+            <a:r>
+              <a:rPr lang="en-GB" sz="1000" dirty="0" smtClean="0"/>
+              <a:t>WMS</a:t>
+            </a:r>
+          </a:p>
+          <a:p>
+            <a:pPr algn="ctr"/>
+            <a:r>
+              <a:rPr lang="en-GB" sz="1000" dirty="0" err="1" smtClean="0"/>
+              <a:t>Annot</a:t>
+            </a:r>
+            <a:r>
+              <a:rPr lang="en-GB" sz="1000" dirty="0" smtClean="0"/>
+              <a:t>.</a:t>
+            </a:r>
+            <a:endParaRPr lang="en-GB" sz="1000" dirty="0"/>
+          </a:p>
+        </p:txBody>
+      </p:sp>
+      <p:sp>
+        <p:nvSpPr>
+          <p:cNvPr id="103" name="Esquina doblada 102"/>
+          <p:cNvSpPr/>
+          <p:nvPr/>
+        </p:nvSpPr>
+        <p:spPr>
+          <a:xfrm>
+            <a:off x="7884368" y="175174"/>
+            <a:ext cx="645743" cy="807138"/>
+          </a:xfrm>
+          <a:prstGeom prst="foldedCorner">
+            <a:avLst>
+              <a:gd name="adj" fmla="val 22813"/>
+            </a:avLst>
+          </a:prstGeom>
+          <a:solidFill>
+            <a:srgbClr val="D9D9D9"/>
+          </a:solidFill>
+          <a:ln w="12700" cmpd="sng"/>
+        </p:spPr>
+        <p:style>
+          <a:lnRef idx="2">
+            <a:schemeClr val="dk1"/>
+          </a:lnRef>
+          <a:fillRef idx="1">
+            <a:schemeClr val="lt1"/>
+          </a:fillRef>
+          <a:effectRef idx="0">
+            <a:schemeClr val="dk1"/>
+          </a:effectRef>
+          <a:fontRef idx="minor">
+            <a:schemeClr val="dk1"/>
+          </a:fontRef>
+        </p:style>
+        <p:txBody>
+          <a:bodyPr rtlCol="0" anchor="ctr"/>
+          <a:lstStyle/>
+          <a:p>
+            <a:pPr algn="ctr"/>
+            <a:r>
+              <a:rPr lang="en-GB" sz="1000" dirty="0" smtClean="0"/>
+              <a:t>SVA</a:t>
+            </a:r>
+          </a:p>
+          <a:p>
+            <a:pPr algn="ctr"/>
+            <a:r>
+              <a:rPr lang="en-GB" sz="1000" dirty="0" err="1" smtClean="0"/>
+              <a:t>Catalog</a:t>
+            </a:r>
+            <a:endParaRPr lang="en-GB" sz="1000" dirty="0"/>
+          </a:p>
+        </p:txBody>
+      </p:sp>
+      <p:cxnSp>
+        <p:nvCxnSpPr>
+          <p:cNvPr id="113" name="Conector recto de flecha 10"/>
+          <p:cNvCxnSpPr>
+            <a:stCxn id="95" idx="2"/>
+          </p:cNvCxnSpPr>
+          <p:nvPr/>
+        </p:nvCxnSpPr>
+        <p:spPr>
+          <a:xfrm>
+            <a:off x="6049329" y="981294"/>
+            <a:ext cx="0" cy="296727"/>
+          </a:xfrm>
+          <a:prstGeom prst="straightConnector1">
+            <a:avLst/>
+          </a:prstGeom>
+          <a:ln>
+            <a:tailEnd type="arrow" w="sm" len="sm"/>
+          </a:ln>
+        </p:spPr>
+        <p:style>
+          <a:lnRef idx="1">
+            <a:schemeClr val="dk1"/>
+          </a:lnRef>
+          <a:fillRef idx="0">
+            <a:schemeClr val="dk1"/>
+          </a:fillRef>
+          <a:effectRef idx="0">
+            <a:schemeClr val="dk1"/>
+          </a:effectRef>
+          <a:fontRef idx="minor">
+            <a:schemeClr val="tx1"/>
+          </a:fontRef>
+        </p:style>
+      </p:cxnSp>
+      <p:sp>
+        <p:nvSpPr>
+          <p:cNvPr id="68" name="Rectángulo 67"/>
+          <p:cNvSpPr/>
+          <p:nvPr/>
+        </p:nvSpPr>
+        <p:spPr>
+          <a:xfrm>
+            <a:off x="5715648" y="1278021"/>
+            <a:ext cx="3032816" cy="422787"/>
+          </a:xfrm>
+          <a:prstGeom prst="rect">
+            <a:avLst/>
+          </a:prstGeom>
+          <a:solidFill>
+            <a:schemeClr val="bg1"/>
+          </a:solidFill>
+          <a:ln w="12700" cmpd="sng"/>
+        </p:spPr>
+        <p:style>
+          <a:lnRef idx="2">
+            <a:schemeClr val="dk1"/>
+          </a:lnRef>
+          <a:fillRef idx="1">
+            <a:schemeClr val="lt1"/>
+          </a:fillRef>
+          <a:effectRef idx="0">
+            <a:schemeClr val="dk1"/>
+          </a:effectRef>
+          <a:fontRef idx="minor">
+            <a:schemeClr val="dk1"/>
+          </a:fontRef>
+        </p:style>
+        <p:txBody>
+          <a:bodyPr rtlCol="0" anchor="ctr"/>
+          <a:lstStyle/>
+          <a:p>
+            <a:pPr algn="ctr"/>
+            <a:r>
+              <a:rPr lang="en-GB" sz="1000" dirty="0" smtClean="0"/>
+              <a:t>DAX Annotator</a:t>
+            </a:r>
+            <a:endParaRPr lang="en-GB" sz="1000" dirty="0"/>
+          </a:p>
+        </p:txBody>
+      </p:sp>
+      <p:sp>
+        <p:nvSpPr>
+          <p:cNvPr id="80" name="Rectángulo 79"/>
+          <p:cNvSpPr/>
+          <p:nvPr/>
+        </p:nvSpPr>
+        <p:spPr>
+          <a:xfrm>
+            <a:off x="5715649" y="2146030"/>
+            <a:ext cx="3032815" cy="422787"/>
+          </a:xfrm>
+          <a:prstGeom prst="rect">
+            <a:avLst/>
+          </a:prstGeom>
+          <a:solidFill>
+            <a:schemeClr val="bg1"/>
+          </a:solidFill>
+          <a:ln w="12700" cmpd="sng"/>
+        </p:spPr>
+        <p:style>
+          <a:lnRef idx="2">
+            <a:schemeClr val="dk1"/>
+          </a:lnRef>
+          <a:fillRef idx="1">
+            <a:schemeClr val="lt1"/>
+          </a:fillRef>
+          <a:effectRef idx="0">
+            <a:schemeClr val="dk1"/>
+          </a:effectRef>
+          <a:fontRef idx="minor">
+            <a:schemeClr val="dk1"/>
+          </a:fontRef>
+        </p:style>
+        <p:txBody>
+          <a:bodyPr rtlCol="0" anchor="ctr"/>
+          <a:lstStyle/>
+          <a:p>
+            <a:pPr algn="ctr"/>
+            <a:r>
+              <a:rPr lang="en-GB" sz="1000" dirty="0" smtClean="0"/>
+              <a:t>TC Annotator</a:t>
+            </a:r>
+            <a:endParaRPr lang="en-GB" sz="1000" dirty="0"/>
+          </a:p>
+        </p:txBody>
+      </p:sp>
+      <p:sp>
+        <p:nvSpPr>
+          <p:cNvPr id="93" name="Rectángulo 92"/>
+          <p:cNvSpPr/>
+          <p:nvPr/>
+        </p:nvSpPr>
+        <p:spPr>
+          <a:xfrm>
+            <a:off x="5726456" y="3006213"/>
+            <a:ext cx="3022007" cy="422787"/>
+          </a:xfrm>
+          <a:prstGeom prst="rect">
+            <a:avLst/>
+          </a:prstGeom>
+          <a:solidFill>
+            <a:schemeClr val="bg1"/>
+          </a:solidFill>
+          <a:ln w="12700" cmpd="sng"/>
+        </p:spPr>
+        <p:style>
+          <a:lnRef idx="2">
+            <a:schemeClr val="dk1"/>
+          </a:lnRef>
+          <a:fillRef idx="1">
+            <a:schemeClr val="lt1"/>
+          </a:fillRef>
+          <a:effectRef idx="0">
+            <a:schemeClr val="dk1"/>
+          </a:effectRef>
+          <a:fontRef idx="minor">
+            <a:schemeClr val="dk1"/>
+          </a:fontRef>
+        </p:style>
+        <p:txBody>
+          <a:bodyPr rtlCol="0" anchor="ctr"/>
+          <a:lstStyle/>
+          <a:p>
+            <a:pPr algn="ctr"/>
+            <a:r>
+              <a:rPr lang="en-GB" sz="1000" dirty="0" smtClean="0"/>
+              <a:t>Infrastructure Specification Algorithm</a:t>
+            </a:r>
+            <a:endParaRPr lang="en-GB" sz="1000" dirty="0"/>
+          </a:p>
+        </p:txBody>
+      </p:sp>
+      <p:sp>
+        <p:nvSpPr>
+          <p:cNvPr id="94" name="Rectángulo 93"/>
+          <p:cNvSpPr/>
+          <p:nvPr/>
+        </p:nvSpPr>
+        <p:spPr>
+          <a:xfrm>
+            <a:off x="5715648" y="3870309"/>
+            <a:ext cx="3032815" cy="422787"/>
+          </a:xfrm>
+          <a:prstGeom prst="rect">
+            <a:avLst/>
+          </a:prstGeom>
+          <a:solidFill>
+            <a:schemeClr val="bg1"/>
+          </a:solidFill>
+          <a:ln w="12700" cmpd="sng"/>
+        </p:spPr>
+        <p:style>
+          <a:lnRef idx="2">
+            <a:schemeClr val="dk1"/>
+          </a:lnRef>
+          <a:fillRef idx="1">
+            <a:schemeClr val="lt1"/>
+          </a:fillRef>
+          <a:effectRef idx="0">
+            <a:schemeClr val="dk1"/>
+          </a:effectRef>
+          <a:fontRef idx="minor">
+            <a:schemeClr val="dk1"/>
+          </a:fontRef>
+        </p:style>
+        <p:txBody>
+          <a:bodyPr rtlCol="0" anchor="ctr"/>
+          <a:lstStyle/>
+          <a:p>
+            <a:pPr algn="ctr"/>
+            <a:r>
+              <a:rPr lang="en-GB" sz="1000" dirty="0" smtClean="0"/>
+              <a:t>Script Generator</a:t>
+            </a:r>
+            <a:endParaRPr lang="en-GB" sz="1000" dirty="0"/>
+          </a:p>
+        </p:txBody>
+      </p:sp>
+      <p:cxnSp>
+        <p:nvCxnSpPr>
+          <p:cNvPr id="115" name="Conector recto de flecha 10"/>
+          <p:cNvCxnSpPr>
+            <a:stCxn id="96" idx="2"/>
+          </p:cNvCxnSpPr>
+          <p:nvPr/>
+        </p:nvCxnSpPr>
+        <p:spPr>
+          <a:xfrm>
+            <a:off x="6769409" y="981294"/>
+            <a:ext cx="0" cy="296727"/>
+          </a:xfrm>
+          <a:prstGeom prst="straightConnector1">
+            <a:avLst/>
+          </a:prstGeom>
+          <a:ln>
+            <a:tailEnd type="arrow" w="sm" len="sm"/>
+          </a:ln>
+        </p:spPr>
+        <p:style>
+          <a:lnRef idx="1">
+            <a:schemeClr val="dk1"/>
+          </a:lnRef>
+          <a:fillRef idx="0">
+            <a:schemeClr val="dk1"/>
+          </a:fillRef>
+          <a:effectRef idx="0">
+            <a:schemeClr val="dk1"/>
+          </a:effectRef>
+          <a:fontRef idx="minor">
+            <a:schemeClr val="tx1"/>
+          </a:fontRef>
+        </p:style>
+      </p:cxnSp>
+      <p:cxnSp>
+        <p:nvCxnSpPr>
+          <p:cNvPr id="119" name="Conector recto de flecha 10"/>
+          <p:cNvCxnSpPr/>
+          <p:nvPr/>
+        </p:nvCxnSpPr>
+        <p:spPr>
+          <a:xfrm>
+            <a:off x="7452320" y="991431"/>
+            <a:ext cx="0" cy="296727"/>
+          </a:xfrm>
+          <a:prstGeom prst="straightConnector1">
+            <a:avLst/>
+          </a:prstGeom>
+          <a:ln>
+            <a:tailEnd type="arrow" w="sm" len="sm"/>
+          </a:ln>
+        </p:spPr>
+        <p:style>
+          <a:lnRef idx="1">
+            <a:schemeClr val="dk1"/>
+          </a:lnRef>
+          <a:fillRef idx="0">
+            <a:schemeClr val="dk1"/>
+          </a:fillRef>
+          <a:effectRef idx="0">
+            <a:schemeClr val="dk1"/>
+          </a:effectRef>
+          <a:fontRef idx="minor">
+            <a:schemeClr val="tx1"/>
+          </a:fontRef>
+        </p:style>
+      </p:cxnSp>
+      <p:cxnSp>
+        <p:nvCxnSpPr>
+          <p:cNvPr id="120" name="Conector recto de flecha 10"/>
+          <p:cNvCxnSpPr/>
+          <p:nvPr/>
+        </p:nvCxnSpPr>
+        <p:spPr>
+          <a:xfrm>
+            <a:off x="8172400" y="991431"/>
+            <a:ext cx="0" cy="296727"/>
+          </a:xfrm>
+          <a:prstGeom prst="straightConnector1">
+            <a:avLst/>
+          </a:prstGeom>
+          <a:ln>
+            <a:tailEnd type="arrow" w="sm" len="sm"/>
+          </a:ln>
+        </p:spPr>
+        <p:style>
+          <a:lnRef idx="1">
+            <a:schemeClr val="dk1"/>
+          </a:lnRef>
+          <a:fillRef idx="0">
+            <a:schemeClr val="dk1"/>
+          </a:fillRef>
+          <a:effectRef idx="0">
+            <a:schemeClr val="dk1"/>
+          </a:effectRef>
+          <a:fontRef idx="minor">
+            <a:schemeClr val="tx1"/>
+          </a:fontRef>
+        </p:style>
+      </p:cxnSp>
+      <p:cxnSp>
+        <p:nvCxnSpPr>
+          <p:cNvPr id="121" name="Conector recto de flecha 10"/>
+          <p:cNvCxnSpPr>
+            <a:stCxn id="68" idx="2"/>
+            <a:endCxn id="80" idx="0"/>
+          </p:cNvCxnSpPr>
+          <p:nvPr/>
+        </p:nvCxnSpPr>
+        <p:spPr>
+          <a:xfrm>
+            <a:off x="7232056" y="1700808"/>
+            <a:ext cx="1" cy="445222"/>
+          </a:xfrm>
+          <a:prstGeom prst="straightConnector1">
+            <a:avLst/>
+          </a:prstGeom>
+          <a:ln>
+            <a:tailEnd type="arrow" w="sm" len="sm"/>
+          </a:ln>
+        </p:spPr>
+        <p:style>
+          <a:lnRef idx="1">
+            <a:schemeClr val="dk1"/>
+          </a:lnRef>
+          <a:fillRef idx="0">
+            <a:schemeClr val="dk1"/>
+          </a:fillRef>
+          <a:effectRef idx="0">
+            <a:schemeClr val="dk1"/>
+          </a:effectRef>
+          <a:fontRef idx="minor">
+            <a:schemeClr val="tx1"/>
+          </a:fontRef>
+        </p:style>
+      </p:cxnSp>
+      <p:cxnSp>
+        <p:nvCxnSpPr>
+          <p:cNvPr id="124" name="Conector recto de flecha 10"/>
+          <p:cNvCxnSpPr>
+            <a:stCxn id="80" idx="2"/>
+          </p:cNvCxnSpPr>
+          <p:nvPr/>
+        </p:nvCxnSpPr>
+        <p:spPr>
+          <a:xfrm flipH="1">
+            <a:off x="7232056" y="2568817"/>
+            <a:ext cx="1" cy="437396"/>
+          </a:xfrm>
+          <a:prstGeom prst="straightConnector1">
+            <a:avLst/>
+          </a:prstGeom>
+          <a:ln>
+            <a:tailEnd type="arrow" w="sm" len="sm"/>
+          </a:ln>
+        </p:spPr>
+        <p:style>
+          <a:lnRef idx="1">
+            <a:schemeClr val="dk1"/>
+          </a:lnRef>
+          <a:fillRef idx="0">
+            <a:schemeClr val="dk1"/>
+          </a:fillRef>
+          <a:effectRef idx="0">
+            <a:schemeClr val="dk1"/>
+          </a:effectRef>
+          <a:fontRef idx="minor">
+            <a:schemeClr val="tx1"/>
+          </a:fontRef>
+        </p:style>
+      </p:cxnSp>
+      <p:cxnSp>
+        <p:nvCxnSpPr>
+          <p:cNvPr id="127" name="Conector recto de flecha 10"/>
+          <p:cNvCxnSpPr>
+            <a:stCxn id="93" idx="2"/>
+            <a:endCxn id="94" idx="0"/>
+          </p:cNvCxnSpPr>
+          <p:nvPr/>
+        </p:nvCxnSpPr>
+        <p:spPr>
+          <a:xfrm flipH="1">
+            <a:off x="7232056" y="3429000"/>
+            <a:ext cx="5404" cy="441309"/>
+          </a:xfrm>
+          <a:prstGeom prst="straightConnector1">
+            <a:avLst/>
+          </a:prstGeom>
+          <a:ln>
+            <a:tailEnd type="arrow" w="sm" len="sm"/>
+          </a:ln>
+        </p:spPr>
+        <p:style>
+          <a:lnRef idx="1">
+            <a:schemeClr val="dk1"/>
+          </a:lnRef>
+          <a:fillRef idx="0">
+            <a:schemeClr val="dk1"/>
+          </a:fillRef>
+          <a:effectRef idx="0">
+            <a:schemeClr val="dk1"/>
+          </a:effectRef>
+          <a:fontRef idx="minor">
+            <a:schemeClr val="tx1"/>
+          </a:fontRef>
+        </p:style>
+      </p:cxnSp>
+      <p:sp>
+        <p:nvSpPr>
+          <p:cNvPr id="135" name="Esquina doblada 134"/>
+          <p:cNvSpPr/>
+          <p:nvPr/>
+        </p:nvSpPr>
+        <p:spPr>
+          <a:xfrm>
+            <a:off x="6571090" y="4627294"/>
+            <a:ext cx="593198" cy="737308"/>
+          </a:xfrm>
+          <a:prstGeom prst="foldedCorner">
+            <a:avLst>
+              <a:gd name="adj" fmla="val 22813"/>
+            </a:avLst>
+          </a:prstGeom>
+          <a:solidFill>
+            <a:srgbClr val="D9D9D9"/>
+          </a:solidFill>
+          <a:ln w="12700" cmpd="sng"/>
+        </p:spPr>
+        <p:style>
+          <a:lnRef idx="2">
+            <a:schemeClr val="dk1"/>
+          </a:lnRef>
+          <a:fillRef idx="1">
+            <a:schemeClr val="lt1"/>
+          </a:fillRef>
+          <a:effectRef idx="0">
+            <a:schemeClr val="dk1"/>
+          </a:effectRef>
+          <a:fontRef idx="minor">
+            <a:schemeClr val="dk1"/>
+          </a:fontRef>
+        </p:style>
+        <p:txBody>
+          <a:bodyPr rtlCol="0" anchor="ctr"/>
+          <a:lstStyle/>
+          <a:p>
+            <a:pPr algn="ctr"/>
+            <a:r>
+              <a:rPr lang="en-GB" sz="1000" dirty="0" smtClean="0"/>
+              <a:t>PRECIP</a:t>
+            </a:r>
+            <a:endParaRPr lang="en-GB" sz="1000" dirty="0"/>
+          </a:p>
+        </p:txBody>
+      </p:sp>
+      <p:cxnSp>
+        <p:nvCxnSpPr>
+          <p:cNvPr id="136" name="Conector recto de flecha 10"/>
+          <p:cNvCxnSpPr>
+            <a:endCxn id="77" idx="0"/>
+          </p:cNvCxnSpPr>
+          <p:nvPr/>
+        </p:nvCxnSpPr>
+        <p:spPr>
+          <a:xfrm>
+            <a:off x="7748919" y="4293096"/>
+            <a:ext cx="0" cy="342812"/>
+          </a:xfrm>
+          <a:prstGeom prst="straightConnector1">
+            <a:avLst/>
+          </a:prstGeom>
+          <a:ln>
+            <a:tailEnd type="arrow" w="sm" len="sm"/>
+          </a:ln>
+        </p:spPr>
+        <p:style>
+          <a:lnRef idx="1">
+            <a:schemeClr val="dk1"/>
+          </a:lnRef>
+          <a:fillRef idx="0">
+            <a:schemeClr val="dk1"/>
+          </a:fillRef>
+          <a:effectRef idx="0">
+            <a:schemeClr val="dk1"/>
+          </a:effectRef>
+          <a:fontRef idx="minor">
+            <a:schemeClr val="tx1"/>
+          </a:fontRef>
+        </p:style>
+      </p:cxnSp>
+      <p:cxnSp>
+        <p:nvCxnSpPr>
+          <p:cNvPr id="137" name="Conector recto de flecha 10"/>
+          <p:cNvCxnSpPr>
+            <a:endCxn id="135" idx="0"/>
+          </p:cNvCxnSpPr>
+          <p:nvPr/>
+        </p:nvCxnSpPr>
+        <p:spPr>
+          <a:xfrm>
+            <a:off x="6867689" y="4300163"/>
+            <a:ext cx="0" cy="327131"/>
+          </a:xfrm>
+          <a:prstGeom prst="straightConnector1">
+            <a:avLst/>
+          </a:prstGeom>
+          <a:ln>
+            <a:tailEnd type="arrow" w="sm" len="sm"/>
+          </a:ln>
+        </p:spPr>
+        <p:style>
+          <a:lnRef idx="1">
+            <a:schemeClr val="dk1"/>
+          </a:lnRef>
+          <a:fillRef idx="0">
+            <a:schemeClr val="dk1"/>
+          </a:fillRef>
+          <a:effectRef idx="0">
+            <a:schemeClr val="dk1"/>
+          </a:effectRef>
+          <a:fontRef idx="minor">
+            <a:schemeClr val="tx1"/>
+          </a:fontRef>
+        </p:style>
+      </p:cxnSp>
+      <p:grpSp>
+        <p:nvGrpSpPr>
+          <p:cNvPr id="140" name="Group 14"/>
+          <p:cNvGrpSpPr/>
+          <p:nvPr/>
+        </p:nvGrpSpPr>
+        <p:grpSpPr>
+          <a:xfrm>
+            <a:off x="8463540" y="1552436"/>
+            <a:ext cx="284923" cy="292388"/>
+            <a:chOff x="1689542" y="4469817"/>
+            <a:chExt cx="284923" cy="292388"/>
+          </a:xfrm>
+        </p:grpSpPr>
+        <p:sp>
+          <p:nvSpPr>
+            <p:cNvPr id="141" name="Dodecágono 140"/>
+            <p:cNvSpPr/>
+            <p:nvPr/>
+          </p:nvSpPr>
+          <p:spPr>
+            <a:xfrm>
+              <a:off x="1689542" y="4471683"/>
+              <a:ext cx="284923" cy="280576"/>
+            </a:xfrm>
+            <a:prstGeom prst="dodecagon">
+              <a:avLst/>
+            </a:prstGeom>
+            <a:solidFill>
+              <a:srgbClr val="FF0000"/>
+            </a:solidFill>
+            <a:ln>
+              <a:solidFill>
+                <a:srgbClr val="FF0000"/>
+              </a:solidFill>
+            </a:ln>
+            <a:effectLst/>
+          </p:spPr>
+          <p:style>
+            <a:lnRef idx="1">
+              <a:schemeClr val="accent1"/>
+            </a:lnRef>
+            <a:fillRef idx="3">
+              <a:schemeClr val="accent1"/>
+            </a:fillRef>
+            <a:effectRef idx="2">
+              <a:schemeClr val="accent1"/>
+            </a:effectRef>
+            <a:fontRef idx="minor">
+              <a:schemeClr val="lt1"/>
+            </a:fontRef>
+          </p:style>
+          <p:txBody>
+            <a:bodyPr rtlCol="0" anchor="ctr"/>
+            <a:lstStyle/>
+            <a:p>
+              <a:endParaRPr lang="en-GB" sz="1300" dirty="0">
+                <a:latin typeface="Arial"/>
+                <a:cs typeface="Arial"/>
+              </a:endParaRPr>
+            </a:p>
+          </p:txBody>
+        </p:sp>
+        <p:sp>
+          <p:nvSpPr>
+            <p:cNvPr id="142" name="TextBox 13"/>
+            <p:cNvSpPr txBox="1"/>
+            <p:nvPr/>
+          </p:nvSpPr>
+          <p:spPr>
+            <a:xfrm>
+              <a:off x="1689542" y="4469817"/>
+              <a:ext cx="277383" cy="292388"/>
+            </a:xfrm>
+            <a:prstGeom prst="rect">
+              <a:avLst/>
+            </a:prstGeom>
+            <a:noFill/>
+          </p:spPr>
+          <p:txBody>
+            <a:bodyPr wrap="none" rtlCol="0">
+              <a:spAutoFit/>
+            </a:bodyPr>
+            <a:lstStyle/>
+            <a:p>
+              <a:pPr algn="ctr"/>
+              <a:r>
+                <a:rPr lang="en-US" sz="1300" b="1" dirty="0" smtClean="0">
+                  <a:solidFill>
+                    <a:schemeClr val="bg1"/>
+                  </a:solidFill>
+                  <a:latin typeface="Arial"/>
+                  <a:cs typeface="Arial"/>
+                </a:rPr>
+                <a:t>1</a:t>
+              </a:r>
+              <a:endParaRPr lang="en-US" sz="1300" b="1" dirty="0">
+                <a:solidFill>
+                  <a:schemeClr val="bg1"/>
+                </a:solidFill>
+                <a:latin typeface="Arial"/>
+                <a:cs typeface="Arial"/>
+              </a:endParaRPr>
+            </a:p>
+          </p:txBody>
+        </p:sp>
+      </p:grpSp>
+      <p:grpSp>
+        <p:nvGrpSpPr>
+          <p:cNvPr id="143" name="Group 14"/>
+          <p:cNvGrpSpPr/>
+          <p:nvPr/>
+        </p:nvGrpSpPr>
+        <p:grpSpPr>
+          <a:xfrm>
+            <a:off x="8463541" y="2416532"/>
+            <a:ext cx="284923" cy="292388"/>
+            <a:chOff x="1689542" y="4469817"/>
+            <a:chExt cx="284923" cy="292388"/>
+          </a:xfrm>
+        </p:grpSpPr>
+        <p:sp>
+          <p:nvSpPr>
+            <p:cNvPr id="144" name="Dodecágono 143"/>
+            <p:cNvSpPr/>
+            <p:nvPr/>
+          </p:nvSpPr>
+          <p:spPr>
+            <a:xfrm>
+              <a:off x="1689542" y="4471683"/>
+              <a:ext cx="284923" cy="280576"/>
+            </a:xfrm>
+            <a:prstGeom prst="dodecagon">
+              <a:avLst/>
+            </a:prstGeom>
+            <a:solidFill>
+              <a:srgbClr val="FF0000"/>
+            </a:solidFill>
+            <a:ln>
+              <a:solidFill>
+                <a:srgbClr val="FF0000"/>
+              </a:solidFill>
+            </a:ln>
+            <a:effectLst/>
+          </p:spPr>
+          <p:style>
+            <a:lnRef idx="1">
+              <a:schemeClr val="accent1"/>
+            </a:lnRef>
+            <a:fillRef idx="3">
+              <a:schemeClr val="accent1"/>
+            </a:fillRef>
+            <a:effectRef idx="2">
+              <a:schemeClr val="accent1"/>
+            </a:effectRef>
+            <a:fontRef idx="minor">
+              <a:schemeClr val="lt1"/>
+            </a:fontRef>
+          </p:style>
+          <p:txBody>
+            <a:bodyPr rtlCol="0" anchor="ctr"/>
+            <a:lstStyle/>
+            <a:p>
+              <a:endParaRPr lang="en-GB" sz="1300" dirty="0">
+                <a:latin typeface="Arial"/>
+                <a:cs typeface="Arial"/>
+              </a:endParaRPr>
+            </a:p>
+          </p:txBody>
+        </p:sp>
+        <p:sp>
+          <p:nvSpPr>
+            <p:cNvPr id="145" name="TextBox 13"/>
+            <p:cNvSpPr txBox="1"/>
+            <p:nvPr/>
+          </p:nvSpPr>
+          <p:spPr>
+            <a:xfrm>
+              <a:off x="1689542" y="4469817"/>
+              <a:ext cx="277383" cy="292388"/>
+            </a:xfrm>
+            <a:prstGeom prst="rect">
+              <a:avLst/>
+            </a:prstGeom>
+            <a:noFill/>
+          </p:spPr>
+          <p:txBody>
+            <a:bodyPr wrap="none" rtlCol="0">
+              <a:spAutoFit/>
+            </a:bodyPr>
+            <a:lstStyle/>
+            <a:p>
+              <a:pPr algn="ctr"/>
+              <a:r>
+                <a:rPr lang="en-US" sz="1300" b="1" dirty="0">
+                  <a:solidFill>
+                    <a:schemeClr val="bg1"/>
+                  </a:solidFill>
+                  <a:latin typeface="Arial"/>
+                  <a:cs typeface="Arial"/>
+                </a:rPr>
+                <a:t>2</a:t>
+              </a:r>
+              <a:endParaRPr lang="en-US" sz="1300" b="1" dirty="0">
+                <a:solidFill>
+                  <a:schemeClr val="bg1"/>
+                </a:solidFill>
+                <a:latin typeface="Arial"/>
+                <a:cs typeface="Arial"/>
+              </a:endParaRPr>
+            </a:p>
+          </p:txBody>
+        </p:sp>
+      </p:grpSp>
+      <p:grpSp>
+        <p:nvGrpSpPr>
+          <p:cNvPr id="146" name="Group 80"/>
+          <p:cNvGrpSpPr/>
+          <p:nvPr/>
+        </p:nvGrpSpPr>
+        <p:grpSpPr>
+          <a:xfrm>
+            <a:off x="8456000" y="3282806"/>
+            <a:ext cx="284923" cy="292388"/>
+            <a:chOff x="1689542" y="4469817"/>
+            <a:chExt cx="284923" cy="292388"/>
+          </a:xfrm>
+        </p:grpSpPr>
+        <p:sp>
+          <p:nvSpPr>
+            <p:cNvPr id="147" name="Dodecágono 72"/>
+            <p:cNvSpPr/>
+            <p:nvPr/>
+          </p:nvSpPr>
+          <p:spPr>
+            <a:xfrm>
+              <a:off x="1689542" y="4471683"/>
+              <a:ext cx="284923" cy="280576"/>
+            </a:xfrm>
+            <a:prstGeom prst="dodecagon">
+              <a:avLst/>
+            </a:prstGeom>
+            <a:solidFill>
+              <a:srgbClr val="FF0000"/>
+            </a:solidFill>
+            <a:ln>
+              <a:solidFill>
+                <a:srgbClr val="FF0000"/>
+              </a:solidFill>
+            </a:ln>
+            <a:effectLst/>
+          </p:spPr>
+          <p:style>
+            <a:lnRef idx="1">
+              <a:schemeClr val="accent1"/>
+            </a:lnRef>
+            <a:fillRef idx="3">
+              <a:schemeClr val="accent1"/>
+            </a:fillRef>
+            <a:effectRef idx="2">
+              <a:schemeClr val="accent1"/>
+            </a:effectRef>
+            <a:fontRef idx="minor">
+              <a:schemeClr val="lt1"/>
+            </a:fontRef>
+          </p:style>
+          <p:txBody>
+            <a:bodyPr rtlCol="0" anchor="ctr"/>
+            <a:lstStyle/>
+            <a:p>
+              <a:endParaRPr lang="en-GB" sz="1300" dirty="0">
+                <a:latin typeface="Arial"/>
+                <a:cs typeface="Arial"/>
+              </a:endParaRPr>
+            </a:p>
+          </p:txBody>
+        </p:sp>
+        <p:sp>
+          <p:nvSpPr>
+            <p:cNvPr id="148" name="TextBox 82"/>
+            <p:cNvSpPr txBox="1"/>
+            <p:nvPr/>
+          </p:nvSpPr>
+          <p:spPr>
+            <a:xfrm>
+              <a:off x="1689542" y="4469817"/>
+              <a:ext cx="277383" cy="292388"/>
+            </a:xfrm>
+            <a:prstGeom prst="rect">
+              <a:avLst/>
+            </a:prstGeom>
+            <a:noFill/>
+          </p:spPr>
+          <p:txBody>
+            <a:bodyPr wrap="none" rtlCol="0">
+              <a:spAutoFit/>
+            </a:bodyPr>
+            <a:lstStyle/>
+            <a:p>
+              <a:pPr algn="ctr"/>
+              <a:r>
+                <a:rPr lang="en-US" sz="1300" b="1" dirty="0" smtClean="0">
+                  <a:solidFill>
+                    <a:schemeClr val="bg1"/>
+                  </a:solidFill>
+                  <a:latin typeface="Arial"/>
+                  <a:cs typeface="Arial"/>
+                </a:rPr>
+                <a:t>3</a:t>
+              </a:r>
+              <a:endParaRPr lang="en-US" sz="1300" b="1" dirty="0">
+                <a:solidFill>
+                  <a:schemeClr val="bg1"/>
+                </a:solidFill>
+                <a:latin typeface="Arial"/>
+                <a:cs typeface="Arial"/>
+              </a:endParaRPr>
+            </a:p>
+          </p:txBody>
+        </p:sp>
+      </p:grpSp>
+      <p:grpSp>
+        <p:nvGrpSpPr>
+          <p:cNvPr id="152" name="Group 69"/>
+          <p:cNvGrpSpPr/>
+          <p:nvPr/>
+        </p:nvGrpSpPr>
+        <p:grpSpPr>
+          <a:xfrm>
+            <a:off x="8463541" y="4146902"/>
+            <a:ext cx="284923" cy="292388"/>
+            <a:chOff x="1689542" y="4469817"/>
+            <a:chExt cx="284923" cy="292388"/>
+          </a:xfrm>
+        </p:grpSpPr>
+        <p:sp>
+          <p:nvSpPr>
+            <p:cNvPr id="153" name="Dodecágono 72"/>
+            <p:cNvSpPr/>
+            <p:nvPr/>
+          </p:nvSpPr>
+          <p:spPr>
+            <a:xfrm>
+              <a:off x="1689542" y="4471683"/>
+              <a:ext cx="284923" cy="280576"/>
+            </a:xfrm>
+            <a:prstGeom prst="dodecagon">
+              <a:avLst/>
+            </a:prstGeom>
+            <a:solidFill>
+              <a:srgbClr val="FF0000"/>
+            </a:solidFill>
+            <a:ln>
+              <a:solidFill>
+                <a:srgbClr val="FF0000"/>
+              </a:solidFill>
+            </a:ln>
+            <a:effectLst/>
+          </p:spPr>
+          <p:style>
+            <a:lnRef idx="1">
+              <a:schemeClr val="accent1"/>
+            </a:lnRef>
+            <a:fillRef idx="3">
+              <a:schemeClr val="accent1"/>
+            </a:fillRef>
+            <a:effectRef idx="2">
+              <a:schemeClr val="accent1"/>
+            </a:effectRef>
+            <a:fontRef idx="minor">
+              <a:schemeClr val="lt1"/>
+            </a:fontRef>
+          </p:style>
+          <p:txBody>
+            <a:bodyPr rtlCol="0" anchor="ctr"/>
+            <a:lstStyle/>
+            <a:p>
+              <a:endParaRPr lang="en-GB" sz="1300" dirty="0">
+                <a:latin typeface="Arial"/>
+                <a:cs typeface="Arial"/>
+              </a:endParaRPr>
+            </a:p>
+          </p:txBody>
+        </p:sp>
+        <p:sp>
+          <p:nvSpPr>
+            <p:cNvPr id="154" name="TextBox 71"/>
+            <p:cNvSpPr txBox="1"/>
+            <p:nvPr/>
+          </p:nvSpPr>
+          <p:spPr>
+            <a:xfrm>
+              <a:off x="1689542" y="4469817"/>
+              <a:ext cx="277383" cy="292388"/>
+            </a:xfrm>
+            <a:prstGeom prst="rect">
+              <a:avLst/>
+            </a:prstGeom>
+            <a:noFill/>
+          </p:spPr>
+          <p:txBody>
+            <a:bodyPr wrap="none" rtlCol="0">
+              <a:spAutoFit/>
+            </a:bodyPr>
+            <a:lstStyle/>
+            <a:p>
+              <a:pPr algn="ctr"/>
+              <a:r>
+                <a:rPr lang="en-US" sz="1300" b="1" dirty="0" smtClean="0">
+                  <a:solidFill>
+                    <a:schemeClr val="bg1"/>
+                  </a:solidFill>
+                  <a:latin typeface="Arial"/>
+                  <a:cs typeface="Arial"/>
+                </a:rPr>
+                <a:t>4</a:t>
+              </a:r>
+              <a:endParaRPr lang="en-US" sz="1300" b="1" dirty="0">
+                <a:solidFill>
+                  <a:schemeClr val="bg1"/>
+                </a:solidFill>
+                <a:latin typeface="Arial"/>
+                <a:cs typeface="Arial"/>
+              </a:endParaRPr>
+            </a:p>
+          </p:txBody>
+        </p:sp>
+      </p:grpSp>
+    </p:spTree>
+    <p:extLst>
+      <p:ext uri="{BB962C8B-B14F-4D97-AF65-F5344CB8AC3E}">
+        <p14:creationId xmlns:p14="http://schemas.microsoft.com/office/powerpoint/2010/main" val="3984702019"/>
+      </p:ext>
+    </p:extLst>
+  </p:cSld>
+  <p:clrMapOvr>
+    <a:masterClrMapping/>
+  </p:clrMapOvr>
+  <p:timing>
+    <p:tnLst>
+      <p:par>
+        <p:cTn xmlns:p14="http://schemas.microsoft.com/office/powerpoint/2010/main" id="1" dur="indefinite" restart="never" nodeType="tmRoot"/>
+      </p:par>
+    </p:tnLst>
+  </p:timing>
+</p:sld>
+</file>
+
+<file path=ppt/slides/slide7.xml><?xml version="1.0" encoding="utf-8"?>
+<p:sld xmlns:a="http://schemas.openxmlformats.org/drawingml/2006/main" xmlns:r="http://schemas.openxmlformats.org/officeDocument/2006/relationships" xmlns:p="http://schemas.openxmlformats.org/presentationml/2006/main">
+  <p:cSld>
+    <p:spTree>
+      <p:nvGrpSpPr>
+        <p:cNvPr id="1" name=""/>
+        <p:cNvGrpSpPr/>
+        <p:nvPr/>
+      </p:nvGrpSpPr>
+      <p:grpSpPr>
+        <a:xfrm>
+          <a:off x="0" y="0"/>
+          <a:ext cx="0" cy="0"/>
+          <a:chOff x="0" y="0"/>
+          <a:chExt cx="0" cy="0"/>
+        </a:xfrm>
+      </p:grpSpPr>
+      <p:sp>
+        <p:nvSpPr>
           <p:cNvPr id="6" name="Rectángulo 5"/>
           <p:cNvSpPr/>
           <p:nvPr/>
@@ -15267,7 +19054,6 @@
               <a:rPr lang="en-GB" sz="2000" dirty="0"/>
               <a:t>*</a:t>
             </a:r>
-            <a:endParaRPr lang="en-GB" sz="2000" dirty="0"/>
           </a:p>
         </p:txBody>
       </p:sp>
@@ -15297,7 +19083,6 @@
               <a:rPr lang="en-GB" sz="2000" dirty="0"/>
               <a:t>*</a:t>
             </a:r>
-            <a:endParaRPr lang="en-GB" sz="2000" dirty="0"/>
           </a:p>
         </p:txBody>
       </p:sp>
@@ -15327,7 +19112,6 @@
               <a:rPr lang="en-GB" sz="2000" dirty="0"/>
               <a:t>*</a:t>
             </a:r>
-            <a:endParaRPr lang="en-GB" sz="2000" dirty="0"/>
           </a:p>
         </p:txBody>
       </p:sp>
